--- a/exp_c/slide/exp_C.pptx
+++ b/exp_c/slide/exp_C.pptx
@@ -5,7 +5,7 @@
     <p:sldMasterId id="2147483659" r:id="rId1"/>
   </p:sldMasterIdLst>
   <p:notesMasterIdLst>
-    <p:notesMasterId r:id="rId19"/>
+    <p:notesMasterId r:id="rId20"/>
   </p:notesMasterIdLst>
   <p:sldIdLst>
     <p:sldId id="269" r:id="rId2"/>
@@ -23,8 +23,9 @@
     <p:sldId id="264" r:id="rId14"/>
     <p:sldId id="265" r:id="rId15"/>
     <p:sldId id="266" r:id="rId16"/>
-    <p:sldId id="267" r:id="rId17"/>
-    <p:sldId id="273" r:id="rId18"/>
+    <p:sldId id="274" r:id="rId17"/>
+    <p:sldId id="267" r:id="rId18"/>
+    <p:sldId id="273" r:id="rId19"/>
   </p:sldIdLst>
   <p:sldSz cx="9144000" cy="6858000" type="screen4x3"/>
   <p:notesSz cx="6858000" cy="9144000"/>
@@ -274,6 +275,5333 @@
     </p:ext>
   </p:extLst>
 </p:presentation>
+</file>
+
+<file path=ppt/charts/chart1.xml><?xml version="1.0" encoding="utf-8"?>
+<c:chartSpace xmlns:c="http://schemas.openxmlformats.org/drawingml/2006/chart" xmlns:a="http://schemas.openxmlformats.org/drawingml/2006/main" xmlns:r="http://schemas.openxmlformats.org/officeDocument/2006/relationships">
+  <c:lang val="ja-JP"/>
+  <c:chart>
+    <c:plotArea>
+      <c:layout/>
+      <c:lineChart>
+        <c:grouping val="standard"/>
+        <c:ser>
+          <c:idx val="0"/>
+          <c:order val="0"/>
+          <c:marker>
+            <c:symbol val="none"/>
+          </c:marker>
+          <c:val>
+            <c:numRef>
+              <c:f>Sheet1!$A$2:$J$2</c:f>
+              <c:numCache>
+                <c:formatCode>General</c:formatCode>
+                <c:ptCount val="10"/>
+                <c:pt idx="0">
+                  <c:v>0</c:v>
+                </c:pt>
+                <c:pt idx="1">
+                  <c:v>0</c:v>
+                </c:pt>
+                <c:pt idx="2">
+                  <c:v>0</c:v>
+                </c:pt>
+                <c:pt idx="3">
+                  <c:v>0</c:v>
+                </c:pt>
+                <c:pt idx="4">
+                  <c:v>0</c:v>
+                </c:pt>
+                <c:pt idx="5">
+                  <c:v>255</c:v>
+                </c:pt>
+                <c:pt idx="6">
+                  <c:v>255</c:v>
+                </c:pt>
+                <c:pt idx="7">
+                  <c:v>255</c:v>
+                </c:pt>
+                <c:pt idx="8">
+                  <c:v>255</c:v>
+                </c:pt>
+                <c:pt idx="9">
+                  <c:v>255</c:v>
+                </c:pt>
+              </c:numCache>
+            </c:numRef>
+          </c:val>
+        </c:ser>
+        <c:ser>
+          <c:idx val="1"/>
+          <c:order val="1"/>
+          <c:marker>
+            <c:symbol val="none"/>
+          </c:marker>
+          <c:val>
+            <c:numRef>
+              <c:f>Sheet1!$A$3:$J$3</c:f>
+              <c:numCache>
+                <c:formatCode>General</c:formatCode>
+                <c:ptCount val="10"/>
+                <c:pt idx="0">
+                  <c:v>0</c:v>
+                </c:pt>
+                <c:pt idx="1">
+                  <c:v>0</c:v>
+                </c:pt>
+                <c:pt idx="2">
+                  <c:v>0</c:v>
+                </c:pt>
+                <c:pt idx="3">
+                  <c:v>0</c:v>
+                </c:pt>
+                <c:pt idx="4">
+                  <c:v>0</c:v>
+                </c:pt>
+                <c:pt idx="5">
+                  <c:v>255</c:v>
+                </c:pt>
+                <c:pt idx="6">
+                  <c:v>255</c:v>
+                </c:pt>
+                <c:pt idx="7">
+                  <c:v>255</c:v>
+                </c:pt>
+                <c:pt idx="8">
+                  <c:v>255</c:v>
+                </c:pt>
+                <c:pt idx="9">
+                  <c:v>255</c:v>
+                </c:pt>
+              </c:numCache>
+            </c:numRef>
+          </c:val>
+        </c:ser>
+        <c:ser>
+          <c:idx val="2"/>
+          <c:order val="2"/>
+          <c:marker>
+            <c:symbol val="none"/>
+          </c:marker>
+          <c:val>
+            <c:numRef>
+              <c:f>Sheet1!$A$4:$J$4</c:f>
+              <c:numCache>
+                <c:formatCode>General</c:formatCode>
+                <c:ptCount val="10"/>
+                <c:pt idx="0">
+                  <c:v>0</c:v>
+                </c:pt>
+                <c:pt idx="1">
+                  <c:v>0</c:v>
+                </c:pt>
+                <c:pt idx="2">
+                  <c:v>0</c:v>
+                </c:pt>
+                <c:pt idx="3">
+                  <c:v>0</c:v>
+                </c:pt>
+                <c:pt idx="4">
+                  <c:v>0</c:v>
+                </c:pt>
+                <c:pt idx="5">
+                  <c:v>255</c:v>
+                </c:pt>
+                <c:pt idx="6">
+                  <c:v>255</c:v>
+                </c:pt>
+                <c:pt idx="7">
+                  <c:v>255</c:v>
+                </c:pt>
+                <c:pt idx="8">
+                  <c:v>255</c:v>
+                </c:pt>
+                <c:pt idx="9">
+                  <c:v>255</c:v>
+                </c:pt>
+              </c:numCache>
+            </c:numRef>
+          </c:val>
+        </c:ser>
+        <c:ser>
+          <c:idx val="3"/>
+          <c:order val="3"/>
+          <c:marker>
+            <c:symbol val="none"/>
+          </c:marker>
+          <c:val>
+            <c:numRef>
+              <c:f>Sheet1!$A$5:$J$5</c:f>
+              <c:numCache>
+                <c:formatCode>General</c:formatCode>
+                <c:ptCount val="10"/>
+                <c:pt idx="0">
+                  <c:v>0</c:v>
+                </c:pt>
+                <c:pt idx="1">
+                  <c:v>0</c:v>
+                </c:pt>
+                <c:pt idx="2">
+                  <c:v>0</c:v>
+                </c:pt>
+                <c:pt idx="3">
+                  <c:v>0</c:v>
+                </c:pt>
+                <c:pt idx="4">
+                  <c:v>0</c:v>
+                </c:pt>
+                <c:pt idx="5">
+                  <c:v>255</c:v>
+                </c:pt>
+                <c:pt idx="6">
+                  <c:v>255</c:v>
+                </c:pt>
+                <c:pt idx="7">
+                  <c:v>255</c:v>
+                </c:pt>
+                <c:pt idx="8">
+                  <c:v>255</c:v>
+                </c:pt>
+                <c:pt idx="9">
+                  <c:v>255</c:v>
+                </c:pt>
+              </c:numCache>
+            </c:numRef>
+          </c:val>
+        </c:ser>
+        <c:ser>
+          <c:idx val="4"/>
+          <c:order val="4"/>
+          <c:marker>
+            <c:symbol val="none"/>
+          </c:marker>
+          <c:val>
+            <c:numRef>
+              <c:f>Sheet1!$A$6:$J$6</c:f>
+              <c:numCache>
+                <c:formatCode>General</c:formatCode>
+                <c:ptCount val="10"/>
+                <c:pt idx="0">
+                  <c:v>0</c:v>
+                </c:pt>
+                <c:pt idx="1">
+                  <c:v>0</c:v>
+                </c:pt>
+                <c:pt idx="2">
+                  <c:v>0</c:v>
+                </c:pt>
+                <c:pt idx="3">
+                  <c:v>0</c:v>
+                </c:pt>
+                <c:pt idx="4">
+                  <c:v>0</c:v>
+                </c:pt>
+                <c:pt idx="5">
+                  <c:v>255</c:v>
+                </c:pt>
+                <c:pt idx="6">
+                  <c:v>255</c:v>
+                </c:pt>
+                <c:pt idx="7">
+                  <c:v>255</c:v>
+                </c:pt>
+                <c:pt idx="8">
+                  <c:v>255</c:v>
+                </c:pt>
+                <c:pt idx="9">
+                  <c:v>255</c:v>
+                </c:pt>
+              </c:numCache>
+            </c:numRef>
+          </c:val>
+        </c:ser>
+        <c:ser>
+          <c:idx val="5"/>
+          <c:order val="5"/>
+          <c:marker>
+            <c:symbol val="none"/>
+          </c:marker>
+          <c:val>
+            <c:numRef>
+              <c:f>Sheet1!$A$7:$J$7</c:f>
+              <c:numCache>
+                <c:formatCode>General</c:formatCode>
+                <c:ptCount val="10"/>
+                <c:pt idx="0">
+                  <c:v>0</c:v>
+                </c:pt>
+                <c:pt idx="1">
+                  <c:v>0</c:v>
+                </c:pt>
+                <c:pt idx="2">
+                  <c:v>0</c:v>
+                </c:pt>
+                <c:pt idx="3">
+                  <c:v>0</c:v>
+                </c:pt>
+                <c:pt idx="4">
+                  <c:v>0</c:v>
+                </c:pt>
+                <c:pt idx="5">
+                  <c:v>255</c:v>
+                </c:pt>
+                <c:pt idx="6">
+                  <c:v>255</c:v>
+                </c:pt>
+                <c:pt idx="7">
+                  <c:v>255</c:v>
+                </c:pt>
+                <c:pt idx="8">
+                  <c:v>255</c:v>
+                </c:pt>
+                <c:pt idx="9">
+                  <c:v>255</c:v>
+                </c:pt>
+              </c:numCache>
+            </c:numRef>
+          </c:val>
+        </c:ser>
+        <c:ser>
+          <c:idx val="6"/>
+          <c:order val="6"/>
+          <c:marker>
+            <c:symbol val="none"/>
+          </c:marker>
+          <c:val>
+            <c:numRef>
+              <c:f>Sheet1!$A$8:$J$8</c:f>
+              <c:numCache>
+                <c:formatCode>General</c:formatCode>
+                <c:ptCount val="10"/>
+                <c:pt idx="0">
+                  <c:v>0</c:v>
+                </c:pt>
+                <c:pt idx="1">
+                  <c:v>0</c:v>
+                </c:pt>
+                <c:pt idx="2">
+                  <c:v>0</c:v>
+                </c:pt>
+                <c:pt idx="3">
+                  <c:v>0</c:v>
+                </c:pt>
+                <c:pt idx="4">
+                  <c:v>0</c:v>
+                </c:pt>
+                <c:pt idx="5">
+                  <c:v>255</c:v>
+                </c:pt>
+                <c:pt idx="6">
+                  <c:v>255</c:v>
+                </c:pt>
+                <c:pt idx="7">
+                  <c:v>255</c:v>
+                </c:pt>
+                <c:pt idx="8">
+                  <c:v>255</c:v>
+                </c:pt>
+                <c:pt idx="9">
+                  <c:v>255</c:v>
+                </c:pt>
+              </c:numCache>
+            </c:numRef>
+          </c:val>
+        </c:ser>
+        <c:ser>
+          <c:idx val="7"/>
+          <c:order val="7"/>
+          <c:marker>
+            <c:symbol val="none"/>
+          </c:marker>
+          <c:val>
+            <c:numRef>
+              <c:f>Sheet1!$A$9:$J$9</c:f>
+              <c:numCache>
+                <c:formatCode>General</c:formatCode>
+                <c:ptCount val="10"/>
+                <c:pt idx="0">
+                  <c:v>0</c:v>
+                </c:pt>
+                <c:pt idx="1">
+                  <c:v>0</c:v>
+                </c:pt>
+                <c:pt idx="2">
+                  <c:v>0</c:v>
+                </c:pt>
+                <c:pt idx="3">
+                  <c:v>0</c:v>
+                </c:pt>
+                <c:pt idx="4">
+                  <c:v>0</c:v>
+                </c:pt>
+                <c:pt idx="5">
+                  <c:v>255</c:v>
+                </c:pt>
+                <c:pt idx="6">
+                  <c:v>255</c:v>
+                </c:pt>
+                <c:pt idx="7">
+                  <c:v>255</c:v>
+                </c:pt>
+                <c:pt idx="8">
+                  <c:v>255</c:v>
+                </c:pt>
+                <c:pt idx="9">
+                  <c:v>255</c:v>
+                </c:pt>
+              </c:numCache>
+            </c:numRef>
+          </c:val>
+        </c:ser>
+        <c:ser>
+          <c:idx val="8"/>
+          <c:order val="8"/>
+          <c:marker>
+            <c:symbol val="none"/>
+          </c:marker>
+          <c:val>
+            <c:numRef>
+              <c:f>Sheet1!$A$10:$J$10</c:f>
+              <c:numCache>
+                <c:formatCode>General</c:formatCode>
+                <c:ptCount val="10"/>
+                <c:pt idx="0">
+                  <c:v>0</c:v>
+                </c:pt>
+                <c:pt idx="1">
+                  <c:v>0</c:v>
+                </c:pt>
+                <c:pt idx="2">
+                  <c:v>0</c:v>
+                </c:pt>
+                <c:pt idx="3">
+                  <c:v>0</c:v>
+                </c:pt>
+                <c:pt idx="4">
+                  <c:v>0</c:v>
+                </c:pt>
+                <c:pt idx="5">
+                  <c:v>255</c:v>
+                </c:pt>
+                <c:pt idx="6">
+                  <c:v>255</c:v>
+                </c:pt>
+                <c:pt idx="7">
+                  <c:v>255</c:v>
+                </c:pt>
+                <c:pt idx="8">
+                  <c:v>255</c:v>
+                </c:pt>
+                <c:pt idx="9">
+                  <c:v>255</c:v>
+                </c:pt>
+              </c:numCache>
+            </c:numRef>
+          </c:val>
+        </c:ser>
+        <c:ser>
+          <c:idx val="9"/>
+          <c:order val="9"/>
+          <c:marker>
+            <c:symbol val="none"/>
+          </c:marker>
+          <c:val>
+            <c:numRef>
+              <c:f>Sheet1!$A$11:$J$11</c:f>
+              <c:numCache>
+                <c:formatCode>General</c:formatCode>
+                <c:ptCount val="10"/>
+                <c:pt idx="0">
+                  <c:v>0</c:v>
+                </c:pt>
+                <c:pt idx="1">
+                  <c:v>0</c:v>
+                </c:pt>
+                <c:pt idx="2">
+                  <c:v>0</c:v>
+                </c:pt>
+                <c:pt idx="3">
+                  <c:v>0</c:v>
+                </c:pt>
+                <c:pt idx="4">
+                  <c:v>0</c:v>
+                </c:pt>
+                <c:pt idx="5">
+                  <c:v>255</c:v>
+                </c:pt>
+                <c:pt idx="6">
+                  <c:v>255</c:v>
+                </c:pt>
+                <c:pt idx="7">
+                  <c:v>255</c:v>
+                </c:pt>
+                <c:pt idx="8">
+                  <c:v>255</c:v>
+                </c:pt>
+                <c:pt idx="9">
+                  <c:v>255</c:v>
+                </c:pt>
+              </c:numCache>
+            </c:numRef>
+          </c:val>
+        </c:ser>
+        <c:marker val="1"/>
+        <c:axId val="200695808"/>
+        <c:axId val="200698880"/>
+      </c:lineChart>
+      <c:catAx>
+        <c:axId val="200695808"/>
+        <c:scaling>
+          <c:orientation val="minMax"/>
+        </c:scaling>
+        <c:axPos val="b"/>
+        <c:tickLblPos val="nextTo"/>
+        <c:crossAx val="200698880"/>
+        <c:crosses val="autoZero"/>
+        <c:auto val="1"/>
+        <c:lblAlgn val="ctr"/>
+        <c:lblOffset val="100"/>
+      </c:catAx>
+      <c:valAx>
+        <c:axId val="200698880"/>
+        <c:scaling>
+          <c:orientation val="minMax"/>
+        </c:scaling>
+        <c:axPos val="l"/>
+        <c:majorGridlines/>
+        <c:numFmt formatCode="General" sourceLinked="1"/>
+        <c:tickLblPos val="nextTo"/>
+        <c:crossAx val="200695808"/>
+        <c:crosses val="autoZero"/>
+        <c:crossBetween val="between"/>
+      </c:valAx>
+    </c:plotArea>
+    <c:plotVisOnly val="1"/>
+    <c:dispBlanksAs val="gap"/>
+  </c:chart>
+  <c:spPr>
+    <a:gradFill>
+      <a:gsLst>
+        <a:gs pos="0">
+          <a:srgbClr val="5B9BD5">
+            <a:tint val="66000"/>
+            <a:satMod val="160000"/>
+          </a:srgbClr>
+        </a:gs>
+        <a:gs pos="50000">
+          <a:srgbClr val="5B9BD5">
+            <a:tint val="44500"/>
+            <a:satMod val="160000"/>
+          </a:srgbClr>
+        </a:gs>
+        <a:gs pos="100000">
+          <a:srgbClr val="5B9BD5">
+            <a:tint val="23500"/>
+            <a:satMod val="160000"/>
+          </a:srgbClr>
+        </a:gs>
+      </a:gsLst>
+      <a:lin ang="5400000" scaled="0"/>
+    </a:gradFill>
+  </c:spPr>
+  <c:externalData r:id="rId1"/>
+</c:chartSpace>
+</file>
+
+<file path=ppt/charts/chart10.xml><?xml version="1.0" encoding="utf-8"?>
+<c:chartSpace xmlns:c="http://schemas.openxmlformats.org/drawingml/2006/chart" xmlns:a="http://schemas.openxmlformats.org/drawingml/2006/main" xmlns:r="http://schemas.openxmlformats.org/officeDocument/2006/relationships">
+  <c:lang val="ja-JP"/>
+  <c:chart>
+    <c:view3D>
+      <c:rotX val="30"/>
+      <c:rotY val="0"/>
+      <c:perspective val="20"/>
+    </c:view3D>
+    <c:plotArea>
+      <c:layout/>
+      <c:surface3DChart>
+        <c:ser>
+          <c:idx val="0"/>
+          <c:order val="0"/>
+          <c:val>
+            <c:numRef>
+              <c:f>Sheet1!$A$61:$J$61</c:f>
+              <c:numCache>
+                <c:formatCode>General</c:formatCode>
+                <c:ptCount val="10"/>
+                <c:pt idx="0">
+                  <c:v>0</c:v>
+                </c:pt>
+                <c:pt idx="1">
+                  <c:v>0</c:v>
+                </c:pt>
+                <c:pt idx="2">
+                  <c:v>0</c:v>
+                </c:pt>
+                <c:pt idx="3">
+                  <c:v>0</c:v>
+                </c:pt>
+                <c:pt idx="4">
+                  <c:v>0</c:v>
+                </c:pt>
+                <c:pt idx="5">
+                  <c:v>0</c:v>
+                </c:pt>
+                <c:pt idx="6">
+                  <c:v>0</c:v>
+                </c:pt>
+                <c:pt idx="7">
+                  <c:v>0</c:v>
+                </c:pt>
+                <c:pt idx="8">
+                  <c:v>0</c:v>
+                </c:pt>
+                <c:pt idx="9">
+                  <c:v>0</c:v>
+                </c:pt>
+              </c:numCache>
+            </c:numRef>
+          </c:val>
+        </c:ser>
+        <c:ser>
+          <c:idx val="1"/>
+          <c:order val="1"/>
+          <c:val>
+            <c:numRef>
+              <c:f>Sheet1!$A$62:$J$62</c:f>
+              <c:numCache>
+                <c:formatCode>General</c:formatCode>
+                <c:ptCount val="10"/>
+                <c:pt idx="0">
+                  <c:v>0</c:v>
+                </c:pt>
+                <c:pt idx="1">
+                  <c:v>170</c:v>
+                </c:pt>
+                <c:pt idx="2">
+                  <c:v>170</c:v>
+                </c:pt>
+                <c:pt idx="3">
+                  <c:v>170</c:v>
+                </c:pt>
+                <c:pt idx="4">
+                  <c:v>170</c:v>
+                </c:pt>
+                <c:pt idx="5">
+                  <c:v>170</c:v>
+                </c:pt>
+                <c:pt idx="6">
+                  <c:v>170</c:v>
+                </c:pt>
+                <c:pt idx="7">
+                  <c:v>170</c:v>
+                </c:pt>
+                <c:pt idx="8">
+                  <c:v>170</c:v>
+                </c:pt>
+                <c:pt idx="9">
+                  <c:v>0</c:v>
+                </c:pt>
+              </c:numCache>
+            </c:numRef>
+          </c:val>
+        </c:ser>
+        <c:ser>
+          <c:idx val="2"/>
+          <c:order val="2"/>
+          <c:val>
+            <c:numRef>
+              <c:f>Sheet1!$A$63:$J$63</c:f>
+              <c:numCache>
+                <c:formatCode>General</c:formatCode>
+                <c:ptCount val="10"/>
+                <c:pt idx="0">
+                  <c:v>0</c:v>
+                </c:pt>
+                <c:pt idx="1">
+                  <c:v>170</c:v>
+                </c:pt>
+                <c:pt idx="2">
+                  <c:v>170</c:v>
+                </c:pt>
+                <c:pt idx="3">
+                  <c:v>170</c:v>
+                </c:pt>
+                <c:pt idx="4">
+                  <c:v>170</c:v>
+                </c:pt>
+                <c:pt idx="5">
+                  <c:v>170</c:v>
+                </c:pt>
+                <c:pt idx="6">
+                  <c:v>170</c:v>
+                </c:pt>
+                <c:pt idx="7">
+                  <c:v>170</c:v>
+                </c:pt>
+                <c:pt idx="8">
+                  <c:v>170</c:v>
+                </c:pt>
+                <c:pt idx="9">
+                  <c:v>0</c:v>
+                </c:pt>
+              </c:numCache>
+            </c:numRef>
+          </c:val>
+        </c:ser>
+        <c:ser>
+          <c:idx val="3"/>
+          <c:order val="3"/>
+          <c:val>
+            <c:numRef>
+              <c:f>Sheet1!$A$64:$J$64</c:f>
+              <c:numCache>
+                <c:formatCode>General</c:formatCode>
+                <c:ptCount val="10"/>
+                <c:pt idx="0">
+                  <c:v>0</c:v>
+                </c:pt>
+                <c:pt idx="1">
+                  <c:v>170</c:v>
+                </c:pt>
+                <c:pt idx="2">
+                  <c:v>170</c:v>
+                </c:pt>
+                <c:pt idx="3">
+                  <c:v>170</c:v>
+                </c:pt>
+                <c:pt idx="4">
+                  <c:v>255</c:v>
+                </c:pt>
+                <c:pt idx="5">
+                  <c:v>255</c:v>
+                </c:pt>
+                <c:pt idx="6">
+                  <c:v>170</c:v>
+                </c:pt>
+                <c:pt idx="7">
+                  <c:v>170</c:v>
+                </c:pt>
+                <c:pt idx="8">
+                  <c:v>170</c:v>
+                </c:pt>
+                <c:pt idx="9">
+                  <c:v>0</c:v>
+                </c:pt>
+              </c:numCache>
+            </c:numRef>
+          </c:val>
+        </c:ser>
+        <c:ser>
+          <c:idx val="4"/>
+          <c:order val="4"/>
+          <c:val>
+            <c:numRef>
+              <c:f>Sheet1!$A$65:$J$65</c:f>
+              <c:numCache>
+                <c:formatCode>General</c:formatCode>
+                <c:ptCount val="10"/>
+                <c:pt idx="0">
+                  <c:v>0</c:v>
+                </c:pt>
+                <c:pt idx="1">
+                  <c:v>170</c:v>
+                </c:pt>
+                <c:pt idx="2">
+                  <c:v>170</c:v>
+                </c:pt>
+                <c:pt idx="3">
+                  <c:v>255</c:v>
+                </c:pt>
+                <c:pt idx="4">
+                  <c:v>0</c:v>
+                </c:pt>
+                <c:pt idx="5">
+                  <c:v>0</c:v>
+                </c:pt>
+                <c:pt idx="6">
+                  <c:v>255</c:v>
+                </c:pt>
+                <c:pt idx="7">
+                  <c:v>170</c:v>
+                </c:pt>
+                <c:pt idx="8">
+                  <c:v>170</c:v>
+                </c:pt>
+                <c:pt idx="9">
+                  <c:v>0</c:v>
+                </c:pt>
+              </c:numCache>
+            </c:numRef>
+          </c:val>
+        </c:ser>
+        <c:ser>
+          <c:idx val="5"/>
+          <c:order val="5"/>
+          <c:val>
+            <c:numRef>
+              <c:f>Sheet1!$A$66:$J$66</c:f>
+              <c:numCache>
+                <c:formatCode>General</c:formatCode>
+                <c:ptCount val="10"/>
+                <c:pt idx="0">
+                  <c:v>0</c:v>
+                </c:pt>
+                <c:pt idx="1">
+                  <c:v>170</c:v>
+                </c:pt>
+                <c:pt idx="2">
+                  <c:v>170</c:v>
+                </c:pt>
+                <c:pt idx="3">
+                  <c:v>255</c:v>
+                </c:pt>
+                <c:pt idx="4">
+                  <c:v>0</c:v>
+                </c:pt>
+                <c:pt idx="5">
+                  <c:v>0</c:v>
+                </c:pt>
+                <c:pt idx="6">
+                  <c:v>255</c:v>
+                </c:pt>
+                <c:pt idx="7">
+                  <c:v>170</c:v>
+                </c:pt>
+                <c:pt idx="8">
+                  <c:v>170</c:v>
+                </c:pt>
+                <c:pt idx="9">
+                  <c:v>0</c:v>
+                </c:pt>
+              </c:numCache>
+            </c:numRef>
+          </c:val>
+        </c:ser>
+        <c:ser>
+          <c:idx val="6"/>
+          <c:order val="6"/>
+          <c:val>
+            <c:numRef>
+              <c:f>Sheet1!$A$67:$J$67</c:f>
+              <c:numCache>
+                <c:formatCode>General</c:formatCode>
+                <c:ptCount val="10"/>
+                <c:pt idx="0">
+                  <c:v>0</c:v>
+                </c:pt>
+                <c:pt idx="1">
+                  <c:v>170</c:v>
+                </c:pt>
+                <c:pt idx="2">
+                  <c:v>170</c:v>
+                </c:pt>
+                <c:pt idx="3">
+                  <c:v>170</c:v>
+                </c:pt>
+                <c:pt idx="4">
+                  <c:v>255</c:v>
+                </c:pt>
+                <c:pt idx="5">
+                  <c:v>255</c:v>
+                </c:pt>
+                <c:pt idx="6">
+                  <c:v>170</c:v>
+                </c:pt>
+                <c:pt idx="7">
+                  <c:v>170</c:v>
+                </c:pt>
+                <c:pt idx="8">
+                  <c:v>170</c:v>
+                </c:pt>
+                <c:pt idx="9">
+                  <c:v>0</c:v>
+                </c:pt>
+              </c:numCache>
+            </c:numRef>
+          </c:val>
+        </c:ser>
+        <c:ser>
+          <c:idx val="7"/>
+          <c:order val="7"/>
+          <c:val>
+            <c:numRef>
+              <c:f>Sheet1!$A$68:$J$68</c:f>
+              <c:numCache>
+                <c:formatCode>General</c:formatCode>
+                <c:ptCount val="10"/>
+                <c:pt idx="0">
+                  <c:v>0</c:v>
+                </c:pt>
+                <c:pt idx="1">
+                  <c:v>170</c:v>
+                </c:pt>
+                <c:pt idx="2">
+                  <c:v>170</c:v>
+                </c:pt>
+                <c:pt idx="3">
+                  <c:v>170</c:v>
+                </c:pt>
+                <c:pt idx="4">
+                  <c:v>170</c:v>
+                </c:pt>
+                <c:pt idx="5">
+                  <c:v>170</c:v>
+                </c:pt>
+                <c:pt idx="6">
+                  <c:v>170</c:v>
+                </c:pt>
+                <c:pt idx="7">
+                  <c:v>170</c:v>
+                </c:pt>
+                <c:pt idx="8">
+                  <c:v>170</c:v>
+                </c:pt>
+                <c:pt idx="9">
+                  <c:v>0</c:v>
+                </c:pt>
+              </c:numCache>
+            </c:numRef>
+          </c:val>
+        </c:ser>
+        <c:ser>
+          <c:idx val="8"/>
+          <c:order val="8"/>
+          <c:val>
+            <c:numRef>
+              <c:f>Sheet1!$A$69:$J$69</c:f>
+              <c:numCache>
+                <c:formatCode>General</c:formatCode>
+                <c:ptCount val="10"/>
+                <c:pt idx="0">
+                  <c:v>0</c:v>
+                </c:pt>
+                <c:pt idx="1">
+                  <c:v>170</c:v>
+                </c:pt>
+                <c:pt idx="2">
+                  <c:v>170</c:v>
+                </c:pt>
+                <c:pt idx="3">
+                  <c:v>170</c:v>
+                </c:pt>
+                <c:pt idx="4">
+                  <c:v>170</c:v>
+                </c:pt>
+                <c:pt idx="5">
+                  <c:v>170</c:v>
+                </c:pt>
+                <c:pt idx="6">
+                  <c:v>170</c:v>
+                </c:pt>
+                <c:pt idx="7">
+                  <c:v>170</c:v>
+                </c:pt>
+                <c:pt idx="8">
+                  <c:v>170</c:v>
+                </c:pt>
+                <c:pt idx="9">
+                  <c:v>0</c:v>
+                </c:pt>
+              </c:numCache>
+            </c:numRef>
+          </c:val>
+        </c:ser>
+        <c:ser>
+          <c:idx val="9"/>
+          <c:order val="9"/>
+          <c:val>
+            <c:numRef>
+              <c:f>Sheet1!$A$70:$J$70</c:f>
+              <c:numCache>
+                <c:formatCode>General</c:formatCode>
+                <c:ptCount val="10"/>
+                <c:pt idx="0">
+                  <c:v>0</c:v>
+                </c:pt>
+                <c:pt idx="1">
+                  <c:v>0</c:v>
+                </c:pt>
+                <c:pt idx="2">
+                  <c:v>0</c:v>
+                </c:pt>
+                <c:pt idx="3">
+                  <c:v>0</c:v>
+                </c:pt>
+                <c:pt idx="4">
+                  <c:v>0</c:v>
+                </c:pt>
+                <c:pt idx="5">
+                  <c:v>0</c:v>
+                </c:pt>
+                <c:pt idx="6">
+                  <c:v>0</c:v>
+                </c:pt>
+                <c:pt idx="7">
+                  <c:v>0</c:v>
+                </c:pt>
+                <c:pt idx="8">
+                  <c:v>0</c:v>
+                </c:pt>
+                <c:pt idx="9">
+                  <c:v>0</c:v>
+                </c:pt>
+              </c:numCache>
+            </c:numRef>
+          </c:val>
+        </c:ser>
+        <c:bandFmts/>
+        <c:axId val="200573696"/>
+        <c:axId val="200624384"/>
+        <c:axId val="189468160"/>
+      </c:surface3DChart>
+      <c:catAx>
+        <c:axId val="200573696"/>
+        <c:scaling>
+          <c:orientation val="minMax"/>
+        </c:scaling>
+        <c:axPos val="b"/>
+        <c:tickLblPos val="nextTo"/>
+        <c:crossAx val="200624384"/>
+        <c:crosses val="autoZero"/>
+        <c:auto val="1"/>
+        <c:lblAlgn val="ctr"/>
+        <c:lblOffset val="100"/>
+      </c:catAx>
+      <c:valAx>
+        <c:axId val="200624384"/>
+        <c:scaling>
+          <c:orientation val="minMax"/>
+        </c:scaling>
+        <c:axPos val="l"/>
+        <c:majorGridlines/>
+        <c:numFmt formatCode="General" sourceLinked="1"/>
+        <c:tickLblPos val="nextTo"/>
+        <c:crossAx val="200573696"/>
+        <c:crosses val="autoZero"/>
+        <c:crossBetween val="midCat"/>
+      </c:valAx>
+      <c:serAx>
+        <c:axId val="189468160"/>
+        <c:scaling>
+          <c:orientation val="minMax"/>
+        </c:scaling>
+        <c:delete val="1"/>
+        <c:axPos val="b"/>
+        <c:tickLblPos val="none"/>
+        <c:crossAx val="200624384"/>
+        <c:crosses val="autoZero"/>
+      </c:serAx>
+    </c:plotArea>
+    <c:legend>
+      <c:legendPos val="r"/>
+      <c:layout/>
+      <c:txPr>
+        <a:bodyPr/>
+        <a:lstStyle/>
+        <a:p>
+          <a:pPr rtl="0">
+            <a:defRPr/>
+          </a:pPr>
+          <a:endParaRPr lang="ja-JP"/>
+        </a:p>
+      </c:txPr>
+    </c:legend>
+    <c:plotVisOnly val="1"/>
+    <c:dispBlanksAs val="zero"/>
+  </c:chart>
+  <c:spPr>
+    <a:gradFill>
+      <a:gsLst>
+        <a:gs pos="0">
+          <a:srgbClr val="5B9BD5">
+            <a:tint val="66000"/>
+            <a:satMod val="160000"/>
+          </a:srgbClr>
+        </a:gs>
+        <a:gs pos="50000">
+          <a:srgbClr val="5B9BD5">
+            <a:tint val="44500"/>
+            <a:satMod val="160000"/>
+          </a:srgbClr>
+        </a:gs>
+        <a:gs pos="100000">
+          <a:srgbClr val="5B9BD5">
+            <a:tint val="23500"/>
+            <a:satMod val="160000"/>
+          </a:srgbClr>
+        </a:gs>
+      </a:gsLst>
+      <a:lin ang="5400000" scaled="0"/>
+    </a:gradFill>
+  </c:spPr>
+  <c:externalData r:id="rId1"/>
+</c:chartSpace>
+</file>
+
+<file path=ppt/charts/chart2.xml><?xml version="1.0" encoding="utf-8"?>
+<c:chartSpace xmlns:c="http://schemas.openxmlformats.org/drawingml/2006/chart" xmlns:a="http://schemas.openxmlformats.org/drawingml/2006/main" xmlns:r="http://schemas.openxmlformats.org/officeDocument/2006/relationships">
+  <c:lang val="ja-JP"/>
+  <c:chart>
+    <c:plotArea>
+      <c:layout/>
+      <c:lineChart>
+        <c:grouping val="standard"/>
+        <c:ser>
+          <c:idx val="0"/>
+          <c:order val="0"/>
+          <c:marker>
+            <c:symbol val="none"/>
+          </c:marker>
+          <c:val>
+            <c:numRef>
+              <c:f>Sheet1!$L$2:$U$2</c:f>
+              <c:numCache>
+                <c:formatCode>General</c:formatCode>
+                <c:ptCount val="10"/>
+                <c:pt idx="0">
+                  <c:v>0</c:v>
+                </c:pt>
+                <c:pt idx="1">
+                  <c:v>0</c:v>
+                </c:pt>
+                <c:pt idx="2">
+                  <c:v>0</c:v>
+                </c:pt>
+                <c:pt idx="3">
+                  <c:v>0</c:v>
+                </c:pt>
+                <c:pt idx="4">
+                  <c:v>0</c:v>
+                </c:pt>
+                <c:pt idx="5">
+                  <c:v>0</c:v>
+                </c:pt>
+                <c:pt idx="6">
+                  <c:v>0</c:v>
+                </c:pt>
+                <c:pt idx="7">
+                  <c:v>0</c:v>
+                </c:pt>
+                <c:pt idx="8">
+                  <c:v>0</c:v>
+                </c:pt>
+                <c:pt idx="9">
+                  <c:v>0</c:v>
+                </c:pt>
+              </c:numCache>
+            </c:numRef>
+          </c:val>
+        </c:ser>
+        <c:ser>
+          <c:idx val="1"/>
+          <c:order val="1"/>
+          <c:marker>
+            <c:symbol val="none"/>
+          </c:marker>
+          <c:val>
+            <c:numRef>
+              <c:f>Sheet1!$L$3:$U$3</c:f>
+              <c:numCache>
+                <c:formatCode>General</c:formatCode>
+                <c:ptCount val="10"/>
+                <c:pt idx="0">
+                  <c:v>0</c:v>
+                </c:pt>
+                <c:pt idx="1">
+                  <c:v>0</c:v>
+                </c:pt>
+                <c:pt idx="2">
+                  <c:v>0</c:v>
+                </c:pt>
+                <c:pt idx="3">
+                  <c:v>0</c:v>
+                </c:pt>
+                <c:pt idx="4">
+                  <c:v>85</c:v>
+                </c:pt>
+                <c:pt idx="5">
+                  <c:v>170</c:v>
+                </c:pt>
+                <c:pt idx="6">
+                  <c:v>255</c:v>
+                </c:pt>
+                <c:pt idx="7">
+                  <c:v>255</c:v>
+                </c:pt>
+                <c:pt idx="8">
+                  <c:v>255</c:v>
+                </c:pt>
+                <c:pt idx="9">
+                  <c:v>0</c:v>
+                </c:pt>
+              </c:numCache>
+            </c:numRef>
+          </c:val>
+        </c:ser>
+        <c:ser>
+          <c:idx val="2"/>
+          <c:order val="2"/>
+          <c:marker>
+            <c:symbol val="none"/>
+          </c:marker>
+          <c:val>
+            <c:numRef>
+              <c:f>Sheet1!$L$4:$U$4</c:f>
+              <c:numCache>
+                <c:formatCode>General</c:formatCode>
+                <c:ptCount val="10"/>
+                <c:pt idx="0">
+                  <c:v>0</c:v>
+                </c:pt>
+                <c:pt idx="1">
+                  <c:v>0</c:v>
+                </c:pt>
+                <c:pt idx="2">
+                  <c:v>0</c:v>
+                </c:pt>
+                <c:pt idx="3">
+                  <c:v>0</c:v>
+                </c:pt>
+                <c:pt idx="4">
+                  <c:v>85</c:v>
+                </c:pt>
+                <c:pt idx="5">
+                  <c:v>170</c:v>
+                </c:pt>
+                <c:pt idx="6">
+                  <c:v>255</c:v>
+                </c:pt>
+                <c:pt idx="7">
+                  <c:v>255</c:v>
+                </c:pt>
+                <c:pt idx="8">
+                  <c:v>255</c:v>
+                </c:pt>
+                <c:pt idx="9">
+                  <c:v>0</c:v>
+                </c:pt>
+              </c:numCache>
+            </c:numRef>
+          </c:val>
+        </c:ser>
+        <c:ser>
+          <c:idx val="3"/>
+          <c:order val="3"/>
+          <c:marker>
+            <c:symbol val="none"/>
+          </c:marker>
+          <c:val>
+            <c:numRef>
+              <c:f>Sheet1!$L$5:$U$5</c:f>
+              <c:numCache>
+                <c:formatCode>General</c:formatCode>
+                <c:ptCount val="10"/>
+                <c:pt idx="0">
+                  <c:v>0</c:v>
+                </c:pt>
+                <c:pt idx="1">
+                  <c:v>0</c:v>
+                </c:pt>
+                <c:pt idx="2">
+                  <c:v>0</c:v>
+                </c:pt>
+                <c:pt idx="3">
+                  <c:v>0</c:v>
+                </c:pt>
+                <c:pt idx="4">
+                  <c:v>85</c:v>
+                </c:pt>
+                <c:pt idx="5">
+                  <c:v>170</c:v>
+                </c:pt>
+                <c:pt idx="6">
+                  <c:v>255</c:v>
+                </c:pt>
+                <c:pt idx="7">
+                  <c:v>255</c:v>
+                </c:pt>
+                <c:pt idx="8">
+                  <c:v>255</c:v>
+                </c:pt>
+                <c:pt idx="9">
+                  <c:v>0</c:v>
+                </c:pt>
+              </c:numCache>
+            </c:numRef>
+          </c:val>
+        </c:ser>
+        <c:ser>
+          <c:idx val="4"/>
+          <c:order val="4"/>
+          <c:marker>
+            <c:symbol val="none"/>
+          </c:marker>
+          <c:val>
+            <c:numRef>
+              <c:f>Sheet1!$L$6:$U$6</c:f>
+              <c:numCache>
+                <c:formatCode>General</c:formatCode>
+                <c:ptCount val="10"/>
+                <c:pt idx="0">
+                  <c:v>0</c:v>
+                </c:pt>
+                <c:pt idx="1">
+                  <c:v>0</c:v>
+                </c:pt>
+                <c:pt idx="2">
+                  <c:v>0</c:v>
+                </c:pt>
+                <c:pt idx="3">
+                  <c:v>0</c:v>
+                </c:pt>
+                <c:pt idx="4">
+                  <c:v>85</c:v>
+                </c:pt>
+                <c:pt idx="5">
+                  <c:v>170</c:v>
+                </c:pt>
+                <c:pt idx="6">
+                  <c:v>255</c:v>
+                </c:pt>
+                <c:pt idx="7">
+                  <c:v>255</c:v>
+                </c:pt>
+                <c:pt idx="8">
+                  <c:v>255</c:v>
+                </c:pt>
+                <c:pt idx="9">
+                  <c:v>0</c:v>
+                </c:pt>
+              </c:numCache>
+            </c:numRef>
+          </c:val>
+        </c:ser>
+        <c:ser>
+          <c:idx val="5"/>
+          <c:order val="5"/>
+          <c:marker>
+            <c:symbol val="none"/>
+          </c:marker>
+          <c:val>
+            <c:numRef>
+              <c:f>Sheet1!$L$7:$U$7</c:f>
+              <c:numCache>
+                <c:formatCode>General</c:formatCode>
+                <c:ptCount val="10"/>
+                <c:pt idx="0">
+                  <c:v>0</c:v>
+                </c:pt>
+                <c:pt idx="1">
+                  <c:v>0</c:v>
+                </c:pt>
+                <c:pt idx="2">
+                  <c:v>0</c:v>
+                </c:pt>
+                <c:pt idx="3">
+                  <c:v>0</c:v>
+                </c:pt>
+                <c:pt idx="4">
+                  <c:v>85</c:v>
+                </c:pt>
+                <c:pt idx="5">
+                  <c:v>170</c:v>
+                </c:pt>
+                <c:pt idx="6">
+                  <c:v>255</c:v>
+                </c:pt>
+                <c:pt idx="7">
+                  <c:v>255</c:v>
+                </c:pt>
+                <c:pt idx="8">
+                  <c:v>255</c:v>
+                </c:pt>
+                <c:pt idx="9">
+                  <c:v>0</c:v>
+                </c:pt>
+              </c:numCache>
+            </c:numRef>
+          </c:val>
+        </c:ser>
+        <c:ser>
+          <c:idx val="6"/>
+          <c:order val="6"/>
+          <c:marker>
+            <c:symbol val="none"/>
+          </c:marker>
+          <c:val>
+            <c:numRef>
+              <c:f>Sheet1!$L$8:$U$8</c:f>
+              <c:numCache>
+                <c:formatCode>General</c:formatCode>
+                <c:ptCount val="10"/>
+                <c:pt idx="0">
+                  <c:v>0</c:v>
+                </c:pt>
+                <c:pt idx="1">
+                  <c:v>0</c:v>
+                </c:pt>
+                <c:pt idx="2">
+                  <c:v>0</c:v>
+                </c:pt>
+                <c:pt idx="3">
+                  <c:v>0</c:v>
+                </c:pt>
+                <c:pt idx="4">
+                  <c:v>85</c:v>
+                </c:pt>
+                <c:pt idx="5">
+                  <c:v>170</c:v>
+                </c:pt>
+                <c:pt idx="6">
+                  <c:v>255</c:v>
+                </c:pt>
+                <c:pt idx="7">
+                  <c:v>255</c:v>
+                </c:pt>
+                <c:pt idx="8">
+                  <c:v>255</c:v>
+                </c:pt>
+                <c:pt idx="9">
+                  <c:v>0</c:v>
+                </c:pt>
+              </c:numCache>
+            </c:numRef>
+          </c:val>
+        </c:ser>
+        <c:ser>
+          <c:idx val="7"/>
+          <c:order val="7"/>
+          <c:marker>
+            <c:symbol val="none"/>
+          </c:marker>
+          <c:val>
+            <c:numRef>
+              <c:f>Sheet1!$L$9:$U$9</c:f>
+              <c:numCache>
+                <c:formatCode>General</c:formatCode>
+                <c:ptCount val="10"/>
+                <c:pt idx="0">
+                  <c:v>0</c:v>
+                </c:pt>
+                <c:pt idx="1">
+                  <c:v>0</c:v>
+                </c:pt>
+                <c:pt idx="2">
+                  <c:v>0</c:v>
+                </c:pt>
+                <c:pt idx="3">
+                  <c:v>0</c:v>
+                </c:pt>
+                <c:pt idx="4">
+                  <c:v>85</c:v>
+                </c:pt>
+                <c:pt idx="5">
+                  <c:v>170</c:v>
+                </c:pt>
+                <c:pt idx="6">
+                  <c:v>255</c:v>
+                </c:pt>
+                <c:pt idx="7">
+                  <c:v>255</c:v>
+                </c:pt>
+                <c:pt idx="8">
+                  <c:v>255</c:v>
+                </c:pt>
+                <c:pt idx="9">
+                  <c:v>0</c:v>
+                </c:pt>
+              </c:numCache>
+            </c:numRef>
+          </c:val>
+        </c:ser>
+        <c:ser>
+          <c:idx val="8"/>
+          <c:order val="8"/>
+          <c:spPr>
+            <a:ln>
+              <a:noFill/>
+            </a:ln>
+          </c:spPr>
+          <c:marker>
+            <c:symbol val="none"/>
+          </c:marker>
+          <c:val>
+            <c:numRef>
+              <c:f>Sheet1!$L$10:$U$10</c:f>
+              <c:numCache>
+                <c:formatCode>General</c:formatCode>
+                <c:ptCount val="10"/>
+                <c:pt idx="0">
+                  <c:v>0</c:v>
+                </c:pt>
+                <c:pt idx="1">
+                  <c:v>0</c:v>
+                </c:pt>
+                <c:pt idx="2">
+                  <c:v>0</c:v>
+                </c:pt>
+                <c:pt idx="3">
+                  <c:v>0</c:v>
+                </c:pt>
+                <c:pt idx="4">
+                  <c:v>85</c:v>
+                </c:pt>
+                <c:pt idx="5">
+                  <c:v>170</c:v>
+                </c:pt>
+                <c:pt idx="6">
+                  <c:v>255</c:v>
+                </c:pt>
+                <c:pt idx="7">
+                  <c:v>255</c:v>
+                </c:pt>
+                <c:pt idx="8">
+                  <c:v>255</c:v>
+                </c:pt>
+                <c:pt idx="9">
+                  <c:v>0</c:v>
+                </c:pt>
+              </c:numCache>
+            </c:numRef>
+          </c:val>
+        </c:ser>
+        <c:ser>
+          <c:idx val="9"/>
+          <c:order val="9"/>
+          <c:marker>
+            <c:symbol val="none"/>
+          </c:marker>
+          <c:val>
+            <c:numRef>
+              <c:f>Sheet1!$L$11:$U$11</c:f>
+              <c:numCache>
+                <c:formatCode>General</c:formatCode>
+                <c:ptCount val="10"/>
+                <c:pt idx="0">
+                  <c:v>0</c:v>
+                </c:pt>
+                <c:pt idx="1">
+                  <c:v>0</c:v>
+                </c:pt>
+                <c:pt idx="2">
+                  <c:v>0</c:v>
+                </c:pt>
+                <c:pt idx="3">
+                  <c:v>0</c:v>
+                </c:pt>
+                <c:pt idx="4">
+                  <c:v>0</c:v>
+                </c:pt>
+                <c:pt idx="5">
+                  <c:v>0</c:v>
+                </c:pt>
+                <c:pt idx="6">
+                  <c:v>0</c:v>
+                </c:pt>
+                <c:pt idx="7">
+                  <c:v>0</c:v>
+                </c:pt>
+                <c:pt idx="8">
+                  <c:v>0</c:v>
+                </c:pt>
+                <c:pt idx="9">
+                  <c:v>0</c:v>
+                </c:pt>
+              </c:numCache>
+            </c:numRef>
+          </c:val>
+        </c:ser>
+        <c:marker val="1"/>
+        <c:axId val="155505024"/>
+        <c:axId val="155506944"/>
+      </c:lineChart>
+      <c:catAx>
+        <c:axId val="155505024"/>
+        <c:scaling>
+          <c:orientation val="minMax"/>
+        </c:scaling>
+        <c:axPos val="b"/>
+        <c:tickLblPos val="nextTo"/>
+        <c:crossAx val="155506944"/>
+        <c:crosses val="autoZero"/>
+        <c:auto val="1"/>
+        <c:lblAlgn val="ctr"/>
+        <c:lblOffset val="100"/>
+      </c:catAx>
+      <c:valAx>
+        <c:axId val="155506944"/>
+        <c:scaling>
+          <c:orientation val="minMax"/>
+        </c:scaling>
+        <c:axPos val="l"/>
+        <c:majorGridlines/>
+        <c:numFmt formatCode="General" sourceLinked="1"/>
+        <c:tickLblPos val="nextTo"/>
+        <c:crossAx val="155505024"/>
+        <c:crosses val="autoZero"/>
+        <c:crossBetween val="between"/>
+      </c:valAx>
+    </c:plotArea>
+    <c:plotVisOnly val="1"/>
+    <c:dispBlanksAs val="gap"/>
+  </c:chart>
+  <c:spPr>
+    <a:gradFill>
+      <a:gsLst>
+        <a:gs pos="0">
+          <a:srgbClr val="5B9BD5">
+            <a:tint val="66000"/>
+            <a:satMod val="160000"/>
+          </a:srgbClr>
+        </a:gs>
+        <a:gs pos="50000">
+          <a:srgbClr val="5B9BD5">
+            <a:tint val="44500"/>
+            <a:satMod val="160000"/>
+          </a:srgbClr>
+        </a:gs>
+        <a:gs pos="100000">
+          <a:srgbClr val="5B9BD5">
+            <a:tint val="23500"/>
+            <a:satMod val="160000"/>
+          </a:srgbClr>
+        </a:gs>
+      </a:gsLst>
+      <a:lin ang="5400000" scaled="0"/>
+    </a:gradFill>
+  </c:spPr>
+  <c:externalData r:id="rId1"/>
+</c:chartSpace>
+</file>
+
+<file path=ppt/charts/chart3.xml><?xml version="1.0" encoding="utf-8"?>
+<c:chartSpace xmlns:c="http://schemas.openxmlformats.org/drawingml/2006/chart" xmlns:a="http://schemas.openxmlformats.org/drawingml/2006/main" xmlns:r="http://schemas.openxmlformats.org/officeDocument/2006/relationships">
+  <c:lang val="ja-JP"/>
+  <c:chart>
+    <c:plotArea>
+      <c:layout/>
+      <c:lineChart>
+        <c:grouping val="standard"/>
+        <c:ser>
+          <c:idx val="0"/>
+          <c:order val="0"/>
+          <c:marker>
+            <c:symbol val="none"/>
+          </c:marker>
+          <c:val>
+            <c:numRef>
+              <c:f>Sheet1!$A$32:$J$32</c:f>
+              <c:numCache>
+                <c:formatCode>General</c:formatCode>
+                <c:ptCount val="10"/>
+                <c:pt idx="0">
+                  <c:v>0</c:v>
+                </c:pt>
+                <c:pt idx="1">
+                  <c:v>0</c:v>
+                </c:pt>
+                <c:pt idx="2">
+                  <c:v>0</c:v>
+                </c:pt>
+                <c:pt idx="3">
+                  <c:v>0</c:v>
+                </c:pt>
+                <c:pt idx="4">
+                  <c:v>0</c:v>
+                </c:pt>
+                <c:pt idx="5">
+                  <c:v>0</c:v>
+                </c:pt>
+                <c:pt idx="6">
+                  <c:v>0</c:v>
+                </c:pt>
+                <c:pt idx="7">
+                  <c:v>0</c:v>
+                </c:pt>
+                <c:pt idx="8">
+                  <c:v>0</c:v>
+                </c:pt>
+                <c:pt idx="9">
+                  <c:v>0</c:v>
+                </c:pt>
+              </c:numCache>
+            </c:numRef>
+          </c:val>
+        </c:ser>
+        <c:ser>
+          <c:idx val="1"/>
+          <c:order val="1"/>
+          <c:marker>
+            <c:symbol val="none"/>
+          </c:marker>
+          <c:val>
+            <c:numRef>
+              <c:f>Sheet1!$A$33:$J$33</c:f>
+              <c:numCache>
+                <c:formatCode>General</c:formatCode>
+                <c:ptCount val="10"/>
+                <c:pt idx="0">
+                  <c:v>0</c:v>
+                </c:pt>
+                <c:pt idx="1">
+                  <c:v>0</c:v>
+                </c:pt>
+                <c:pt idx="2">
+                  <c:v>0</c:v>
+                </c:pt>
+                <c:pt idx="3">
+                  <c:v>0</c:v>
+                </c:pt>
+                <c:pt idx="4">
+                  <c:v>255</c:v>
+                </c:pt>
+                <c:pt idx="5">
+                  <c:v>255</c:v>
+                </c:pt>
+                <c:pt idx="6">
+                  <c:v>0</c:v>
+                </c:pt>
+                <c:pt idx="7">
+                  <c:v>0</c:v>
+                </c:pt>
+                <c:pt idx="8">
+                  <c:v>0</c:v>
+                </c:pt>
+                <c:pt idx="9">
+                  <c:v>0</c:v>
+                </c:pt>
+              </c:numCache>
+            </c:numRef>
+          </c:val>
+        </c:ser>
+        <c:ser>
+          <c:idx val="2"/>
+          <c:order val="2"/>
+          <c:marker>
+            <c:symbol val="none"/>
+          </c:marker>
+          <c:val>
+            <c:numRef>
+              <c:f>Sheet1!$A$34:$J$34</c:f>
+              <c:numCache>
+                <c:formatCode>General</c:formatCode>
+                <c:ptCount val="10"/>
+                <c:pt idx="0">
+                  <c:v>0</c:v>
+                </c:pt>
+                <c:pt idx="1">
+                  <c:v>0</c:v>
+                </c:pt>
+                <c:pt idx="2">
+                  <c:v>0</c:v>
+                </c:pt>
+                <c:pt idx="3">
+                  <c:v>0</c:v>
+                </c:pt>
+                <c:pt idx="4">
+                  <c:v>255</c:v>
+                </c:pt>
+                <c:pt idx="5">
+                  <c:v>255</c:v>
+                </c:pt>
+                <c:pt idx="6">
+                  <c:v>0</c:v>
+                </c:pt>
+                <c:pt idx="7">
+                  <c:v>0</c:v>
+                </c:pt>
+                <c:pt idx="8">
+                  <c:v>0</c:v>
+                </c:pt>
+                <c:pt idx="9">
+                  <c:v>0</c:v>
+                </c:pt>
+              </c:numCache>
+            </c:numRef>
+          </c:val>
+        </c:ser>
+        <c:ser>
+          <c:idx val="3"/>
+          <c:order val="3"/>
+          <c:marker>
+            <c:symbol val="none"/>
+          </c:marker>
+          <c:val>
+            <c:numRef>
+              <c:f>Sheet1!$A$35:$J$35</c:f>
+              <c:numCache>
+                <c:formatCode>General</c:formatCode>
+                <c:ptCount val="10"/>
+                <c:pt idx="0">
+                  <c:v>0</c:v>
+                </c:pt>
+                <c:pt idx="1">
+                  <c:v>0</c:v>
+                </c:pt>
+                <c:pt idx="2">
+                  <c:v>0</c:v>
+                </c:pt>
+                <c:pt idx="3">
+                  <c:v>0</c:v>
+                </c:pt>
+                <c:pt idx="4">
+                  <c:v>255</c:v>
+                </c:pt>
+                <c:pt idx="5">
+                  <c:v>255</c:v>
+                </c:pt>
+                <c:pt idx="6">
+                  <c:v>0</c:v>
+                </c:pt>
+                <c:pt idx="7">
+                  <c:v>0</c:v>
+                </c:pt>
+                <c:pt idx="8">
+                  <c:v>0</c:v>
+                </c:pt>
+                <c:pt idx="9">
+                  <c:v>0</c:v>
+                </c:pt>
+              </c:numCache>
+            </c:numRef>
+          </c:val>
+        </c:ser>
+        <c:ser>
+          <c:idx val="4"/>
+          <c:order val="4"/>
+          <c:marker>
+            <c:symbol val="none"/>
+          </c:marker>
+          <c:val>
+            <c:numRef>
+              <c:f>Sheet1!$A$36:$J$36</c:f>
+              <c:numCache>
+                <c:formatCode>General</c:formatCode>
+                <c:ptCount val="10"/>
+                <c:pt idx="0">
+                  <c:v>0</c:v>
+                </c:pt>
+                <c:pt idx="1">
+                  <c:v>0</c:v>
+                </c:pt>
+                <c:pt idx="2">
+                  <c:v>0</c:v>
+                </c:pt>
+                <c:pt idx="3">
+                  <c:v>0</c:v>
+                </c:pt>
+                <c:pt idx="4">
+                  <c:v>255</c:v>
+                </c:pt>
+                <c:pt idx="5">
+                  <c:v>255</c:v>
+                </c:pt>
+                <c:pt idx="6">
+                  <c:v>0</c:v>
+                </c:pt>
+                <c:pt idx="7">
+                  <c:v>0</c:v>
+                </c:pt>
+                <c:pt idx="8">
+                  <c:v>0</c:v>
+                </c:pt>
+                <c:pt idx="9">
+                  <c:v>0</c:v>
+                </c:pt>
+              </c:numCache>
+            </c:numRef>
+          </c:val>
+        </c:ser>
+        <c:ser>
+          <c:idx val="5"/>
+          <c:order val="5"/>
+          <c:marker>
+            <c:symbol val="none"/>
+          </c:marker>
+          <c:val>
+            <c:numRef>
+              <c:f>Sheet1!$A$37:$J$37</c:f>
+              <c:numCache>
+                <c:formatCode>General</c:formatCode>
+                <c:ptCount val="10"/>
+                <c:pt idx="0">
+                  <c:v>0</c:v>
+                </c:pt>
+                <c:pt idx="1">
+                  <c:v>0</c:v>
+                </c:pt>
+                <c:pt idx="2">
+                  <c:v>0</c:v>
+                </c:pt>
+                <c:pt idx="3">
+                  <c:v>0</c:v>
+                </c:pt>
+                <c:pt idx="4">
+                  <c:v>255</c:v>
+                </c:pt>
+                <c:pt idx="5">
+                  <c:v>255</c:v>
+                </c:pt>
+                <c:pt idx="6">
+                  <c:v>0</c:v>
+                </c:pt>
+                <c:pt idx="7">
+                  <c:v>0</c:v>
+                </c:pt>
+                <c:pt idx="8">
+                  <c:v>0</c:v>
+                </c:pt>
+                <c:pt idx="9">
+                  <c:v>0</c:v>
+                </c:pt>
+              </c:numCache>
+            </c:numRef>
+          </c:val>
+        </c:ser>
+        <c:ser>
+          <c:idx val="6"/>
+          <c:order val="6"/>
+          <c:marker>
+            <c:symbol val="none"/>
+          </c:marker>
+          <c:val>
+            <c:numRef>
+              <c:f>Sheet1!$A$38:$J$38</c:f>
+              <c:numCache>
+                <c:formatCode>General</c:formatCode>
+                <c:ptCount val="10"/>
+                <c:pt idx="0">
+                  <c:v>0</c:v>
+                </c:pt>
+                <c:pt idx="1">
+                  <c:v>0</c:v>
+                </c:pt>
+                <c:pt idx="2">
+                  <c:v>0</c:v>
+                </c:pt>
+                <c:pt idx="3">
+                  <c:v>0</c:v>
+                </c:pt>
+                <c:pt idx="4">
+                  <c:v>255</c:v>
+                </c:pt>
+                <c:pt idx="5">
+                  <c:v>255</c:v>
+                </c:pt>
+                <c:pt idx="6">
+                  <c:v>0</c:v>
+                </c:pt>
+                <c:pt idx="7">
+                  <c:v>0</c:v>
+                </c:pt>
+                <c:pt idx="8">
+                  <c:v>0</c:v>
+                </c:pt>
+                <c:pt idx="9">
+                  <c:v>0</c:v>
+                </c:pt>
+              </c:numCache>
+            </c:numRef>
+          </c:val>
+        </c:ser>
+        <c:ser>
+          <c:idx val="7"/>
+          <c:order val="7"/>
+          <c:marker>
+            <c:symbol val="none"/>
+          </c:marker>
+          <c:val>
+            <c:numRef>
+              <c:f>Sheet1!$A$39:$J$39</c:f>
+              <c:numCache>
+                <c:formatCode>General</c:formatCode>
+                <c:ptCount val="10"/>
+                <c:pt idx="0">
+                  <c:v>0</c:v>
+                </c:pt>
+                <c:pt idx="1">
+                  <c:v>0</c:v>
+                </c:pt>
+                <c:pt idx="2">
+                  <c:v>0</c:v>
+                </c:pt>
+                <c:pt idx="3">
+                  <c:v>0</c:v>
+                </c:pt>
+                <c:pt idx="4">
+                  <c:v>255</c:v>
+                </c:pt>
+                <c:pt idx="5">
+                  <c:v>255</c:v>
+                </c:pt>
+                <c:pt idx="6">
+                  <c:v>0</c:v>
+                </c:pt>
+                <c:pt idx="7">
+                  <c:v>0</c:v>
+                </c:pt>
+                <c:pt idx="8">
+                  <c:v>0</c:v>
+                </c:pt>
+                <c:pt idx="9">
+                  <c:v>0</c:v>
+                </c:pt>
+              </c:numCache>
+            </c:numRef>
+          </c:val>
+        </c:ser>
+        <c:ser>
+          <c:idx val="8"/>
+          <c:order val="8"/>
+          <c:spPr>
+            <a:ln>
+              <a:noFill/>
+            </a:ln>
+          </c:spPr>
+          <c:marker>
+            <c:symbol val="none"/>
+          </c:marker>
+          <c:val>
+            <c:numRef>
+              <c:f>Sheet1!$A$40:$J$40</c:f>
+              <c:numCache>
+                <c:formatCode>General</c:formatCode>
+                <c:ptCount val="10"/>
+                <c:pt idx="0">
+                  <c:v>0</c:v>
+                </c:pt>
+                <c:pt idx="1">
+                  <c:v>0</c:v>
+                </c:pt>
+                <c:pt idx="2">
+                  <c:v>0</c:v>
+                </c:pt>
+                <c:pt idx="3">
+                  <c:v>0</c:v>
+                </c:pt>
+                <c:pt idx="4">
+                  <c:v>255</c:v>
+                </c:pt>
+                <c:pt idx="5">
+                  <c:v>255</c:v>
+                </c:pt>
+                <c:pt idx="6">
+                  <c:v>0</c:v>
+                </c:pt>
+                <c:pt idx="7">
+                  <c:v>0</c:v>
+                </c:pt>
+                <c:pt idx="8">
+                  <c:v>0</c:v>
+                </c:pt>
+                <c:pt idx="9">
+                  <c:v>0</c:v>
+                </c:pt>
+              </c:numCache>
+            </c:numRef>
+          </c:val>
+        </c:ser>
+        <c:ser>
+          <c:idx val="9"/>
+          <c:order val="9"/>
+          <c:marker>
+            <c:symbol val="none"/>
+          </c:marker>
+          <c:val>
+            <c:numRef>
+              <c:f>Sheet1!$A$41:$J$41</c:f>
+              <c:numCache>
+                <c:formatCode>General</c:formatCode>
+                <c:ptCount val="10"/>
+                <c:pt idx="0">
+                  <c:v>0</c:v>
+                </c:pt>
+                <c:pt idx="1">
+                  <c:v>0</c:v>
+                </c:pt>
+                <c:pt idx="2">
+                  <c:v>0</c:v>
+                </c:pt>
+                <c:pt idx="3">
+                  <c:v>0</c:v>
+                </c:pt>
+                <c:pt idx="4">
+                  <c:v>0</c:v>
+                </c:pt>
+                <c:pt idx="5">
+                  <c:v>0</c:v>
+                </c:pt>
+                <c:pt idx="6">
+                  <c:v>0</c:v>
+                </c:pt>
+                <c:pt idx="7">
+                  <c:v>0</c:v>
+                </c:pt>
+                <c:pt idx="8">
+                  <c:v>0</c:v>
+                </c:pt>
+                <c:pt idx="9">
+                  <c:v>0</c:v>
+                </c:pt>
+              </c:numCache>
+            </c:numRef>
+          </c:val>
+        </c:ser>
+        <c:marker val="1"/>
+        <c:axId val="143402880"/>
+        <c:axId val="143452416"/>
+      </c:lineChart>
+      <c:catAx>
+        <c:axId val="143402880"/>
+        <c:scaling>
+          <c:orientation val="minMax"/>
+        </c:scaling>
+        <c:axPos val="b"/>
+        <c:tickLblPos val="nextTo"/>
+        <c:crossAx val="143452416"/>
+        <c:crosses val="autoZero"/>
+        <c:auto val="1"/>
+        <c:lblAlgn val="ctr"/>
+        <c:lblOffset val="100"/>
+      </c:catAx>
+      <c:valAx>
+        <c:axId val="143452416"/>
+        <c:scaling>
+          <c:orientation val="minMax"/>
+        </c:scaling>
+        <c:axPos val="l"/>
+        <c:majorGridlines/>
+        <c:numFmt formatCode="General" sourceLinked="1"/>
+        <c:tickLblPos val="nextTo"/>
+        <c:crossAx val="143402880"/>
+        <c:crosses val="autoZero"/>
+        <c:crossBetween val="between"/>
+      </c:valAx>
+    </c:plotArea>
+    <c:plotVisOnly val="1"/>
+    <c:dispBlanksAs val="gap"/>
+  </c:chart>
+  <c:spPr>
+    <a:gradFill>
+      <a:gsLst>
+        <a:gs pos="0">
+          <a:srgbClr val="5B9BD5">
+            <a:tint val="66000"/>
+            <a:satMod val="160000"/>
+          </a:srgbClr>
+        </a:gs>
+        <a:gs pos="50000">
+          <a:srgbClr val="5B9BD5">
+            <a:tint val="44500"/>
+            <a:satMod val="160000"/>
+          </a:srgbClr>
+        </a:gs>
+        <a:gs pos="100000">
+          <a:srgbClr val="5B9BD5">
+            <a:tint val="23500"/>
+            <a:satMod val="160000"/>
+          </a:srgbClr>
+        </a:gs>
+      </a:gsLst>
+      <a:lin ang="5400000" scaled="0"/>
+    </a:gradFill>
+  </c:spPr>
+  <c:externalData r:id="rId1"/>
+</c:chartSpace>
+</file>
+
+<file path=ppt/charts/chart4.xml><?xml version="1.0" encoding="utf-8"?>
+<c:chartSpace xmlns:c="http://schemas.openxmlformats.org/drawingml/2006/chart" xmlns:a="http://schemas.openxmlformats.org/drawingml/2006/main" xmlns:r="http://schemas.openxmlformats.org/officeDocument/2006/relationships">
+  <c:lang val="ja-JP"/>
+  <c:chart>
+    <c:plotArea>
+      <c:layout/>
+      <c:lineChart>
+        <c:grouping val="standard"/>
+        <c:ser>
+          <c:idx val="0"/>
+          <c:order val="0"/>
+          <c:marker>
+            <c:symbol val="none"/>
+          </c:marker>
+          <c:val>
+            <c:numRef>
+              <c:f>Sheet1!$A$2:$J$2</c:f>
+              <c:numCache>
+                <c:formatCode>General</c:formatCode>
+                <c:ptCount val="10"/>
+                <c:pt idx="0">
+                  <c:v>0</c:v>
+                </c:pt>
+                <c:pt idx="1">
+                  <c:v>0</c:v>
+                </c:pt>
+                <c:pt idx="2">
+                  <c:v>0</c:v>
+                </c:pt>
+                <c:pt idx="3">
+                  <c:v>0</c:v>
+                </c:pt>
+                <c:pt idx="4">
+                  <c:v>0</c:v>
+                </c:pt>
+                <c:pt idx="5">
+                  <c:v>255</c:v>
+                </c:pt>
+                <c:pt idx="6">
+                  <c:v>255</c:v>
+                </c:pt>
+                <c:pt idx="7">
+                  <c:v>255</c:v>
+                </c:pt>
+                <c:pt idx="8">
+                  <c:v>255</c:v>
+                </c:pt>
+                <c:pt idx="9">
+                  <c:v>255</c:v>
+                </c:pt>
+              </c:numCache>
+            </c:numRef>
+          </c:val>
+        </c:ser>
+        <c:ser>
+          <c:idx val="1"/>
+          <c:order val="1"/>
+          <c:marker>
+            <c:symbol val="none"/>
+          </c:marker>
+          <c:val>
+            <c:numRef>
+              <c:f>Sheet1!$A$3:$J$3</c:f>
+              <c:numCache>
+                <c:formatCode>General</c:formatCode>
+                <c:ptCount val="10"/>
+                <c:pt idx="0">
+                  <c:v>0</c:v>
+                </c:pt>
+                <c:pt idx="1">
+                  <c:v>0</c:v>
+                </c:pt>
+                <c:pt idx="2">
+                  <c:v>0</c:v>
+                </c:pt>
+                <c:pt idx="3">
+                  <c:v>0</c:v>
+                </c:pt>
+                <c:pt idx="4">
+                  <c:v>0</c:v>
+                </c:pt>
+                <c:pt idx="5">
+                  <c:v>255</c:v>
+                </c:pt>
+                <c:pt idx="6">
+                  <c:v>255</c:v>
+                </c:pt>
+                <c:pt idx="7">
+                  <c:v>255</c:v>
+                </c:pt>
+                <c:pt idx="8">
+                  <c:v>255</c:v>
+                </c:pt>
+                <c:pt idx="9">
+                  <c:v>255</c:v>
+                </c:pt>
+              </c:numCache>
+            </c:numRef>
+          </c:val>
+        </c:ser>
+        <c:ser>
+          <c:idx val="2"/>
+          <c:order val="2"/>
+          <c:marker>
+            <c:symbol val="none"/>
+          </c:marker>
+          <c:val>
+            <c:numRef>
+              <c:f>Sheet1!$A$4:$J$4</c:f>
+              <c:numCache>
+                <c:formatCode>General</c:formatCode>
+                <c:ptCount val="10"/>
+                <c:pt idx="0">
+                  <c:v>0</c:v>
+                </c:pt>
+                <c:pt idx="1">
+                  <c:v>0</c:v>
+                </c:pt>
+                <c:pt idx="2">
+                  <c:v>0</c:v>
+                </c:pt>
+                <c:pt idx="3">
+                  <c:v>0</c:v>
+                </c:pt>
+                <c:pt idx="4">
+                  <c:v>0</c:v>
+                </c:pt>
+                <c:pt idx="5">
+                  <c:v>255</c:v>
+                </c:pt>
+                <c:pt idx="6">
+                  <c:v>255</c:v>
+                </c:pt>
+                <c:pt idx="7">
+                  <c:v>255</c:v>
+                </c:pt>
+                <c:pt idx="8">
+                  <c:v>255</c:v>
+                </c:pt>
+                <c:pt idx="9">
+                  <c:v>255</c:v>
+                </c:pt>
+              </c:numCache>
+            </c:numRef>
+          </c:val>
+        </c:ser>
+        <c:ser>
+          <c:idx val="3"/>
+          <c:order val="3"/>
+          <c:marker>
+            <c:symbol val="none"/>
+          </c:marker>
+          <c:val>
+            <c:numRef>
+              <c:f>Sheet1!$A$5:$J$5</c:f>
+              <c:numCache>
+                <c:formatCode>General</c:formatCode>
+                <c:ptCount val="10"/>
+                <c:pt idx="0">
+                  <c:v>0</c:v>
+                </c:pt>
+                <c:pt idx="1">
+                  <c:v>0</c:v>
+                </c:pt>
+                <c:pt idx="2">
+                  <c:v>0</c:v>
+                </c:pt>
+                <c:pt idx="3">
+                  <c:v>0</c:v>
+                </c:pt>
+                <c:pt idx="4">
+                  <c:v>0</c:v>
+                </c:pt>
+                <c:pt idx="5">
+                  <c:v>255</c:v>
+                </c:pt>
+                <c:pt idx="6">
+                  <c:v>255</c:v>
+                </c:pt>
+                <c:pt idx="7">
+                  <c:v>255</c:v>
+                </c:pt>
+                <c:pt idx="8">
+                  <c:v>255</c:v>
+                </c:pt>
+                <c:pt idx="9">
+                  <c:v>255</c:v>
+                </c:pt>
+              </c:numCache>
+            </c:numRef>
+          </c:val>
+        </c:ser>
+        <c:ser>
+          <c:idx val="4"/>
+          <c:order val="4"/>
+          <c:marker>
+            <c:symbol val="none"/>
+          </c:marker>
+          <c:val>
+            <c:numRef>
+              <c:f>Sheet1!$A$6:$J$6</c:f>
+              <c:numCache>
+                <c:formatCode>General</c:formatCode>
+                <c:ptCount val="10"/>
+                <c:pt idx="0">
+                  <c:v>0</c:v>
+                </c:pt>
+                <c:pt idx="1">
+                  <c:v>0</c:v>
+                </c:pt>
+                <c:pt idx="2">
+                  <c:v>0</c:v>
+                </c:pt>
+                <c:pt idx="3">
+                  <c:v>0</c:v>
+                </c:pt>
+                <c:pt idx="4">
+                  <c:v>0</c:v>
+                </c:pt>
+                <c:pt idx="5">
+                  <c:v>255</c:v>
+                </c:pt>
+                <c:pt idx="6">
+                  <c:v>255</c:v>
+                </c:pt>
+                <c:pt idx="7">
+                  <c:v>255</c:v>
+                </c:pt>
+                <c:pt idx="8">
+                  <c:v>255</c:v>
+                </c:pt>
+                <c:pt idx="9">
+                  <c:v>255</c:v>
+                </c:pt>
+              </c:numCache>
+            </c:numRef>
+          </c:val>
+        </c:ser>
+        <c:ser>
+          <c:idx val="5"/>
+          <c:order val="5"/>
+          <c:marker>
+            <c:symbol val="none"/>
+          </c:marker>
+          <c:val>
+            <c:numRef>
+              <c:f>Sheet1!$A$7:$J$7</c:f>
+              <c:numCache>
+                <c:formatCode>General</c:formatCode>
+                <c:ptCount val="10"/>
+                <c:pt idx="0">
+                  <c:v>0</c:v>
+                </c:pt>
+                <c:pt idx="1">
+                  <c:v>0</c:v>
+                </c:pt>
+                <c:pt idx="2">
+                  <c:v>0</c:v>
+                </c:pt>
+                <c:pt idx="3">
+                  <c:v>0</c:v>
+                </c:pt>
+                <c:pt idx="4">
+                  <c:v>0</c:v>
+                </c:pt>
+                <c:pt idx="5">
+                  <c:v>255</c:v>
+                </c:pt>
+                <c:pt idx="6">
+                  <c:v>255</c:v>
+                </c:pt>
+                <c:pt idx="7">
+                  <c:v>255</c:v>
+                </c:pt>
+                <c:pt idx="8">
+                  <c:v>255</c:v>
+                </c:pt>
+                <c:pt idx="9">
+                  <c:v>255</c:v>
+                </c:pt>
+              </c:numCache>
+            </c:numRef>
+          </c:val>
+        </c:ser>
+        <c:ser>
+          <c:idx val="6"/>
+          <c:order val="6"/>
+          <c:marker>
+            <c:symbol val="none"/>
+          </c:marker>
+          <c:val>
+            <c:numRef>
+              <c:f>Sheet1!$A$8:$J$8</c:f>
+              <c:numCache>
+                <c:formatCode>General</c:formatCode>
+                <c:ptCount val="10"/>
+                <c:pt idx="0">
+                  <c:v>0</c:v>
+                </c:pt>
+                <c:pt idx="1">
+                  <c:v>0</c:v>
+                </c:pt>
+                <c:pt idx="2">
+                  <c:v>0</c:v>
+                </c:pt>
+                <c:pt idx="3">
+                  <c:v>0</c:v>
+                </c:pt>
+                <c:pt idx="4">
+                  <c:v>0</c:v>
+                </c:pt>
+                <c:pt idx="5">
+                  <c:v>255</c:v>
+                </c:pt>
+                <c:pt idx="6">
+                  <c:v>255</c:v>
+                </c:pt>
+                <c:pt idx="7">
+                  <c:v>255</c:v>
+                </c:pt>
+                <c:pt idx="8">
+                  <c:v>255</c:v>
+                </c:pt>
+                <c:pt idx="9">
+                  <c:v>255</c:v>
+                </c:pt>
+              </c:numCache>
+            </c:numRef>
+          </c:val>
+        </c:ser>
+        <c:ser>
+          <c:idx val="7"/>
+          <c:order val="7"/>
+          <c:marker>
+            <c:symbol val="none"/>
+          </c:marker>
+          <c:val>
+            <c:numRef>
+              <c:f>Sheet1!$A$9:$J$9</c:f>
+              <c:numCache>
+                <c:formatCode>General</c:formatCode>
+                <c:ptCount val="10"/>
+                <c:pt idx="0">
+                  <c:v>0</c:v>
+                </c:pt>
+                <c:pt idx="1">
+                  <c:v>0</c:v>
+                </c:pt>
+                <c:pt idx="2">
+                  <c:v>0</c:v>
+                </c:pt>
+                <c:pt idx="3">
+                  <c:v>0</c:v>
+                </c:pt>
+                <c:pt idx="4">
+                  <c:v>0</c:v>
+                </c:pt>
+                <c:pt idx="5">
+                  <c:v>255</c:v>
+                </c:pt>
+                <c:pt idx="6">
+                  <c:v>255</c:v>
+                </c:pt>
+                <c:pt idx="7">
+                  <c:v>255</c:v>
+                </c:pt>
+                <c:pt idx="8">
+                  <c:v>255</c:v>
+                </c:pt>
+                <c:pt idx="9">
+                  <c:v>255</c:v>
+                </c:pt>
+              </c:numCache>
+            </c:numRef>
+          </c:val>
+        </c:ser>
+        <c:ser>
+          <c:idx val="8"/>
+          <c:order val="8"/>
+          <c:marker>
+            <c:symbol val="none"/>
+          </c:marker>
+          <c:val>
+            <c:numRef>
+              <c:f>Sheet1!$A$10:$J$10</c:f>
+              <c:numCache>
+                <c:formatCode>General</c:formatCode>
+                <c:ptCount val="10"/>
+                <c:pt idx="0">
+                  <c:v>0</c:v>
+                </c:pt>
+                <c:pt idx="1">
+                  <c:v>0</c:v>
+                </c:pt>
+                <c:pt idx="2">
+                  <c:v>0</c:v>
+                </c:pt>
+                <c:pt idx="3">
+                  <c:v>0</c:v>
+                </c:pt>
+                <c:pt idx="4">
+                  <c:v>0</c:v>
+                </c:pt>
+                <c:pt idx="5">
+                  <c:v>255</c:v>
+                </c:pt>
+                <c:pt idx="6">
+                  <c:v>255</c:v>
+                </c:pt>
+                <c:pt idx="7">
+                  <c:v>255</c:v>
+                </c:pt>
+                <c:pt idx="8">
+                  <c:v>255</c:v>
+                </c:pt>
+                <c:pt idx="9">
+                  <c:v>255</c:v>
+                </c:pt>
+              </c:numCache>
+            </c:numRef>
+          </c:val>
+        </c:ser>
+        <c:ser>
+          <c:idx val="9"/>
+          <c:order val="9"/>
+          <c:marker>
+            <c:symbol val="none"/>
+          </c:marker>
+          <c:val>
+            <c:numRef>
+              <c:f>Sheet1!$A$11:$J$11</c:f>
+              <c:numCache>
+                <c:formatCode>General</c:formatCode>
+                <c:ptCount val="10"/>
+                <c:pt idx="0">
+                  <c:v>0</c:v>
+                </c:pt>
+                <c:pt idx="1">
+                  <c:v>0</c:v>
+                </c:pt>
+                <c:pt idx="2">
+                  <c:v>0</c:v>
+                </c:pt>
+                <c:pt idx="3">
+                  <c:v>0</c:v>
+                </c:pt>
+                <c:pt idx="4">
+                  <c:v>0</c:v>
+                </c:pt>
+                <c:pt idx="5">
+                  <c:v>255</c:v>
+                </c:pt>
+                <c:pt idx="6">
+                  <c:v>255</c:v>
+                </c:pt>
+                <c:pt idx="7">
+                  <c:v>255</c:v>
+                </c:pt>
+                <c:pt idx="8">
+                  <c:v>255</c:v>
+                </c:pt>
+                <c:pt idx="9">
+                  <c:v>255</c:v>
+                </c:pt>
+              </c:numCache>
+            </c:numRef>
+          </c:val>
+        </c:ser>
+        <c:marker val="1"/>
+        <c:axId val="155504640"/>
+        <c:axId val="155556096"/>
+      </c:lineChart>
+      <c:catAx>
+        <c:axId val="155504640"/>
+        <c:scaling>
+          <c:orientation val="minMax"/>
+        </c:scaling>
+        <c:axPos val="b"/>
+        <c:tickLblPos val="nextTo"/>
+        <c:crossAx val="155556096"/>
+        <c:crosses val="autoZero"/>
+        <c:auto val="1"/>
+        <c:lblAlgn val="ctr"/>
+        <c:lblOffset val="100"/>
+      </c:catAx>
+      <c:valAx>
+        <c:axId val="155556096"/>
+        <c:scaling>
+          <c:orientation val="minMax"/>
+        </c:scaling>
+        <c:axPos val="l"/>
+        <c:majorGridlines/>
+        <c:numFmt formatCode="General" sourceLinked="1"/>
+        <c:tickLblPos val="nextTo"/>
+        <c:crossAx val="155504640"/>
+        <c:crosses val="autoZero"/>
+        <c:crossBetween val="between"/>
+      </c:valAx>
+    </c:plotArea>
+    <c:plotVisOnly val="1"/>
+    <c:dispBlanksAs val="gap"/>
+  </c:chart>
+  <c:spPr>
+    <a:gradFill>
+      <a:gsLst>
+        <a:gs pos="0">
+          <a:srgbClr val="5B9BD5">
+            <a:tint val="66000"/>
+            <a:satMod val="160000"/>
+          </a:srgbClr>
+        </a:gs>
+        <a:gs pos="50000">
+          <a:srgbClr val="5B9BD5">
+            <a:tint val="44500"/>
+            <a:satMod val="160000"/>
+          </a:srgbClr>
+        </a:gs>
+        <a:gs pos="100000">
+          <a:srgbClr val="5B9BD5">
+            <a:tint val="23500"/>
+            <a:satMod val="160000"/>
+          </a:srgbClr>
+        </a:gs>
+      </a:gsLst>
+      <a:lin ang="5400000" scaled="0"/>
+    </a:gradFill>
+  </c:spPr>
+  <c:externalData r:id="rId1"/>
+</c:chartSpace>
+</file>
+
+<file path=ppt/charts/chart5.xml><?xml version="1.0" encoding="utf-8"?>
+<c:chartSpace xmlns:c="http://schemas.openxmlformats.org/drawingml/2006/chart" xmlns:a="http://schemas.openxmlformats.org/drawingml/2006/main" xmlns:r="http://schemas.openxmlformats.org/officeDocument/2006/relationships">
+  <c:lang val="ja-JP"/>
+  <c:chart>
+    <c:view3D>
+      <c:rotX val="30"/>
+      <c:rotY val="0"/>
+      <c:perspective val="30"/>
+    </c:view3D>
+    <c:plotArea>
+      <c:layout/>
+      <c:surface3DChart>
+        <c:ser>
+          <c:idx val="0"/>
+          <c:order val="0"/>
+          <c:val>
+            <c:numRef>
+              <c:f>Sheet1!$A$108:$J$108</c:f>
+              <c:numCache>
+                <c:formatCode>General</c:formatCode>
+                <c:ptCount val="10"/>
+                <c:pt idx="0">
+                  <c:v>100</c:v>
+                </c:pt>
+                <c:pt idx="1">
+                  <c:v>100</c:v>
+                </c:pt>
+                <c:pt idx="2">
+                  <c:v>100</c:v>
+                </c:pt>
+                <c:pt idx="3">
+                  <c:v>100</c:v>
+                </c:pt>
+                <c:pt idx="4">
+                  <c:v>100</c:v>
+                </c:pt>
+                <c:pt idx="5">
+                  <c:v>100</c:v>
+                </c:pt>
+                <c:pt idx="6">
+                  <c:v>100</c:v>
+                </c:pt>
+                <c:pt idx="7">
+                  <c:v>100</c:v>
+                </c:pt>
+                <c:pt idx="8">
+                  <c:v>100</c:v>
+                </c:pt>
+                <c:pt idx="9">
+                  <c:v>100</c:v>
+                </c:pt>
+              </c:numCache>
+            </c:numRef>
+          </c:val>
+        </c:ser>
+        <c:ser>
+          <c:idx val="1"/>
+          <c:order val="1"/>
+          <c:val>
+            <c:numRef>
+              <c:f>Sheet1!$A$109:$J$109</c:f>
+              <c:numCache>
+                <c:formatCode>General</c:formatCode>
+                <c:ptCount val="10"/>
+                <c:pt idx="0">
+                  <c:v>100</c:v>
+                </c:pt>
+                <c:pt idx="1">
+                  <c:v>100</c:v>
+                </c:pt>
+                <c:pt idx="2">
+                  <c:v>100</c:v>
+                </c:pt>
+                <c:pt idx="3">
+                  <c:v>100</c:v>
+                </c:pt>
+                <c:pt idx="4">
+                  <c:v>100</c:v>
+                </c:pt>
+                <c:pt idx="5">
+                  <c:v>100</c:v>
+                </c:pt>
+                <c:pt idx="6">
+                  <c:v>100</c:v>
+                </c:pt>
+                <c:pt idx="7">
+                  <c:v>100</c:v>
+                </c:pt>
+                <c:pt idx="8">
+                  <c:v>100</c:v>
+                </c:pt>
+                <c:pt idx="9">
+                  <c:v>100</c:v>
+                </c:pt>
+              </c:numCache>
+            </c:numRef>
+          </c:val>
+        </c:ser>
+        <c:ser>
+          <c:idx val="2"/>
+          <c:order val="2"/>
+          <c:val>
+            <c:numRef>
+              <c:f>Sheet1!$A$110:$J$110</c:f>
+              <c:numCache>
+                <c:formatCode>General</c:formatCode>
+                <c:ptCount val="10"/>
+                <c:pt idx="0">
+                  <c:v>100</c:v>
+                </c:pt>
+                <c:pt idx="1">
+                  <c:v>100</c:v>
+                </c:pt>
+                <c:pt idx="2">
+                  <c:v>100</c:v>
+                </c:pt>
+                <c:pt idx="3">
+                  <c:v>100</c:v>
+                </c:pt>
+                <c:pt idx="4">
+                  <c:v>100</c:v>
+                </c:pt>
+                <c:pt idx="5">
+                  <c:v>100</c:v>
+                </c:pt>
+                <c:pt idx="6">
+                  <c:v>100</c:v>
+                </c:pt>
+                <c:pt idx="7">
+                  <c:v>100</c:v>
+                </c:pt>
+                <c:pt idx="8">
+                  <c:v>100</c:v>
+                </c:pt>
+                <c:pt idx="9">
+                  <c:v>100</c:v>
+                </c:pt>
+              </c:numCache>
+            </c:numRef>
+          </c:val>
+        </c:ser>
+        <c:ser>
+          <c:idx val="3"/>
+          <c:order val="3"/>
+          <c:val>
+            <c:numRef>
+              <c:f>Sheet1!$A$111:$J$111</c:f>
+              <c:numCache>
+                <c:formatCode>General</c:formatCode>
+                <c:ptCount val="10"/>
+                <c:pt idx="0">
+                  <c:v>100</c:v>
+                </c:pt>
+                <c:pt idx="1">
+                  <c:v>100</c:v>
+                </c:pt>
+                <c:pt idx="2">
+                  <c:v>100</c:v>
+                </c:pt>
+                <c:pt idx="3">
+                  <c:v>100</c:v>
+                </c:pt>
+                <c:pt idx="4">
+                  <c:v>100</c:v>
+                </c:pt>
+                <c:pt idx="5">
+                  <c:v>100</c:v>
+                </c:pt>
+                <c:pt idx="6">
+                  <c:v>100</c:v>
+                </c:pt>
+                <c:pt idx="7">
+                  <c:v>100</c:v>
+                </c:pt>
+                <c:pt idx="8">
+                  <c:v>100</c:v>
+                </c:pt>
+                <c:pt idx="9">
+                  <c:v>100</c:v>
+                </c:pt>
+              </c:numCache>
+            </c:numRef>
+          </c:val>
+        </c:ser>
+        <c:ser>
+          <c:idx val="4"/>
+          <c:order val="4"/>
+          <c:val>
+            <c:numRef>
+              <c:f>Sheet1!$A$112:$J$112</c:f>
+              <c:numCache>
+                <c:formatCode>General</c:formatCode>
+                <c:ptCount val="10"/>
+                <c:pt idx="0">
+                  <c:v>100</c:v>
+                </c:pt>
+                <c:pt idx="1">
+                  <c:v>100</c:v>
+                </c:pt>
+                <c:pt idx="2">
+                  <c:v>100</c:v>
+                </c:pt>
+                <c:pt idx="3">
+                  <c:v>100</c:v>
+                </c:pt>
+                <c:pt idx="4">
+                  <c:v>200</c:v>
+                </c:pt>
+                <c:pt idx="5">
+                  <c:v>200</c:v>
+                </c:pt>
+                <c:pt idx="6">
+                  <c:v>100</c:v>
+                </c:pt>
+                <c:pt idx="7">
+                  <c:v>100</c:v>
+                </c:pt>
+                <c:pt idx="8">
+                  <c:v>100</c:v>
+                </c:pt>
+                <c:pt idx="9">
+                  <c:v>100</c:v>
+                </c:pt>
+              </c:numCache>
+            </c:numRef>
+          </c:val>
+        </c:ser>
+        <c:ser>
+          <c:idx val="5"/>
+          <c:order val="5"/>
+          <c:val>
+            <c:numRef>
+              <c:f>Sheet1!$A$113:$J$113</c:f>
+              <c:numCache>
+                <c:formatCode>General</c:formatCode>
+                <c:ptCount val="10"/>
+                <c:pt idx="0">
+                  <c:v>100</c:v>
+                </c:pt>
+                <c:pt idx="1">
+                  <c:v>100</c:v>
+                </c:pt>
+                <c:pt idx="2">
+                  <c:v>100</c:v>
+                </c:pt>
+                <c:pt idx="3">
+                  <c:v>100</c:v>
+                </c:pt>
+                <c:pt idx="4">
+                  <c:v>200</c:v>
+                </c:pt>
+                <c:pt idx="5">
+                  <c:v>200</c:v>
+                </c:pt>
+                <c:pt idx="6">
+                  <c:v>100</c:v>
+                </c:pt>
+                <c:pt idx="7">
+                  <c:v>100</c:v>
+                </c:pt>
+                <c:pt idx="8">
+                  <c:v>100</c:v>
+                </c:pt>
+                <c:pt idx="9">
+                  <c:v>100</c:v>
+                </c:pt>
+              </c:numCache>
+            </c:numRef>
+          </c:val>
+        </c:ser>
+        <c:ser>
+          <c:idx val="6"/>
+          <c:order val="6"/>
+          <c:val>
+            <c:numRef>
+              <c:f>Sheet1!$A$114:$J$114</c:f>
+              <c:numCache>
+                <c:formatCode>General</c:formatCode>
+                <c:ptCount val="10"/>
+                <c:pt idx="0">
+                  <c:v>100</c:v>
+                </c:pt>
+                <c:pt idx="1">
+                  <c:v>100</c:v>
+                </c:pt>
+                <c:pt idx="2">
+                  <c:v>100</c:v>
+                </c:pt>
+                <c:pt idx="3">
+                  <c:v>100</c:v>
+                </c:pt>
+                <c:pt idx="4">
+                  <c:v>100</c:v>
+                </c:pt>
+                <c:pt idx="5">
+                  <c:v>100</c:v>
+                </c:pt>
+                <c:pt idx="6">
+                  <c:v>100</c:v>
+                </c:pt>
+                <c:pt idx="7">
+                  <c:v>100</c:v>
+                </c:pt>
+                <c:pt idx="8">
+                  <c:v>100</c:v>
+                </c:pt>
+                <c:pt idx="9">
+                  <c:v>100</c:v>
+                </c:pt>
+              </c:numCache>
+            </c:numRef>
+          </c:val>
+        </c:ser>
+        <c:ser>
+          <c:idx val="7"/>
+          <c:order val="7"/>
+          <c:val>
+            <c:numRef>
+              <c:f>Sheet1!$A$115:$J$115</c:f>
+              <c:numCache>
+                <c:formatCode>General</c:formatCode>
+                <c:ptCount val="10"/>
+                <c:pt idx="0">
+                  <c:v>100</c:v>
+                </c:pt>
+                <c:pt idx="1">
+                  <c:v>100</c:v>
+                </c:pt>
+                <c:pt idx="2">
+                  <c:v>100</c:v>
+                </c:pt>
+                <c:pt idx="3">
+                  <c:v>100</c:v>
+                </c:pt>
+                <c:pt idx="4">
+                  <c:v>100</c:v>
+                </c:pt>
+                <c:pt idx="5">
+                  <c:v>100</c:v>
+                </c:pt>
+                <c:pt idx="6">
+                  <c:v>100</c:v>
+                </c:pt>
+                <c:pt idx="7">
+                  <c:v>100</c:v>
+                </c:pt>
+                <c:pt idx="8">
+                  <c:v>100</c:v>
+                </c:pt>
+                <c:pt idx="9">
+                  <c:v>100</c:v>
+                </c:pt>
+              </c:numCache>
+            </c:numRef>
+          </c:val>
+        </c:ser>
+        <c:ser>
+          <c:idx val="8"/>
+          <c:order val="8"/>
+          <c:val>
+            <c:numRef>
+              <c:f>Sheet1!$A$116:$J$116</c:f>
+              <c:numCache>
+                <c:formatCode>General</c:formatCode>
+                <c:ptCount val="10"/>
+                <c:pt idx="0">
+                  <c:v>100</c:v>
+                </c:pt>
+                <c:pt idx="1">
+                  <c:v>100</c:v>
+                </c:pt>
+                <c:pt idx="2">
+                  <c:v>100</c:v>
+                </c:pt>
+                <c:pt idx="3">
+                  <c:v>100</c:v>
+                </c:pt>
+                <c:pt idx="4">
+                  <c:v>100</c:v>
+                </c:pt>
+                <c:pt idx="5">
+                  <c:v>100</c:v>
+                </c:pt>
+                <c:pt idx="6">
+                  <c:v>100</c:v>
+                </c:pt>
+                <c:pt idx="7">
+                  <c:v>100</c:v>
+                </c:pt>
+                <c:pt idx="8">
+                  <c:v>100</c:v>
+                </c:pt>
+                <c:pt idx="9">
+                  <c:v>100</c:v>
+                </c:pt>
+              </c:numCache>
+            </c:numRef>
+          </c:val>
+        </c:ser>
+        <c:ser>
+          <c:idx val="9"/>
+          <c:order val="9"/>
+          <c:val>
+            <c:numRef>
+              <c:f>Sheet1!$A$117:$J$117</c:f>
+              <c:numCache>
+                <c:formatCode>General</c:formatCode>
+                <c:ptCount val="10"/>
+                <c:pt idx="0">
+                  <c:v>100</c:v>
+                </c:pt>
+                <c:pt idx="1">
+                  <c:v>100</c:v>
+                </c:pt>
+                <c:pt idx="2">
+                  <c:v>100</c:v>
+                </c:pt>
+                <c:pt idx="3">
+                  <c:v>100</c:v>
+                </c:pt>
+                <c:pt idx="4">
+                  <c:v>100</c:v>
+                </c:pt>
+                <c:pt idx="5">
+                  <c:v>100</c:v>
+                </c:pt>
+                <c:pt idx="6">
+                  <c:v>100</c:v>
+                </c:pt>
+                <c:pt idx="7">
+                  <c:v>100</c:v>
+                </c:pt>
+                <c:pt idx="8">
+                  <c:v>100</c:v>
+                </c:pt>
+                <c:pt idx="9">
+                  <c:v>100</c:v>
+                </c:pt>
+              </c:numCache>
+            </c:numRef>
+          </c:val>
+        </c:ser>
+        <c:bandFmts/>
+        <c:axId val="202104832"/>
+        <c:axId val="202107520"/>
+        <c:axId val="210791040"/>
+      </c:surface3DChart>
+      <c:catAx>
+        <c:axId val="202104832"/>
+        <c:scaling>
+          <c:orientation val="minMax"/>
+        </c:scaling>
+        <c:axPos val="b"/>
+        <c:tickLblPos val="nextTo"/>
+        <c:crossAx val="202107520"/>
+        <c:crosses val="autoZero"/>
+        <c:auto val="1"/>
+        <c:lblAlgn val="ctr"/>
+        <c:lblOffset val="100"/>
+      </c:catAx>
+      <c:valAx>
+        <c:axId val="202107520"/>
+        <c:scaling>
+          <c:orientation val="minMax"/>
+        </c:scaling>
+        <c:axPos val="l"/>
+        <c:majorGridlines/>
+        <c:numFmt formatCode="General" sourceLinked="1"/>
+        <c:tickLblPos val="nextTo"/>
+        <c:crossAx val="202104832"/>
+        <c:crosses val="autoZero"/>
+        <c:crossBetween val="midCat"/>
+      </c:valAx>
+      <c:serAx>
+        <c:axId val="210791040"/>
+        <c:scaling>
+          <c:orientation val="minMax"/>
+        </c:scaling>
+        <c:delete val="1"/>
+        <c:axPos val="b"/>
+        <c:tickLblPos val="none"/>
+        <c:crossAx val="202107520"/>
+        <c:crosses val="autoZero"/>
+      </c:serAx>
+    </c:plotArea>
+    <c:legend>
+      <c:legendPos val="r"/>
+      <c:layout/>
+      <c:txPr>
+        <a:bodyPr/>
+        <a:lstStyle/>
+        <a:p>
+          <a:pPr rtl="0">
+            <a:defRPr/>
+          </a:pPr>
+          <a:endParaRPr lang="ja-JP"/>
+        </a:p>
+      </c:txPr>
+    </c:legend>
+    <c:plotVisOnly val="1"/>
+  </c:chart>
+  <c:spPr>
+    <a:gradFill>
+      <a:gsLst>
+        <a:gs pos="0">
+          <a:srgbClr val="5B9BD5">
+            <a:tint val="66000"/>
+            <a:satMod val="160000"/>
+          </a:srgbClr>
+        </a:gs>
+        <a:gs pos="50000">
+          <a:srgbClr val="5B9BD5">
+            <a:tint val="44500"/>
+            <a:satMod val="160000"/>
+          </a:srgbClr>
+        </a:gs>
+        <a:gs pos="100000">
+          <a:srgbClr val="5B9BD5">
+            <a:tint val="23500"/>
+            <a:satMod val="160000"/>
+          </a:srgbClr>
+        </a:gs>
+      </a:gsLst>
+      <a:lin ang="5400000" scaled="0"/>
+    </a:gradFill>
+  </c:spPr>
+  <c:externalData r:id="rId1"/>
+</c:chartSpace>
+</file>
+
+<file path=ppt/charts/chart6.xml><?xml version="1.0" encoding="utf-8"?>
+<c:chartSpace xmlns:c="http://schemas.openxmlformats.org/drawingml/2006/chart" xmlns:a="http://schemas.openxmlformats.org/drawingml/2006/main" xmlns:r="http://schemas.openxmlformats.org/officeDocument/2006/relationships">
+  <c:lang val="ja-JP"/>
+  <c:chart>
+    <c:view3D>
+      <c:rotX val="30"/>
+      <c:rotY val="0"/>
+      <c:perspective val="20"/>
+    </c:view3D>
+    <c:plotArea>
+      <c:layout/>
+      <c:surface3DChart>
+        <c:ser>
+          <c:idx val="0"/>
+          <c:order val="0"/>
+          <c:val>
+            <c:numRef>
+              <c:f>Sheet1!$A$61:$J$61</c:f>
+              <c:numCache>
+                <c:formatCode>General</c:formatCode>
+                <c:ptCount val="10"/>
+                <c:pt idx="0">
+                  <c:v>0</c:v>
+                </c:pt>
+                <c:pt idx="1">
+                  <c:v>0</c:v>
+                </c:pt>
+                <c:pt idx="2">
+                  <c:v>0</c:v>
+                </c:pt>
+                <c:pt idx="3">
+                  <c:v>0</c:v>
+                </c:pt>
+                <c:pt idx="4">
+                  <c:v>0</c:v>
+                </c:pt>
+                <c:pt idx="5">
+                  <c:v>0</c:v>
+                </c:pt>
+                <c:pt idx="6">
+                  <c:v>0</c:v>
+                </c:pt>
+                <c:pt idx="7">
+                  <c:v>0</c:v>
+                </c:pt>
+                <c:pt idx="8">
+                  <c:v>0</c:v>
+                </c:pt>
+                <c:pt idx="9">
+                  <c:v>0</c:v>
+                </c:pt>
+              </c:numCache>
+            </c:numRef>
+          </c:val>
+        </c:ser>
+        <c:ser>
+          <c:idx val="1"/>
+          <c:order val="1"/>
+          <c:val>
+            <c:numRef>
+              <c:f>Sheet1!$A$62:$J$62</c:f>
+              <c:numCache>
+                <c:formatCode>General</c:formatCode>
+                <c:ptCount val="10"/>
+                <c:pt idx="0">
+                  <c:v>0</c:v>
+                </c:pt>
+                <c:pt idx="1">
+                  <c:v>170</c:v>
+                </c:pt>
+                <c:pt idx="2">
+                  <c:v>170</c:v>
+                </c:pt>
+                <c:pt idx="3">
+                  <c:v>170</c:v>
+                </c:pt>
+                <c:pt idx="4">
+                  <c:v>170</c:v>
+                </c:pt>
+                <c:pt idx="5">
+                  <c:v>170</c:v>
+                </c:pt>
+                <c:pt idx="6">
+                  <c:v>170</c:v>
+                </c:pt>
+                <c:pt idx="7">
+                  <c:v>170</c:v>
+                </c:pt>
+                <c:pt idx="8">
+                  <c:v>170</c:v>
+                </c:pt>
+                <c:pt idx="9">
+                  <c:v>0</c:v>
+                </c:pt>
+              </c:numCache>
+            </c:numRef>
+          </c:val>
+        </c:ser>
+        <c:ser>
+          <c:idx val="2"/>
+          <c:order val="2"/>
+          <c:val>
+            <c:numRef>
+              <c:f>Sheet1!$A$63:$J$63</c:f>
+              <c:numCache>
+                <c:formatCode>General</c:formatCode>
+                <c:ptCount val="10"/>
+                <c:pt idx="0">
+                  <c:v>0</c:v>
+                </c:pt>
+                <c:pt idx="1">
+                  <c:v>170</c:v>
+                </c:pt>
+                <c:pt idx="2">
+                  <c:v>170</c:v>
+                </c:pt>
+                <c:pt idx="3">
+                  <c:v>170</c:v>
+                </c:pt>
+                <c:pt idx="4">
+                  <c:v>170</c:v>
+                </c:pt>
+                <c:pt idx="5">
+                  <c:v>170</c:v>
+                </c:pt>
+                <c:pt idx="6">
+                  <c:v>170</c:v>
+                </c:pt>
+                <c:pt idx="7">
+                  <c:v>170</c:v>
+                </c:pt>
+                <c:pt idx="8">
+                  <c:v>170</c:v>
+                </c:pt>
+                <c:pt idx="9">
+                  <c:v>0</c:v>
+                </c:pt>
+              </c:numCache>
+            </c:numRef>
+          </c:val>
+        </c:ser>
+        <c:ser>
+          <c:idx val="3"/>
+          <c:order val="3"/>
+          <c:val>
+            <c:numRef>
+              <c:f>Sheet1!$A$64:$J$64</c:f>
+              <c:numCache>
+                <c:formatCode>General</c:formatCode>
+                <c:ptCount val="10"/>
+                <c:pt idx="0">
+                  <c:v>0</c:v>
+                </c:pt>
+                <c:pt idx="1">
+                  <c:v>170</c:v>
+                </c:pt>
+                <c:pt idx="2">
+                  <c:v>170</c:v>
+                </c:pt>
+                <c:pt idx="3">
+                  <c:v>170</c:v>
+                </c:pt>
+                <c:pt idx="4">
+                  <c:v>255</c:v>
+                </c:pt>
+                <c:pt idx="5">
+                  <c:v>255</c:v>
+                </c:pt>
+                <c:pt idx="6">
+                  <c:v>170</c:v>
+                </c:pt>
+                <c:pt idx="7">
+                  <c:v>170</c:v>
+                </c:pt>
+                <c:pt idx="8">
+                  <c:v>170</c:v>
+                </c:pt>
+                <c:pt idx="9">
+                  <c:v>0</c:v>
+                </c:pt>
+              </c:numCache>
+            </c:numRef>
+          </c:val>
+        </c:ser>
+        <c:ser>
+          <c:idx val="4"/>
+          <c:order val="4"/>
+          <c:val>
+            <c:numRef>
+              <c:f>Sheet1!$A$65:$J$65</c:f>
+              <c:numCache>
+                <c:formatCode>General</c:formatCode>
+                <c:ptCount val="10"/>
+                <c:pt idx="0">
+                  <c:v>0</c:v>
+                </c:pt>
+                <c:pt idx="1">
+                  <c:v>170</c:v>
+                </c:pt>
+                <c:pt idx="2">
+                  <c:v>170</c:v>
+                </c:pt>
+                <c:pt idx="3">
+                  <c:v>255</c:v>
+                </c:pt>
+                <c:pt idx="4">
+                  <c:v>0</c:v>
+                </c:pt>
+                <c:pt idx="5">
+                  <c:v>0</c:v>
+                </c:pt>
+                <c:pt idx="6">
+                  <c:v>255</c:v>
+                </c:pt>
+                <c:pt idx="7">
+                  <c:v>170</c:v>
+                </c:pt>
+                <c:pt idx="8">
+                  <c:v>170</c:v>
+                </c:pt>
+                <c:pt idx="9">
+                  <c:v>0</c:v>
+                </c:pt>
+              </c:numCache>
+            </c:numRef>
+          </c:val>
+        </c:ser>
+        <c:ser>
+          <c:idx val="5"/>
+          <c:order val="5"/>
+          <c:val>
+            <c:numRef>
+              <c:f>Sheet1!$A$66:$J$66</c:f>
+              <c:numCache>
+                <c:formatCode>General</c:formatCode>
+                <c:ptCount val="10"/>
+                <c:pt idx="0">
+                  <c:v>0</c:v>
+                </c:pt>
+                <c:pt idx="1">
+                  <c:v>170</c:v>
+                </c:pt>
+                <c:pt idx="2">
+                  <c:v>170</c:v>
+                </c:pt>
+                <c:pt idx="3">
+                  <c:v>255</c:v>
+                </c:pt>
+                <c:pt idx="4">
+                  <c:v>0</c:v>
+                </c:pt>
+                <c:pt idx="5">
+                  <c:v>0</c:v>
+                </c:pt>
+                <c:pt idx="6">
+                  <c:v>255</c:v>
+                </c:pt>
+                <c:pt idx="7">
+                  <c:v>170</c:v>
+                </c:pt>
+                <c:pt idx="8">
+                  <c:v>170</c:v>
+                </c:pt>
+                <c:pt idx="9">
+                  <c:v>0</c:v>
+                </c:pt>
+              </c:numCache>
+            </c:numRef>
+          </c:val>
+        </c:ser>
+        <c:ser>
+          <c:idx val="6"/>
+          <c:order val="6"/>
+          <c:val>
+            <c:numRef>
+              <c:f>Sheet1!$A$67:$J$67</c:f>
+              <c:numCache>
+                <c:formatCode>General</c:formatCode>
+                <c:ptCount val="10"/>
+                <c:pt idx="0">
+                  <c:v>0</c:v>
+                </c:pt>
+                <c:pt idx="1">
+                  <c:v>170</c:v>
+                </c:pt>
+                <c:pt idx="2">
+                  <c:v>170</c:v>
+                </c:pt>
+                <c:pt idx="3">
+                  <c:v>170</c:v>
+                </c:pt>
+                <c:pt idx="4">
+                  <c:v>255</c:v>
+                </c:pt>
+                <c:pt idx="5">
+                  <c:v>255</c:v>
+                </c:pt>
+                <c:pt idx="6">
+                  <c:v>170</c:v>
+                </c:pt>
+                <c:pt idx="7">
+                  <c:v>170</c:v>
+                </c:pt>
+                <c:pt idx="8">
+                  <c:v>170</c:v>
+                </c:pt>
+                <c:pt idx="9">
+                  <c:v>0</c:v>
+                </c:pt>
+              </c:numCache>
+            </c:numRef>
+          </c:val>
+        </c:ser>
+        <c:ser>
+          <c:idx val="7"/>
+          <c:order val="7"/>
+          <c:val>
+            <c:numRef>
+              <c:f>Sheet1!$A$68:$J$68</c:f>
+              <c:numCache>
+                <c:formatCode>General</c:formatCode>
+                <c:ptCount val="10"/>
+                <c:pt idx="0">
+                  <c:v>0</c:v>
+                </c:pt>
+                <c:pt idx="1">
+                  <c:v>170</c:v>
+                </c:pt>
+                <c:pt idx="2">
+                  <c:v>170</c:v>
+                </c:pt>
+                <c:pt idx="3">
+                  <c:v>170</c:v>
+                </c:pt>
+                <c:pt idx="4">
+                  <c:v>170</c:v>
+                </c:pt>
+                <c:pt idx="5">
+                  <c:v>170</c:v>
+                </c:pt>
+                <c:pt idx="6">
+                  <c:v>170</c:v>
+                </c:pt>
+                <c:pt idx="7">
+                  <c:v>170</c:v>
+                </c:pt>
+                <c:pt idx="8">
+                  <c:v>170</c:v>
+                </c:pt>
+                <c:pt idx="9">
+                  <c:v>0</c:v>
+                </c:pt>
+              </c:numCache>
+            </c:numRef>
+          </c:val>
+        </c:ser>
+        <c:ser>
+          <c:idx val="8"/>
+          <c:order val="8"/>
+          <c:val>
+            <c:numRef>
+              <c:f>Sheet1!$A$69:$J$69</c:f>
+              <c:numCache>
+                <c:formatCode>General</c:formatCode>
+                <c:ptCount val="10"/>
+                <c:pt idx="0">
+                  <c:v>0</c:v>
+                </c:pt>
+                <c:pt idx="1">
+                  <c:v>170</c:v>
+                </c:pt>
+                <c:pt idx="2">
+                  <c:v>170</c:v>
+                </c:pt>
+                <c:pt idx="3">
+                  <c:v>170</c:v>
+                </c:pt>
+                <c:pt idx="4">
+                  <c:v>170</c:v>
+                </c:pt>
+                <c:pt idx="5">
+                  <c:v>170</c:v>
+                </c:pt>
+                <c:pt idx="6">
+                  <c:v>170</c:v>
+                </c:pt>
+                <c:pt idx="7">
+                  <c:v>170</c:v>
+                </c:pt>
+                <c:pt idx="8">
+                  <c:v>170</c:v>
+                </c:pt>
+                <c:pt idx="9">
+                  <c:v>0</c:v>
+                </c:pt>
+              </c:numCache>
+            </c:numRef>
+          </c:val>
+        </c:ser>
+        <c:ser>
+          <c:idx val="9"/>
+          <c:order val="9"/>
+          <c:val>
+            <c:numRef>
+              <c:f>Sheet1!$A$70:$J$70</c:f>
+              <c:numCache>
+                <c:formatCode>General</c:formatCode>
+                <c:ptCount val="10"/>
+                <c:pt idx="0">
+                  <c:v>0</c:v>
+                </c:pt>
+                <c:pt idx="1">
+                  <c:v>0</c:v>
+                </c:pt>
+                <c:pt idx="2">
+                  <c:v>0</c:v>
+                </c:pt>
+                <c:pt idx="3">
+                  <c:v>0</c:v>
+                </c:pt>
+                <c:pt idx="4">
+                  <c:v>0</c:v>
+                </c:pt>
+                <c:pt idx="5">
+                  <c:v>0</c:v>
+                </c:pt>
+                <c:pt idx="6">
+                  <c:v>0</c:v>
+                </c:pt>
+                <c:pt idx="7">
+                  <c:v>0</c:v>
+                </c:pt>
+                <c:pt idx="8">
+                  <c:v>0</c:v>
+                </c:pt>
+                <c:pt idx="9">
+                  <c:v>0</c:v>
+                </c:pt>
+              </c:numCache>
+            </c:numRef>
+          </c:val>
+        </c:ser>
+        <c:bandFmts/>
+        <c:axId val="199321856"/>
+        <c:axId val="199389184"/>
+        <c:axId val="212374400"/>
+      </c:surface3DChart>
+      <c:catAx>
+        <c:axId val="199321856"/>
+        <c:scaling>
+          <c:orientation val="minMax"/>
+        </c:scaling>
+        <c:axPos val="b"/>
+        <c:tickLblPos val="nextTo"/>
+        <c:crossAx val="199389184"/>
+        <c:crosses val="autoZero"/>
+        <c:auto val="1"/>
+        <c:lblAlgn val="ctr"/>
+        <c:lblOffset val="100"/>
+      </c:catAx>
+      <c:valAx>
+        <c:axId val="199389184"/>
+        <c:scaling>
+          <c:orientation val="minMax"/>
+        </c:scaling>
+        <c:axPos val="l"/>
+        <c:majorGridlines/>
+        <c:numFmt formatCode="General" sourceLinked="1"/>
+        <c:tickLblPos val="nextTo"/>
+        <c:crossAx val="199321856"/>
+        <c:crosses val="autoZero"/>
+        <c:crossBetween val="midCat"/>
+      </c:valAx>
+      <c:serAx>
+        <c:axId val="212374400"/>
+        <c:scaling>
+          <c:orientation val="minMax"/>
+        </c:scaling>
+        <c:delete val="1"/>
+        <c:axPos val="b"/>
+        <c:tickLblPos val="none"/>
+        <c:crossAx val="199389184"/>
+        <c:crosses val="autoZero"/>
+      </c:serAx>
+    </c:plotArea>
+    <c:legend>
+      <c:legendPos val="r"/>
+      <c:layout/>
+      <c:txPr>
+        <a:bodyPr/>
+        <a:lstStyle/>
+        <a:p>
+          <a:pPr rtl="0">
+            <a:defRPr/>
+          </a:pPr>
+          <a:endParaRPr lang="ja-JP"/>
+        </a:p>
+      </c:txPr>
+    </c:legend>
+    <c:plotVisOnly val="1"/>
+    <c:dispBlanksAs val="zero"/>
+  </c:chart>
+  <c:spPr>
+    <a:gradFill>
+      <a:gsLst>
+        <a:gs pos="0">
+          <a:srgbClr val="5B9BD5">
+            <a:tint val="66000"/>
+            <a:satMod val="160000"/>
+          </a:srgbClr>
+        </a:gs>
+        <a:gs pos="50000">
+          <a:srgbClr val="5B9BD5">
+            <a:tint val="44500"/>
+            <a:satMod val="160000"/>
+          </a:srgbClr>
+        </a:gs>
+        <a:gs pos="100000">
+          <a:srgbClr val="5B9BD5">
+            <a:tint val="23500"/>
+            <a:satMod val="160000"/>
+          </a:srgbClr>
+        </a:gs>
+      </a:gsLst>
+      <a:lin ang="5400000" scaled="0"/>
+    </a:gradFill>
+  </c:spPr>
+  <c:externalData r:id="rId1"/>
+</c:chartSpace>
+</file>
+
+<file path=ppt/charts/chart7.xml><?xml version="1.0" encoding="utf-8"?>
+<c:chartSpace xmlns:c="http://schemas.openxmlformats.org/drawingml/2006/chart" xmlns:a="http://schemas.openxmlformats.org/drawingml/2006/main" xmlns:r="http://schemas.openxmlformats.org/officeDocument/2006/relationships">
+  <c:lang val="ja-JP"/>
+  <c:chart>
+    <c:view3D>
+      <c:rotX val="50"/>
+      <c:rotY val="0"/>
+      <c:perspective val="30"/>
+    </c:view3D>
+    <c:plotArea>
+      <c:layout/>
+      <c:surface3DChart>
+        <c:ser>
+          <c:idx val="0"/>
+          <c:order val="0"/>
+          <c:val>
+            <c:numRef>
+              <c:f>Sheet1!$L$61:$U$61</c:f>
+              <c:numCache>
+                <c:formatCode>General</c:formatCode>
+                <c:ptCount val="10"/>
+                <c:pt idx="0">
+                  <c:v>0</c:v>
+                </c:pt>
+                <c:pt idx="1">
+                  <c:v>0</c:v>
+                </c:pt>
+                <c:pt idx="2">
+                  <c:v>0</c:v>
+                </c:pt>
+                <c:pt idx="3">
+                  <c:v>0</c:v>
+                </c:pt>
+                <c:pt idx="4">
+                  <c:v>0</c:v>
+                </c:pt>
+                <c:pt idx="5">
+                  <c:v>0</c:v>
+                </c:pt>
+                <c:pt idx="6">
+                  <c:v>0</c:v>
+                </c:pt>
+                <c:pt idx="7">
+                  <c:v>0</c:v>
+                </c:pt>
+                <c:pt idx="8">
+                  <c:v>0</c:v>
+                </c:pt>
+                <c:pt idx="9">
+                  <c:v>0</c:v>
+                </c:pt>
+              </c:numCache>
+            </c:numRef>
+          </c:val>
+        </c:ser>
+        <c:ser>
+          <c:idx val="1"/>
+          <c:order val="1"/>
+          <c:val>
+            <c:numRef>
+              <c:f>Sheet1!$L$62:$U$62</c:f>
+              <c:numCache>
+                <c:formatCode>General</c:formatCode>
+                <c:ptCount val="10"/>
+                <c:pt idx="0">
+                  <c:v>0</c:v>
+                </c:pt>
+                <c:pt idx="1">
+                  <c:v>100</c:v>
+                </c:pt>
+                <c:pt idx="2">
+                  <c:v>100</c:v>
+                </c:pt>
+                <c:pt idx="3">
+                  <c:v>100</c:v>
+                </c:pt>
+                <c:pt idx="4">
+                  <c:v>100</c:v>
+                </c:pt>
+                <c:pt idx="5">
+                  <c:v>100</c:v>
+                </c:pt>
+                <c:pt idx="6">
+                  <c:v>100</c:v>
+                </c:pt>
+                <c:pt idx="7">
+                  <c:v>100</c:v>
+                </c:pt>
+                <c:pt idx="8">
+                  <c:v>100</c:v>
+                </c:pt>
+                <c:pt idx="9">
+                  <c:v>0</c:v>
+                </c:pt>
+              </c:numCache>
+            </c:numRef>
+          </c:val>
+        </c:ser>
+        <c:ser>
+          <c:idx val="2"/>
+          <c:order val="2"/>
+          <c:val>
+            <c:numRef>
+              <c:f>Sheet1!$L$63:$U$63</c:f>
+              <c:numCache>
+                <c:formatCode>General</c:formatCode>
+                <c:ptCount val="10"/>
+                <c:pt idx="0">
+                  <c:v>0</c:v>
+                </c:pt>
+                <c:pt idx="1">
+                  <c:v>100</c:v>
+                </c:pt>
+                <c:pt idx="2">
+                  <c:v>100</c:v>
+                </c:pt>
+                <c:pt idx="3">
+                  <c:v>100</c:v>
+                </c:pt>
+                <c:pt idx="4">
+                  <c:v>100</c:v>
+                </c:pt>
+                <c:pt idx="5">
+                  <c:v>100</c:v>
+                </c:pt>
+                <c:pt idx="6">
+                  <c:v>100</c:v>
+                </c:pt>
+                <c:pt idx="7">
+                  <c:v>100</c:v>
+                </c:pt>
+                <c:pt idx="8">
+                  <c:v>100</c:v>
+                </c:pt>
+                <c:pt idx="9">
+                  <c:v>0</c:v>
+                </c:pt>
+              </c:numCache>
+            </c:numRef>
+          </c:val>
+        </c:ser>
+        <c:ser>
+          <c:idx val="3"/>
+          <c:order val="3"/>
+          <c:val>
+            <c:numRef>
+              <c:f>Sheet1!$L$64:$U$64</c:f>
+              <c:numCache>
+                <c:formatCode>General</c:formatCode>
+                <c:ptCount val="10"/>
+                <c:pt idx="0">
+                  <c:v>0</c:v>
+                </c:pt>
+                <c:pt idx="1">
+                  <c:v>100</c:v>
+                </c:pt>
+                <c:pt idx="2">
+                  <c:v>100</c:v>
+                </c:pt>
+                <c:pt idx="3">
+                  <c:v>100</c:v>
+                </c:pt>
+                <c:pt idx="4">
+                  <c:v>0</c:v>
+                </c:pt>
+                <c:pt idx="5">
+                  <c:v>0</c:v>
+                </c:pt>
+                <c:pt idx="6">
+                  <c:v>100</c:v>
+                </c:pt>
+                <c:pt idx="7">
+                  <c:v>100</c:v>
+                </c:pt>
+                <c:pt idx="8">
+                  <c:v>100</c:v>
+                </c:pt>
+                <c:pt idx="9">
+                  <c:v>0</c:v>
+                </c:pt>
+              </c:numCache>
+            </c:numRef>
+          </c:val>
+        </c:ser>
+        <c:ser>
+          <c:idx val="4"/>
+          <c:order val="4"/>
+          <c:val>
+            <c:numRef>
+              <c:f>Sheet1!$L$65:$U$65</c:f>
+              <c:numCache>
+                <c:formatCode>General</c:formatCode>
+                <c:ptCount val="10"/>
+                <c:pt idx="0">
+                  <c:v>0</c:v>
+                </c:pt>
+                <c:pt idx="1">
+                  <c:v>100</c:v>
+                </c:pt>
+                <c:pt idx="2">
+                  <c:v>100</c:v>
+                </c:pt>
+                <c:pt idx="3">
+                  <c:v>0</c:v>
+                </c:pt>
+                <c:pt idx="4">
+                  <c:v>255</c:v>
+                </c:pt>
+                <c:pt idx="5">
+                  <c:v>255</c:v>
+                </c:pt>
+                <c:pt idx="6">
+                  <c:v>0</c:v>
+                </c:pt>
+                <c:pt idx="7">
+                  <c:v>100</c:v>
+                </c:pt>
+                <c:pt idx="8">
+                  <c:v>100</c:v>
+                </c:pt>
+                <c:pt idx="9">
+                  <c:v>0</c:v>
+                </c:pt>
+              </c:numCache>
+            </c:numRef>
+          </c:val>
+        </c:ser>
+        <c:ser>
+          <c:idx val="5"/>
+          <c:order val="5"/>
+          <c:val>
+            <c:numRef>
+              <c:f>Sheet1!$L$66:$U$66</c:f>
+              <c:numCache>
+                <c:formatCode>General</c:formatCode>
+                <c:ptCount val="10"/>
+                <c:pt idx="0">
+                  <c:v>0</c:v>
+                </c:pt>
+                <c:pt idx="1">
+                  <c:v>100</c:v>
+                </c:pt>
+                <c:pt idx="2">
+                  <c:v>100</c:v>
+                </c:pt>
+                <c:pt idx="3">
+                  <c:v>0</c:v>
+                </c:pt>
+                <c:pt idx="4">
+                  <c:v>255</c:v>
+                </c:pt>
+                <c:pt idx="5">
+                  <c:v>255</c:v>
+                </c:pt>
+                <c:pt idx="6">
+                  <c:v>0</c:v>
+                </c:pt>
+                <c:pt idx="7">
+                  <c:v>100</c:v>
+                </c:pt>
+                <c:pt idx="8">
+                  <c:v>100</c:v>
+                </c:pt>
+                <c:pt idx="9">
+                  <c:v>0</c:v>
+                </c:pt>
+              </c:numCache>
+            </c:numRef>
+          </c:val>
+        </c:ser>
+        <c:ser>
+          <c:idx val="6"/>
+          <c:order val="6"/>
+          <c:val>
+            <c:numRef>
+              <c:f>Sheet1!$L$67:$U$67</c:f>
+              <c:numCache>
+                <c:formatCode>General</c:formatCode>
+                <c:ptCount val="10"/>
+                <c:pt idx="0">
+                  <c:v>0</c:v>
+                </c:pt>
+                <c:pt idx="1">
+                  <c:v>100</c:v>
+                </c:pt>
+                <c:pt idx="2">
+                  <c:v>100</c:v>
+                </c:pt>
+                <c:pt idx="3">
+                  <c:v>100</c:v>
+                </c:pt>
+                <c:pt idx="4">
+                  <c:v>0</c:v>
+                </c:pt>
+                <c:pt idx="5">
+                  <c:v>0</c:v>
+                </c:pt>
+                <c:pt idx="6">
+                  <c:v>100</c:v>
+                </c:pt>
+                <c:pt idx="7">
+                  <c:v>100</c:v>
+                </c:pt>
+                <c:pt idx="8">
+                  <c:v>100</c:v>
+                </c:pt>
+                <c:pt idx="9">
+                  <c:v>0</c:v>
+                </c:pt>
+              </c:numCache>
+            </c:numRef>
+          </c:val>
+        </c:ser>
+        <c:ser>
+          <c:idx val="7"/>
+          <c:order val="7"/>
+          <c:val>
+            <c:numRef>
+              <c:f>Sheet1!$L$68:$U$68</c:f>
+              <c:numCache>
+                <c:formatCode>General</c:formatCode>
+                <c:ptCount val="10"/>
+                <c:pt idx="0">
+                  <c:v>0</c:v>
+                </c:pt>
+                <c:pt idx="1">
+                  <c:v>100</c:v>
+                </c:pt>
+                <c:pt idx="2">
+                  <c:v>100</c:v>
+                </c:pt>
+                <c:pt idx="3">
+                  <c:v>100</c:v>
+                </c:pt>
+                <c:pt idx="4">
+                  <c:v>100</c:v>
+                </c:pt>
+                <c:pt idx="5">
+                  <c:v>100</c:v>
+                </c:pt>
+                <c:pt idx="6">
+                  <c:v>100</c:v>
+                </c:pt>
+                <c:pt idx="7">
+                  <c:v>100</c:v>
+                </c:pt>
+                <c:pt idx="8">
+                  <c:v>100</c:v>
+                </c:pt>
+                <c:pt idx="9">
+                  <c:v>0</c:v>
+                </c:pt>
+              </c:numCache>
+            </c:numRef>
+          </c:val>
+        </c:ser>
+        <c:ser>
+          <c:idx val="8"/>
+          <c:order val="8"/>
+          <c:val>
+            <c:numRef>
+              <c:f>Sheet1!$L$69:$U$69</c:f>
+              <c:numCache>
+                <c:formatCode>General</c:formatCode>
+                <c:ptCount val="10"/>
+                <c:pt idx="0">
+                  <c:v>0</c:v>
+                </c:pt>
+                <c:pt idx="1">
+                  <c:v>100</c:v>
+                </c:pt>
+                <c:pt idx="2">
+                  <c:v>100</c:v>
+                </c:pt>
+                <c:pt idx="3">
+                  <c:v>100</c:v>
+                </c:pt>
+                <c:pt idx="4">
+                  <c:v>100</c:v>
+                </c:pt>
+                <c:pt idx="5">
+                  <c:v>100</c:v>
+                </c:pt>
+                <c:pt idx="6">
+                  <c:v>100</c:v>
+                </c:pt>
+                <c:pt idx="7">
+                  <c:v>100</c:v>
+                </c:pt>
+                <c:pt idx="8">
+                  <c:v>100</c:v>
+                </c:pt>
+                <c:pt idx="9">
+                  <c:v>0</c:v>
+                </c:pt>
+              </c:numCache>
+            </c:numRef>
+          </c:val>
+        </c:ser>
+        <c:ser>
+          <c:idx val="9"/>
+          <c:order val="9"/>
+          <c:val>
+            <c:numRef>
+              <c:f>Sheet1!$L$70:$U$70</c:f>
+              <c:numCache>
+                <c:formatCode>General</c:formatCode>
+                <c:ptCount val="10"/>
+                <c:pt idx="0">
+                  <c:v>0</c:v>
+                </c:pt>
+                <c:pt idx="1">
+                  <c:v>0</c:v>
+                </c:pt>
+                <c:pt idx="2">
+                  <c:v>0</c:v>
+                </c:pt>
+                <c:pt idx="3">
+                  <c:v>0</c:v>
+                </c:pt>
+                <c:pt idx="4">
+                  <c:v>0</c:v>
+                </c:pt>
+                <c:pt idx="5">
+                  <c:v>0</c:v>
+                </c:pt>
+                <c:pt idx="6">
+                  <c:v>0</c:v>
+                </c:pt>
+                <c:pt idx="7">
+                  <c:v>0</c:v>
+                </c:pt>
+                <c:pt idx="8">
+                  <c:v>0</c:v>
+                </c:pt>
+                <c:pt idx="9">
+                  <c:v>0</c:v>
+                </c:pt>
+              </c:numCache>
+            </c:numRef>
+          </c:val>
+        </c:ser>
+        <c:bandFmts/>
+        <c:axId val="200426624"/>
+        <c:axId val="200815360"/>
+        <c:axId val="199686336"/>
+      </c:surface3DChart>
+      <c:catAx>
+        <c:axId val="200426624"/>
+        <c:scaling>
+          <c:orientation val="minMax"/>
+        </c:scaling>
+        <c:axPos val="b"/>
+        <c:tickLblPos val="nextTo"/>
+        <c:crossAx val="200815360"/>
+        <c:crosses val="autoZero"/>
+        <c:auto val="1"/>
+        <c:lblAlgn val="ctr"/>
+        <c:lblOffset val="100"/>
+      </c:catAx>
+      <c:valAx>
+        <c:axId val="200815360"/>
+        <c:scaling>
+          <c:orientation val="minMax"/>
+        </c:scaling>
+        <c:axPos val="l"/>
+        <c:majorGridlines/>
+        <c:numFmt formatCode="General" sourceLinked="1"/>
+        <c:tickLblPos val="nextTo"/>
+        <c:crossAx val="200426624"/>
+        <c:crosses val="autoZero"/>
+        <c:crossBetween val="midCat"/>
+      </c:valAx>
+      <c:serAx>
+        <c:axId val="199686336"/>
+        <c:scaling>
+          <c:orientation val="minMax"/>
+        </c:scaling>
+        <c:delete val="1"/>
+        <c:axPos val="b"/>
+        <c:tickLblPos val="none"/>
+        <c:crossAx val="200815360"/>
+        <c:crosses val="autoZero"/>
+      </c:serAx>
+    </c:plotArea>
+    <c:legend>
+      <c:legendPos val="r"/>
+      <c:layout/>
+      <c:txPr>
+        <a:bodyPr/>
+        <a:lstStyle/>
+        <a:p>
+          <a:pPr rtl="0">
+            <a:defRPr/>
+          </a:pPr>
+          <a:endParaRPr lang="ja-JP"/>
+        </a:p>
+      </c:txPr>
+    </c:legend>
+    <c:plotVisOnly val="1"/>
+    <c:dispBlanksAs val="zero"/>
+  </c:chart>
+  <c:spPr>
+    <a:gradFill>
+      <a:gsLst>
+        <a:gs pos="0">
+          <a:srgbClr val="5B9BD5">
+            <a:tint val="66000"/>
+            <a:satMod val="160000"/>
+          </a:srgbClr>
+        </a:gs>
+        <a:gs pos="50000">
+          <a:srgbClr val="5B9BD5">
+            <a:tint val="44500"/>
+            <a:satMod val="160000"/>
+          </a:srgbClr>
+        </a:gs>
+        <a:gs pos="100000">
+          <a:srgbClr val="5B9BD5">
+            <a:tint val="23500"/>
+            <a:satMod val="160000"/>
+          </a:srgbClr>
+        </a:gs>
+      </a:gsLst>
+      <a:lin ang="5400000" scaled="0"/>
+    </a:gradFill>
+  </c:spPr>
+  <c:externalData r:id="rId1"/>
+</c:chartSpace>
+</file>
+
+<file path=ppt/charts/chart8.xml><?xml version="1.0" encoding="utf-8"?>
+<c:chartSpace xmlns:c="http://schemas.openxmlformats.org/drawingml/2006/chart" xmlns:a="http://schemas.openxmlformats.org/drawingml/2006/main" xmlns:r="http://schemas.openxmlformats.org/officeDocument/2006/relationships">
+  <c:lang val="ja-JP"/>
+  <c:chart>
+    <c:view3D>
+      <c:rotX val="30"/>
+      <c:rotY val="0"/>
+      <c:perspective val="30"/>
+    </c:view3D>
+    <c:plotArea>
+      <c:layout/>
+      <c:surface3DChart>
+        <c:ser>
+          <c:idx val="0"/>
+          <c:order val="0"/>
+          <c:val>
+            <c:numRef>
+              <c:f>Sheet1!$A$108:$J$108</c:f>
+              <c:numCache>
+                <c:formatCode>General</c:formatCode>
+                <c:ptCount val="10"/>
+                <c:pt idx="0">
+                  <c:v>100</c:v>
+                </c:pt>
+                <c:pt idx="1">
+                  <c:v>100</c:v>
+                </c:pt>
+                <c:pt idx="2">
+                  <c:v>100</c:v>
+                </c:pt>
+                <c:pt idx="3">
+                  <c:v>100</c:v>
+                </c:pt>
+                <c:pt idx="4">
+                  <c:v>100</c:v>
+                </c:pt>
+                <c:pt idx="5">
+                  <c:v>100</c:v>
+                </c:pt>
+                <c:pt idx="6">
+                  <c:v>100</c:v>
+                </c:pt>
+                <c:pt idx="7">
+                  <c:v>100</c:v>
+                </c:pt>
+                <c:pt idx="8">
+                  <c:v>100</c:v>
+                </c:pt>
+                <c:pt idx="9">
+                  <c:v>100</c:v>
+                </c:pt>
+              </c:numCache>
+            </c:numRef>
+          </c:val>
+        </c:ser>
+        <c:ser>
+          <c:idx val="1"/>
+          <c:order val="1"/>
+          <c:val>
+            <c:numRef>
+              <c:f>Sheet1!$A$109:$J$109</c:f>
+              <c:numCache>
+                <c:formatCode>General</c:formatCode>
+                <c:ptCount val="10"/>
+                <c:pt idx="0">
+                  <c:v>100</c:v>
+                </c:pt>
+                <c:pt idx="1">
+                  <c:v>100</c:v>
+                </c:pt>
+                <c:pt idx="2">
+                  <c:v>100</c:v>
+                </c:pt>
+                <c:pt idx="3">
+                  <c:v>100</c:v>
+                </c:pt>
+                <c:pt idx="4">
+                  <c:v>100</c:v>
+                </c:pt>
+                <c:pt idx="5">
+                  <c:v>100</c:v>
+                </c:pt>
+                <c:pt idx="6">
+                  <c:v>100</c:v>
+                </c:pt>
+                <c:pt idx="7">
+                  <c:v>100</c:v>
+                </c:pt>
+                <c:pt idx="8">
+                  <c:v>100</c:v>
+                </c:pt>
+                <c:pt idx="9">
+                  <c:v>100</c:v>
+                </c:pt>
+              </c:numCache>
+            </c:numRef>
+          </c:val>
+        </c:ser>
+        <c:ser>
+          <c:idx val="2"/>
+          <c:order val="2"/>
+          <c:val>
+            <c:numRef>
+              <c:f>Sheet1!$A$110:$J$110</c:f>
+              <c:numCache>
+                <c:formatCode>General</c:formatCode>
+                <c:ptCount val="10"/>
+                <c:pt idx="0">
+                  <c:v>100</c:v>
+                </c:pt>
+                <c:pt idx="1">
+                  <c:v>100</c:v>
+                </c:pt>
+                <c:pt idx="2">
+                  <c:v>100</c:v>
+                </c:pt>
+                <c:pt idx="3">
+                  <c:v>100</c:v>
+                </c:pt>
+                <c:pt idx="4">
+                  <c:v>100</c:v>
+                </c:pt>
+                <c:pt idx="5">
+                  <c:v>100</c:v>
+                </c:pt>
+                <c:pt idx="6">
+                  <c:v>100</c:v>
+                </c:pt>
+                <c:pt idx="7">
+                  <c:v>100</c:v>
+                </c:pt>
+                <c:pt idx="8">
+                  <c:v>100</c:v>
+                </c:pt>
+                <c:pt idx="9">
+                  <c:v>100</c:v>
+                </c:pt>
+              </c:numCache>
+            </c:numRef>
+          </c:val>
+        </c:ser>
+        <c:ser>
+          <c:idx val="3"/>
+          <c:order val="3"/>
+          <c:val>
+            <c:numRef>
+              <c:f>Sheet1!$A$111:$J$111</c:f>
+              <c:numCache>
+                <c:formatCode>General</c:formatCode>
+                <c:ptCount val="10"/>
+                <c:pt idx="0">
+                  <c:v>100</c:v>
+                </c:pt>
+                <c:pt idx="1">
+                  <c:v>100</c:v>
+                </c:pt>
+                <c:pt idx="2">
+                  <c:v>100</c:v>
+                </c:pt>
+                <c:pt idx="3">
+                  <c:v>100</c:v>
+                </c:pt>
+                <c:pt idx="4">
+                  <c:v>100</c:v>
+                </c:pt>
+                <c:pt idx="5">
+                  <c:v>100</c:v>
+                </c:pt>
+                <c:pt idx="6">
+                  <c:v>100</c:v>
+                </c:pt>
+                <c:pt idx="7">
+                  <c:v>100</c:v>
+                </c:pt>
+                <c:pt idx="8">
+                  <c:v>100</c:v>
+                </c:pt>
+                <c:pt idx="9">
+                  <c:v>100</c:v>
+                </c:pt>
+              </c:numCache>
+            </c:numRef>
+          </c:val>
+        </c:ser>
+        <c:ser>
+          <c:idx val="4"/>
+          <c:order val="4"/>
+          <c:val>
+            <c:numRef>
+              <c:f>Sheet1!$A$112:$J$112</c:f>
+              <c:numCache>
+                <c:formatCode>General</c:formatCode>
+                <c:ptCount val="10"/>
+                <c:pt idx="0">
+                  <c:v>100</c:v>
+                </c:pt>
+                <c:pt idx="1">
+                  <c:v>100</c:v>
+                </c:pt>
+                <c:pt idx="2">
+                  <c:v>100</c:v>
+                </c:pt>
+                <c:pt idx="3">
+                  <c:v>100</c:v>
+                </c:pt>
+                <c:pt idx="4">
+                  <c:v>200</c:v>
+                </c:pt>
+                <c:pt idx="5">
+                  <c:v>200</c:v>
+                </c:pt>
+                <c:pt idx="6">
+                  <c:v>100</c:v>
+                </c:pt>
+                <c:pt idx="7">
+                  <c:v>100</c:v>
+                </c:pt>
+                <c:pt idx="8">
+                  <c:v>100</c:v>
+                </c:pt>
+                <c:pt idx="9">
+                  <c:v>100</c:v>
+                </c:pt>
+              </c:numCache>
+            </c:numRef>
+          </c:val>
+        </c:ser>
+        <c:ser>
+          <c:idx val="5"/>
+          <c:order val="5"/>
+          <c:val>
+            <c:numRef>
+              <c:f>Sheet1!$A$113:$J$113</c:f>
+              <c:numCache>
+                <c:formatCode>General</c:formatCode>
+                <c:ptCount val="10"/>
+                <c:pt idx="0">
+                  <c:v>100</c:v>
+                </c:pt>
+                <c:pt idx="1">
+                  <c:v>100</c:v>
+                </c:pt>
+                <c:pt idx="2">
+                  <c:v>100</c:v>
+                </c:pt>
+                <c:pt idx="3">
+                  <c:v>100</c:v>
+                </c:pt>
+                <c:pt idx="4">
+                  <c:v>200</c:v>
+                </c:pt>
+                <c:pt idx="5">
+                  <c:v>200</c:v>
+                </c:pt>
+                <c:pt idx="6">
+                  <c:v>100</c:v>
+                </c:pt>
+                <c:pt idx="7">
+                  <c:v>100</c:v>
+                </c:pt>
+                <c:pt idx="8">
+                  <c:v>100</c:v>
+                </c:pt>
+                <c:pt idx="9">
+                  <c:v>100</c:v>
+                </c:pt>
+              </c:numCache>
+            </c:numRef>
+          </c:val>
+        </c:ser>
+        <c:ser>
+          <c:idx val="6"/>
+          <c:order val="6"/>
+          <c:val>
+            <c:numRef>
+              <c:f>Sheet1!$A$114:$J$114</c:f>
+              <c:numCache>
+                <c:formatCode>General</c:formatCode>
+                <c:ptCount val="10"/>
+                <c:pt idx="0">
+                  <c:v>100</c:v>
+                </c:pt>
+                <c:pt idx="1">
+                  <c:v>100</c:v>
+                </c:pt>
+                <c:pt idx="2">
+                  <c:v>100</c:v>
+                </c:pt>
+                <c:pt idx="3">
+                  <c:v>100</c:v>
+                </c:pt>
+                <c:pt idx="4">
+                  <c:v>100</c:v>
+                </c:pt>
+                <c:pt idx="5">
+                  <c:v>100</c:v>
+                </c:pt>
+                <c:pt idx="6">
+                  <c:v>100</c:v>
+                </c:pt>
+                <c:pt idx="7">
+                  <c:v>100</c:v>
+                </c:pt>
+                <c:pt idx="8">
+                  <c:v>100</c:v>
+                </c:pt>
+                <c:pt idx="9">
+                  <c:v>100</c:v>
+                </c:pt>
+              </c:numCache>
+            </c:numRef>
+          </c:val>
+        </c:ser>
+        <c:ser>
+          <c:idx val="7"/>
+          <c:order val="7"/>
+          <c:val>
+            <c:numRef>
+              <c:f>Sheet1!$A$115:$J$115</c:f>
+              <c:numCache>
+                <c:formatCode>General</c:formatCode>
+                <c:ptCount val="10"/>
+                <c:pt idx="0">
+                  <c:v>100</c:v>
+                </c:pt>
+                <c:pt idx="1">
+                  <c:v>100</c:v>
+                </c:pt>
+                <c:pt idx="2">
+                  <c:v>100</c:v>
+                </c:pt>
+                <c:pt idx="3">
+                  <c:v>100</c:v>
+                </c:pt>
+                <c:pt idx="4">
+                  <c:v>100</c:v>
+                </c:pt>
+                <c:pt idx="5">
+                  <c:v>100</c:v>
+                </c:pt>
+                <c:pt idx="6">
+                  <c:v>100</c:v>
+                </c:pt>
+                <c:pt idx="7">
+                  <c:v>100</c:v>
+                </c:pt>
+                <c:pt idx="8">
+                  <c:v>100</c:v>
+                </c:pt>
+                <c:pt idx="9">
+                  <c:v>100</c:v>
+                </c:pt>
+              </c:numCache>
+            </c:numRef>
+          </c:val>
+        </c:ser>
+        <c:ser>
+          <c:idx val="8"/>
+          <c:order val="8"/>
+          <c:val>
+            <c:numRef>
+              <c:f>Sheet1!$A$116:$J$116</c:f>
+              <c:numCache>
+                <c:formatCode>General</c:formatCode>
+                <c:ptCount val="10"/>
+                <c:pt idx="0">
+                  <c:v>100</c:v>
+                </c:pt>
+                <c:pt idx="1">
+                  <c:v>100</c:v>
+                </c:pt>
+                <c:pt idx="2">
+                  <c:v>100</c:v>
+                </c:pt>
+                <c:pt idx="3">
+                  <c:v>100</c:v>
+                </c:pt>
+                <c:pt idx="4">
+                  <c:v>100</c:v>
+                </c:pt>
+                <c:pt idx="5">
+                  <c:v>100</c:v>
+                </c:pt>
+                <c:pt idx="6">
+                  <c:v>100</c:v>
+                </c:pt>
+                <c:pt idx="7">
+                  <c:v>100</c:v>
+                </c:pt>
+                <c:pt idx="8">
+                  <c:v>100</c:v>
+                </c:pt>
+                <c:pt idx="9">
+                  <c:v>100</c:v>
+                </c:pt>
+              </c:numCache>
+            </c:numRef>
+          </c:val>
+        </c:ser>
+        <c:ser>
+          <c:idx val="9"/>
+          <c:order val="9"/>
+          <c:val>
+            <c:numRef>
+              <c:f>Sheet1!$A$117:$J$117</c:f>
+              <c:numCache>
+                <c:formatCode>General</c:formatCode>
+                <c:ptCount val="10"/>
+                <c:pt idx="0">
+                  <c:v>100</c:v>
+                </c:pt>
+                <c:pt idx="1">
+                  <c:v>100</c:v>
+                </c:pt>
+                <c:pt idx="2">
+                  <c:v>100</c:v>
+                </c:pt>
+                <c:pt idx="3">
+                  <c:v>100</c:v>
+                </c:pt>
+                <c:pt idx="4">
+                  <c:v>100</c:v>
+                </c:pt>
+                <c:pt idx="5">
+                  <c:v>100</c:v>
+                </c:pt>
+                <c:pt idx="6">
+                  <c:v>100</c:v>
+                </c:pt>
+                <c:pt idx="7">
+                  <c:v>100</c:v>
+                </c:pt>
+                <c:pt idx="8">
+                  <c:v>100</c:v>
+                </c:pt>
+                <c:pt idx="9">
+                  <c:v>100</c:v>
+                </c:pt>
+              </c:numCache>
+            </c:numRef>
+          </c:val>
+        </c:ser>
+        <c:bandFmts/>
+        <c:axId val="200742016"/>
+        <c:axId val="200816128"/>
+        <c:axId val="200827776"/>
+      </c:surface3DChart>
+      <c:catAx>
+        <c:axId val="200742016"/>
+        <c:scaling>
+          <c:orientation val="minMax"/>
+        </c:scaling>
+        <c:axPos val="b"/>
+        <c:tickLblPos val="nextTo"/>
+        <c:crossAx val="200816128"/>
+        <c:crosses val="autoZero"/>
+        <c:auto val="1"/>
+        <c:lblAlgn val="ctr"/>
+        <c:lblOffset val="100"/>
+      </c:catAx>
+      <c:valAx>
+        <c:axId val="200816128"/>
+        <c:scaling>
+          <c:orientation val="minMax"/>
+        </c:scaling>
+        <c:axPos val="l"/>
+        <c:majorGridlines/>
+        <c:numFmt formatCode="General" sourceLinked="1"/>
+        <c:tickLblPos val="nextTo"/>
+        <c:crossAx val="200742016"/>
+        <c:crosses val="autoZero"/>
+        <c:crossBetween val="midCat"/>
+      </c:valAx>
+      <c:serAx>
+        <c:axId val="200827776"/>
+        <c:scaling>
+          <c:orientation val="minMax"/>
+        </c:scaling>
+        <c:delete val="1"/>
+        <c:axPos val="b"/>
+        <c:tickLblPos val="none"/>
+        <c:crossAx val="200816128"/>
+        <c:crosses val="autoZero"/>
+      </c:serAx>
+    </c:plotArea>
+    <c:legend>
+      <c:legendPos val="r"/>
+      <c:layout>
+        <c:manualLayout>
+          <c:xMode val="edge"/>
+          <c:yMode val="edge"/>
+          <c:x val="0.83611811023622051"/>
+          <c:y val="0.21556559234497943"/>
+          <c:w val="0.14652077865266841"/>
+          <c:h val="0.63273916043587042"/>
+        </c:manualLayout>
+      </c:layout>
+      <c:txPr>
+        <a:bodyPr/>
+        <a:lstStyle/>
+        <a:p>
+          <a:pPr rtl="0">
+            <a:defRPr/>
+          </a:pPr>
+          <a:endParaRPr lang="ja-JP"/>
+        </a:p>
+      </c:txPr>
+    </c:legend>
+    <c:plotVisOnly val="1"/>
+  </c:chart>
+  <c:spPr>
+    <a:gradFill>
+      <a:gsLst>
+        <a:gs pos="0">
+          <a:srgbClr val="5B9BD5">
+            <a:tint val="66000"/>
+            <a:satMod val="160000"/>
+          </a:srgbClr>
+        </a:gs>
+        <a:gs pos="50000">
+          <a:srgbClr val="5B9BD5">
+            <a:tint val="44500"/>
+            <a:satMod val="160000"/>
+          </a:srgbClr>
+        </a:gs>
+        <a:gs pos="100000">
+          <a:srgbClr val="5B9BD5">
+            <a:tint val="23500"/>
+            <a:satMod val="160000"/>
+          </a:srgbClr>
+        </a:gs>
+      </a:gsLst>
+      <a:lin ang="5400000" scaled="0"/>
+    </a:gradFill>
+  </c:spPr>
+  <c:externalData r:id="rId1"/>
+</c:chartSpace>
+</file>
+
+<file path=ppt/charts/chart9.xml><?xml version="1.0" encoding="utf-8"?>
+<c:chartSpace xmlns:c="http://schemas.openxmlformats.org/drawingml/2006/chart" xmlns:a="http://schemas.openxmlformats.org/drawingml/2006/main" xmlns:r="http://schemas.openxmlformats.org/officeDocument/2006/relationships">
+  <c:lang val="ja-JP"/>
+  <c:chart>
+    <c:view3D>
+      <c:rotX val="50"/>
+      <c:rotY val="0"/>
+      <c:perspective val="30"/>
+    </c:view3D>
+    <c:plotArea>
+      <c:layout/>
+      <c:surface3DChart>
+        <c:ser>
+          <c:idx val="0"/>
+          <c:order val="0"/>
+          <c:val>
+            <c:numRef>
+              <c:f>Sheet1!$L$61:$U$61</c:f>
+              <c:numCache>
+                <c:formatCode>General</c:formatCode>
+                <c:ptCount val="10"/>
+                <c:pt idx="0">
+                  <c:v>0</c:v>
+                </c:pt>
+                <c:pt idx="1">
+                  <c:v>0</c:v>
+                </c:pt>
+                <c:pt idx="2">
+                  <c:v>0</c:v>
+                </c:pt>
+                <c:pt idx="3">
+                  <c:v>0</c:v>
+                </c:pt>
+                <c:pt idx="4">
+                  <c:v>0</c:v>
+                </c:pt>
+                <c:pt idx="5">
+                  <c:v>0</c:v>
+                </c:pt>
+                <c:pt idx="6">
+                  <c:v>0</c:v>
+                </c:pt>
+                <c:pt idx="7">
+                  <c:v>0</c:v>
+                </c:pt>
+                <c:pt idx="8">
+                  <c:v>0</c:v>
+                </c:pt>
+                <c:pt idx="9">
+                  <c:v>0</c:v>
+                </c:pt>
+              </c:numCache>
+            </c:numRef>
+          </c:val>
+        </c:ser>
+        <c:ser>
+          <c:idx val="1"/>
+          <c:order val="1"/>
+          <c:val>
+            <c:numRef>
+              <c:f>Sheet1!$L$62:$U$62</c:f>
+              <c:numCache>
+                <c:formatCode>General</c:formatCode>
+                <c:ptCount val="10"/>
+                <c:pt idx="0">
+                  <c:v>0</c:v>
+                </c:pt>
+                <c:pt idx="1">
+                  <c:v>100</c:v>
+                </c:pt>
+                <c:pt idx="2">
+                  <c:v>100</c:v>
+                </c:pt>
+                <c:pt idx="3">
+                  <c:v>100</c:v>
+                </c:pt>
+                <c:pt idx="4">
+                  <c:v>100</c:v>
+                </c:pt>
+                <c:pt idx="5">
+                  <c:v>100</c:v>
+                </c:pt>
+                <c:pt idx="6">
+                  <c:v>100</c:v>
+                </c:pt>
+                <c:pt idx="7">
+                  <c:v>100</c:v>
+                </c:pt>
+                <c:pt idx="8">
+                  <c:v>100</c:v>
+                </c:pt>
+                <c:pt idx="9">
+                  <c:v>0</c:v>
+                </c:pt>
+              </c:numCache>
+            </c:numRef>
+          </c:val>
+        </c:ser>
+        <c:ser>
+          <c:idx val="2"/>
+          <c:order val="2"/>
+          <c:val>
+            <c:numRef>
+              <c:f>Sheet1!$L$63:$U$63</c:f>
+              <c:numCache>
+                <c:formatCode>General</c:formatCode>
+                <c:ptCount val="10"/>
+                <c:pt idx="0">
+                  <c:v>0</c:v>
+                </c:pt>
+                <c:pt idx="1">
+                  <c:v>100</c:v>
+                </c:pt>
+                <c:pt idx="2">
+                  <c:v>100</c:v>
+                </c:pt>
+                <c:pt idx="3">
+                  <c:v>100</c:v>
+                </c:pt>
+                <c:pt idx="4">
+                  <c:v>100</c:v>
+                </c:pt>
+                <c:pt idx="5">
+                  <c:v>100</c:v>
+                </c:pt>
+                <c:pt idx="6">
+                  <c:v>100</c:v>
+                </c:pt>
+                <c:pt idx="7">
+                  <c:v>100</c:v>
+                </c:pt>
+                <c:pt idx="8">
+                  <c:v>100</c:v>
+                </c:pt>
+                <c:pt idx="9">
+                  <c:v>0</c:v>
+                </c:pt>
+              </c:numCache>
+            </c:numRef>
+          </c:val>
+        </c:ser>
+        <c:ser>
+          <c:idx val="3"/>
+          <c:order val="3"/>
+          <c:val>
+            <c:numRef>
+              <c:f>Sheet1!$L$64:$U$64</c:f>
+              <c:numCache>
+                <c:formatCode>General</c:formatCode>
+                <c:ptCount val="10"/>
+                <c:pt idx="0">
+                  <c:v>0</c:v>
+                </c:pt>
+                <c:pt idx="1">
+                  <c:v>100</c:v>
+                </c:pt>
+                <c:pt idx="2">
+                  <c:v>100</c:v>
+                </c:pt>
+                <c:pt idx="3">
+                  <c:v>100</c:v>
+                </c:pt>
+                <c:pt idx="4">
+                  <c:v>0</c:v>
+                </c:pt>
+                <c:pt idx="5">
+                  <c:v>0</c:v>
+                </c:pt>
+                <c:pt idx="6">
+                  <c:v>100</c:v>
+                </c:pt>
+                <c:pt idx="7">
+                  <c:v>100</c:v>
+                </c:pt>
+                <c:pt idx="8">
+                  <c:v>100</c:v>
+                </c:pt>
+                <c:pt idx="9">
+                  <c:v>0</c:v>
+                </c:pt>
+              </c:numCache>
+            </c:numRef>
+          </c:val>
+        </c:ser>
+        <c:ser>
+          <c:idx val="4"/>
+          <c:order val="4"/>
+          <c:val>
+            <c:numRef>
+              <c:f>Sheet1!$L$65:$U$65</c:f>
+              <c:numCache>
+                <c:formatCode>General</c:formatCode>
+                <c:ptCount val="10"/>
+                <c:pt idx="0">
+                  <c:v>0</c:v>
+                </c:pt>
+                <c:pt idx="1">
+                  <c:v>100</c:v>
+                </c:pt>
+                <c:pt idx="2">
+                  <c:v>100</c:v>
+                </c:pt>
+                <c:pt idx="3">
+                  <c:v>0</c:v>
+                </c:pt>
+                <c:pt idx="4">
+                  <c:v>255</c:v>
+                </c:pt>
+                <c:pt idx="5">
+                  <c:v>255</c:v>
+                </c:pt>
+                <c:pt idx="6">
+                  <c:v>0</c:v>
+                </c:pt>
+                <c:pt idx="7">
+                  <c:v>100</c:v>
+                </c:pt>
+                <c:pt idx="8">
+                  <c:v>100</c:v>
+                </c:pt>
+                <c:pt idx="9">
+                  <c:v>0</c:v>
+                </c:pt>
+              </c:numCache>
+            </c:numRef>
+          </c:val>
+        </c:ser>
+        <c:ser>
+          <c:idx val="5"/>
+          <c:order val="5"/>
+          <c:val>
+            <c:numRef>
+              <c:f>Sheet1!$L$66:$U$66</c:f>
+              <c:numCache>
+                <c:formatCode>General</c:formatCode>
+                <c:ptCount val="10"/>
+                <c:pt idx="0">
+                  <c:v>0</c:v>
+                </c:pt>
+                <c:pt idx="1">
+                  <c:v>100</c:v>
+                </c:pt>
+                <c:pt idx="2">
+                  <c:v>100</c:v>
+                </c:pt>
+                <c:pt idx="3">
+                  <c:v>0</c:v>
+                </c:pt>
+                <c:pt idx="4">
+                  <c:v>255</c:v>
+                </c:pt>
+                <c:pt idx="5">
+                  <c:v>255</c:v>
+                </c:pt>
+                <c:pt idx="6">
+                  <c:v>0</c:v>
+                </c:pt>
+                <c:pt idx="7">
+                  <c:v>100</c:v>
+                </c:pt>
+                <c:pt idx="8">
+                  <c:v>100</c:v>
+                </c:pt>
+                <c:pt idx="9">
+                  <c:v>0</c:v>
+                </c:pt>
+              </c:numCache>
+            </c:numRef>
+          </c:val>
+        </c:ser>
+        <c:ser>
+          <c:idx val="6"/>
+          <c:order val="6"/>
+          <c:val>
+            <c:numRef>
+              <c:f>Sheet1!$L$67:$U$67</c:f>
+              <c:numCache>
+                <c:formatCode>General</c:formatCode>
+                <c:ptCount val="10"/>
+                <c:pt idx="0">
+                  <c:v>0</c:v>
+                </c:pt>
+                <c:pt idx="1">
+                  <c:v>100</c:v>
+                </c:pt>
+                <c:pt idx="2">
+                  <c:v>100</c:v>
+                </c:pt>
+                <c:pt idx="3">
+                  <c:v>100</c:v>
+                </c:pt>
+                <c:pt idx="4">
+                  <c:v>0</c:v>
+                </c:pt>
+                <c:pt idx="5">
+                  <c:v>0</c:v>
+                </c:pt>
+                <c:pt idx="6">
+                  <c:v>100</c:v>
+                </c:pt>
+                <c:pt idx="7">
+                  <c:v>100</c:v>
+                </c:pt>
+                <c:pt idx="8">
+                  <c:v>100</c:v>
+                </c:pt>
+                <c:pt idx="9">
+                  <c:v>0</c:v>
+                </c:pt>
+              </c:numCache>
+            </c:numRef>
+          </c:val>
+        </c:ser>
+        <c:ser>
+          <c:idx val="7"/>
+          <c:order val="7"/>
+          <c:val>
+            <c:numRef>
+              <c:f>Sheet1!$L$68:$U$68</c:f>
+              <c:numCache>
+                <c:formatCode>General</c:formatCode>
+                <c:ptCount val="10"/>
+                <c:pt idx="0">
+                  <c:v>0</c:v>
+                </c:pt>
+                <c:pt idx="1">
+                  <c:v>100</c:v>
+                </c:pt>
+                <c:pt idx="2">
+                  <c:v>100</c:v>
+                </c:pt>
+                <c:pt idx="3">
+                  <c:v>100</c:v>
+                </c:pt>
+                <c:pt idx="4">
+                  <c:v>100</c:v>
+                </c:pt>
+                <c:pt idx="5">
+                  <c:v>100</c:v>
+                </c:pt>
+                <c:pt idx="6">
+                  <c:v>100</c:v>
+                </c:pt>
+                <c:pt idx="7">
+                  <c:v>100</c:v>
+                </c:pt>
+                <c:pt idx="8">
+                  <c:v>100</c:v>
+                </c:pt>
+                <c:pt idx="9">
+                  <c:v>0</c:v>
+                </c:pt>
+              </c:numCache>
+            </c:numRef>
+          </c:val>
+        </c:ser>
+        <c:ser>
+          <c:idx val="8"/>
+          <c:order val="8"/>
+          <c:val>
+            <c:numRef>
+              <c:f>Sheet1!$L$69:$U$69</c:f>
+              <c:numCache>
+                <c:formatCode>General</c:formatCode>
+                <c:ptCount val="10"/>
+                <c:pt idx="0">
+                  <c:v>0</c:v>
+                </c:pt>
+                <c:pt idx="1">
+                  <c:v>100</c:v>
+                </c:pt>
+                <c:pt idx="2">
+                  <c:v>100</c:v>
+                </c:pt>
+                <c:pt idx="3">
+                  <c:v>100</c:v>
+                </c:pt>
+                <c:pt idx="4">
+                  <c:v>100</c:v>
+                </c:pt>
+                <c:pt idx="5">
+                  <c:v>100</c:v>
+                </c:pt>
+                <c:pt idx="6">
+                  <c:v>100</c:v>
+                </c:pt>
+                <c:pt idx="7">
+                  <c:v>100</c:v>
+                </c:pt>
+                <c:pt idx="8">
+                  <c:v>100</c:v>
+                </c:pt>
+                <c:pt idx="9">
+                  <c:v>0</c:v>
+                </c:pt>
+              </c:numCache>
+            </c:numRef>
+          </c:val>
+        </c:ser>
+        <c:ser>
+          <c:idx val="9"/>
+          <c:order val="9"/>
+          <c:val>
+            <c:numRef>
+              <c:f>Sheet1!$L$70:$U$70</c:f>
+              <c:numCache>
+                <c:formatCode>General</c:formatCode>
+                <c:ptCount val="10"/>
+                <c:pt idx="0">
+                  <c:v>0</c:v>
+                </c:pt>
+                <c:pt idx="1">
+                  <c:v>0</c:v>
+                </c:pt>
+                <c:pt idx="2">
+                  <c:v>0</c:v>
+                </c:pt>
+                <c:pt idx="3">
+                  <c:v>0</c:v>
+                </c:pt>
+                <c:pt idx="4">
+                  <c:v>0</c:v>
+                </c:pt>
+                <c:pt idx="5">
+                  <c:v>0</c:v>
+                </c:pt>
+                <c:pt idx="6">
+                  <c:v>0</c:v>
+                </c:pt>
+                <c:pt idx="7">
+                  <c:v>0</c:v>
+                </c:pt>
+                <c:pt idx="8">
+                  <c:v>0</c:v>
+                </c:pt>
+                <c:pt idx="9">
+                  <c:v>0</c:v>
+                </c:pt>
+              </c:numCache>
+            </c:numRef>
+          </c:val>
+        </c:ser>
+        <c:bandFmts/>
+        <c:axId val="145504512"/>
+        <c:axId val="145507840"/>
+        <c:axId val="130020672"/>
+      </c:surface3DChart>
+      <c:catAx>
+        <c:axId val="145504512"/>
+        <c:scaling>
+          <c:orientation val="minMax"/>
+        </c:scaling>
+        <c:axPos val="b"/>
+        <c:tickLblPos val="nextTo"/>
+        <c:crossAx val="145507840"/>
+        <c:crosses val="autoZero"/>
+        <c:auto val="1"/>
+        <c:lblAlgn val="ctr"/>
+        <c:lblOffset val="100"/>
+      </c:catAx>
+      <c:valAx>
+        <c:axId val="145507840"/>
+        <c:scaling>
+          <c:orientation val="minMax"/>
+        </c:scaling>
+        <c:axPos val="l"/>
+        <c:majorGridlines/>
+        <c:numFmt formatCode="General" sourceLinked="1"/>
+        <c:tickLblPos val="nextTo"/>
+        <c:crossAx val="145504512"/>
+        <c:crosses val="autoZero"/>
+        <c:crossBetween val="midCat"/>
+      </c:valAx>
+      <c:serAx>
+        <c:axId val="130020672"/>
+        <c:scaling>
+          <c:orientation val="minMax"/>
+        </c:scaling>
+        <c:delete val="1"/>
+        <c:axPos val="b"/>
+        <c:tickLblPos val="none"/>
+        <c:crossAx val="145507840"/>
+        <c:crosses val="autoZero"/>
+      </c:serAx>
+    </c:plotArea>
+    <c:legend>
+      <c:legendPos val="r"/>
+      <c:layout/>
+      <c:txPr>
+        <a:bodyPr/>
+        <a:lstStyle/>
+        <a:p>
+          <a:pPr rtl="0">
+            <a:defRPr/>
+          </a:pPr>
+          <a:endParaRPr lang="ja-JP"/>
+        </a:p>
+      </c:txPr>
+    </c:legend>
+    <c:plotVisOnly val="1"/>
+    <c:dispBlanksAs val="zero"/>
+  </c:chart>
+  <c:spPr>
+    <a:gradFill>
+      <a:gsLst>
+        <a:gs pos="0">
+          <a:srgbClr val="5B9BD5">
+            <a:tint val="66000"/>
+            <a:satMod val="160000"/>
+          </a:srgbClr>
+        </a:gs>
+        <a:gs pos="50000">
+          <a:srgbClr val="5B9BD5">
+            <a:tint val="44500"/>
+            <a:satMod val="160000"/>
+          </a:srgbClr>
+        </a:gs>
+        <a:gs pos="100000">
+          <a:srgbClr val="5B9BD5">
+            <a:tint val="23500"/>
+            <a:satMod val="160000"/>
+          </a:srgbClr>
+        </a:gs>
+      </a:gsLst>
+      <a:lin ang="5400000" scaled="0"/>
+    </a:gradFill>
+  </c:spPr>
+  <c:externalData r:id="rId1"/>
+</c:chartSpace>
 </file>
 
 <file path=ppt/notesMasters/notesMaster1.xml><?xml version="1.0" encoding="utf-8"?>
@@ -2199,6 +7527,110 @@
 </file>
 
 <file path=ppt/notesSlides/notesSlide16.xml><?xml version="1.0" encoding="utf-8"?>
+<p:notes xmlns:a="http://schemas.openxmlformats.org/drawingml/2006/main" xmlns:r="http://schemas.openxmlformats.org/officeDocument/2006/relationships" xmlns:p="http://schemas.openxmlformats.org/presentationml/2006/main" showMasterSp="0" showMasterPhAnim="0">
+  <p:cSld>
+    <p:spTree>
+      <p:nvGrpSpPr>
+        <p:cNvPr id="1" name="Shape 160"/>
+        <p:cNvGrpSpPr/>
+        <p:nvPr/>
+      </p:nvGrpSpPr>
+      <p:grpSpPr>
+        <a:xfrm>
+          <a:off x="0" y="0"/>
+          <a:ext cx="0" cy="0"/>
+          <a:chOff x="0" y="0"/>
+          <a:chExt cx="0" cy="0"/>
+        </a:xfrm>
+      </p:grpSpPr>
+      <p:sp>
+        <p:nvSpPr>
+          <p:cNvPr id="161" name="Google Shape;161;p11:notes"/>
+          <p:cNvSpPr txBox="1">
+            <a:spLocks noGrp="1"/>
+          </p:cNvSpPr>
+          <p:nvPr>
+            <p:ph type="body" idx="1"/>
+          </p:nvPr>
+        </p:nvSpPr>
+        <p:spPr>
+          <a:xfrm>
+            <a:off x="685800" y="4343400"/>
+            <a:ext cx="5486400" cy="4114800"/>
+          </a:xfrm>
+          <a:prstGeom prst="rect">
+            <a:avLst/>
+          </a:prstGeom>
+        </p:spPr>
+        <p:txBody>
+          <a:bodyPr spcFirstLastPara="1" wrap="square" lIns="91425" tIns="45700" rIns="91425" bIns="45700" anchor="t" anchorCtr="0">
+            <a:noAutofit/>
+          </a:bodyPr>
+          <a:lstStyle/>
+          <a:p>
+            <a:pPr marL="0" lvl="0" indent="0" algn="l" rtl="0">
+              <a:spcBef>
+                <a:spcPts val="0"/>
+              </a:spcBef>
+              <a:spcAft>
+                <a:spcPts val="0"/>
+              </a:spcAft>
+              <a:buNone/>
+            </a:pPr>
+            <a:endParaRPr/>
+          </a:p>
+        </p:txBody>
+      </p:sp>
+      <p:sp>
+        <p:nvSpPr>
+          <p:cNvPr id="162" name="Google Shape;162;p11:notes"/>
+          <p:cNvSpPr>
+            <a:spLocks noGrp="1" noRot="1" noChangeAspect="1"/>
+          </p:cNvSpPr>
+          <p:nvPr>
+            <p:ph type="sldImg" idx="2"/>
+          </p:nvPr>
+        </p:nvSpPr>
+        <p:spPr>
+          <a:xfrm>
+            <a:off x="1143000" y="685800"/>
+            <a:ext cx="4572000" cy="3429000"/>
+          </a:xfrm>
+          <a:custGeom>
+            <a:avLst/>
+            <a:gdLst/>
+            <a:ahLst/>
+            <a:cxnLst/>
+            <a:rect l="l" t="t" r="r" b="b"/>
+            <a:pathLst>
+              <a:path w="120000" h="120000" extrusionOk="0">
+                <a:moveTo>
+                  <a:pt x="0" y="0"/>
+                </a:moveTo>
+                <a:lnTo>
+                  <a:pt x="120000" y="0"/>
+                </a:lnTo>
+                <a:lnTo>
+                  <a:pt x="120000" y="120000"/>
+                </a:lnTo>
+                <a:lnTo>
+                  <a:pt x="0" y="120000"/>
+                </a:lnTo>
+                <a:close/>
+              </a:path>
+            </a:pathLst>
+          </a:custGeom>
+        </p:spPr>
+      </p:sp>
+    </p:spTree>
+  </p:cSld>
+  <p:clrMapOvr>
+    <a:masterClrMapping/>
+  </p:clrMapOvr>
+</p:notes>
+</file>
+
+<file path=ppt/notesSlides/notesSlide17.xml><?xml version="1.0" encoding="utf-8"?>
 <p:notes xmlns:a="http://schemas.openxmlformats.org/drawingml/2006/main" xmlns:r="http://schemas.openxmlformats.org/officeDocument/2006/relationships" xmlns:p="http://schemas.openxmlformats.org/presentationml/2006/main" showMasterSp="0" showMasterPhAnim="0">
   <p:cSld>
     <p:spTree>
@@ -13941,56 +19373,6 @@
       </p:pic>
       <p:sp>
         <p:nvSpPr>
-          <p:cNvPr id="127" name="Google Shape;127;p18"/>
-          <p:cNvSpPr txBox="1">
-            <a:spLocks noGrp="1"/>
-          </p:cNvSpPr>
-          <p:nvPr>
-            <p:ph type="body" idx="2"/>
-          </p:nvPr>
-        </p:nvSpPr>
-        <p:spPr>
-          <a:xfrm>
-            <a:off x="4629151" y="1825625"/>
-            <a:ext cx="3886200" cy="4351200"/>
-          </a:xfrm>
-          <a:prstGeom prst="rect">
-            <a:avLst/>
-          </a:prstGeom>
-          <a:noFill/>
-          <a:ln>
-            <a:noFill/>
-          </a:ln>
-        </p:spPr>
-        <p:txBody>
-          <a:bodyPr spcFirstLastPara="1" wrap="square" lIns="91425" tIns="45700" rIns="91425" bIns="45700" anchor="t" anchorCtr="0">
-            <a:noAutofit/>
-          </a:bodyPr>
-          <a:lstStyle/>
-          <a:p>
-            <a:pPr marL="0" marR="0" lvl="0" indent="0" algn="l" rtl="0">
-              <a:lnSpc>
-                <a:spcPct val="100000"/>
-              </a:lnSpc>
-              <a:spcBef>
-                <a:spcPts val="0"/>
-              </a:spcBef>
-              <a:spcAft>
-                <a:spcPts val="0"/>
-              </a:spcAft>
-              <a:buClr>
-                <a:schemeClr val="dk1"/>
-              </a:buClr>
-              <a:buSzPts val="2800"/>
-              <a:buFont typeface="Arial"/>
-              <a:buNone/>
-            </a:pPr>
-            <a:endParaRPr dirty="0"/>
-          </a:p>
-        </p:txBody>
-      </p:sp>
-      <p:sp>
-        <p:nvSpPr>
           <p:cNvPr id="128" name="Google Shape;128;p18"/>
           <p:cNvSpPr txBox="1">
             <a:spLocks noGrp="1"/>
@@ -14044,6 +19426,30 @@
           </a:p>
         </p:txBody>
       </p:sp>
+      <p:pic>
+        <p:nvPicPr>
+          <p:cNvPr id="6" name="図 5" descr="prewitt.jpg"/>
+          <p:cNvPicPr>
+            <a:picLocks noChangeAspect="1"/>
+          </p:cNvPicPr>
+          <p:nvPr/>
+        </p:nvPicPr>
+        <p:blipFill>
+          <a:blip r:embed="rId4"/>
+          <a:stretch>
+            <a:fillRect/>
+          </a:stretch>
+        </p:blipFill>
+        <p:spPr>
+          <a:xfrm>
+            <a:off x="4550837" y="1863708"/>
+            <a:ext cx="4320000" cy="4320000"/>
+          </a:xfrm>
+          <a:prstGeom prst="rect">
+            <a:avLst/>
+          </a:prstGeom>
+        </p:spPr>
+      </p:pic>
     </p:spTree>
   </p:cSld>
   <p:clrMapOvr>
@@ -14133,87 +19539,6 @@
           </a:p>
         </p:txBody>
       </p:sp>
-      <p:pic>
-        <p:nvPicPr>
-          <p:cNvPr id="134" name="Google Shape;134;p19"/>
-          <p:cNvPicPr preferRelativeResize="0">
-            <a:picLocks noGrp="1"/>
-          </p:cNvPicPr>
-          <p:nvPr>
-            <p:ph type="body" idx="1"/>
-          </p:nvPr>
-        </p:nvPicPr>
-        <p:blipFill rotWithShape="1">
-          <a:blip r:embed="rId3">
-            <a:alphaModFix/>
-          </a:blip>
-          <a:srcRect/>
-          <a:stretch/>
-        </p:blipFill>
-        <p:spPr>
-          <a:xfrm>
-            <a:off x="946348" y="1825625"/>
-            <a:ext cx="3250800" cy="3263400"/>
-          </a:xfrm>
-          <a:prstGeom prst="rect">
-            <a:avLst/>
-          </a:prstGeom>
-          <a:noFill/>
-          <a:ln>
-            <a:noFill/>
-          </a:ln>
-        </p:spPr>
-      </p:pic>
-      <p:sp>
-        <p:nvSpPr>
-          <p:cNvPr id="135" name="Google Shape;135;p19"/>
-          <p:cNvSpPr txBox="1">
-            <a:spLocks noGrp="1"/>
-          </p:cNvSpPr>
-          <p:nvPr>
-            <p:ph type="body" idx="2"/>
-          </p:nvPr>
-        </p:nvSpPr>
-        <p:spPr>
-          <a:xfrm>
-            <a:off x="4629151" y="1825625"/>
-            <a:ext cx="3886200" cy="4351200"/>
-          </a:xfrm>
-          <a:prstGeom prst="rect">
-            <a:avLst/>
-          </a:prstGeom>
-          <a:noFill/>
-          <a:ln>
-            <a:noFill/>
-          </a:ln>
-        </p:spPr>
-        <p:txBody>
-          <a:bodyPr spcFirstLastPara="1" wrap="square" lIns="91425" tIns="45700" rIns="91425" bIns="45700" anchor="t" anchorCtr="0">
-            <a:noAutofit/>
-          </a:bodyPr>
-          <a:lstStyle/>
-          <a:p>
-            <a:pPr marL="0" marR="0" lvl="0" indent="0" algn="l" rtl="0">
-              <a:lnSpc>
-                <a:spcPct val="100000"/>
-              </a:lnSpc>
-              <a:spcBef>
-                <a:spcPts val="0"/>
-              </a:spcBef>
-              <a:spcAft>
-                <a:spcPts val="0"/>
-              </a:spcAft>
-              <a:buClr>
-                <a:schemeClr val="dk1"/>
-              </a:buClr>
-              <a:buSzPts val="2800"/>
-              <a:buFont typeface="Arial"/>
-              <a:buNone/>
-            </a:pPr>
-            <a:endParaRPr/>
-          </a:p>
-        </p:txBody>
-      </p:sp>
       <p:sp>
         <p:nvSpPr>
           <p:cNvPr id="136" name="Google Shape;136;p19"/>
@@ -14269,6 +19594,38 @@
           </a:p>
         </p:txBody>
       </p:sp>
+      <p:graphicFrame>
+        <p:nvGraphicFramePr>
+          <p:cNvPr id="7" name="グラフ 6"/>
+          <p:cNvGraphicFramePr/>
+          <p:nvPr/>
+        </p:nvGraphicFramePr>
+        <p:xfrm>
+          <a:off x="4578287" y="2179608"/>
+          <a:ext cx="4505325" cy="3810000"/>
+        </p:xfrm>
+        <a:graphic>
+          <a:graphicData uri="http://schemas.openxmlformats.org/drawingml/2006/chart">
+            <c:chart xmlns:c="http://schemas.openxmlformats.org/drawingml/2006/chart" xmlns:r="http://schemas.openxmlformats.org/officeDocument/2006/relationships" r:id="rId3"/>
+          </a:graphicData>
+        </a:graphic>
+      </p:graphicFrame>
+      <p:graphicFrame>
+        <p:nvGraphicFramePr>
+          <p:cNvPr id="8" name="グラフ 7"/>
+          <p:cNvGraphicFramePr/>
+          <p:nvPr/>
+        </p:nvGraphicFramePr>
+        <p:xfrm>
+          <a:off x="51756" y="2179608"/>
+          <a:ext cx="4505325" cy="3810000"/>
+        </p:xfrm>
+        <a:graphic>
+          <a:graphicData uri="http://schemas.openxmlformats.org/drawingml/2006/chart">
+            <c:chart xmlns:c="http://schemas.openxmlformats.org/drawingml/2006/chart" xmlns:r="http://schemas.openxmlformats.org/officeDocument/2006/relationships" r:id="rId4"/>
+          </a:graphicData>
+        </a:graphic>
+      </p:graphicFrame>
     </p:spTree>
   </p:cSld>
   <p:clrMapOvr>
@@ -14362,7 +19719,7 @@
         <p:nvPicPr>
           <p:cNvPr id="142" name="Google Shape;142;p20"/>
           <p:cNvPicPr preferRelativeResize="0">
-            <a:picLocks noGrp="1"/>
+            <a:picLocks noGrp="1" noChangeAspect="1"/>
           </p:cNvPicPr>
           <p:nvPr>
             <p:ph type="body" idx="1"/>
@@ -14377,8 +19734,8 @@
         </p:blipFill>
         <p:spPr>
           <a:xfrm>
-            <a:off x="946348" y="1825625"/>
-            <a:ext cx="3250800" cy="3263400"/>
+            <a:off x="198417" y="1825626"/>
+            <a:ext cx="4303320" cy="4320000"/>
           </a:xfrm>
           <a:prstGeom prst="rect">
             <a:avLst/>
@@ -14389,55 +19746,6 @@
           </a:ln>
         </p:spPr>
       </p:pic>
-      <p:sp>
-        <p:nvSpPr>
-          <p:cNvPr id="143" name="Google Shape;143;p20"/>
-          <p:cNvSpPr txBox="1">
-            <a:spLocks noGrp="1"/>
-          </p:cNvSpPr>
-          <p:nvPr>
-            <p:ph type="body" idx="2"/>
-          </p:nvPr>
-        </p:nvSpPr>
-        <p:spPr>
-          <a:xfrm>
-            <a:off x="4629151" y="1825625"/>
-            <a:ext cx="3886200" cy="4351200"/>
-          </a:xfrm>
-          <a:prstGeom prst="rect">
-            <a:avLst/>
-          </a:prstGeom>
-          <a:noFill/>
-          <a:ln>
-            <a:noFill/>
-          </a:ln>
-        </p:spPr>
-        <p:txBody>
-          <a:bodyPr spcFirstLastPara="1" wrap="square" lIns="91425" tIns="45700" rIns="91425" bIns="45700" anchor="t" anchorCtr="0">
-            <a:noAutofit/>
-          </a:bodyPr>
-          <a:lstStyle/>
-          <a:p>
-            <a:pPr marL="228600" lvl="0" indent="-50800" algn="l" rtl="0">
-              <a:lnSpc>
-                <a:spcPct val="90000"/>
-              </a:lnSpc>
-              <a:spcBef>
-                <a:spcPts val="0"/>
-              </a:spcBef>
-              <a:spcAft>
-                <a:spcPts val="0"/>
-              </a:spcAft>
-              <a:buClr>
-                <a:schemeClr val="dk1"/>
-              </a:buClr>
-              <a:buSzPts val="2800"/>
-              <a:buNone/>
-            </a:pPr>
-            <a:endParaRPr/>
-          </a:p>
-        </p:txBody>
-      </p:sp>
       <p:sp>
         <p:nvSpPr>
           <p:cNvPr id="144" name="Google Shape;144;p20"/>
@@ -14493,6 +19801,30 @@
           </a:p>
         </p:txBody>
       </p:sp>
+      <p:pic>
+        <p:nvPicPr>
+          <p:cNvPr id="6" name="図 5" descr="laplacian.jpg"/>
+          <p:cNvPicPr>
+            <a:picLocks noChangeAspect="1"/>
+          </p:cNvPicPr>
+          <p:nvPr/>
+        </p:nvPicPr>
+        <p:blipFill>
+          <a:blip r:embed="rId4"/>
+          <a:stretch>
+            <a:fillRect/>
+          </a:stretch>
+        </p:blipFill>
+        <p:spPr>
+          <a:xfrm>
+            <a:off x="4634228" y="1837829"/>
+            <a:ext cx="4320000" cy="4320000"/>
+          </a:xfrm>
+          <a:prstGeom prst="rect">
+            <a:avLst/>
+          </a:prstGeom>
+        </p:spPr>
+      </p:pic>
     </p:spTree>
   </p:cSld>
   <p:clrMapOvr>
@@ -14582,86 +19914,6 @@
           </a:p>
         </p:txBody>
       </p:sp>
-      <p:pic>
-        <p:nvPicPr>
-          <p:cNvPr id="150" name="Google Shape;150;p21"/>
-          <p:cNvPicPr preferRelativeResize="0">
-            <a:picLocks noGrp="1"/>
-          </p:cNvPicPr>
-          <p:nvPr>
-            <p:ph type="body" idx="1"/>
-          </p:nvPr>
-        </p:nvPicPr>
-        <p:blipFill rotWithShape="1">
-          <a:blip r:embed="rId3">
-            <a:alphaModFix/>
-          </a:blip>
-          <a:srcRect/>
-          <a:stretch/>
-        </p:blipFill>
-        <p:spPr>
-          <a:xfrm>
-            <a:off x="946348" y="1825625"/>
-            <a:ext cx="3250800" cy="3263400"/>
-          </a:xfrm>
-          <a:prstGeom prst="rect">
-            <a:avLst/>
-          </a:prstGeom>
-          <a:noFill/>
-          <a:ln>
-            <a:noFill/>
-          </a:ln>
-        </p:spPr>
-      </p:pic>
-      <p:sp>
-        <p:nvSpPr>
-          <p:cNvPr id="151" name="Google Shape;151;p21"/>
-          <p:cNvSpPr txBox="1">
-            <a:spLocks noGrp="1"/>
-          </p:cNvSpPr>
-          <p:nvPr>
-            <p:ph type="body" idx="2"/>
-          </p:nvPr>
-        </p:nvSpPr>
-        <p:spPr>
-          <a:xfrm>
-            <a:off x="4629151" y="1825625"/>
-            <a:ext cx="3886200" cy="4351200"/>
-          </a:xfrm>
-          <a:prstGeom prst="rect">
-            <a:avLst/>
-          </a:prstGeom>
-          <a:noFill/>
-          <a:ln>
-            <a:noFill/>
-          </a:ln>
-        </p:spPr>
-        <p:txBody>
-          <a:bodyPr spcFirstLastPara="1" wrap="square" lIns="91425" tIns="45700" rIns="91425" bIns="45700" anchor="t" anchorCtr="0">
-            <a:noAutofit/>
-          </a:bodyPr>
-          <a:lstStyle/>
-          <a:p>
-            <a:pPr marL="228600" lvl="0" indent="-50800" algn="l" rtl="0">
-              <a:lnSpc>
-                <a:spcPct val="90000"/>
-              </a:lnSpc>
-              <a:spcBef>
-                <a:spcPts val="0"/>
-              </a:spcBef>
-              <a:spcAft>
-                <a:spcPts val="0"/>
-              </a:spcAft>
-              <a:buClr>
-                <a:schemeClr val="dk1"/>
-              </a:buClr>
-              <a:buSzPts val="2800"/>
-              <a:buNone/>
-            </a:pPr>
-            <a:endParaRPr/>
-          </a:p>
-        </p:txBody>
-      </p:sp>
       <p:sp>
         <p:nvSpPr>
           <p:cNvPr id="152" name="Google Shape;152;p21"/>
@@ -14717,6 +19969,38 @@
           </a:p>
         </p:txBody>
       </p:sp>
+      <p:graphicFrame>
+        <p:nvGraphicFramePr>
+          <p:cNvPr id="11" name="グラフ 10"/>
+          <p:cNvGraphicFramePr/>
+          <p:nvPr/>
+        </p:nvGraphicFramePr>
+        <p:xfrm>
+          <a:off x="103517" y="2432649"/>
+          <a:ext cx="4572000" cy="3265099"/>
+        </p:xfrm>
+        <a:graphic>
+          <a:graphicData uri="http://schemas.openxmlformats.org/drawingml/2006/chart">
+            <c:chart xmlns:c="http://schemas.openxmlformats.org/drawingml/2006/chart" xmlns:r="http://schemas.openxmlformats.org/officeDocument/2006/relationships" r:id="rId3"/>
+          </a:graphicData>
+        </a:graphic>
+      </p:graphicFrame>
+      <p:graphicFrame>
+        <p:nvGraphicFramePr>
+          <p:cNvPr id="12" name="グラフ 11"/>
+          <p:cNvGraphicFramePr/>
+          <p:nvPr/>
+        </p:nvGraphicFramePr>
+        <p:xfrm>
+          <a:off x="4638675" y="2236128"/>
+          <a:ext cx="4505325" cy="3810000"/>
+        </p:xfrm>
+        <a:graphic>
+          <a:graphicData uri="http://schemas.openxmlformats.org/drawingml/2006/chart">
+            <c:chart xmlns:c="http://schemas.openxmlformats.org/drawingml/2006/chart" xmlns:r="http://schemas.openxmlformats.org/officeDocument/2006/relationships" r:id="rId4"/>
+          </a:graphicData>
+        </a:graphic>
+      </p:graphicFrame>
     </p:spTree>
   </p:cSld>
   <p:clrMapOvr>
@@ -15042,7 +20326,7 @@
         <p:nvPicPr>
           <p:cNvPr id="165" name="Google Shape;165;p23"/>
           <p:cNvPicPr preferRelativeResize="0">
-            <a:picLocks noGrp="1"/>
+            <a:picLocks noGrp="1" noChangeAspect="1"/>
           </p:cNvPicPr>
           <p:nvPr>
             <p:ph type="body" idx="1"/>
@@ -15057,8 +20341,8 @@
         </p:blipFill>
         <p:spPr>
           <a:xfrm>
-            <a:off x="946348" y="1825625"/>
-            <a:ext cx="3250800" cy="3263400"/>
+            <a:off x="112143" y="1791120"/>
+            <a:ext cx="4303320" cy="4320000"/>
           </a:xfrm>
           <a:prstGeom prst="rect">
             <a:avLst/>
@@ -15071,18 +20355,18 @@
       </p:pic>
       <p:sp>
         <p:nvSpPr>
-          <p:cNvPr id="166" name="Google Shape;166;p23"/>
+          <p:cNvPr id="167" name="Google Shape;167;p23"/>
           <p:cNvSpPr txBox="1">
             <a:spLocks noGrp="1"/>
           </p:cNvSpPr>
           <p:nvPr>
-            <p:ph type="body" idx="2"/>
+            <p:ph type="sldNum" idx="12"/>
           </p:nvPr>
         </p:nvSpPr>
         <p:spPr>
           <a:xfrm>
-            <a:off x="4629151" y="1825625"/>
-            <a:ext cx="3886200" cy="4351200"/>
+            <a:off x="6457951" y="6356352"/>
+            <a:ext cx="2057400" cy="365100"/>
           </a:xfrm>
           <a:prstGeom prst="rect">
             <a:avLst/>
@@ -15093,12 +20377,116 @@
           </a:ln>
         </p:spPr>
         <p:txBody>
-          <a:bodyPr spcFirstLastPara="1" wrap="square" lIns="91425" tIns="45700" rIns="91425" bIns="45700" anchor="t" anchorCtr="0">
+          <a:bodyPr spcFirstLastPara="1" wrap="square" lIns="91425" tIns="45700" rIns="91425" bIns="45700" anchor="ctr" anchorCtr="0">
             <a:noAutofit/>
           </a:bodyPr>
           <a:lstStyle/>
           <a:p>
-            <a:pPr marL="228600" lvl="0" indent="-50800" algn="l" rtl="0">
+            <a:pPr marL="0" lvl="0" indent="0" algn="r" rtl="0">
+              <a:spcBef>
+                <a:spcPts val="0"/>
+              </a:spcBef>
+              <a:spcAft>
+                <a:spcPts val="0"/>
+              </a:spcAft>
+              <a:buNone/>
+            </a:pPr>
+            <a:fld id="{00000000-1234-1234-1234-123412341234}" type="slidenum">
+              <a:rPr lang="en-US" altLang="ja-JP"/>
+              <a:pPr marL="0" lvl="0" indent="0" algn="r" rtl="0">
+                <a:spcBef>
+                  <a:spcPts val="0"/>
+                </a:spcBef>
+                <a:spcAft>
+                  <a:spcPts val="0"/>
+                </a:spcAft>
+                <a:buNone/>
+              </a:pPr>
+              <a:t>15</a:t>
+            </a:fld>
+            <a:endParaRPr/>
+          </a:p>
+        </p:txBody>
+      </p:sp>
+      <p:pic>
+        <p:nvPicPr>
+          <p:cNvPr id="9" name="図 8" descr="sharpening.jpg"/>
+          <p:cNvPicPr>
+            <a:picLocks noChangeAspect="1"/>
+          </p:cNvPicPr>
+          <p:nvPr/>
+        </p:nvPicPr>
+        <p:blipFill>
+          <a:blip r:embed="rId4"/>
+          <a:stretch>
+            <a:fillRect/>
+          </a:stretch>
+        </p:blipFill>
+        <p:spPr>
+          <a:xfrm>
+            <a:off x="4524958" y="1786070"/>
+            <a:ext cx="4320000" cy="4320000"/>
+          </a:xfrm>
+          <a:prstGeom prst="rect">
+            <a:avLst/>
+          </a:prstGeom>
+        </p:spPr>
+      </p:pic>
+    </p:spTree>
+  </p:cSld>
+  <p:clrMapOvr>
+    <a:masterClrMapping/>
+  </p:clrMapOvr>
+</p:sld>
+</file>
+
+<file path=ppt/slides/slide16.xml><?xml version="1.0" encoding="utf-8"?>
+<p:sld xmlns:a="http://schemas.openxmlformats.org/drawingml/2006/main" xmlns:r="http://schemas.openxmlformats.org/officeDocument/2006/relationships" xmlns:p="http://schemas.openxmlformats.org/presentationml/2006/main">
+  <p:cSld>
+    <p:spTree>
+      <p:nvGrpSpPr>
+        <p:cNvPr id="1" name="Shape 163"/>
+        <p:cNvGrpSpPr/>
+        <p:nvPr/>
+      </p:nvGrpSpPr>
+      <p:grpSpPr>
+        <a:xfrm>
+          <a:off x="0" y="0"/>
+          <a:ext cx="0" cy="0"/>
+          <a:chOff x="0" y="0"/>
+          <a:chExt cx="0" cy="0"/>
+        </a:xfrm>
+      </p:grpSpPr>
+      <p:sp>
+        <p:nvSpPr>
+          <p:cNvPr id="164" name="Google Shape;164;p23"/>
+          <p:cNvSpPr txBox="1">
+            <a:spLocks noGrp="1"/>
+          </p:cNvSpPr>
+          <p:nvPr>
+            <p:ph type="title"/>
+          </p:nvPr>
+        </p:nvSpPr>
+        <p:spPr>
+          <a:xfrm>
+            <a:off x="628650" y="365127"/>
+            <a:ext cx="7886700" cy="1325700"/>
+          </a:xfrm>
+          <a:prstGeom prst="rect">
+            <a:avLst/>
+          </a:prstGeom>
+          <a:noFill/>
+          <a:ln>
+            <a:noFill/>
+          </a:ln>
+        </p:spPr>
+        <p:txBody>
+          <a:bodyPr spcFirstLastPara="1" wrap="square" lIns="91425" tIns="45700" rIns="91425" bIns="45700" anchor="ctr" anchorCtr="0">
+            <a:noAutofit/>
+          </a:bodyPr>
+          <a:lstStyle/>
+          <a:p>
+            <a:pPr marL="0" lvl="0" indent="0" algn="l" rtl="0">
               <a:lnSpc>
                 <a:spcPct val="90000"/>
               </a:lnSpc>
@@ -15111,10 +20499,25 @@
               <a:buClr>
                 <a:schemeClr val="dk1"/>
               </a:buClr>
-              <a:buSzPts val="2800"/>
+              <a:buSzPts val="4400"/>
+              <a:buFont typeface="MS PGothic"/>
               <a:buNone/>
             </a:pPr>
-            <a:endParaRPr/>
+            <a:r>
+              <a:rPr lang="ja-JP">
+                <a:latin typeface="MS PGothic"/>
+                <a:ea typeface="MS PGothic"/>
+                <a:cs typeface="MS PGothic"/>
+                <a:sym typeface="MS PGothic"/>
+              </a:rPr>
+              <a:t>実行結果（鮮鋭化フィルタ）</a:t>
+            </a:r>
+            <a:endParaRPr>
+              <a:latin typeface="MS PGothic"/>
+              <a:ea typeface="MS PGothic"/>
+              <a:cs typeface="MS PGothic"/>
+              <a:sym typeface="MS PGothic"/>
+            </a:endParaRPr>
           </a:p>
         </p:txBody>
       </p:sp>
@@ -15167,12 +20570,44 @@
                 </a:spcAft>
                 <a:buNone/>
               </a:pPr>
-              <a:t>15</a:t>
+              <a:t>16</a:t>
             </a:fld>
             <a:endParaRPr/>
           </a:p>
         </p:txBody>
       </p:sp>
+      <p:graphicFrame>
+        <p:nvGraphicFramePr>
+          <p:cNvPr id="8" name="グラフ 7"/>
+          <p:cNvGraphicFramePr/>
+          <p:nvPr/>
+        </p:nvGraphicFramePr>
+        <p:xfrm>
+          <a:off x="4638675" y="2131712"/>
+          <a:ext cx="4505325" cy="3810000"/>
+        </p:xfrm>
+        <a:graphic>
+          <a:graphicData uri="http://schemas.openxmlformats.org/drawingml/2006/chart">
+            <c:chart xmlns:c="http://schemas.openxmlformats.org/drawingml/2006/chart" xmlns:r="http://schemas.openxmlformats.org/officeDocument/2006/relationships" r:id="rId3"/>
+          </a:graphicData>
+        </a:graphic>
+      </p:graphicFrame>
+      <p:graphicFrame>
+        <p:nvGraphicFramePr>
+          <p:cNvPr id="9" name="グラフ 8"/>
+          <p:cNvGraphicFramePr/>
+          <p:nvPr/>
+        </p:nvGraphicFramePr>
+        <p:xfrm>
+          <a:off x="120769" y="2329132"/>
+          <a:ext cx="4572000" cy="3265099"/>
+        </p:xfrm>
+        <a:graphic>
+          <a:graphicData uri="http://schemas.openxmlformats.org/drawingml/2006/chart">
+            <c:chart xmlns:c="http://schemas.openxmlformats.org/drawingml/2006/chart" xmlns:r="http://schemas.openxmlformats.org/officeDocument/2006/relationships" r:id="rId4"/>
+          </a:graphicData>
+        </a:graphic>
+      </p:graphicFrame>
     </p:spTree>
   </p:cSld>
   <p:clrMapOvr>
@@ -15181,7 +20616,7 @@
 </p:sld>
 </file>
 
-<file path=ppt/slides/slide16.xml><?xml version="1.0" encoding="utf-8"?>
+<file path=ppt/slides/slide17.xml><?xml version="1.0" encoding="utf-8"?>
 <p:sld xmlns:a="http://schemas.openxmlformats.org/drawingml/2006/main" xmlns:r="http://schemas.openxmlformats.org/officeDocument/2006/relationships" xmlns:p="http://schemas.openxmlformats.org/presentationml/2006/main">
   <p:cSld>
     <p:spTree>
@@ -15213,45 +20648,11 @@
           <a:bodyPr/>
           <a:lstStyle/>
           <a:p>
-            <a:endParaRPr kumimoji="1" lang="ja-JP" altLang="en-US"/>
-          </a:p>
-        </p:txBody>
-      </p:sp>
-      <p:sp>
-        <p:nvSpPr>
-          <p:cNvPr id="3" name="テキスト プレースホルダ 2"/>
-          <p:cNvSpPr>
-            <a:spLocks noGrp="1"/>
-          </p:cNvSpPr>
-          <p:nvPr>
-            <p:ph type="body" idx="1"/>
-          </p:nvPr>
-        </p:nvSpPr>
-        <p:spPr/>
-        <p:txBody>
-          <a:bodyPr/>
-          <a:lstStyle/>
-          <a:p>
+            <a:r>
+              <a:rPr kumimoji="1" lang="ja-JP" altLang="en-US" dirty="0" smtClean="0"/>
+              <a:t>ラプラシアンと先鋭化比較</a:t>
+            </a:r>
             <a:endParaRPr kumimoji="1" lang="ja-JP" altLang="en-US" dirty="0"/>
-          </a:p>
-        </p:txBody>
-      </p:sp>
-      <p:sp>
-        <p:nvSpPr>
-          <p:cNvPr id="4" name="テキスト プレースホルダ 3"/>
-          <p:cNvSpPr>
-            <a:spLocks noGrp="1"/>
-          </p:cNvSpPr>
-          <p:nvPr>
-            <p:ph type="body" idx="2"/>
-          </p:nvPr>
-        </p:nvSpPr>
-        <p:spPr/>
-        <p:txBody>
-          <a:bodyPr/>
-          <a:lstStyle/>
-          <a:p>
-            <a:endParaRPr kumimoji="1" lang="ja-JP" altLang="en-US"/>
           </a:p>
         </p:txBody>
       </p:sp>
@@ -15290,12 +20691,44 @@
                 </a:spcAft>
                 <a:buNone/>
               </a:pPr>
-              <a:t>16</a:t>
+              <a:t>17</a:t>
             </a:fld>
             <a:endParaRPr lang="en-US"/>
           </a:p>
         </p:txBody>
       </p:sp>
+      <p:graphicFrame>
+        <p:nvGraphicFramePr>
+          <p:cNvPr id="6" name="グラフ 5"/>
+          <p:cNvGraphicFramePr/>
+          <p:nvPr/>
+        </p:nvGraphicFramePr>
+        <p:xfrm>
+          <a:off x="4638675" y="2131712"/>
+          <a:ext cx="4505325" cy="3810000"/>
+        </p:xfrm>
+        <a:graphic>
+          <a:graphicData uri="http://schemas.openxmlformats.org/drawingml/2006/chart">
+            <c:chart xmlns:c="http://schemas.openxmlformats.org/drawingml/2006/chart" xmlns:r="http://schemas.openxmlformats.org/officeDocument/2006/relationships" r:id="rId2"/>
+          </a:graphicData>
+        </a:graphic>
+      </p:graphicFrame>
+      <p:graphicFrame>
+        <p:nvGraphicFramePr>
+          <p:cNvPr id="7" name="グラフ 6"/>
+          <p:cNvGraphicFramePr/>
+          <p:nvPr/>
+        </p:nvGraphicFramePr>
+        <p:xfrm>
+          <a:off x="118434" y="2132611"/>
+          <a:ext cx="4505325" cy="3810000"/>
+        </p:xfrm>
+        <a:graphic>
+          <a:graphicData uri="http://schemas.openxmlformats.org/drawingml/2006/chart">
+            <c:chart xmlns:c="http://schemas.openxmlformats.org/drawingml/2006/chart" xmlns:r="http://schemas.openxmlformats.org/officeDocument/2006/relationships" r:id="rId3"/>
+          </a:graphicData>
+        </a:graphic>
+      </p:graphicFrame>
     </p:spTree>
   </p:cSld>
   <p:clrMapOvr>
@@ -15304,7 +20737,7 @@
 </p:sld>
 </file>
 
-<file path=ppt/slides/slide17.xml><?xml version="1.0" encoding="utf-8"?>
+<file path=ppt/slides/slide18.xml><?xml version="1.0" encoding="utf-8"?>
 <p:sld xmlns:a="http://schemas.openxmlformats.org/drawingml/2006/main" xmlns:r="http://schemas.openxmlformats.org/officeDocument/2006/relationships" xmlns:p="http://schemas.openxmlformats.org/presentationml/2006/main">
   <p:cSld>
     <p:spTree>
@@ -16833,10 +22266,6 @@
           </p:nvPr>
         </p:nvSpPr>
         <p:spPr>
-          <a:xfrm>
-            <a:off x="628650" y="365127"/>
-            <a:ext cx="7886700" cy="1325700"/>
-          </a:xfrm>
           <a:prstGeom prst="rect">
             <a:avLst/>
           </a:prstGeom>
@@ -16881,74 +22310,6 @@
           </a:p>
         </p:txBody>
       </p:sp>
-      <p:pic>
-        <p:nvPicPr>
-          <p:cNvPr id="111" name="Google Shape;111;p16" descr="smooth_mini.jpg"/>
-          <p:cNvPicPr preferRelativeResize="0">
-            <a:picLocks noGrp="1"/>
-          </p:cNvPicPr>
-          <p:nvPr>
-            <p:ph type="body" idx="2"/>
-          </p:nvPr>
-        </p:nvPicPr>
-        <p:blipFill rotWithShape="1">
-          <a:blip r:embed="rId3">
-            <a:alphaModFix/>
-          </a:blip>
-          <a:srcRect/>
-          <a:stretch/>
-        </p:blipFill>
-        <p:spPr>
-          <a:xfrm>
-            <a:off x="5265964" y="1786051"/>
-            <a:ext cx="3240000" cy="3240000"/>
-          </a:xfrm>
-          <a:prstGeom prst="rect">
-            <a:avLst/>
-          </a:prstGeom>
-          <a:noFill/>
-          <a:ln>
-            <a:noFill/>
-          </a:ln>
-        </p:spPr>
-      </p:pic>
-      <p:pic>
-        <p:nvPicPr>
-          <p:cNvPr id="112" name="Google Shape;112;p16" descr="mini.jpg"/>
-          <p:cNvPicPr preferRelativeResize="0">
-            <a:picLocks noGrp="1"/>
-          </p:cNvPicPr>
-          <p:nvPr>
-            <p:ph type="body" idx="1"/>
-          </p:nvPr>
-        </p:nvPicPr>
-        <p:blipFill rotWithShape="1">
-          <a:blip r:embed="rId4">
-            <a:alphaModFix/>
-          </a:blip>
-          <a:srcRect/>
-          <a:stretch/>
-        </p:blipFill>
-        <p:spPr>
-          <a:xfrm>
-            <a:off x="702128" y="1786052"/>
-            <a:ext cx="3240000" cy="3240000"/>
-          </a:xfrm>
-          <a:prstGeom prst="rect">
-            <a:avLst/>
-          </a:prstGeom>
-          <a:noFill/>
-          <a:ln w="9525" cap="flat" cmpd="sng">
-            <a:solidFill>
-              <a:schemeClr val="accent1"/>
-            </a:solidFill>
-            <a:prstDash val="solid"/>
-            <a:round/>
-            <a:headEnd type="none" w="sm" len="sm"/>
-            <a:tailEnd type="none" w="sm" len="sm"/>
-          </a:ln>
-        </p:spPr>
-      </p:pic>
       <p:sp>
         <p:nvSpPr>
           <p:cNvPr id="113" name="Google Shape;113;p16"/>
@@ -16960,10 +22321,6 @@
           </p:nvPr>
         </p:nvSpPr>
         <p:spPr>
-          <a:xfrm>
-            <a:off x="6457951" y="6356352"/>
-            <a:ext cx="2057400" cy="365100"/>
-          </a:xfrm>
           <a:prstGeom prst="rect">
             <a:avLst/>
           </a:prstGeom>
@@ -17004,6 +22361,38 @@
           </a:p>
         </p:txBody>
       </p:sp>
+      <p:graphicFrame>
+        <p:nvGraphicFramePr>
+          <p:cNvPr id="8" name="グラフ 7"/>
+          <p:cNvGraphicFramePr/>
+          <p:nvPr/>
+        </p:nvGraphicFramePr>
+        <p:xfrm>
+          <a:off x="69013" y="2257246"/>
+          <a:ext cx="4505325" cy="3810000"/>
+        </p:xfrm>
+        <a:graphic>
+          <a:graphicData uri="http://schemas.openxmlformats.org/drawingml/2006/chart">
+            <c:chart xmlns:c="http://schemas.openxmlformats.org/drawingml/2006/chart" xmlns:r="http://schemas.openxmlformats.org/officeDocument/2006/relationships" r:id="rId3"/>
+          </a:graphicData>
+        </a:graphic>
+      </p:graphicFrame>
+      <p:graphicFrame>
+        <p:nvGraphicFramePr>
+          <p:cNvPr id="24" name="グラフ 23"/>
+          <p:cNvGraphicFramePr/>
+          <p:nvPr/>
+        </p:nvGraphicFramePr>
+        <p:xfrm>
+          <a:off x="4586919" y="2239992"/>
+          <a:ext cx="4505325" cy="3810000"/>
+        </p:xfrm>
+        <a:graphic>
+          <a:graphicData uri="http://schemas.openxmlformats.org/drawingml/2006/chart">
+            <c:chart xmlns:c="http://schemas.openxmlformats.org/drawingml/2006/chart" xmlns:r="http://schemas.openxmlformats.org/officeDocument/2006/relationships" r:id="rId4"/>
+          </a:graphicData>
+        </a:graphic>
+      </p:graphicFrame>
     </p:spTree>
   </p:cSld>
   <p:clrMapOvr>

--- a/exp_c/slide/exp_C.pptx
+++ b/exp_c/slide/exp_C.pptx
@@ -2946,52 +2946,51 @@
 <c:chartSpace xmlns:c="http://schemas.openxmlformats.org/drawingml/2006/chart" xmlns:a="http://schemas.openxmlformats.org/drawingml/2006/main" xmlns:r="http://schemas.openxmlformats.org/officeDocument/2006/relationships">
   <c:lang val="ja-JP"/>
   <c:chart>
-    <c:view3D>
-      <c:rotX val="30"/>
-      <c:rotY val="0"/>
-      <c:perspective val="30"/>
-    </c:view3D>
     <c:plotArea>
       <c:layout/>
-      <c:surface3DChart>
+      <c:lineChart>
+        <c:grouping val="standard"/>
         <c:ser>
           <c:idx val="0"/>
           <c:order val="0"/>
+          <c:marker>
+            <c:symbol val="none"/>
+          </c:marker>
           <c:val>
             <c:numRef>
-              <c:f>Sheet1!$A$108:$J$108</c:f>
+              <c:f>Sheet1!$L$32:$U$32</c:f>
               <c:numCache>
                 <c:formatCode>General</c:formatCode>
                 <c:ptCount val="10"/>
                 <c:pt idx="0">
-                  <c:v>100</c:v>
+                  <c:v>0</c:v>
                 </c:pt>
                 <c:pt idx="1">
-                  <c:v>100</c:v>
+                  <c:v>0</c:v>
                 </c:pt>
                 <c:pt idx="2">
-                  <c:v>100</c:v>
+                  <c:v>0</c:v>
                 </c:pt>
                 <c:pt idx="3">
-                  <c:v>100</c:v>
+                  <c:v>0</c:v>
                 </c:pt>
                 <c:pt idx="4">
-                  <c:v>100</c:v>
+                  <c:v>0</c:v>
                 </c:pt>
                 <c:pt idx="5">
-                  <c:v>100</c:v>
+                  <c:v>0</c:v>
                 </c:pt>
                 <c:pt idx="6">
-                  <c:v>100</c:v>
+                  <c:v>0</c:v>
                 </c:pt>
                 <c:pt idx="7">
-                  <c:v>100</c:v>
+                  <c:v>0</c:v>
                 </c:pt>
                 <c:pt idx="8">
-                  <c:v>100</c:v>
+                  <c:v>0</c:v>
                 </c:pt>
                 <c:pt idx="9">
-                  <c:v>100</c:v>
+                  <c:v>0</c:v>
                 </c:pt>
               </c:numCache>
             </c:numRef>
@@ -3000,41 +2999,44 @@
         <c:ser>
           <c:idx val="1"/>
           <c:order val="1"/>
+          <c:marker>
+            <c:symbol val="none"/>
+          </c:marker>
           <c:val>
             <c:numRef>
-              <c:f>Sheet1!$A$109:$J$109</c:f>
+              <c:f>Sheet1!$L$33:$U$33</c:f>
               <c:numCache>
                 <c:formatCode>General</c:formatCode>
                 <c:ptCount val="10"/>
                 <c:pt idx="0">
-                  <c:v>100</c:v>
+                  <c:v>0</c:v>
                 </c:pt>
                 <c:pt idx="1">
-                  <c:v>100</c:v>
+                  <c:v>127</c:v>
                 </c:pt>
                 <c:pt idx="2">
-                  <c:v>100</c:v>
+                  <c:v>127</c:v>
                 </c:pt>
                 <c:pt idx="3">
-                  <c:v>100</c:v>
+                  <c:v>127</c:v>
                 </c:pt>
                 <c:pt idx="4">
-                  <c:v>100</c:v>
+                  <c:v>255</c:v>
                 </c:pt>
                 <c:pt idx="5">
-                  <c:v>100</c:v>
+                  <c:v>0</c:v>
                 </c:pt>
                 <c:pt idx="6">
-                  <c:v>100</c:v>
+                  <c:v>127</c:v>
                 </c:pt>
                 <c:pt idx="7">
-                  <c:v>100</c:v>
+                  <c:v>127</c:v>
                 </c:pt>
                 <c:pt idx="8">
-                  <c:v>100</c:v>
+                  <c:v>127</c:v>
                 </c:pt>
                 <c:pt idx="9">
-                  <c:v>100</c:v>
+                  <c:v>0</c:v>
                 </c:pt>
               </c:numCache>
             </c:numRef>
@@ -3043,41 +3045,44 @@
         <c:ser>
           <c:idx val="2"/>
           <c:order val="2"/>
+          <c:marker>
+            <c:symbol val="none"/>
+          </c:marker>
           <c:val>
             <c:numRef>
-              <c:f>Sheet1!$A$110:$J$110</c:f>
+              <c:f>Sheet1!$L$34:$U$34</c:f>
               <c:numCache>
                 <c:formatCode>General</c:formatCode>
                 <c:ptCount val="10"/>
                 <c:pt idx="0">
-                  <c:v>100</c:v>
+                  <c:v>0</c:v>
                 </c:pt>
                 <c:pt idx="1">
-                  <c:v>100</c:v>
+                  <c:v>127</c:v>
                 </c:pt>
                 <c:pt idx="2">
-                  <c:v>100</c:v>
+                  <c:v>127</c:v>
                 </c:pt>
                 <c:pt idx="3">
-                  <c:v>100</c:v>
+                  <c:v>127</c:v>
                 </c:pt>
                 <c:pt idx="4">
-                  <c:v>100</c:v>
+                  <c:v>255</c:v>
                 </c:pt>
                 <c:pt idx="5">
-                  <c:v>100</c:v>
+                  <c:v>0</c:v>
                 </c:pt>
                 <c:pt idx="6">
-                  <c:v>100</c:v>
+                  <c:v>127</c:v>
                 </c:pt>
                 <c:pt idx="7">
-                  <c:v>100</c:v>
+                  <c:v>127</c:v>
                 </c:pt>
                 <c:pt idx="8">
-                  <c:v>100</c:v>
+                  <c:v>127</c:v>
                 </c:pt>
                 <c:pt idx="9">
-                  <c:v>100</c:v>
+                  <c:v>0</c:v>
                 </c:pt>
               </c:numCache>
             </c:numRef>
@@ -3086,41 +3091,44 @@
         <c:ser>
           <c:idx val="3"/>
           <c:order val="3"/>
+          <c:marker>
+            <c:symbol val="none"/>
+          </c:marker>
           <c:val>
             <c:numRef>
-              <c:f>Sheet1!$A$111:$J$111</c:f>
+              <c:f>Sheet1!$L$35:$U$35</c:f>
               <c:numCache>
                 <c:formatCode>General</c:formatCode>
                 <c:ptCount val="10"/>
                 <c:pt idx="0">
-                  <c:v>100</c:v>
+                  <c:v>0</c:v>
                 </c:pt>
                 <c:pt idx="1">
-                  <c:v>100</c:v>
+                  <c:v>127</c:v>
                 </c:pt>
                 <c:pt idx="2">
-                  <c:v>100</c:v>
+                  <c:v>127</c:v>
                 </c:pt>
                 <c:pt idx="3">
-                  <c:v>100</c:v>
+                  <c:v>127</c:v>
                 </c:pt>
                 <c:pt idx="4">
-                  <c:v>100</c:v>
+                  <c:v>255</c:v>
                 </c:pt>
                 <c:pt idx="5">
-                  <c:v>100</c:v>
+                  <c:v>0</c:v>
                 </c:pt>
                 <c:pt idx="6">
-                  <c:v>100</c:v>
+                  <c:v>127</c:v>
                 </c:pt>
                 <c:pt idx="7">
-                  <c:v>100</c:v>
+                  <c:v>127</c:v>
                 </c:pt>
                 <c:pt idx="8">
-                  <c:v>100</c:v>
+                  <c:v>127</c:v>
                 </c:pt>
                 <c:pt idx="9">
-                  <c:v>100</c:v>
+                  <c:v>0</c:v>
                 </c:pt>
               </c:numCache>
             </c:numRef>
@@ -3129,41 +3137,44 @@
         <c:ser>
           <c:idx val="4"/>
           <c:order val="4"/>
+          <c:marker>
+            <c:symbol val="none"/>
+          </c:marker>
           <c:val>
             <c:numRef>
-              <c:f>Sheet1!$A$112:$J$112</c:f>
+              <c:f>Sheet1!$L$36:$U$36</c:f>
               <c:numCache>
                 <c:formatCode>General</c:formatCode>
                 <c:ptCount val="10"/>
                 <c:pt idx="0">
-                  <c:v>100</c:v>
+                  <c:v>0</c:v>
                 </c:pt>
                 <c:pt idx="1">
-                  <c:v>100</c:v>
+                  <c:v>127</c:v>
                 </c:pt>
                 <c:pt idx="2">
-                  <c:v>100</c:v>
+                  <c:v>127</c:v>
                 </c:pt>
                 <c:pt idx="3">
-                  <c:v>100</c:v>
+                  <c:v>127</c:v>
                 </c:pt>
                 <c:pt idx="4">
-                  <c:v>200</c:v>
+                  <c:v>255</c:v>
                 </c:pt>
                 <c:pt idx="5">
-                  <c:v>200</c:v>
+                  <c:v>0</c:v>
                 </c:pt>
                 <c:pt idx="6">
-                  <c:v>100</c:v>
+                  <c:v>127</c:v>
                 </c:pt>
                 <c:pt idx="7">
-                  <c:v>100</c:v>
+                  <c:v>127</c:v>
                 </c:pt>
                 <c:pt idx="8">
-                  <c:v>100</c:v>
+                  <c:v>127</c:v>
                 </c:pt>
                 <c:pt idx="9">
-                  <c:v>100</c:v>
+                  <c:v>0</c:v>
                 </c:pt>
               </c:numCache>
             </c:numRef>
@@ -3172,41 +3183,44 @@
         <c:ser>
           <c:idx val="5"/>
           <c:order val="5"/>
+          <c:marker>
+            <c:symbol val="none"/>
+          </c:marker>
           <c:val>
             <c:numRef>
-              <c:f>Sheet1!$A$113:$J$113</c:f>
+              <c:f>Sheet1!$L$37:$U$37</c:f>
               <c:numCache>
                 <c:formatCode>General</c:formatCode>
                 <c:ptCount val="10"/>
                 <c:pt idx="0">
-                  <c:v>100</c:v>
+                  <c:v>0</c:v>
                 </c:pt>
                 <c:pt idx="1">
-                  <c:v>100</c:v>
+                  <c:v>127</c:v>
                 </c:pt>
                 <c:pt idx="2">
-                  <c:v>100</c:v>
+                  <c:v>127</c:v>
                 </c:pt>
                 <c:pt idx="3">
-                  <c:v>100</c:v>
+                  <c:v>127</c:v>
                 </c:pt>
                 <c:pt idx="4">
-                  <c:v>200</c:v>
+                  <c:v>255</c:v>
                 </c:pt>
                 <c:pt idx="5">
-                  <c:v>200</c:v>
+                  <c:v>0</c:v>
                 </c:pt>
                 <c:pt idx="6">
-                  <c:v>100</c:v>
+                  <c:v>127</c:v>
                 </c:pt>
                 <c:pt idx="7">
-                  <c:v>100</c:v>
+                  <c:v>127</c:v>
                 </c:pt>
                 <c:pt idx="8">
-                  <c:v>100</c:v>
+                  <c:v>127</c:v>
                 </c:pt>
                 <c:pt idx="9">
-                  <c:v>100</c:v>
+                  <c:v>0</c:v>
                 </c:pt>
               </c:numCache>
             </c:numRef>
@@ -3215,41 +3229,44 @@
         <c:ser>
           <c:idx val="6"/>
           <c:order val="6"/>
+          <c:marker>
+            <c:symbol val="none"/>
+          </c:marker>
           <c:val>
             <c:numRef>
-              <c:f>Sheet1!$A$114:$J$114</c:f>
+              <c:f>Sheet1!$L$38:$U$38</c:f>
               <c:numCache>
                 <c:formatCode>General</c:formatCode>
                 <c:ptCount val="10"/>
                 <c:pt idx="0">
-                  <c:v>100</c:v>
+                  <c:v>0</c:v>
                 </c:pt>
                 <c:pt idx="1">
-                  <c:v>100</c:v>
+                  <c:v>127</c:v>
                 </c:pt>
                 <c:pt idx="2">
-                  <c:v>100</c:v>
+                  <c:v>127</c:v>
                 </c:pt>
                 <c:pt idx="3">
-                  <c:v>100</c:v>
+                  <c:v>127</c:v>
                 </c:pt>
                 <c:pt idx="4">
-                  <c:v>100</c:v>
+                  <c:v>255</c:v>
                 </c:pt>
                 <c:pt idx="5">
-                  <c:v>100</c:v>
+                  <c:v>0</c:v>
                 </c:pt>
                 <c:pt idx="6">
-                  <c:v>100</c:v>
+                  <c:v>127</c:v>
                 </c:pt>
                 <c:pt idx="7">
-                  <c:v>100</c:v>
+                  <c:v>127</c:v>
                 </c:pt>
                 <c:pt idx="8">
-                  <c:v>100</c:v>
+                  <c:v>127</c:v>
                 </c:pt>
                 <c:pt idx="9">
-                  <c:v>100</c:v>
+                  <c:v>0</c:v>
                 </c:pt>
               </c:numCache>
             </c:numRef>
@@ -3258,41 +3275,44 @@
         <c:ser>
           <c:idx val="7"/>
           <c:order val="7"/>
+          <c:marker>
+            <c:symbol val="none"/>
+          </c:marker>
           <c:val>
             <c:numRef>
-              <c:f>Sheet1!$A$115:$J$115</c:f>
+              <c:f>Sheet1!$L$39:$U$39</c:f>
               <c:numCache>
                 <c:formatCode>General</c:formatCode>
                 <c:ptCount val="10"/>
                 <c:pt idx="0">
-                  <c:v>100</c:v>
+                  <c:v>0</c:v>
                 </c:pt>
                 <c:pt idx="1">
-                  <c:v>100</c:v>
+                  <c:v>127</c:v>
                 </c:pt>
                 <c:pt idx="2">
-                  <c:v>100</c:v>
+                  <c:v>127</c:v>
                 </c:pt>
                 <c:pt idx="3">
-                  <c:v>100</c:v>
+                  <c:v>127</c:v>
                 </c:pt>
                 <c:pt idx="4">
-                  <c:v>100</c:v>
+                  <c:v>255</c:v>
                 </c:pt>
                 <c:pt idx="5">
-                  <c:v>100</c:v>
+                  <c:v>0</c:v>
                 </c:pt>
                 <c:pt idx="6">
-                  <c:v>100</c:v>
+                  <c:v>127</c:v>
                 </c:pt>
                 <c:pt idx="7">
-                  <c:v>100</c:v>
+                  <c:v>127</c:v>
                 </c:pt>
                 <c:pt idx="8">
-                  <c:v>100</c:v>
+                  <c:v>127</c:v>
                 </c:pt>
                 <c:pt idx="9">
-                  <c:v>100</c:v>
+                  <c:v>0</c:v>
                 </c:pt>
               </c:numCache>
             </c:numRef>
@@ -3301,41 +3321,44 @@
         <c:ser>
           <c:idx val="8"/>
           <c:order val="8"/>
+          <c:marker>
+            <c:symbol val="none"/>
+          </c:marker>
           <c:val>
             <c:numRef>
-              <c:f>Sheet1!$A$116:$J$116</c:f>
+              <c:f>Sheet1!$L$40:$U$40</c:f>
               <c:numCache>
                 <c:formatCode>General</c:formatCode>
                 <c:ptCount val="10"/>
                 <c:pt idx="0">
-                  <c:v>100</c:v>
+                  <c:v>0</c:v>
                 </c:pt>
                 <c:pt idx="1">
-                  <c:v>100</c:v>
+                  <c:v>127</c:v>
                 </c:pt>
                 <c:pt idx="2">
-                  <c:v>100</c:v>
+                  <c:v>127</c:v>
                 </c:pt>
                 <c:pt idx="3">
-                  <c:v>100</c:v>
+                  <c:v>127</c:v>
                 </c:pt>
                 <c:pt idx="4">
-                  <c:v>100</c:v>
+                  <c:v>255</c:v>
                 </c:pt>
                 <c:pt idx="5">
-                  <c:v>100</c:v>
+                  <c:v>0</c:v>
                 </c:pt>
                 <c:pt idx="6">
-                  <c:v>100</c:v>
+                  <c:v>127</c:v>
                 </c:pt>
                 <c:pt idx="7">
-                  <c:v>100</c:v>
+                  <c:v>127</c:v>
                 </c:pt>
                 <c:pt idx="8">
-                  <c:v>100</c:v>
+                  <c:v>127</c:v>
                 </c:pt>
                 <c:pt idx="9">
-                  <c:v>100</c:v>
+                  <c:v>0</c:v>
                 </c:pt>
               </c:numCache>
             </c:numRef>
@@ -3344,66 +3367,68 @@
         <c:ser>
           <c:idx val="9"/>
           <c:order val="9"/>
+          <c:marker>
+            <c:symbol val="none"/>
+          </c:marker>
           <c:val>
             <c:numRef>
-              <c:f>Sheet1!$A$117:$J$117</c:f>
+              <c:f>Sheet1!$L$41:$U$41</c:f>
               <c:numCache>
                 <c:formatCode>General</c:formatCode>
                 <c:ptCount val="10"/>
                 <c:pt idx="0">
-                  <c:v>100</c:v>
+                  <c:v>0</c:v>
                 </c:pt>
                 <c:pt idx="1">
-                  <c:v>100</c:v>
+                  <c:v>0</c:v>
                 </c:pt>
                 <c:pt idx="2">
-                  <c:v>100</c:v>
+                  <c:v>0</c:v>
                 </c:pt>
                 <c:pt idx="3">
-                  <c:v>100</c:v>
+                  <c:v>0</c:v>
                 </c:pt>
                 <c:pt idx="4">
-                  <c:v>100</c:v>
+                  <c:v>0</c:v>
                 </c:pt>
                 <c:pt idx="5">
-                  <c:v>100</c:v>
+                  <c:v>0</c:v>
                 </c:pt>
                 <c:pt idx="6">
-                  <c:v>100</c:v>
+                  <c:v>0</c:v>
                 </c:pt>
                 <c:pt idx="7">
-                  <c:v>100</c:v>
+                  <c:v>0</c:v>
                 </c:pt>
                 <c:pt idx="8">
-                  <c:v>100</c:v>
+                  <c:v>0</c:v>
                 </c:pt>
                 <c:pt idx="9">
-                  <c:v>100</c:v>
+                  <c:v>0</c:v>
                 </c:pt>
               </c:numCache>
             </c:numRef>
           </c:val>
         </c:ser>
-        <c:bandFmts/>
-        <c:axId val="202104832"/>
-        <c:axId val="202107520"/>
-        <c:axId val="210791040"/>
-      </c:surface3DChart>
+        <c:marker val="1"/>
+        <c:axId val="155562752"/>
+        <c:axId val="155565056"/>
+      </c:lineChart>
       <c:catAx>
-        <c:axId val="202104832"/>
+        <c:axId val="155562752"/>
         <c:scaling>
           <c:orientation val="minMax"/>
         </c:scaling>
         <c:axPos val="b"/>
         <c:tickLblPos val="nextTo"/>
-        <c:crossAx val="202107520"/>
+        <c:crossAx val="155565056"/>
         <c:crosses val="autoZero"/>
         <c:auto val="1"/>
         <c:lblAlgn val="ctr"/>
         <c:lblOffset val="100"/>
       </c:catAx>
       <c:valAx>
-        <c:axId val="202107520"/>
+        <c:axId val="155565056"/>
         <c:scaling>
           <c:orientation val="minMax"/>
         </c:scaling>
@@ -3411,21 +3436,10 @@
         <c:majorGridlines/>
         <c:numFmt formatCode="General" sourceLinked="1"/>
         <c:tickLblPos val="nextTo"/>
-        <c:crossAx val="202104832"/>
+        <c:crossAx val="155562752"/>
         <c:crosses val="autoZero"/>
-        <c:crossBetween val="midCat"/>
+        <c:crossBetween val="between"/>
       </c:valAx>
-      <c:serAx>
-        <c:axId val="210791040"/>
-        <c:scaling>
-          <c:orientation val="minMax"/>
-        </c:scaling>
-        <c:delete val="1"/>
-        <c:axPos val="b"/>
-        <c:tickLblPos val="none"/>
-        <c:crossAx val="202107520"/>
-        <c:crosses val="autoZero"/>
-      </c:serAx>
     </c:plotArea>
     <c:legend>
       <c:legendPos val="r"/>
@@ -3442,6 +3456,7 @@
       </c:txPr>
     </c:legend>
     <c:plotVisOnly val="1"/>
+    <c:dispBlanksAs val="gap"/>
   </c:chart>
   <c:spPr>
     <a:gradFill>
@@ -3476,52 +3491,51 @@
 <c:chartSpace xmlns:c="http://schemas.openxmlformats.org/drawingml/2006/chart" xmlns:a="http://schemas.openxmlformats.org/drawingml/2006/main" xmlns:r="http://schemas.openxmlformats.org/officeDocument/2006/relationships">
   <c:lang val="ja-JP"/>
   <c:chart>
-    <c:view3D>
-      <c:rotX val="30"/>
-      <c:rotY val="0"/>
-      <c:perspective val="20"/>
-    </c:view3D>
     <c:plotArea>
       <c:layout/>
-      <c:surface3DChart>
+      <c:lineChart>
+        <c:grouping val="standard"/>
         <c:ser>
           <c:idx val="0"/>
           <c:order val="0"/>
+          <c:marker>
+            <c:symbol val="none"/>
+          </c:marker>
           <c:val>
             <c:numRef>
-              <c:f>Sheet1!$A$61:$J$61</c:f>
+              <c:f>Sheet1!$A$108:$J$108</c:f>
               <c:numCache>
                 <c:formatCode>General</c:formatCode>
                 <c:ptCount val="10"/>
                 <c:pt idx="0">
-                  <c:v>0</c:v>
+                  <c:v>100</c:v>
                 </c:pt>
                 <c:pt idx="1">
-                  <c:v>0</c:v>
+                  <c:v>100</c:v>
                 </c:pt>
                 <c:pt idx="2">
-                  <c:v>0</c:v>
+                  <c:v>100</c:v>
                 </c:pt>
                 <c:pt idx="3">
-                  <c:v>0</c:v>
+                  <c:v>100</c:v>
                 </c:pt>
                 <c:pt idx="4">
-                  <c:v>0</c:v>
+                  <c:v>100</c:v>
                 </c:pt>
                 <c:pt idx="5">
-                  <c:v>0</c:v>
+                  <c:v>100</c:v>
                 </c:pt>
                 <c:pt idx="6">
-                  <c:v>0</c:v>
+                  <c:v>100</c:v>
                 </c:pt>
                 <c:pt idx="7">
-                  <c:v>0</c:v>
+                  <c:v>100</c:v>
                 </c:pt>
                 <c:pt idx="8">
-                  <c:v>0</c:v>
+                  <c:v>100</c:v>
                 </c:pt>
                 <c:pt idx="9">
-                  <c:v>0</c:v>
+                  <c:v>100</c:v>
                 </c:pt>
               </c:numCache>
             </c:numRef>
@@ -3530,41 +3544,44 @@
         <c:ser>
           <c:idx val="1"/>
           <c:order val="1"/>
+          <c:marker>
+            <c:symbol val="none"/>
+          </c:marker>
           <c:val>
             <c:numRef>
-              <c:f>Sheet1!$A$62:$J$62</c:f>
+              <c:f>Sheet1!$A$109:$J$109</c:f>
               <c:numCache>
                 <c:formatCode>General</c:formatCode>
                 <c:ptCount val="10"/>
                 <c:pt idx="0">
-                  <c:v>0</c:v>
+                  <c:v>100</c:v>
                 </c:pt>
                 <c:pt idx="1">
-                  <c:v>170</c:v>
+                  <c:v>100</c:v>
                 </c:pt>
                 <c:pt idx="2">
-                  <c:v>170</c:v>
+                  <c:v>100</c:v>
                 </c:pt>
                 <c:pt idx="3">
-                  <c:v>170</c:v>
+                  <c:v>100</c:v>
                 </c:pt>
                 <c:pt idx="4">
-                  <c:v>170</c:v>
+                  <c:v>100</c:v>
                 </c:pt>
                 <c:pt idx="5">
-                  <c:v>170</c:v>
+                  <c:v>100</c:v>
                 </c:pt>
                 <c:pt idx="6">
-                  <c:v>170</c:v>
+                  <c:v>100</c:v>
                 </c:pt>
                 <c:pt idx="7">
-                  <c:v>170</c:v>
+                  <c:v>100</c:v>
                 </c:pt>
                 <c:pt idx="8">
-                  <c:v>170</c:v>
+                  <c:v>100</c:v>
                 </c:pt>
                 <c:pt idx="9">
-                  <c:v>0</c:v>
+                  <c:v>100</c:v>
                 </c:pt>
               </c:numCache>
             </c:numRef>
@@ -3573,41 +3590,44 @@
         <c:ser>
           <c:idx val="2"/>
           <c:order val="2"/>
+          <c:marker>
+            <c:symbol val="none"/>
+          </c:marker>
           <c:val>
             <c:numRef>
-              <c:f>Sheet1!$A$63:$J$63</c:f>
+              <c:f>Sheet1!$A$110:$J$110</c:f>
               <c:numCache>
                 <c:formatCode>General</c:formatCode>
                 <c:ptCount val="10"/>
                 <c:pt idx="0">
-                  <c:v>0</c:v>
+                  <c:v>100</c:v>
                 </c:pt>
                 <c:pt idx="1">
-                  <c:v>170</c:v>
+                  <c:v>100</c:v>
                 </c:pt>
                 <c:pt idx="2">
-                  <c:v>170</c:v>
+                  <c:v>100</c:v>
                 </c:pt>
                 <c:pt idx="3">
-                  <c:v>170</c:v>
+                  <c:v>100</c:v>
                 </c:pt>
                 <c:pt idx="4">
-                  <c:v>170</c:v>
+                  <c:v>100</c:v>
                 </c:pt>
                 <c:pt idx="5">
-                  <c:v>170</c:v>
+                  <c:v>100</c:v>
                 </c:pt>
                 <c:pt idx="6">
-                  <c:v>170</c:v>
+                  <c:v>100</c:v>
                 </c:pt>
                 <c:pt idx="7">
-                  <c:v>170</c:v>
+                  <c:v>100</c:v>
                 </c:pt>
                 <c:pt idx="8">
-                  <c:v>170</c:v>
+                  <c:v>100</c:v>
                 </c:pt>
                 <c:pt idx="9">
-                  <c:v>0</c:v>
+                  <c:v>100</c:v>
                 </c:pt>
               </c:numCache>
             </c:numRef>
@@ -3616,41 +3636,44 @@
         <c:ser>
           <c:idx val="3"/>
           <c:order val="3"/>
+          <c:marker>
+            <c:symbol val="none"/>
+          </c:marker>
           <c:val>
             <c:numRef>
-              <c:f>Sheet1!$A$64:$J$64</c:f>
+              <c:f>Sheet1!$A$111:$J$111</c:f>
               <c:numCache>
                 <c:formatCode>General</c:formatCode>
                 <c:ptCount val="10"/>
                 <c:pt idx="0">
-                  <c:v>0</c:v>
+                  <c:v>100</c:v>
                 </c:pt>
                 <c:pt idx="1">
-                  <c:v>170</c:v>
+                  <c:v>100</c:v>
                 </c:pt>
                 <c:pt idx="2">
-                  <c:v>170</c:v>
+                  <c:v>100</c:v>
                 </c:pt>
                 <c:pt idx="3">
-                  <c:v>170</c:v>
+                  <c:v>100</c:v>
                 </c:pt>
                 <c:pt idx="4">
-                  <c:v>255</c:v>
+                  <c:v>100</c:v>
                 </c:pt>
                 <c:pt idx="5">
-                  <c:v>255</c:v>
+                  <c:v>100</c:v>
                 </c:pt>
                 <c:pt idx="6">
-                  <c:v>170</c:v>
+                  <c:v>100</c:v>
                 </c:pt>
                 <c:pt idx="7">
-                  <c:v>170</c:v>
+                  <c:v>100</c:v>
                 </c:pt>
                 <c:pt idx="8">
-                  <c:v>170</c:v>
+                  <c:v>100</c:v>
                 </c:pt>
                 <c:pt idx="9">
-                  <c:v>0</c:v>
+                  <c:v>100</c:v>
                 </c:pt>
               </c:numCache>
             </c:numRef>
@@ -3659,41 +3682,44 @@
         <c:ser>
           <c:idx val="4"/>
           <c:order val="4"/>
+          <c:marker>
+            <c:symbol val="none"/>
+          </c:marker>
           <c:val>
             <c:numRef>
-              <c:f>Sheet1!$A$65:$J$65</c:f>
+              <c:f>Sheet1!$A$112:$J$112</c:f>
               <c:numCache>
                 <c:formatCode>General</c:formatCode>
                 <c:ptCount val="10"/>
                 <c:pt idx="0">
-                  <c:v>0</c:v>
+                  <c:v>100</c:v>
                 </c:pt>
                 <c:pt idx="1">
-                  <c:v>170</c:v>
+                  <c:v>100</c:v>
                 </c:pt>
                 <c:pt idx="2">
-                  <c:v>170</c:v>
+                  <c:v>100</c:v>
                 </c:pt>
                 <c:pt idx="3">
-                  <c:v>255</c:v>
+                  <c:v>100</c:v>
                 </c:pt>
                 <c:pt idx="4">
-                  <c:v>0</c:v>
+                  <c:v>200</c:v>
                 </c:pt>
                 <c:pt idx="5">
-                  <c:v>0</c:v>
+                  <c:v>200</c:v>
                 </c:pt>
                 <c:pt idx="6">
-                  <c:v>255</c:v>
+                  <c:v>100</c:v>
                 </c:pt>
                 <c:pt idx="7">
-                  <c:v>170</c:v>
+                  <c:v>100</c:v>
                 </c:pt>
                 <c:pt idx="8">
-                  <c:v>170</c:v>
+                  <c:v>100</c:v>
                 </c:pt>
                 <c:pt idx="9">
-                  <c:v>0</c:v>
+                  <c:v>100</c:v>
                 </c:pt>
               </c:numCache>
             </c:numRef>
@@ -3702,41 +3728,44 @@
         <c:ser>
           <c:idx val="5"/>
           <c:order val="5"/>
+          <c:marker>
+            <c:symbol val="none"/>
+          </c:marker>
           <c:val>
             <c:numRef>
-              <c:f>Sheet1!$A$66:$J$66</c:f>
+              <c:f>Sheet1!$A$113:$J$113</c:f>
               <c:numCache>
                 <c:formatCode>General</c:formatCode>
                 <c:ptCount val="10"/>
                 <c:pt idx="0">
-                  <c:v>0</c:v>
+                  <c:v>100</c:v>
                 </c:pt>
                 <c:pt idx="1">
-                  <c:v>170</c:v>
+                  <c:v>100</c:v>
                 </c:pt>
                 <c:pt idx="2">
-                  <c:v>170</c:v>
+                  <c:v>100</c:v>
                 </c:pt>
                 <c:pt idx="3">
-                  <c:v>255</c:v>
+                  <c:v>100</c:v>
                 </c:pt>
                 <c:pt idx="4">
-                  <c:v>0</c:v>
+                  <c:v>200</c:v>
                 </c:pt>
                 <c:pt idx="5">
-                  <c:v>0</c:v>
+                  <c:v>200</c:v>
                 </c:pt>
                 <c:pt idx="6">
-                  <c:v>255</c:v>
+                  <c:v>100</c:v>
                 </c:pt>
                 <c:pt idx="7">
-                  <c:v>170</c:v>
+                  <c:v>100</c:v>
                 </c:pt>
                 <c:pt idx="8">
-                  <c:v>170</c:v>
+                  <c:v>100</c:v>
                 </c:pt>
                 <c:pt idx="9">
-                  <c:v>0</c:v>
+                  <c:v>100</c:v>
                 </c:pt>
               </c:numCache>
             </c:numRef>
@@ -3745,41 +3774,44 @@
         <c:ser>
           <c:idx val="6"/>
           <c:order val="6"/>
+          <c:marker>
+            <c:symbol val="none"/>
+          </c:marker>
           <c:val>
             <c:numRef>
-              <c:f>Sheet1!$A$67:$J$67</c:f>
+              <c:f>Sheet1!$A$114:$J$114</c:f>
               <c:numCache>
                 <c:formatCode>General</c:formatCode>
                 <c:ptCount val="10"/>
                 <c:pt idx="0">
-                  <c:v>0</c:v>
+                  <c:v>100</c:v>
                 </c:pt>
                 <c:pt idx="1">
-                  <c:v>170</c:v>
+                  <c:v>100</c:v>
                 </c:pt>
                 <c:pt idx="2">
-                  <c:v>170</c:v>
+                  <c:v>100</c:v>
                 </c:pt>
                 <c:pt idx="3">
-                  <c:v>170</c:v>
+                  <c:v>100</c:v>
                 </c:pt>
                 <c:pt idx="4">
-                  <c:v>255</c:v>
+                  <c:v>100</c:v>
                 </c:pt>
                 <c:pt idx="5">
-                  <c:v>255</c:v>
+                  <c:v>100</c:v>
                 </c:pt>
                 <c:pt idx="6">
-                  <c:v>170</c:v>
+                  <c:v>100</c:v>
                 </c:pt>
                 <c:pt idx="7">
-                  <c:v>170</c:v>
+                  <c:v>100</c:v>
                 </c:pt>
                 <c:pt idx="8">
-                  <c:v>170</c:v>
+                  <c:v>100</c:v>
                 </c:pt>
                 <c:pt idx="9">
-                  <c:v>0</c:v>
+                  <c:v>100</c:v>
                 </c:pt>
               </c:numCache>
             </c:numRef>
@@ -3788,41 +3820,44 @@
         <c:ser>
           <c:idx val="7"/>
           <c:order val="7"/>
+          <c:marker>
+            <c:symbol val="none"/>
+          </c:marker>
           <c:val>
             <c:numRef>
-              <c:f>Sheet1!$A$68:$J$68</c:f>
+              <c:f>Sheet1!$A$115:$J$115</c:f>
               <c:numCache>
                 <c:formatCode>General</c:formatCode>
                 <c:ptCount val="10"/>
                 <c:pt idx="0">
-                  <c:v>0</c:v>
+                  <c:v>100</c:v>
                 </c:pt>
                 <c:pt idx="1">
-                  <c:v>170</c:v>
+                  <c:v>100</c:v>
                 </c:pt>
                 <c:pt idx="2">
-                  <c:v>170</c:v>
+                  <c:v>100</c:v>
                 </c:pt>
                 <c:pt idx="3">
-                  <c:v>170</c:v>
+                  <c:v>100</c:v>
                 </c:pt>
                 <c:pt idx="4">
-                  <c:v>170</c:v>
+                  <c:v>100</c:v>
                 </c:pt>
                 <c:pt idx="5">
-                  <c:v>170</c:v>
+                  <c:v>100</c:v>
                 </c:pt>
                 <c:pt idx="6">
-                  <c:v>170</c:v>
+                  <c:v>100</c:v>
                 </c:pt>
                 <c:pt idx="7">
-                  <c:v>170</c:v>
+                  <c:v>100</c:v>
                 </c:pt>
                 <c:pt idx="8">
-                  <c:v>170</c:v>
+                  <c:v>100</c:v>
                 </c:pt>
                 <c:pt idx="9">
-                  <c:v>0</c:v>
+                  <c:v>100</c:v>
                 </c:pt>
               </c:numCache>
             </c:numRef>
@@ -3831,41 +3866,44 @@
         <c:ser>
           <c:idx val="8"/>
           <c:order val="8"/>
+          <c:marker>
+            <c:symbol val="none"/>
+          </c:marker>
           <c:val>
             <c:numRef>
-              <c:f>Sheet1!$A$69:$J$69</c:f>
+              <c:f>Sheet1!$A$116:$J$116</c:f>
               <c:numCache>
                 <c:formatCode>General</c:formatCode>
                 <c:ptCount val="10"/>
                 <c:pt idx="0">
-                  <c:v>0</c:v>
+                  <c:v>100</c:v>
                 </c:pt>
                 <c:pt idx="1">
-                  <c:v>170</c:v>
+                  <c:v>100</c:v>
                 </c:pt>
                 <c:pt idx="2">
-                  <c:v>170</c:v>
+                  <c:v>100</c:v>
                 </c:pt>
                 <c:pt idx="3">
-                  <c:v>170</c:v>
+                  <c:v>100</c:v>
                 </c:pt>
                 <c:pt idx="4">
-                  <c:v>170</c:v>
+                  <c:v>100</c:v>
                 </c:pt>
                 <c:pt idx="5">
-                  <c:v>170</c:v>
+                  <c:v>100</c:v>
                 </c:pt>
                 <c:pt idx="6">
-                  <c:v>170</c:v>
+                  <c:v>100</c:v>
                 </c:pt>
                 <c:pt idx="7">
-                  <c:v>170</c:v>
+                  <c:v>100</c:v>
                 </c:pt>
                 <c:pt idx="8">
-                  <c:v>170</c:v>
+                  <c:v>100</c:v>
                 </c:pt>
                 <c:pt idx="9">
-                  <c:v>0</c:v>
+                  <c:v>100</c:v>
                 </c:pt>
               </c:numCache>
             </c:numRef>
@@ -3874,66 +3912,68 @@
         <c:ser>
           <c:idx val="9"/>
           <c:order val="9"/>
+          <c:marker>
+            <c:symbol val="none"/>
+          </c:marker>
           <c:val>
             <c:numRef>
-              <c:f>Sheet1!$A$70:$J$70</c:f>
+              <c:f>Sheet1!$A$117:$J$117</c:f>
               <c:numCache>
                 <c:formatCode>General</c:formatCode>
                 <c:ptCount val="10"/>
                 <c:pt idx="0">
-                  <c:v>0</c:v>
+                  <c:v>100</c:v>
                 </c:pt>
                 <c:pt idx="1">
-                  <c:v>0</c:v>
+                  <c:v>100</c:v>
                 </c:pt>
                 <c:pt idx="2">
-                  <c:v>0</c:v>
+                  <c:v>100</c:v>
                 </c:pt>
                 <c:pt idx="3">
-                  <c:v>0</c:v>
+                  <c:v>100</c:v>
                 </c:pt>
                 <c:pt idx="4">
-                  <c:v>0</c:v>
+                  <c:v>100</c:v>
                 </c:pt>
                 <c:pt idx="5">
-                  <c:v>0</c:v>
+                  <c:v>100</c:v>
                 </c:pt>
                 <c:pt idx="6">
-                  <c:v>0</c:v>
+                  <c:v>100</c:v>
                 </c:pt>
                 <c:pt idx="7">
-                  <c:v>0</c:v>
+                  <c:v>100</c:v>
                 </c:pt>
                 <c:pt idx="8">
-                  <c:v>0</c:v>
+                  <c:v>100</c:v>
                 </c:pt>
                 <c:pt idx="9">
-                  <c:v>0</c:v>
+                  <c:v>100</c:v>
                 </c:pt>
               </c:numCache>
             </c:numRef>
           </c:val>
         </c:ser>
-        <c:bandFmts/>
-        <c:axId val="199321856"/>
-        <c:axId val="199389184"/>
-        <c:axId val="212374400"/>
-      </c:surface3DChart>
+        <c:marker val="1"/>
+        <c:axId val="207627776"/>
+        <c:axId val="207629312"/>
+      </c:lineChart>
       <c:catAx>
-        <c:axId val="199321856"/>
+        <c:axId val="207627776"/>
         <c:scaling>
           <c:orientation val="minMax"/>
         </c:scaling>
         <c:axPos val="b"/>
         <c:tickLblPos val="nextTo"/>
-        <c:crossAx val="199389184"/>
+        <c:crossAx val="207629312"/>
         <c:crosses val="autoZero"/>
         <c:auto val="1"/>
         <c:lblAlgn val="ctr"/>
         <c:lblOffset val="100"/>
       </c:catAx>
       <c:valAx>
-        <c:axId val="199389184"/>
+        <c:axId val="207629312"/>
         <c:scaling>
           <c:orientation val="minMax"/>
         </c:scaling>
@@ -3941,38 +3981,12 @@
         <c:majorGridlines/>
         <c:numFmt formatCode="General" sourceLinked="1"/>
         <c:tickLblPos val="nextTo"/>
-        <c:crossAx val="199321856"/>
+        <c:crossAx val="207627776"/>
         <c:crosses val="autoZero"/>
-        <c:crossBetween val="midCat"/>
+        <c:crossBetween val="between"/>
       </c:valAx>
-      <c:serAx>
-        <c:axId val="212374400"/>
-        <c:scaling>
-          <c:orientation val="minMax"/>
-        </c:scaling>
-        <c:delete val="1"/>
-        <c:axPos val="b"/>
-        <c:tickLblPos val="none"/>
-        <c:crossAx val="199389184"/>
-        <c:crosses val="autoZero"/>
-      </c:serAx>
     </c:plotArea>
-    <c:legend>
-      <c:legendPos val="r"/>
-      <c:layout/>
-      <c:txPr>
-        <a:bodyPr/>
-        <a:lstStyle/>
-        <a:p>
-          <a:pPr rtl="0">
-            <a:defRPr/>
-          </a:pPr>
-          <a:endParaRPr lang="ja-JP"/>
-        </a:p>
-      </c:txPr>
-    </c:legend>
     <c:plotVisOnly val="1"/>
-    <c:dispBlanksAs val="zero"/>
   </c:chart>
   <c:spPr>
     <a:gradFill>
@@ -19971,13 +19985,13 @@
       </p:sp>
       <p:graphicFrame>
         <p:nvGraphicFramePr>
-          <p:cNvPr id="11" name="グラフ 10"/>
+          <p:cNvPr id="13" name="グラフ 12"/>
           <p:cNvGraphicFramePr/>
           <p:nvPr/>
         </p:nvGraphicFramePr>
         <p:xfrm>
-          <a:off x="103517" y="2432649"/>
-          <a:ext cx="4572000" cy="3265099"/>
+          <a:off x="4638675" y="1920816"/>
+          <a:ext cx="4505325" cy="3810000"/>
         </p:xfrm>
         <a:graphic>
           <a:graphicData uri="http://schemas.openxmlformats.org/drawingml/2006/chart">
@@ -19987,13 +20001,13 @@
       </p:graphicFrame>
       <p:graphicFrame>
         <p:nvGraphicFramePr>
-          <p:cNvPr id="12" name="グラフ 11"/>
+          <p:cNvPr id="14" name="グラフ 13"/>
           <p:cNvGraphicFramePr/>
           <p:nvPr/>
         </p:nvGraphicFramePr>
         <p:xfrm>
-          <a:off x="4638675" y="2236128"/>
-          <a:ext cx="4505325" cy="3810000"/>
+          <a:off x="0" y="2989053"/>
+          <a:ext cx="4572000" cy="2743200"/>
         </p:xfrm>
         <a:graphic>
           <a:graphicData uri="http://schemas.openxmlformats.org/drawingml/2006/chart">
@@ -20704,7 +20718,7 @@
           <p:nvPr/>
         </p:nvGraphicFramePr>
         <p:xfrm>
-          <a:off x="4638675" y="2131712"/>
+          <a:off x="4595545" y="2131712"/>
           <a:ext cx="4505325" cy="3810000"/>
         </p:xfrm>
         <a:graphic>
@@ -20720,7 +20734,7 @@
           <p:nvPr/>
         </p:nvGraphicFramePr>
         <p:xfrm>
-          <a:off x="118434" y="2132611"/>
+          <a:off x="75304" y="2132611"/>
           <a:ext cx="4505325" cy="3810000"/>
         </p:xfrm>
         <a:graphic>

--- a/exp_c/slide/exp_C.pptx
+++ b/exp_c/slide/exp_C.pptx
@@ -813,7 +813,7 @@
   <c:lang val="ja-JP"/>
   <c:chart>
     <c:view3D>
-      <c:rotX val="30"/>
+      <c:rotX val="50"/>
       <c:rotY val="0"/>
       <c:perspective val="20"/>
     </c:view3D>
@@ -3441,20 +3441,6 @@
         <c:crossBetween val="between"/>
       </c:valAx>
     </c:plotArea>
-    <c:legend>
-      <c:legendPos val="r"/>
-      <c:layout/>
-      <c:txPr>
-        <a:bodyPr/>
-        <a:lstStyle/>
-        <a:p>
-          <a:pPr rtl="0">
-            <a:defRPr/>
-          </a:pPr>
-          <a:endParaRPr lang="ja-JP"/>
-        </a:p>
-      </c:txPr>
-    </c:legend>
     <c:plotVisOnly val="1"/>
     <c:dispBlanksAs val="gap"/>
   </c:chart>
@@ -3503,39 +3489,39 @@
           </c:marker>
           <c:val>
             <c:numRef>
-              <c:f>Sheet1!$A$108:$J$108</c:f>
+              <c:f>Sheet1!$A$2:$J$2</c:f>
               <c:numCache>
                 <c:formatCode>General</c:formatCode>
                 <c:ptCount val="10"/>
                 <c:pt idx="0">
-                  <c:v>100</c:v>
+                  <c:v>0</c:v>
                 </c:pt>
                 <c:pt idx="1">
-                  <c:v>100</c:v>
+                  <c:v>0</c:v>
                 </c:pt>
                 <c:pt idx="2">
-                  <c:v>100</c:v>
+                  <c:v>0</c:v>
                 </c:pt>
                 <c:pt idx="3">
-                  <c:v>100</c:v>
+                  <c:v>0</c:v>
                 </c:pt>
                 <c:pt idx="4">
-                  <c:v>100</c:v>
+                  <c:v>0</c:v>
                 </c:pt>
                 <c:pt idx="5">
-                  <c:v>100</c:v>
+                  <c:v>255</c:v>
                 </c:pt>
                 <c:pt idx="6">
-                  <c:v>100</c:v>
+                  <c:v>255</c:v>
                 </c:pt>
                 <c:pt idx="7">
-                  <c:v>100</c:v>
+                  <c:v>255</c:v>
                 </c:pt>
                 <c:pt idx="8">
-                  <c:v>100</c:v>
+                  <c:v>255</c:v>
                 </c:pt>
                 <c:pt idx="9">
-                  <c:v>100</c:v>
+                  <c:v>255</c:v>
                 </c:pt>
               </c:numCache>
             </c:numRef>
@@ -3549,39 +3535,39 @@
           </c:marker>
           <c:val>
             <c:numRef>
-              <c:f>Sheet1!$A$109:$J$109</c:f>
+              <c:f>Sheet1!$A$3:$J$3</c:f>
               <c:numCache>
                 <c:formatCode>General</c:formatCode>
                 <c:ptCount val="10"/>
                 <c:pt idx="0">
-                  <c:v>100</c:v>
+                  <c:v>0</c:v>
                 </c:pt>
                 <c:pt idx="1">
-                  <c:v>100</c:v>
+                  <c:v>0</c:v>
                 </c:pt>
                 <c:pt idx="2">
-                  <c:v>100</c:v>
+                  <c:v>0</c:v>
                 </c:pt>
                 <c:pt idx="3">
-                  <c:v>100</c:v>
+                  <c:v>0</c:v>
                 </c:pt>
                 <c:pt idx="4">
-                  <c:v>100</c:v>
+                  <c:v>0</c:v>
                 </c:pt>
                 <c:pt idx="5">
-                  <c:v>100</c:v>
+                  <c:v>255</c:v>
                 </c:pt>
                 <c:pt idx="6">
-                  <c:v>100</c:v>
+                  <c:v>255</c:v>
                 </c:pt>
                 <c:pt idx="7">
-                  <c:v>100</c:v>
+                  <c:v>255</c:v>
                 </c:pt>
                 <c:pt idx="8">
-                  <c:v>100</c:v>
+                  <c:v>255</c:v>
                 </c:pt>
                 <c:pt idx="9">
-                  <c:v>100</c:v>
+                  <c:v>255</c:v>
                 </c:pt>
               </c:numCache>
             </c:numRef>
@@ -3595,39 +3581,39 @@
           </c:marker>
           <c:val>
             <c:numRef>
-              <c:f>Sheet1!$A$110:$J$110</c:f>
+              <c:f>Sheet1!$A$4:$J$4</c:f>
               <c:numCache>
                 <c:formatCode>General</c:formatCode>
                 <c:ptCount val="10"/>
                 <c:pt idx="0">
-                  <c:v>100</c:v>
+                  <c:v>0</c:v>
                 </c:pt>
                 <c:pt idx="1">
-                  <c:v>100</c:v>
+                  <c:v>0</c:v>
                 </c:pt>
                 <c:pt idx="2">
-                  <c:v>100</c:v>
+                  <c:v>0</c:v>
                 </c:pt>
                 <c:pt idx="3">
-                  <c:v>100</c:v>
+                  <c:v>0</c:v>
                 </c:pt>
                 <c:pt idx="4">
-                  <c:v>100</c:v>
+                  <c:v>0</c:v>
                 </c:pt>
                 <c:pt idx="5">
-                  <c:v>100</c:v>
+                  <c:v>255</c:v>
                 </c:pt>
                 <c:pt idx="6">
-                  <c:v>100</c:v>
+                  <c:v>255</c:v>
                 </c:pt>
                 <c:pt idx="7">
-                  <c:v>100</c:v>
+                  <c:v>255</c:v>
                 </c:pt>
                 <c:pt idx="8">
-                  <c:v>100</c:v>
+                  <c:v>255</c:v>
                 </c:pt>
                 <c:pt idx="9">
-                  <c:v>100</c:v>
+                  <c:v>255</c:v>
                 </c:pt>
               </c:numCache>
             </c:numRef>
@@ -3641,39 +3627,39 @@
           </c:marker>
           <c:val>
             <c:numRef>
-              <c:f>Sheet1!$A$111:$J$111</c:f>
+              <c:f>Sheet1!$A$5:$J$5</c:f>
               <c:numCache>
                 <c:formatCode>General</c:formatCode>
                 <c:ptCount val="10"/>
                 <c:pt idx="0">
-                  <c:v>100</c:v>
+                  <c:v>0</c:v>
                 </c:pt>
                 <c:pt idx="1">
-                  <c:v>100</c:v>
+                  <c:v>0</c:v>
                 </c:pt>
                 <c:pt idx="2">
-                  <c:v>100</c:v>
+                  <c:v>0</c:v>
                 </c:pt>
                 <c:pt idx="3">
-                  <c:v>100</c:v>
+                  <c:v>0</c:v>
                 </c:pt>
                 <c:pt idx="4">
-                  <c:v>100</c:v>
+                  <c:v>0</c:v>
                 </c:pt>
                 <c:pt idx="5">
-                  <c:v>100</c:v>
+                  <c:v>255</c:v>
                 </c:pt>
                 <c:pt idx="6">
-                  <c:v>100</c:v>
+                  <c:v>255</c:v>
                 </c:pt>
                 <c:pt idx="7">
-                  <c:v>100</c:v>
+                  <c:v>255</c:v>
                 </c:pt>
                 <c:pt idx="8">
-                  <c:v>100</c:v>
+                  <c:v>255</c:v>
                 </c:pt>
                 <c:pt idx="9">
-                  <c:v>100</c:v>
+                  <c:v>255</c:v>
                 </c:pt>
               </c:numCache>
             </c:numRef>
@@ -3687,39 +3673,39 @@
           </c:marker>
           <c:val>
             <c:numRef>
-              <c:f>Sheet1!$A$112:$J$112</c:f>
+              <c:f>Sheet1!$A$6:$J$6</c:f>
               <c:numCache>
                 <c:formatCode>General</c:formatCode>
                 <c:ptCount val="10"/>
                 <c:pt idx="0">
-                  <c:v>100</c:v>
+                  <c:v>0</c:v>
                 </c:pt>
                 <c:pt idx="1">
-                  <c:v>100</c:v>
+                  <c:v>0</c:v>
                 </c:pt>
                 <c:pt idx="2">
-                  <c:v>100</c:v>
+                  <c:v>0</c:v>
                 </c:pt>
                 <c:pt idx="3">
-                  <c:v>100</c:v>
+                  <c:v>0</c:v>
                 </c:pt>
                 <c:pt idx="4">
-                  <c:v>200</c:v>
+                  <c:v>0</c:v>
                 </c:pt>
                 <c:pt idx="5">
-                  <c:v>200</c:v>
+                  <c:v>255</c:v>
                 </c:pt>
                 <c:pt idx="6">
-                  <c:v>100</c:v>
+                  <c:v>255</c:v>
                 </c:pt>
                 <c:pt idx="7">
-                  <c:v>100</c:v>
+                  <c:v>255</c:v>
                 </c:pt>
                 <c:pt idx="8">
-                  <c:v>100</c:v>
+                  <c:v>255</c:v>
                 </c:pt>
                 <c:pt idx="9">
-                  <c:v>100</c:v>
+                  <c:v>255</c:v>
                 </c:pt>
               </c:numCache>
             </c:numRef>
@@ -3733,39 +3719,39 @@
           </c:marker>
           <c:val>
             <c:numRef>
-              <c:f>Sheet1!$A$113:$J$113</c:f>
+              <c:f>Sheet1!$A$7:$J$7</c:f>
               <c:numCache>
                 <c:formatCode>General</c:formatCode>
                 <c:ptCount val="10"/>
                 <c:pt idx="0">
-                  <c:v>100</c:v>
+                  <c:v>0</c:v>
                 </c:pt>
                 <c:pt idx="1">
-                  <c:v>100</c:v>
+                  <c:v>0</c:v>
                 </c:pt>
                 <c:pt idx="2">
-                  <c:v>100</c:v>
+                  <c:v>0</c:v>
                 </c:pt>
                 <c:pt idx="3">
-                  <c:v>100</c:v>
+                  <c:v>0</c:v>
                 </c:pt>
                 <c:pt idx="4">
-                  <c:v>200</c:v>
+                  <c:v>0</c:v>
                 </c:pt>
                 <c:pt idx="5">
-                  <c:v>200</c:v>
+                  <c:v>255</c:v>
                 </c:pt>
                 <c:pt idx="6">
-                  <c:v>100</c:v>
+                  <c:v>255</c:v>
                 </c:pt>
                 <c:pt idx="7">
-                  <c:v>100</c:v>
+                  <c:v>255</c:v>
                 </c:pt>
                 <c:pt idx="8">
-                  <c:v>100</c:v>
+                  <c:v>255</c:v>
                 </c:pt>
                 <c:pt idx="9">
-                  <c:v>100</c:v>
+                  <c:v>255</c:v>
                 </c:pt>
               </c:numCache>
             </c:numRef>
@@ -3779,39 +3765,39 @@
           </c:marker>
           <c:val>
             <c:numRef>
-              <c:f>Sheet1!$A$114:$J$114</c:f>
+              <c:f>Sheet1!$A$8:$J$8</c:f>
               <c:numCache>
                 <c:formatCode>General</c:formatCode>
                 <c:ptCount val="10"/>
                 <c:pt idx="0">
-                  <c:v>100</c:v>
+                  <c:v>0</c:v>
                 </c:pt>
                 <c:pt idx="1">
-                  <c:v>100</c:v>
+                  <c:v>0</c:v>
                 </c:pt>
                 <c:pt idx="2">
-                  <c:v>100</c:v>
+                  <c:v>0</c:v>
                 </c:pt>
                 <c:pt idx="3">
-                  <c:v>100</c:v>
+                  <c:v>0</c:v>
                 </c:pt>
                 <c:pt idx="4">
-                  <c:v>100</c:v>
+                  <c:v>0</c:v>
                 </c:pt>
                 <c:pt idx="5">
-                  <c:v>100</c:v>
+                  <c:v>255</c:v>
                 </c:pt>
                 <c:pt idx="6">
-                  <c:v>100</c:v>
+                  <c:v>255</c:v>
                 </c:pt>
                 <c:pt idx="7">
-                  <c:v>100</c:v>
+                  <c:v>255</c:v>
                 </c:pt>
                 <c:pt idx="8">
-                  <c:v>100</c:v>
+                  <c:v>255</c:v>
                 </c:pt>
                 <c:pt idx="9">
-                  <c:v>100</c:v>
+                  <c:v>255</c:v>
                 </c:pt>
               </c:numCache>
             </c:numRef>
@@ -3825,39 +3811,39 @@
           </c:marker>
           <c:val>
             <c:numRef>
-              <c:f>Sheet1!$A$115:$J$115</c:f>
+              <c:f>Sheet1!$A$9:$J$9</c:f>
               <c:numCache>
                 <c:formatCode>General</c:formatCode>
                 <c:ptCount val="10"/>
                 <c:pt idx="0">
-                  <c:v>100</c:v>
+                  <c:v>0</c:v>
                 </c:pt>
                 <c:pt idx="1">
-                  <c:v>100</c:v>
+                  <c:v>0</c:v>
                 </c:pt>
                 <c:pt idx="2">
-                  <c:v>100</c:v>
+                  <c:v>0</c:v>
                 </c:pt>
                 <c:pt idx="3">
-                  <c:v>100</c:v>
+                  <c:v>0</c:v>
                 </c:pt>
                 <c:pt idx="4">
-                  <c:v>100</c:v>
+                  <c:v>0</c:v>
                 </c:pt>
                 <c:pt idx="5">
-                  <c:v>100</c:v>
+                  <c:v>255</c:v>
                 </c:pt>
                 <c:pt idx="6">
-                  <c:v>100</c:v>
+                  <c:v>255</c:v>
                 </c:pt>
                 <c:pt idx="7">
-                  <c:v>100</c:v>
+                  <c:v>255</c:v>
                 </c:pt>
                 <c:pt idx="8">
-                  <c:v>100</c:v>
+                  <c:v>255</c:v>
                 </c:pt>
                 <c:pt idx="9">
-                  <c:v>100</c:v>
+                  <c:v>255</c:v>
                 </c:pt>
               </c:numCache>
             </c:numRef>
@@ -3871,39 +3857,39 @@
           </c:marker>
           <c:val>
             <c:numRef>
-              <c:f>Sheet1!$A$116:$J$116</c:f>
+              <c:f>Sheet1!$A$10:$J$10</c:f>
               <c:numCache>
                 <c:formatCode>General</c:formatCode>
                 <c:ptCount val="10"/>
                 <c:pt idx="0">
-                  <c:v>100</c:v>
+                  <c:v>0</c:v>
                 </c:pt>
                 <c:pt idx="1">
-                  <c:v>100</c:v>
+                  <c:v>0</c:v>
                 </c:pt>
                 <c:pt idx="2">
-                  <c:v>100</c:v>
+                  <c:v>0</c:v>
                 </c:pt>
                 <c:pt idx="3">
-                  <c:v>100</c:v>
+                  <c:v>0</c:v>
                 </c:pt>
                 <c:pt idx="4">
-                  <c:v>100</c:v>
+                  <c:v>0</c:v>
                 </c:pt>
                 <c:pt idx="5">
-                  <c:v>100</c:v>
+                  <c:v>255</c:v>
                 </c:pt>
                 <c:pt idx="6">
-                  <c:v>100</c:v>
+                  <c:v>255</c:v>
                 </c:pt>
                 <c:pt idx="7">
-                  <c:v>100</c:v>
+                  <c:v>255</c:v>
                 </c:pt>
                 <c:pt idx="8">
-                  <c:v>100</c:v>
+                  <c:v>255</c:v>
                 </c:pt>
                 <c:pt idx="9">
-                  <c:v>100</c:v>
+                  <c:v>255</c:v>
                 </c:pt>
               </c:numCache>
             </c:numRef>
@@ -3917,63 +3903,63 @@
           </c:marker>
           <c:val>
             <c:numRef>
-              <c:f>Sheet1!$A$117:$J$117</c:f>
+              <c:f>Sheet1!$A$11:$J$11</c:f>
               <c:numCache>
                 <c:formatCode>General</c:formatCode>
                 <c:ptCount val="10"/>
                 <c:pt idx="0">
-                  <c:v>100</c:v>
+                  <c:v>0</c:v>
                 </c:pt>
                 <c:pt idx="1">
-                  <c:v>100</c:v>
+                  <c:v>0</c:v>
                 </c:pt>
                 <c:pt idx="2">
-                  <c:v>100</c:v>
+                  <c:v>0</c:v>
                 </c:pt>
                 <c:pt idx="3">
-                  <c:v>100</c:v>
+                  <c:v>0</c:v>
                 </c:pt>
                 <c:pt idx="4">
-                  <c:v>100</c:v>
+                  <c:v>0</c:v>
                 </c:pt>
                 <c:pt idx="5">
-                  <c:v>100</c:v>
+                  <c:v>255</c:v>
                 </c:pt>
                 <c:pt idx="6">
-                  <c:v>100</c:v>
+                  <c:v>255</c:v>
                 </c:pt>
                 <c:pt idx="7">
-                  <c:v>100</c:v>
+                  <c:v>255</c:v>
                 </c:pt>
                 <c:pt idx="8">
-                  <c:v>100</c:v>
+                  <c:v>255</c:v>
                 </c:pt>
                 <c:pt idx="9">
-                  <c:v>100</c:v>
+                  <c:v>255</c:v>
                 </c:pt>
               </c:numCache>
             </c:numRef>
           </c:val>
         </c:ser>
         <c:marker val="1"/>
-        <c:axId val="207627776"/>
-        <c:axId val="207629312"/>
+        <c:axId val="199510272"/>
+        <c:axId val="199512832"/>
       </c:lineChart>
       <c:catAx>
-        <c:axId val="207627776"/>
+        <c:axId val="199510272"/>
         <c:scaling>
           <c:orientation val="minMax"/>
         </c:scaling>
         <c:axPos val="b"/>
         <c:tickLblPos val="nextTo"/>
-        <c:crossAx val="207629312"/>
+        <c:crossAx val="199512832"/>
         <c:crosses val="autoZero"/>
         <c:auto val="1"/>
         <c:lblAlgn val="ctr"/>
         <c:lblOffset val="100"/>
       </c:catAx>
       <c:valAx>
-        <c:axId val="207629312"/>
+        <c:axId val="199512832"/>
         <c:scaling>
           <c:orientation val="minMax"/>
         </c:scaling>
@@ -3981,12 +3967,13 @@
         <c:majorGridlines/>
         <c:numFmt formatCode="General" sourceLinked="1"/>
         <c:tickLblPos val="nextTo"/>
-        <c:crossAx val="207627776"/>
+        <c:crossAx val="199510272"/>
         <c:crosses val="autoZero"/>
         <c:crossBetween val="between"/>
       </c:valAx>
     </c:plotArea>
     <c:plotVisOnly val="1"/>
+    <c:dispBlanksAs val="gap"/>
   </c:chart>
   <c:spPr>
     <a:gradFill>
@@ -4021,17 +4008,16 @@
 <c:chartSpace xmlns:c="http://schemas.openxmlformats.org/drawingml/2006/chart" xmlns:a="http://schemas.openxmlformats.org/drawingml/2006/main" xmlns:r="http://schemas.openxmlformats.org/officeDocument/2006/relationships">
   <c:lang val="ja-JP"/>
   <c:chart>
-    <c:view3D>
-      <c:rotX val="50"/>
-      <c:rotY val="0"/>
-      <c:perspective val="30"/>
-    </c:view3D>
     <c:plotArea>
       <c:layout/>
-      <c:surface3DChart>
+      <c:lineChart>
+        <c:grouping val="standard"/>
         <c:ser>
           <c:idx val="0"/>
           <c:order val="0"/>
+          <c:marker>
+            <c:symbol val="none"/>
+          </c:marker>
           <c:val>
             <c:numRef>
               <c:f>Sheet1!$L$61:$U$61</c:f>
@@ -4075,6 +4061,9 @@
         <c:ser>
           <c:idx val="1"/>
           <c:order val="1"/>
+          <c:marker>
+            <c:symbol val="none"/>
+          </c:marker>
           <c:val>
             <c:numRef>
               <c:f>Sheet1!$L$62:$U$62</c:f>
@@ -4118,6 +4107,9 @@
         <c:ser>
           <c:idx val="2"/>
           <c:order val="2"/>
+          <c:marker>
+            <c:symbol val="none"/>
+          </c:marker>
           <c:val>
             <c:numRef>
               <c:f>Sheet1!$L$63:$U$63</c:f>
@@ -4161,6 +4153,9 @@
         <c:ser>
           <c:idx val="3"/>
           <c:order val="3"/>
+          <c:marker>
+            <c:symbol val="none"/>
+          </c:marker>
           <c:val>
             <c:numRef>
               <c:f>Sheet1!$L$64:$U$64</c:f>
@@ -4204,6 +4199,9 @@
         <c:ser>
           <c:idx val="4"/>
           <c:order val="4"/>
+          <c:marker>
+            <c:symbol val="none"/>
+          </c:marker>
           <c:val>
             <c:numRef>
               <c:f>Sheet1!$L$65:$U$65</c:f>
@@ -4247,6 +4245,9 @@
         <c:ser>
           <c:idx val="5"/>
           <c:order val="5"/>
+          <c:marker>
+            <c:symbol val="none"/>
+          </c:marker>
           <c:val>
             <c:numRef>
               <c:f>Sheet1!$L$66:$U$66</c:f>
@@ -4290,6 +4291,9 @@
         <c:ser>
           <c:idx val="6"/>
           <c:order val="6"/>
+          <c:marker>
+            <c:symbol val="none"/>
+          </c:marker>
           <c:val>
             <c:numRef>
               <c:f>Sheet1!$L$67:$U$67</c:f>
@@ -4333,6 +4337,9 @@
         <c:ser>
           <c:idx val="7"/>
           <c:order val="7"/>
+          <c:marker>
+            <c:symbol val="none"/>
+          </c:marker>
           <c:val>
             <c:numRef>
               <c:f>Sheet1!$L$68:$U$68</c:f>
@@ -4376,6 +4383,9 @@
         <c:ser>
           <c:idx val="8"/>
           <c:order val="8"/>
+          <c:marker>
+            <c:symbol val="none"/>
+          </c:marker>
           <c:val>
             <c:numRef>
               <c:f>Sheet1!$L$69:$U$69</c:f>
@@ -4419,6 +4429,9 @@
         <c:ser>
           <c:idx val="9"/>
           <c:order val="9"/>
+          <c:marker>
+            <c:symbol val="none"/>
+          </c:marker>
           <c:val>
             <c:numRef>
               <c:f>Sheet1!$L$70:$U$70</c:f>
@@ -4459,11 +4472,10 @@
             </c:numRef>
           </c:val>
         </c:ser>
-        <c:bandFmts/>
+        <c:marker val="1"/>
         <c:axId val="200426624"/>
         <c:axId val="200815360"/>
-        <c:axId val="199686336"/>
-      </c:surface3DChart>
+      </c:lineChart>
       <c:catAx>
         <c:axId val="200426624"/>
         <c:scaling>
@@ -4488,34 +4500,9 @@
         <c:tickLblPos val="nextTo"/>
         <c:crossAx val="200426624"/>
         <c:crosses val="autoZero"/>
-        <c:crossBetween val="midCat"/>
+        <c:crossBetween val="between"/>
       </c:valAx>
-      <c:serAx>
-        <c:axId val="199686336"/>
-        <c:scaling>
-          <c:orientation val="minMax"/>
-        </c:scaling>
-        <c:delete val="1"/>
-        <c:axPos val="b"/>
-        <c:tickLblPos val="none"/>
-        <c:crossAx val="200815360"/>
-        <c:crosses val="autoZero"/>
-      </c:serAx>
     </c:plotArea>
-    <c:legend>
-      <c:legendPos val="r"/>
-      <c:layout/>
-      <c:txPr>
-        <a:bodyPr/>
-        <a:lstStyle/>
-        <a:p>
-          <a:pPr rtl="0">
-            <a:defRPr/>
-          </a:pPr>
-          <a:endParaRPr lang="ja-JP"/>
-        </a:p>
-      </c:txPr>
-    </c:legend>
     <c:plotVisOnly val="1"/>
     <c:dispBlanksAs val="zero"/>
   </c:chart>
@@ -4552,17 +4539,16 @@
 <c:chartSpace xmlns:c="http://schemas.openxmlformats.org/drawingml/2006/chart" xmlns:a="http://schemas.openxmlformats.org/drawingml/2006/main" xmlns:r="http://schemas.openxmlformats.org/officeDocument/2006/relationships">
   <c:lang val="ja-JP"/>
   <c:chart>
-    <c:view3D>
-      <c:rotX val="30"/>
-      <c:rotY val="0"/>
-      <c:perspective val="30"/>
-    </c:view3D>
     <c:plotArea>
       <c:layout/>
-      <c:surface3DChart>
+      <c:lineChart>
+        <c:grouping val="standard"/>
         <c:ser>
           <c:idx val="0"/>
           <c:order val="0"/>
+          <c:marker>
+            <c:symbol val="none"/>
+          </c:marker>
           <c:val>
             <c:numRef>
               <c:f>Sheet1!$A$108:$J$108</c:f>
@@ -4606,6 +4592,9 @@
         <c:ser>
           <c:idx val="1"/>
           <c:order val="1"/>
+          <c:marker>
+            <c:symbol val="none"/>
+          </c:marker>
           <c:val>
             <c:numRef>
               <c:f>Sheet1!$A$109:$J$109</c:f>
@@ -4649,6 +4638,9 @@
         <c:ser>
           <c:idx val="2"/>
           <c:order val="2"/>
+          <c:marker>
+            <c:symbol val="none"/>
+          </c:marker>
           <c:val>
             <c:numRef>
               <c:f>Sheet1!$A$110:$J$110</c:f>
@@ -4692,6 +4684,9 @@
         <c:ser>
           <c:idx val="3"/>
           <c:order val="3"/>
+          <c:marker>
+            <c:symbol val="none"/>
+          </c:marker>
           <c:val>
             <c:numRef>
               <c:f>Sheet1!$A$111:$J$111</c:f>
@@ -4735,6 +4730,9 @@
         <c:ser>
           <c:idx val="4"/>
           <c:order val="4"/>
+          <c:marker>
+            <c:symbol val="none"/>
+          </c:marker>
           <c:val>
             <c:numRef>
               <c:f>Sheet1!$A$112:$J$112</c:f>
@@ -4778,6 +4776,9 @@
         <c:ser>
           <c:idx val="5"/>
           <c:order val="5"/>
+          <c:marker>
+            <c:symbol val="none"/>
+          </c:marker>
           <c:val>
             <c:numRef>
               <c:f>Sheet1!$A$113:$J$113</c:f>
@@ -4821,6 +4822,9 @@
         <c:ser>
           <c:idx val="6"/>
           <c:order val="6"/>
+          <c:marker>
+            <c:symbol val="none"/>
+          </c:marker>
           <c:val>
             <c:numRef>
               <c:f>Sheet1!$A$114:$J$114</c:f>
@@ -4864,6 +4868,9 @@
         <c:ser>
           <c:idx val="7"/>
           <c:order val="7"/>
+          <c:marker>
+            <c:symbol val="none"/>
+          </c:marker>
           <c:val>
             <c:numRef>
               <c:f>Sheet1!$A$115:$J$115</c:f>
@@ -4907,6 +4914,9 @@
         <c:ser>
           <c:idx val="8"/>
           <c:order val="8"/>
+          <c:marker>
+            <c:symbol val="none"/>
+          </c:marker>
           <c:val>
             <c:numRef>
               <c:f>Sheet1!$A$116:$J$116</c:f>
@@ -4950,6 +4960,9 @@
         <c:ser>
           <c:idx val="9"/>
           <c:order val="9"/>
+          <c:marker>
+            <c:symbol val="none"/>
+          </c:marker>
           <c:val>
             <c:numRef>
               <c:f>Sheet1!$A$117:$J$117</c:f>
@@ -4990,72 +5003,38 @@
             </c:numRef>
           </c:val>
         </c:ser>
-        <c:bandFmts/>
-        <c:axId val="200742016"/>
-        <c:axId val="200816128"/>
-        <c:axId val="200827776"/>
-      </c:surface3DChart>
+        <c:marker val="1"/>
+        <c:axId val="168145280"/>
+        <c:axId val="168147200"/>
+      </c:lineChart>
       <c:catAx>
-        <c:axId val="200742016"/>
+        <c:axId val="168145280"/>
         <c:scaling>
           <c:orientation val="minMax"/>
         </c:scaling>
         <c:axPos val="b"/>
         <c:tickLblPos val="nextTo"/>
-        <c:crossAx val="200816128"/>
+        <c:crossAx val="168147200"/>
         <c:crosses val="autoZero"/>
         <c:auto val="1"/>
         <c:lblAlgn val="ctr"/>
         <c:lblOffset val="100"/>
       </c:catAx>
       <c:valAx>
-        <c:axId val="200816128"/>
+        <c:axId val="168147200"/>
         <c:scaling>
           <c:orientation val="minMax"/>
+          <c:max val="300"/>
         </c:scaling>
         <c:axPos val="l"/>
         <c:majorGridlines/>
         <c:numFmt formatCode="General" sourceLinked="1"/>
         <c:tickLblPos val="nextTo"/>
-        <c:crossAx val="200742016"/>
+        <c:crossAx val="168145280"/>
         <c:crosses val="autoZero"/>
-        <c:crossBetween val="midCat"/>
+        <c:crossBetween val="between"/>
       </c:valAx>
-      <c:serAx>
-        <c:axId val="200827776"/>
-        <c:scaling>
-          <c:orientation val="minMax"/>
-        </c:scaling>
-        <c:delete val="1"/>
-        <c:axPos val="b"/>
-        <c:tickLblPos val="none"/>
-        <c:crossAx val="200816128"/>
-        <c:crosses val="autoZero"/>
-      </c:serAx>
     </c:plotArea>
-    <c:legend>
-      <c:legendPos val="r"/>
-      <c:layout>
-        <c:manualLayout>
-          <c:xMode val="edge"/>
-          <c:yMode val="edge"/>
-          <c:x val="0.83611811023622051"/>
-          <c:y val="0.21556559234497943"/>
-          <c:w val="0.14652077865266841"/>
-          <c:h val="0.63273916043587042"/>
-        </c:manualLayout>
-      </c:layout>
-      <c:txPr>
-        <a:bodyPr/>
-        <a:lstStyle/>
-        <a:p>
-          <a:pPr rtl="0">
-            <a:defRPr/>
-          </a:pPr>
-          <a:endParaRPr lang="ja-JP"/>
-        </a:p>
-      </c:txPr>
-    </c:legend>
     <c:plotVisOnly val="1"/>
   </c:chart>
   <c:spPr>
@@ -20001,13 +19980,13 @@
       </p:graphicFrame>
       <p:graphicFrame>
         <p:nvGraphicFramePr>
-          <p:cNvPr id="14" name="グラフ 13"/>
+          <p:cNvPr id="15" name="グラフ 14"/>
           <p:cNvGraphicFramePr/>
           <p:nvPr/>
         </p:nvGraphicFramePr>
         <p:xfrm>
-          <a:off x="0" y="2989053"/>
-          <a:ext cx="4572000" cy="2743200"/>
+          <a:off x="0" y="1920816"/>
+          <a:ext cx="4505325" cy="3810000"/>
         </p:xfrm>
         <a:graphic>
           <a:graphicData uri="http://schemas.openxmlformats.org/drawingml/2006/chart">
@@ -20597,7 +20576,7 @@
           <p:nvPr/>
         </p:nvGraphicFramePr>
         <p:xfrm>
-          <a:off x="4638675" y="2131712"/>
+          <a:off x="4638675" y="1941931"/>
           <a:ext cx="4505325" cy="3810000"/>
         </p:xfrm>
         <a:graphic>
@@ -20608,13 +20587,13 @@
       </p:graphicFrame>
       <p:graphicFrame>
         <p:nvGraphicFramePr>
-          <p:cNvPr id="9" name="グラフ 8"/>
+          <p:cNvPr id="10" name="グラフ 9"/>
           <p:cNvGraphicFramePr/>
           <p:nvPr/>
         </p:nvGraphicFramePr>
         <p:xfrm>
-          <a:off x="120769" y="2329132"/>
-          <a:ext cx="4572000" cy="3265099"/>
+          <a:off x="0" y="1958196"/>
+          <a:ext cx="4572000" cy="3791311"/>
         </p:xfrm>
         <a:graphic>
           <a:graphicData uri="http://schemas.openxmlformats.org/drawingml/2006/chart">

--- a/exp_c/slide/exp_C.pptx
+++ b/exp_c/slide/exp_C.pptx
@@ -5,7 +5,7 @@
     <p:sldMasterId id="2147483659" r:id="rId1"/>
   </p:sldMasterIdLst>
   <p:notesMasterIdLst>
-    <p:notesMasterId r:id="rId20"/>
+    <p:notesMasterId r:id="rId24"/>
   </p:notesMasterIdLst>
   <p:sldIdLst>
     <p:sldId id="269" r:id="rId2"/>
@@ -18,14 +18,18 @@
     <p:sldId id="268" r:id="rId9"/>
     <p:sldId id="260" r:id="rId10"/>
     <p:sldId id="261" r:id="rId11"/>
-    <p:sldId id="262" r:id="rId12"/>
-    <p:sldId id="263" r:id="rId13"/>
-    <p:sldId id="264" r:id="rId14"/>
-    <p:sldId id="265" r:id="rId15"/>
-    <p:sldId id="266" r:id="rId16"/>
-    <p:sldId id="274" r:id="rId17"/>
-    <p:sldId id="267" r:id="rId18"/>
-    <p:sldId id="273" r:id="rId19"/>
+    <p:sldId id="275" r:id="rId12"/>
+    <p:sldId id="262" r:id="rId13"/>
+    <p:sldId id="263" r:id="rId14"/>
+    <p:sldId id="276" r:id="rId15"/>
+    <p:sldId id="264" r:id="rId16"/>
+    <p:sldId id="265" r:id="rId17"/>
+    <p:sldId id="266" r:id="rId18"/>
+    <p:sldId id="277" r:id="rId19"/>
+    <p:sldId id="274" r:id="rId20"/>
+    <p:sldId id="278" r:id="rId21"/>
+    <p:sldId id="267" r:id="rId22"/>
+    <p:sldId id="273" r:id="rId23"/>
   </p:sldIdLst>
   <p:sldSz cx="9144000" cy="6858000" type="screen4x3"/>
   <p:notesSz cx="6858000" cy="9144000"/>
@@ -812,6 +816,1068 @@
 <c:chartSpace xmlns:c="http://schemas.openxmlformats.org/drawingml/2006/chart" xmlns:a="http://schemas.openxmlformats.org/drawingml/2006/main" xmlns:r="http://schemas.openxmlformats.org/officeDocument/2006/relationships">
   <c:lang val="ja-JP"/>
   <c:chart>
+    <c:plotArea>
+      <c:layout/>
+      <c:lineChart>
+        <c:grouping val="standard"/>
+        <c:ser>
+          <c:idx val="0"/>
+          <c:order val="0"/>
+          <c:marker>
+            <c:symbol val="none"/>
+          </c:marker>
+          <c:val>
+            <c:numRef>
+              <c:f>Sheet1!$A$61:$J$61</c:f>
+              <c:numCache>
+                <c:formatCode>General</c:formatCode>
+                <c:ptCount val="10"/>
+                <c:pt idx="0">
+                  <c:v>0</c:v>
+                </c:pt>
+                <c:pt idx="1">
+                  <c:v>0</c:v>
+                </c:pt>
+                <c:pt idx="2">
+                  <c:v>0</c:v>
+                </c:pt>
+                <c:pt idx="3">
+                  <c:v>0</c:v>
+                </c:pt>
+                <c:pt idx="4">
+                  <c:v>0</c:v>
+                </c:pt>
+                <c:pt idx="5">
+                  <c:v>0</c:v>
+                </c:pt>
+                <c:pt idx="6">
+                  <c:v>0</c:v>
+                </c:pt>
+                <c:pt idx="7">
+                  <c:v>0</c:v>
+                </c:pt>
+                <c:pt idx="8">
+                  <c:v>0</c:v>
+                </c:pt>
+                <c:pt idx="9">
+                  <c:v>0</c:v>
+                </c:pt>
+              </c:numCache>
+            </c:numRef>
+          </c:val>
+        </c:ser>
+        <c:ser>
+          <c:idx val="1"/>
+          <c:order val="1"/>
+          <c:marker>
+            <c:symbol val="none"/>
+          </c:marker>
+          <c:val>
+            <c:numRef>
+              <c:f>Sheet1!$A$62:$J$62</c:f>
+              <c:numCache>
+                <c:formatCode>General</c:formatCode>
+                <c:ptCount val="10"/>
+                <c:pt idx="0">
+                  <c:v>0</c:v>
+                </c:pt>
+                <c:pt idx="1">
+                  <c:v>170</c:v>
+                </c:pt>
+                <c:pt idx="2">
+                  <c:v>170</c:v>
+                </c:pt>
+                <c:pt idx="3">
+                  <c:v>170</c:v>
+                </c:pt>
+                <c:pt idx="4">
+                  <c:v>170</c:v>
+                </c:pt>
+                <c:pt idx="5">
+                  <c:v>170</c:v>
+                </c:pt>
+                <c:pt idx="6">
+                  <c:v>170</c:v>
+                </c:pt>
+                <c:pt idx="7">
+                  <c:v>170</c:v>
+                </c:pt>
+                <c:pt idx="8">
+                  <c:v>170</c:v>
+                </c:pt>
+                <c:pt idx="9">
+                  <c:v>0</c:v>
+                </c:pt>
+              </c:numCache>
+            </c:numRef>
+          </c:val>
+        </c:ser>
+        <c:ser>
+          <c:idx val="2"/>
+          <c:order val="2"/>
+          <c:marker>
+            <c:symbol val="none"/>
+          </c:marker>
+          <c:val>
+            <c:numRef>
+              <c:f>Sheet1!$A$63:$J$63</c:f>
+              <c:numCache>
+                <c:formatCode>General</c:formatCode>
+                <c:ptCount val="10"/>
+                <c:pt idx="0">
+                  <c:v>0</c:v>
+                </c:pt>
+                <c:pt idx="1">
+                  <c:v>170</c:v>
+                </c:pt>
+                <c:pt idx="2">
+                  <c:v>170</c:v>
+                </c:pt>
+                <c:pt idx="3">
+                  <c:v>170</c:v>
+                </c:pt>
+                <c:pt idx="4">
+                  <c:v>170</c:v>
+                </c:pt>
+                <c:pt idx="5">
+                  <c:v>170</c:v>
+                </c:pt>
+                <c:pt idx="6">
+                  <c:v>170</c:v>
+                </c:pt>
+                <c:pt idx="7">
+                  <c:v>170</c:v>
+                </c:pt>
+                <c:pt idx="8">
+                  <c:v>170</c:v>
+                </c:pt>
+                <c:pt idx="9">
+                  <c:v>0</c:v>
+                </c:pt>
+              </c:numCache>
+            </c:numRef>
+          </c:val>
+        </c:ser>
+        <c:ser>
+          <c:idx val="3"/>
+          <c:order val="3"/>
+          <c:marker>
+            <c:symbol val="none"/>
+          </c:marker>
+          <c:val>
+            <c:numRef>
+              <c:f>Sheet1!$A$64:$J$64</c:f>
+              <c:numCache>
+                <c:formatCode>General</c:formatCode>
+                <c:ptCount val="10"/>
+                <c:pt idx="0">
+                  <c:v>0</c:v>
+                </c:pt>
+                <c:pt idx="1">
+                  <c:v>170</c:v>
+                </c:pt>
+                <c:pt idx="2">
+                  <c:v>170</c:v>
+                </c:pt>
+                <c:pt idx="3">
+                  <c:v>170</c:v>
+                </c:pt>
+                <c:pt idx="4">
+                  <c:v>255</c:v>
+                </c:pt>
+                <c:pt idx="5">
+                  <c:v>255</c:v>
+                </c:pt>
+                <c:pt idx="6">
+                  <c:v>170</c:v>
+                </c:pt>
+                <c:pt idx="7">
+                  <c:v>170</c:v>
+                </c:pt>
+                <c:pt idx="8">
+                  <c:v>170</c:v>
+                </c:pt>
+                <c:pt idx="9">
+                  <c:v>0</c:v>
+                </c:pt>
+              </c:numCache>
+            </c:numRef>
+          </c:val>
+        </c:ser>
+        <c:ser>
+          <c:idx val="4"/>
+          <c:order val="4"/>
+          <c:marker>
+            <c:symbol val="none"/>
+          </c:marker>
+          <c:val>
+            <c:numRef>
+              <c:f>Sheet1!$A$65:$J$65</c:f>
+              <c:numCache>
+                <c:formatCode>General</c:formatCode>
+                <c:ptCount val="10"/>
+                <c:pt idx="0">
+                  <c:v>0</c:v>
+                </c:pt>
+                <c:pt idx="1">
+                  <c:v>170</c:v>
+                </c:pt>
+                <c:pt idx="2">
+                  <c:v>170</c:v>
+                </c:pt>
+                <c:pt idx="3">
+                  <c:v>255</c:v>
+                </c:pt>
+                <c:pt idx="4">
+                  <c:v>0</c:v>
+                </c:pt>
+                <c:pt idx="5">
+                  <c:v>0</c:v>
+                </c:pt>
+                <c:pt idx="6">
+                  <c:v>255</c:v>
+                </c:pt>
+                <c:pt idx="7">
+                  <c:v>170</c:v>
+                </c:pt>
+                <c:pt idx="8">
+                  <c:v>170</c:v>
+                </c:pt>
+                <c:pt idx="9">
+                  <c:v>0</c:v>
+                </c:pt>
+              </c:numCache>
+            </c:numRef>
+          </c:val>
+        </c:ser>
+        <c:ser>
+          <c:idx val="5"/>
+          <c:order val="5"/>
+          <c:marker>
+            <c:symbol val="none"/>
+          </c:marker>
+          <c:val>
+            <c:numRef>
+              <c:f>Sheet1!$A$66:$J$66</c:f>
+              <c:numCache>
+                <c:formatCode>General</c:formatCode>
+                <c:ptCount val="10"/>
+                <c:pt idx="0">
+                  <c:v>0</c:v>
+                </c:pt>
+                <c:pt idx="1">
+                  <c:v>170</c:v>
+                </c:pt>
+                <c:pt idx="2">
+                  <c:v>170</c:v>
+                </c:pt>
+                <c:pt idx="3">
+                  <c:v>255</c:v>
+                </c:pt>
+                <c:pt idx="4">
+                  <c:v>0</c:v>
+                </c:pt>
+                <c:pt idx="5">
+                  <c:v>0</c:v>
+                </c:pt>
+                <c:pt idx="6">
+                  <c:v>255</c:v>
+                </c:pt>
+                <c:pt idx="7">
+                  <c:v>170</c:v>
+                </c:pt>
+                <c:pt idx="8">
+                  <c:v>170</c:v>
+                </c:pt>
+                <c:pt idx="9">
+                  <c:v>0</c:v>
+                </c:pt>
+              </c:numCache>
+            </c:numRef>
+          </c:val>
+        </c:ser>
+        <c:ser>
+          <c:idx val="6"/>
+          <c:order val="6"/>
+          <c:marker>
+            <c:symbol val="none"/>
+          </c:marker>
+          <c:val>
+            <c:numRef>
+              <c:f>Sheet1!$A$67:$J$67</c:f>
+              <c:numCache>
+                <c:formatCode>General</c:formatCode>
+                <c:ptCount val="10"/>
+                <c:pt idx="0">
+                  <c:v>0</c:v>
+                </c:pt>
+                <c:pt idx="1">
+                  <c:v>170</c:v>
+                </c:pt>
+                <c:pt idx="2">
+                  <c:v>170</c:v>
+                </c:pt>
+                <c:pt idx="3">
+                  <c:v>170</c:v>
+                </c:pt>
+                <c:pt idx="4">
+                  <c:v>255</c:v>
+                </c:pt>
+                <c:pt idx="5">
+                  <c:v>255</c:v>
+                </c:pt>
+                <c:pt idx="6">
+                  <c:v>170</c:v>
+                </c:pt>
+                <c:pt idx="7">
+                  <c:v>170</c:v>
+                </c:pt>
+                <c:pt idx="8">
+                  <c:v>170</c:v>
+                </c:pt>
+                <c:pt idx="9">
+                  <c:v>0</c:v>
+                </c:pt>
+              </c:numCache>
+            </c:numRef>
+          </c:val>
+        </c:ser>
+        <c:ser>
+          <c:idx val="7"/>
+          <c:order val="7"/>
+          <c:marker>
+            <c:symbol val="none"/>
+          </c:marker>
+          <c:val>
+            <c:numRef>
+              <c:f>Sheet1!$A$68:$J$68</c:f>
+              <c:numCache>
+                <c:formatCode>General</c:formatCode>
+                <c:ptCount val="10"/>
+                <c:pt idx="0">
+                  <c:v>0</c:v>
+                </c:pt>
+                <c:pt idx="1">
+                  <c:v>170</c:v>
+                </c:pt>
+                <c:pt idx="2">
+                  <c:v>170</c:v>
+                </c:pt>
+                <c:pt idx="3">
+                  <c:v>170</c:v>
+                </c:pt>
+                <c:pt idx="4">
+                  <c:v>170</c:v>
+                </c:pt>
+                <c:pt idx="5">
+                  <c:v>170</c:v>
+                </c:pt>
+                <c:pt idx="6">
+                  <c:v>170</c:v>
+                </c:pt>
+                <c:pt idx="7">
+                  <c:v>170</c:v>
+                </c:pt>
+                <c:pt idx="8">
+                  <c:v>170</c:v>
+                </c:pt>
+                <c:pt idx="9">
+                  <c:v>0</c:v>
+                </c:pt>
+              </c:numCache>
+            </c:numRef>
+          </c:val>
+        </c:ser>
+        <c:ser>
+          <c:idx val="8"/>
+          <c:order val="8"/>
+          <c:marker>
+            <c:symbol val="none"/>
+          </c:marker>
+          <c:val>
+            <c:numRef>
+              <c:f>Sheet1!$A$69:$J$69</c:f>
+              <c:numCache>
+                <c:formatCode>General</c:formatCode>
+                <c:ptCount val="10"/>
+                <c:pt idx="0">
+                  <c:v>0</c:v>
+                </c:pt>
+                <c:pt idx="1">
+                  <c:v>170</c:v>
+                </c:pt>
+                <c:pt idx="2">
+                  <c:v>170</c:v>
+                </c:pt>
+                <c:pt idx="3">
+                  <c:v>170</c:v>
+                </c:pt>
+                <c:pt idx="4">
+                  <c:v>170</c:v>
+                </c:pt>
+                <c:pt idx="5">
+                  <c:v>170</c:v>
+                </c:pt>
+                <c:pt idx="6">
+                  <c:v>170</c:v>
+                </c:pt>
+                <c:pt idx="7">
+                  <c:v>170</c:v>
+                </c:pt>
+                <c:pt idx="8">
+                  <c:v>170</c:v>
+                </c:pt>
+                <c:pt idx="9">
+                  <c:v>0</c:v>
+                </c:pt>
+              </c:numCache>
+            </c:numRef>
+          </c:val>
+        </c:ser>
+        <c:ser>
+          <c:idx val="9"/>
+          <c:order val="9"/>
+          <c:marker>
+            <c:symbol val="none"/>
+          </c:marker>
+          <c:val>
+            <c:numRef>
+              <c:f>Sheet1!$A$70:$J$70</c:f>
+              <c:numCache>
+                <c:formatCode>General</c:formatCode>
+                <c:ptCount val="10"/>
+                <c:pt idx="0">
+                  <c:v>0</c:v>
+                </c:pt>
+                <c:pt idx="1">
+                  <c:v>0</c:v>
+                </c:pt>
+                <c:pt idx="2">
+                  <c:v>0</c:v>
+                </c:pt>
+                <c:pt idx="3">
+                  <c:v>0</c:v>
+                </c:pt>
+                <c:pt idx="4">
+                  <c:v>0</c:v>
+                </c:pt>
+                <c:pt idx="5">
+                  <c:v>0</c:v>
+                </c:pt>
+                <c:pt idx="6">
+                  <c:v>0</c:v>
+                </c:pt>
+                <c:pt idx="7">
+                  <c:v>0</c:v>
+                </c:pt>
+                <c:pt idx="8">
+                  <c:v>0</c:v>
+                </c:pt>
+                <c:pt idx="9">
+                  <c:v>0</c:v>
+                </c:pt>
+              </c:numCache>
+            </c:numRef>
+          </c:val>
+        </c:ser>
+        <c:marker val="1"/>
+        <c:axId val="180482432"/>
+        <c:axId val="180483968"/>
+      </c:lineChart>
+      <c:catAx>
+        <c:axId val="180482432"/>
+        <c:scaling>
+          <c:orientation val="minMax"/>
+        </c:scaling>
+        <c:axPos val="b"/>
+        <c:tickLblPos val="nextTo"/>
+        <c:crossAx val="180483968"/>
+        <c:crosses val="autoZero"/>
+        <c:auto val="1"/>
+        <c:lblAlgn val="ctr"/>
+        <c:lblOffset val="100"/>
+      </c:catAx>
+      <c:valAx>
+        <c:axId val="180483968"/>
+        <c:scaling>
+          <c:orientation val="minMax"/>
+        </c:scaling>
+        <c:axPos val="l"/>
+        <c:majorGridlines/>
+        <c:numFmt formatCode="General" sourceLinked="1"/>
+        <c:tickLblPos val="nextTo"/>
+        <c:crossAx val="180482432"/>
+        <c:crosses val="autoZero"/>
+        <c:crossBetween val="between"/>
+      </c:valAx>
+    </c:plotArea>
+    <c:plotVisOnly val="1"/>
+    <c:dispBlanksAs val="zero"/>
+  </c:chart>
+  <c:spPr>
+    <a:gradFill>
+      <a:gsLst>
+        <a:gs pos="0">
+          <a:srgbClr val="5B9BD5">
+            <a:tint val="66000"/>
+            <a:satMod val="160000"/>
+          </a:srgbClr>
+        </a:gs>
+        <a:gs pos="50000">
+          <a:srgbClr val="5B9BD5">
+            <a:tint val="44500"/>
+            <a:satMod val="160000"/>
+          </a:srgbClr>
+        </a:gs>
+        <a:gs pos="100000">
+          <a:srgbClr val="5B9BD5">
+            <a:tint val="23500"/>
+            <a:satMod val="160000"/>
+          </a:srgbClr>
+        </a:gs>
+      </a:gsLst>
+      <a:lin ang="5400000" scaled="0"/>
+    </a:gradFill>
+  </c:spPr>
+  <c:externalData r:id="rId1"/>
+</c:chartSpace>
+</file>
+
+<file path=ppt/charts/chart11.xml><?xml version="1.0" encoding="utf-8"?>
+<c:chartSpace xmlns:c="http://schemas.openxmlformats.org/drawingml/2006/chart" xmlns:a="http://schemas.openxmlformats.org/drawingml/2006/main" xmlns:r="http://schemas.openxmlformats.org/officeDocument/2006/relationships">
+  <c:lang val="ja-JP"/>
+  <c:chart>
+    <c:view3D>
+      <c:rotX val="50"/>
+      <c:rotY val="0"/>
+      <c:perspective val="30"/>
+    </c:view3D>
+    <c:plotArea>
+      <c:layout/>
+      <c:surface3DChart>
+        <c:ser>
+          <c:idx val="0"/>
+          <c:order val="0"/>
+          <c:val>
+            <c:numRef>
+              <c:f>Sheet1!$L$61:$U$61</c:f>
+              <c:numCache>
+                <c:formatCode>General</c:formatCode>
+                <c:ptCount val="10"/>
+                <c:pt idx="0">
+                  <c:v>0</c:v>
+                </c:pt>
+                <c:pt idx="1">
+                  <c:v>0</c:v>
+                </c:pt>
+                <c:pt idx="2">
+                  <c:v>0</c:v>
+                </c:pt>
+                <c:pt idx="3">
+                  <c:v>0</c:v>
+                </c:pt>
+                <c:pt idx="4">
+                  <c:v>0</c:v>
+                </c:pt>
+                <c:pt idx="5">
+                  <c:v>0</c:v>
+                </c:pt>
+                <c:pt idx="6">
+                  <c:v>0</c:v>
+                </c:pt>
+                <c:pt idx="7">
+                  <c:v>0</c:v>
+                </c:pt>
+                <c:pt idx="8">
+                  <c:v>0</c:v>
+                </c:pt>
+                <c:pt idx="9">
+                  <c:v>0</c:v>
+                </c:pt>
+              </c:numCache>
+            </c:numRef>
+          </c:val>
+        </c:ser>
+        <c:ser>
+          <c:idx val="1"/>
+          <c:order val="1"/>
+          <c:val>
+            <c:numRef>
+              <c:f>Sheet1!$L$62:$U$62</c:f>
+              <c:numCache>
+                <c:formatCode>General</c:formatCode>
+                <c:ptCount val="10"/>
+                <c:pt idx="0">
+                  <c:v>0</c:v>
+                </c:pt>
+                <c:pt idx="1">
+                  <c:v>100</c:v>
+                </c:pt>
+                <c:pt idx="2">
+                  <c:v>100</c:v>
+                </c:pt>
+                <c:pt idx="3">
+                  <c:v>100</c:v>
+                </c:pt>
+                <c:pt idx="4">
+                  <c:v>100</c:v>
+                </c:pt>
+                <c:pt idx="5">
+                  <c:v>100</c:v>
+                </c:pt>
+                <c:pt idx="6">
+                  <c:v>100</c:v>
+                </c:pt>
+                <c:pt idx="7">
+                  <c:v>100</c:v>
+                </c:pt>
+                <c:pt idx="8">
+                  <c:v>100</c:v>
+                </c:pt>
+                <c:pt idx="9">
+                  <c:v>0</c:v>
+                </c:pt>
+              </c:numCache>
+            </c:numRef>
+          </c:val>
+        </c:ser>
+        <c:ser>
+          <c:idx val="2"/>
+          <c:order val="2"/>
+          <c:val>
+            <c:numRef>
+              <c:f>Sheet1!$L$63:$U$63</c:f>
+              <c:numCache>
+                <c:formatCode>General</c:formatCode>
+                <c:ptCount val="10"/>
+                <c:pt idx="0">
+                  <c:v>0</c:v>
+                </c:pt>
+                <c:pt idx="1">
+                  <c:v>100</c:v>
+                </c:pt>
+                <c:pt idx="2">
+                  <c:v>100</c:v>
+                </c:pt>
+                <c:pt idx="3">
+                  <c:v>100</c:v>
+                </c:pt>
+                <c:pt idx="4">
+                  <c:v>100</c:v>
+                </c:pt>
+                <c:pt idx="5">
+                  <c:v>100</c:v>
+                </c:pt>
+                <c:pt idx="6">
+                  <c:v>100</c:v>
+                </c:pt>
+                <c:pt idx="7">
+                  <c:v>100</c:v>
+                </c:pt>
+                <c:pt idx="8">
+                  <c:v>100</c:v>
+                </c:pt>
+                <c:pt idx="9">
+                  <c:v>0</c:v>
+                </c:pt>
+              </c:numCache>
+            </c:numRef>
+          </c:val>
+        </c:ser>
+        <c:ser>
+          <c:idx val="3"/>
+          <c:order val="3"/>
+          <c:val>
+            <c:numRef>
+              <c:f>Sheet1!$L$64:$U$64</c:f>
+              <c:numCache>
+                <c:formatCode>General</c:formatCode>
+                <c:ptCount val="10"/>
+                <c:pt idx="0">
+                  <c:v>0</c:v>
+                </c:pt>
+                <c:pt idx="1">
+                  <c:v>100</c:v>
+                </c:pt>
+                <c:pt idx="2">
+                  <c:v>100</c:v>
+                </c:pt>
+                <c:pt idx="3">
+                  <c:v>100</c:v>
+                </c:pt>
+                <c:pt idx="4">
+                  <c:v>0</c:v>
+                </c:pt>
+                <c:pt idx="5">
+                  <c:v>0</c:v>
+                </c:pt>
+                <c:pt idx="6">
+                  <c:v>100</c:v>
+                </c:pt>
+                <c:pt idx="7">
+                  <c:v>100</c:v>
+                </c:pt>
+                <c:pt idx="8">
+                  <c:v>100</c:v>
+                </c:pt>
+                <c:pt idx="9">
+                  <c:v>0</c:v>
+                </c:pt>
+              </c:numCache>
+            </c:numRef>
+          </c:val>
+        </c:ser>
+        <c:ser>
+          <c:idx val="4"/>
+          <c:order val="4"/>
+          <c:val>
+            <c:numRef>
+              <c:f>Sheet1!$L$65:$U$65</c:f>
+              <c:numCache>
+                <c:formatCode>General</c:formatCode>
+                <c:ptCount val="10"/>
+                <c:pt idx="0">
+                  <c:v>0</c:v>
+                </c:pt>
+                <c:pt idx="1">
+                  <c:v>100</c:v>
+                </c:pt>
+                <c:pt idx="2">
+                  <c:v>100</c:v>
+                </c:pt>
+                <c:pt idx="3">
+                  <c:v>0</c:v>
+                </c:pt>
+                <c:pt idx="4">
+                  <c:v>255</c:v>
+                </c:pt>
+                <c:pt idx="5">
+                  <c:v>255</c:v>
+                </c:pt>
+                <c:pt idx="6">
+                  <c:v>0</c:v>
+                </c:pt>
+                <c:pt idx="7">
+                  <c:v>100</c:v>
+                </c:pt>
+                <c:pt idx="8">
+                  <c:v>100</c:v>
+                </c:pt>
+                <c:pt idx="9">
+                  <c:v>0</c:v>
+                </c:pt>
+              </c:numCache>
+            </c:numRef>
+          </c:val>
+        </c:ser>
+        <c:ser>
+          <c:idx val="5"/>
+          <c:order val="5"/>
+          <c:val>
+            <c:numRef>
+              <c:f>Sheet1!$L$66:$U$66</c:f>
+              <c:numCache>
+                <c:formatCode>General</c:formatCode>
+                <c:ptCount val="10"/>
+                <c:pt idx="0">
+                  <c:v>0</c:v>
+                </c:pt>
+                <c:pt idx="1">
+                  <c:v>100</c:v>
+                </c:pt>
+                <c:pt idx="2">
+                  <c:v>100</c:v>
+                </c:pt>
+                <c:pt idx="3">
+                  <c:v>0</c:v>
+                </c:pt>
+                <c:pt idx="4">
+                  <c:v>255</c:v>
+                </c:pt>
+                <c:pt idx="5">
+                  <c:v>255</c:v>
+                </c:pt>
+                <c:pt idx="6">
+                  <c:v>0</c:v>
+                </c:pt>
+                <c:pt idx="7">
+                  <c:v>100</c:v>
+                </c:pt>
+                <c:pt idx="8">
+                  <c:v>100</c:v>
+                </c:pt>
+                <c:pt idx="9">
+                  <c:v>0</c:v>
+                </c:pt>
+              </c:numCache>
+            </c:numRef>
+          </c:val>
+        </c:ser>
+        <c:ser>
+          <c:idx val="6"/>
+          <c:order val="6"/>
+          <c:val>
+            <c:numRef>
+              <c:f>Sheet1!$L$67:$U$67</c:f>
+              <c:numCache>
+                <c:formatCode>General</c:formatCode>
+                <c:ptCount val="10"/>
+                <c:pt idx="0">
+                  <c:v>0</c:v>
+                </c:pt>
+                <c:pt idx="1">
+                  <c:v>100</c:v>
+                </c:pt>
+                <c:pt idx="2">
+                  <c:v>100</c:v>
+                </c:pt>
+                <c:pt idx="3">
+                  <c:v>100</c:v>
+                </c:pt>
+                <c:pt idx="4">
+                  <c:v>0</c:v>
+                </c:pt>
+                <c:pt idx="5">
+                  <c:v>0</c:v>
+                </c:pt>
+                <c:pt idx="6">
+                  <c:v>100</c:v>
+                </c:pt>
+                <c:pt idx="7">
+                  <c:v>100</c:v>
+                </c:pt>
+                <c:pt idx="8">
+                  <c:v>100</c:v>
+                </c:pt>
+                <c:pt idx="9">
+                  <c:v>0</c:v>
+                </c:pt>
+              </c:numCache>
+            </c:numRef>
+          </c:val>
+        </c:ser>
+        <c:ser>
+          <c:idx val="7"/>
+          <c:order val="7"/>
+          <c:val>
+            <c:numRef>
+              <c:f>Sheet1!$L$68:$U$68</c:f>
+              <c:numCache>
+                <c:formatCode>General</c:formatCode>
+                <c:ptCount val="10"/>
+                <c:pt idx="0">
+                  <c:v>0</c:v>
+                </c:pt>
+                <c:pt idx="1">
+                  <c:v>100</c:v>
+                </c:pt>
+                <c:pt idx="2">
+                  <c:v>100</c:v>
+                </c:pt>
+                <c:pt idx="3">
+                  <c:v>100</c:v>
+                </c:pt>
+                <c:pt idx="4">
+                  <c:v>100</c:v>
+                </c:pt>
+                <c:pt idx="5">
+                  <c:v>100</c:v>
+                </c:pt>
+                <c:pt idx="6">
+                  <c:v>100</c:v>
+                </c:pt>
+                <c:pt idx="7">
+                  <c:v>100</c:v>
+                </c:pt>
+                <c:pt idx="8">
+                  <c:v>100</c:v>
+                </c:pt>
+                <c:pt idx="9">
+                  <c:v>0</c:v>
+                </c:pt>
+              </c:numCache>
+            </c:numRef>
+          </c:val>
+        </c:ser>
+        <c:ser>
+          <c:idx val="8"/>
+          <c:order val="8"/>
+          <c:val>
+            <c:numRef>
+              <c:f>Sheet1!$L$69:$U$69</c:f>
+              <c:numCache>
+                <c:formatCode>General</c:formatCode>
+                <c:ptCount val="10"/>
+                <c:pt idx="0">
+                  <c:v>0</c:v>
+                </c:pt>
+                <c:pt idx="1">
+                  <c:v>100</c:v>
+                </c:pt>
+                <c:pt idx="2">
+                  <c:v>100</c:v>
+                </c:pt>
+                <c:pt idx="3">
+                  <c:v>100</c:v>
+                </c:pt>
+                <c:pt idx="4">
+                  <c:v>100</c:v>
+                </c:pt>
+                <c:pt idx="5">
+                  <c:v>100</c:v>
+                </c:pt>
+                <c:pt idx="6">
+                  <c:v>100</c:v>
+                </c:pt>
+                <c:pt idx="7">
+                  <c:v>100</c:v>
+                </c:pt>
+                <c:pt idx="8">
+                  <c:v>100</c:v>
+                </c:pt>
+                <c:pt idx="9">
+                  <c:v>0</c:v>
+                </c:pt>
+              </c:numCache>
+            </c:numRef>
+          </c:val>
+        </c:ser>
+        <c:ser>
+          <c:idx val="9"/>
+          <c:order val="9"/>
+          <c:val>
+            <c:numRef>
+              <c:f>Sheet1!$L$70:$U$70</c:f>
+              <c:numCache>
+                <c:formatCode>General</c:formatCode>
+                <c:ptCount val="10"/>
+                <c:pt idx="0">
+                  <c:v>0</c:v>
+                </c:pt>
+                <c:pt idx="1">
+                  <c:v>0</c:v>
+                </c:pt>
+                <c:pt idx="2">
+                  <c:v>0</c:v>
+                </c:pt>
+                <c:pt idx="3">
+                  <c:v>0</c:v>
+                </c:pt>
+                <c:pt idx="4">
+                  <c:v>0</c:v>
+                </c:pt>
+                <c:pt idx="5">
+                  <c:v>0</c:v>
+                </c:pt>
+                <c:pt idx="6">
+                  <c:v>0</c:v>
+                </c:pt>
+                <c:pt idx="7">
+                  <c:v>0</c:v>
+                </c:pt>
+                <c:pt idx="8">
+                  <c:v>0</c:v>
+                </c:pt>
+                <c:pt idx="9">
+                  <c:v>0</c:v>
+                </c:pt>
+              </c:numCache>
+            </c:numRef>
+          </c:val>
+        </c:ser>
+        <c:bandFmts/>
+        <c:axId val="145504512"/>
+        <c:axId val="145507840"/>
+        <c:axId val="130020672"/>
+      </c:surface3DChart>
+      <c:catAx>
+        <c:axId val="145504512"/>
+        <c:scaling>
+          <c:orientation val="minMax"/>
+        </c:scaling>
+        <c:axPos val="b"/>
+        <c:tickLblPos val="nextTo"/>
+        <c:crossAx val="145507840"/>
+        <c:crosses val="autoZero"/>
+        <c:auto val="1"/>
+        <c:lblAlgn val="ctr"/>
+        <c:lblOffset val="100"/>
+      </c:catAx>
+      <c:valAx>
+        <c:axId val="145507840"/>
+        <c:scaling>
+          <c:orientation val="minMax"/>
+        </c:scaling>
+        <c:axPos val="l"/>
+        <c:majorGridlines/>
+        <c:numFmt formatCode="General" sourceLinked="1"/>
+        <c:tickLblPos val="nextTo"/>
+        <c:crossAx val="145504512"/>
+        <c:crosses val="autoZero"/>
+        <c:crossBetween val="midCat"/>
+      </c:valAx>
+      <c:serAx>
+        <c:axId val="130020672"/>
+        <c:scaling>
+          <c:orientation val="minMax"/>
+        </c:scaling>
+        <c:delete val="1"/>
+        <c:axPos val="b"/>
+        <c:tickLblPos val="none"/>
+        <c:crossAx val="145507840"/>
+        <c:crosses val="autoZero"/>
+      </c:serAx>
+    </c:plotArea>
+    <c:legend>
+      <c:legendPos val="r"/>
+      <c:layout/>
+      <c:txPr>
+        <a:bodyPr/>
+        <a:lstStyle/>
+        <a:p>
+          <a:pPr rtl="0">
+            <a:defRPr/>
+          </a:pPr>
+          <a:endParaRPr lang="ja-JP"/>
+        </a:p>
+      </c:txPr>
+    </c:legend>
+    <c:plotVisOnly val="1"/>
+    <c:dispBlanksAs val="zero"/>
+  </c:chart>
+  <c:spPr>
+    <a:gradFill>
+      <a:gsLst>
+        <a:gs pos="0">
+          <a:srgbClr val="5B9BD5">
+            <a:tint val="66000"/>
+            <a:satMod val="160000"/>
+          </a:srgbClr>
+        </a:gs>
+        <a:gs pos="50000">
+          <a:srgbClr val="5B9BD5">
+            <a:tint val="44500"/>
+            <a:satMod val="160000"/>
+          </a:srgbClr>
+        </a:gs>
+        <a:gs pos="100000">
+          <a:srgbClr val="5B9BD5">
+            <a:tint val="23500"/>
+            <a:satMod val="160000"/>
+          </a:srgbClr>
+        </a:gs>
+      </a:gsLst>
+      <a:lin ang="5400000" scaled="0"/>
+    </a:gradFill>
+  </c:spPr>
+  <c:externalData r:id="rId1"/>
+</c:chartSpace>
+</file>
+
+<file path=ppt/charts/chart12.xml><?xml version="1.0" encoding="utf-8"?>
+<c:chartSpace xmlns:c="http://schemas.openxmlformats.org/drawingml/2006/chart" xmlns:a="http://schemas.openxmlformats.org/drawingml/2006/main" xmlns:r="http://schemas.openxmlformats.org/officeDocument/2006/relationships">
+  <c:lang val="ja-JP"/>
+  <c:chart>
     <c:view3D>
       <c:rotX val="50"/>
       <c:rotY val="0"/>
@@ -5070,17 +6136,16 @@
 <c:chartSpace xmlns:c="http://schemas.openxmlformats.org/drawingml/2006/chart" xmlns:a="http://schemas.openxmlformats.org/drawingml/2006/main" xmlns:r="http://schemas.openxmlformats.org/officeDocument/2006/relationships">
   <c:lang val="ja-JP"/>
   <c:chart>
-    <c:view3D>
-      <c:rotX val="50"/>
-      <c:rotY val="0"/>
-      <c:perspective val="30"/>
-    </c:view3D>
     <c:plotArea>
       <c:layout/>
-      <c:surface3DChart>
+      <c:lineChart>
+        <c:grouping val="standard"/>
         <c:ser>
           <c:idx val="0"/>
           <c:order val="0"/>
+          <c:marker>
+            <c:symbol val="none"/>
+          </c:marker>
           <c:val>
             <c:numRef>
               <c:f>Sheet1!$L$61:$U$61</c:f>
@@ -5124,6 +6189,9 @@
         <c:ser>
           <c:idx val="1"/>
           <c:order val="1"/>
+          <c:marker>
+            <c:symbol val="none"/>
+          </c:marker>
           <c:val>
             <c:numRef>
               <c:f>Sheet1!$L$62:$U$62</c:f>
@@ -5167,6 +6235,9 @@
         <c:ser>
           <c:idx val="2"/>
           <c:order val="2"/>
+          <c:marker>
+            <c:symbol val="none"/>
+          </c:marker>
           <c:val>
             <c:numRef>
               <c:f>Sheet1!$L$63:$U$63</c:f>
@@ -5210,6 +6281,9 @@
         <c:ser>
           <c:idx val="3"/>
           <c:order val="3"/>
+          <c:marker>
+            <c:symbol val="none"/>
+          </c:marker>
           <c:val>
             <c:numRef>
               <c:f>Sheet1!$L$64:$U$64</c:f>
@@ -5253,6 +6327,9 @@
         <c:ser>
           <c:idx val="4"/>
           <c:order val="4"/>
+          <c:marker>
+            <c:symbol val="none"/>
+          </c:marker>
           <c:val>
             <c:numRef>
               <c:f>Sheet1!$L$65:$U$65</c:f>
@@ -5296,6 +6373,9 @@
         <c:ser>
           <c:idx val="5"/>
           <c:order val="5"/>
+          <c:marker>
+            <c:symbol val="none"/>
+          </c:marker>
           <c:val>
             <c:numRef>
               <c:f>Sheet1!$L$66:$U$66</c:f>
@@ -5339,6 +6419,9 @@
         <c:ser>
           <c:idx val="6"/>
           <c:order val="6"/>
+          <c:marker>
+            <c:symbol val="none"/>
+          </c:marker>
           <c:val>
             <c:numRef>
               <c:f>Sheet1!$L$67:$U$67</c:f>
@@ -5382,6 +6465,9 @@
         <c:ser>
           <c:idx val="7"/>
           <c:order val="7"/>
+          <c:marker>
+            <c:symbol val="none"/>
+          </c:marker>
           <c:val>
             <c:numRef>
               <c:f>Sheet1!$L$68:$U$68</c:f>
@@ -5425,6 +6511,9 @@
         <c:ser>
           <c:idx val="8"/>
           <c:order val="8"/>
+          <c:marker>
+            <c:symbol val="none"/>
+          </c:marker>
           <c:val>
             <c:numRef>
               <c:f>Sheet1!$L$69:$U$69</c:f>
@@ -5468,6 +6557,9 @@
         <c:ser>
           <c:idx val="9"/>
           <c:order val="9"/>
+          <c:marker>
+            <c:symbol val="none"/>
+          </c:marker>
           <c:val>
             <c:numRef>
               <c:f>Sheet1!$L$70:$U$70</c:f>
@@ -5508,26 +6600,25 @@
             </c:numRef>
           </c:val>
         </c:ser>
-        <c:bandFmts/>
-        <c:axId val="145504512"/>
-        <c:axId val="145507840"/>
-        <c:axId val="130020672"/>
-      </c:surface3DChart>
+        <c:marker val="1"/>
+        <c:axId val="129663360"/>
+        <c:axId val="129665280"/>
+      </c:lineChart>
       <c:catAx>
-        <c:axId val="145504512"/>
+        <c:axId val="129663360"/>
         <c:scaling>
           <c:orientation val="minMax"/>
         </c:scaling>
         <c:axPos val="b"/>
         <c:tickLblPos val="nextTo"/>
-        <c:crossAx val="145507840"/>
+        <c:crossAx val="129665280"/>
         <c:crosses val="autoZero"/>
         <c:auto val="1"/>
         <c:lblAlgn val="ctr"/>
         <c:lblOffset val="100"/>
       </c:catAx>
       <c:valAx>
-        <c:axId val="145507840"/>
+        <c:axId val="129665280"/>
         <c:scaling>
           <c:orientation val="minMax"/>
         </c:scaling>
@@ -5535,36 +6626,11 @@
         <c:majorGridlines/>
         <c:numFmt formatCode="General" sourceLinked="1"/>
         <c:tickLblPos val="nextTo"/>
-        <c:crossAx val="145504512"/>
+        <c:crossAx val="129663360"/>
         <c:crosses val="autoZero"/>
-        <c:crossBetween val="midCat"/>
+        <c:crossBetween val="between"/>
       </c:valAx>
-      <c:serAx>
-        <c:axId val="130020672"/>
-        <c:scaling>
-          <c:orientation val="minMax"/>
-        </c:scaling>
-        <c:delete val="1"/>
-        <c:axPos val="b"/>
-        <c:tickLblPos val="none"/>
-        <c:crossAx val="145507840"/>
-        <c:crosses val="autoZero"/>
-      </c:serAx>
     </c:plotArea>
-    <c:legend>
-      <c:legendPos val="r"/>
-      <c:layout/>
-      <c:txPr>
-        <a:bodyPr/>
-        <a:lstStyle/>
-        <a:p>
-          <a:pPr rtl="0">
-            <a:defRPr/>
-          </a:pPr>
-          <a:endParaRPr lang="ja-JP"/>
-        </a:p>
-      </c:txPr>
-    </c:legend>
     <c:plotVisOnly val="1"/>
     <c:dispBlanksAs val="zero"/>
   </c:chart>
@@ -7004,6 +8070,110 @@
   <p:cSld>
     <p:spTree>
       <p:nvGrpSpPr>
+        <p:cNvPr id="1" name="Shape 121"/>
+        <p:cNvGrpSpPr/>
+        <p:nvPr/>
+      </p:nvGrpSpPr>
+      <p:grpSpPr>
+        <a:xfrm>
+          <a:off x="0" y="0"/>
+          <a:ext cx="0" cy="0"/>
+          <a:chOff x="0" y="0"/>
+          <a:chExt cx="0" cy="0"/>
+        </a:xfrm>
+      </p:grpSpPr>
+      <p:sp>
+        <p:nvSpPr>
+          <p:cNvPr id="122" name="Google Shape;122;p6:notes"/>
+          <p:cNvSpPr txBox="1">
+            <a:spLocks noGrp="1"/>
+          </p:cNvSpPr>
+          <p:nvPr>
+            <p:ph type="body" idx="1"/>
+          </p:nvPr>
+        </p:nvSpPr>
+        <p:spPr>
+          <a:xfrm>
+            <a:off x="685800" y="4343400"/>
+            <a:ext cx="5486400" cy="4114800"/>
+          </a:xfrm>
+          <a:prstGeom prst="rect">
+            <a:avLst/>
+          </a:prstGeom>
+        </p:spPr>
+        <p:txBody>
+          <a:bodyPr spcFirstLastPara="1" wrap="square" lIns="91425" tIns="45700" rIns="91425" bIns="45700" anchor="t" anchorCtr="0">
+            <a:noAutofit/>
+          </a:bodyPr>
+          <a:lstStyle/>
+          <a:p>
+            <a:pPr marL="0" lvl="0" indent="0" algn="l" rtl="0">
+              <a:spcBef>
+                <a:spcPts val="0"/>
+              </a:spcBef>
+              <a:spcAft>
+                <a:spcPts val="0"/>
+              </a:spcAft>
+              <a:buNone/>
+            </a:pPr>
+            <a:endParaRPr/>
+          </a:p>
+        </p:txBody>
+      </p:sp>
+      <p:sp>
+        <p:nvSpPr>
+          <p:cNvPr id="123" name="Google Shape;123;p6:notes"/>
+          <p:cNvSpPr>
+            <a:spLocks noGrp="1" noRot="1" noChangeAspect="1"/>
+          </p:cNvSpPr>
+          <p:nvPr>
+            <p:ph type="sldImg" idx="2"/>
+          </p:nvPr>
+        </p:nvSpPr>
+        <p:spPr>
+          <a:xfrm>
+            <a:off x="1143000" y="685800"/>
+            <a:ext cx="4572000" cy="3429000"/>
+          </a:xfrm>
+          <a:custGeom>
+            <a:avLst/>
+            <a:gdLst/>
+            <a:ahLst/>
+            <a:cxnLst/>
+            <a:rect l="l" t="t" r="r" b="b"/>
+            <a:pathLst>
+              <a:path w="120000" h="120000" extrusionOk="0">
+                <a:moveTo>
+                  <a:pt x="0" y="0"/>
+                </a:moveTo>
+                <a:lnTo>
+                  <a:pt x="120000" y="0"/>
+                </a:lnTo>
+                <a:lnTo>
+                  <a:pt x="120000" y="120000"/>
+                </a:lnTo>
+                <a:lnTo>
+                  <a:pt x="0" y="120000"/>
+                </a:lnTo>
+                <a:close/>
+              </a:path>
+            </a:pathLst>
+          </a:custGeom>
+        </p:spPr>
+      </p:sp>
+    </p:spTree>
+  </p:cSld>
+  <p:clrMapOvr>
+    <a:masterClrMapping/>
+  </p:clrMapOvr>
+</p:notes>
+</file>
+
+<file path=ppt/notesSlides/notesSlide12.xml><?xml version="1.0" encoding="utf-8"?>
+<p:notes xmlns:a="http://schemas.openxmlformats.org/drawingml/2006/main" xmlns:r="http://schemas.openxmlformats.org/officeDocument/2006/relationships" xmlns:p="http://schemas.openxmlformats.org/presentationml/2006/main" showMasterSp="0" showMasterPhAnim="0">
+  <p:cSld>
+    <p:spTree>
+      <p:nvGrpSpPr>
         <p:cNvPr id="1" name="Shape 129"/>
         <p:cNvGrpSpPr/>
         <p:nvPr/>
@@ -7103,7 +8273,7 @@
 </p:notes>
 </file>
 
-<file path=ppt/notesSlides/notesSlide12.xml><?xml version="1.0" encoding="utf-8"?>
+<file path=ppt/notesSlides/notesSlide13.xml><?xml version="1.0" encoding="utf-8"?>
 <p:notes xmlns:a="http://schemas.openxmlformats.org/drawingml/2006/main" xmlns:r="http://schemas.openxmlformats.org/officeDocument/2006/relationships" xmlns:p="http://schemas.openxmlformats.org/presentationml/2006/main" showMasterSp="0" showMasterPhAnim="0">
   <p:cSld>
     <p:spTree>
@@ -7207,7 +8377,111 @@
 </p:notes>
 </file>
 
-<file path=ppt/notesSlides/notesSlide13.xml><?xml version="1.0" encoding="utf-8"?>
+<file path=ppt/notesSlides/notesSlide14.xml><?xml version="1.0" encoding="utf-8"?>
+<p:notes xmlns:a="http://schemas.openxmlformats.org/drawingml/2006/main" xmlns:r="http://schemas.openxmlformats.org/officeDocument/2006/relationships" xmlns:p="http://schemas.openxmlformats.org/presentationml/2006/main" showMasterSp="0" showMasterPhAnim="0">
+  <p:cSld>
+    <p:spTree>
+      <p:nvGrpSpPr>
+        <p:cNvPr id="1" name="Shape 137"/>
+        <p:cNvGrpSpPr/>
+        <p:nvPr/>
+      </p:nvGrpSpPr>
+      <p:grpSpPr>
+        <a:xfrm>
+          <a:off x="0" y="0"/>
+          <a:ext cx="0" cy="0"/>
+          <a:chOff x="0" y="0"/>
+          <a:chExt cx="0" cy="0"/>
+        </a:xfrm>
+      </p:grpSpPr>
+      <p:sp>
+        <p:nvSpPr>
+          <p:cNvPr id="138" name="Google Shape;138;p8:notes"/>
+          <p:cNvSpPr txBox="1">
+            <a:spLocks noGrp="1"/>
+          </p:cNvSpPr>
+          <p:nvPr>
+            <p:ph type="body" idx="1"/>
+          </p:nvPr>
+        </p:nvSpPr>
+        <p:spPr>
+          <a:xfrm>
+            <a:off x="685800" y="4343400"/>
+            <a:ext cx="5486400" cy="4114800"/>
+          </a:xfrm>
+          <a:prstGeom prst="rect">
+            <a:avLst/>
+          </a:prstGeom>
+        </p:spPr>
+        <p:txBody>
+          <a:bodyPr spcFirstLastPara="1" wrap="square" lIns="91425" tIns="45700" rIns="91425" bIns="45700" anchor="t" anchorCtr="0">
+            <a:noAutofit/>
+          </a:bodyPr>
+          <a:lstStyle/>
+          <a:p>
+            <a:pPr marL="0" lvl="0" indent="0" algn="l" rtl="0">
+              <a:spcBef>
+                <a:spcPts val="0"/>
+              </a:spcBef>
+              <a:spcAft>
+                <a:spcPts val="0"/>
+              </a:spcAft>
+              <a:buNone/>
+            </a:pPr>
+            <a:endParaRPr/>
+          </a:p>
+        </p:txBody>
+      </p:sp>
+      <p:sp>
+        <p:nvSpPr>
+          <p:cNvPr id="139" name="Google Shape;139;p8:notes"/>
+          <p:cNvSpPr>
+            <a:spLocks noGrp="1" noRot="1" noChangeAspect="1"/>
+          </p:cNvSpPr>
+          <p:nvPr>
+            <p:ph type="sldImg" idx="2"/>
+          </p:nvPr>
+        </p:nvSpPr>
+        <p:spPr>
+          <a:xfrm>
+            <a:off x="1143000" y="685800"/>
+            <a:ext cx="4572000" cy="3429000"/>
+          </a:xfrm>
+          <a:custGeom>
+            <a:avLst/>
+            <a:gdLst/>
+            <a:ahLst/>
+            <a:cxnLst/>
+            <a:rect l="l" t="t" r="r" b="b"/>
+            <a:pathLst>
+              <a:path w="120000" h="120000" extrusionOk="0">
+                <a:moveTo>
+                  <a:pt x="0" y="0"/>
+                </a:moveTo>
+                <a:lnTo>
+                  <a:pt x="120000" y="0"/>
+                </a:lnTo>
+                <a:lnTo>
+                  <a:pt x="120000" y="120000"/>
+                </a:lnTo>
+                <a:lnTo>
+                  <a:pt x="0" y="120000"/>
+                </a:lnTo>
+                <a:close/>
+              </a:path>
+            </a:pathLst>
+          </a:custGeom>
+        </p:spPr>
+      </p:sp>
+    </p:spTree>
+  </p:cSld>
+  <p:clrMapOvr>
+    <a:masterClrMapping/>
+  </p:clrMapOvr>
+</p:notes>
+</file>
+
+<file path=ppt/notesSlides/notesSlide15.xml><?xml version="1.0" encoding="utf-8"?>
 <p:notes xmlns:a="http://schemas.openxmlformats.org/drawingml/2006/main" xmlns:r="http://schemas.openxmlformats.org/officeDocument/2006/relationships" xmlns:p="http://schemas.openxmlformats.org/presentationml/2006/main" showMasterSp="0" showMasterPhAnim="0">
   <p:cSld>
     <p:spTree>
@@ -7311,7 +8585,7 @@
 </p:notes>
 </file>
 
-<file path=ppt/notesSlides/notesSlide14.xml><?xml version="1.0" encoding="utf-8"?>
+<file path=ppt/notesSlides/notesSlide16.xml><?xml version="1.0" encoding="utf-8"?>
 <p:notes xmlns:a="http://schemas.openxmlformats.org/drawingml/2006/main" xmlns:r="http://schemas.openxmlformats.org/officeDocument/2006/relationships" xmlns:p="http://schemas.openxmlformats.org/presentationml/2006/main" showMasterSp="0" showMasterPhAnim="0">
   <p:cSld>
     <p:spTree>
@@ -7415,7 +8689,7 @@
 </p:notes>
 </file>
 
-<file path=ppt/notesSlides/notesSlide15.xml><?xml version="1.0" encoding="utf-8"?>
+<file path=ppt/notesSlides/notesSlide17.xml><?xml version="1.0" encoding="utf-8"?>
 <p:notes xmlns:a="http://schemas.openxmlformats.org/drawingml/2006/main" xmlns:r="http://schemas.openxmlformats.org/officeDocument/2006/relationships" xmlns:p="http://schemas.openxmlformats.org/presentationml/2006/main" showMasterSp="0" showMasterPhAnim="0">
   <p:cSld>
     <p:spTree>
@@ -7519,7 +8793,7 @@
 </p:notes>
 </file>
 
-<file path=ppt/notesSlides/notesSlide16.xml><?xml version="1.0" encoding="utf-8"?>
+<file path=ppt/notesSlides/notesSlide18.xml><?xml version="1.0" encoding="utf-8"?>
 <p:notes xmlns:a="http://schemas.openxmlformats.org/drawingml/2006/main" xmlns:r="http://schemas.openxmlformats.org/officeDocument/2006/relationships" xmlns:p="http://schemas.openxmlformats.org/presentationml/2006/main" showMasterSp="0" showMasterPhAnim="0">
   <p:cSld>
     <p:spTree>
@@ -7623,12 +8897,12 @@
 </p:notes>
 </file>
 
-<file path=ppt/notesSlides/notesSlide17.xml><?xml version="1.0" encoding="utf-8"?>
+<file path=ppt/notesSlides/notesSlide19.xml><?xml version="1.0" encoding="utf-8"?>
 <p:notes xmlns:a="http://schemas.openxmlformats.org/drawingml/2006/main" xmlns:r="http://schemas.openxmlformats.org/officeDocument/2006/relationships" xmlns:p="http://schemas.openxmlformats.org/presentationml/2006/main" showMasterSp="0" showMasterPhAnim="0">
   <p:cSld>
     <p:spTree>
       <p:nvGrpSpPr>
-        <p:cNvPr id="1" name="Shape 104"/>
+        <p:cNvPr id="1" name="Shape 160"/>
         <p:cNvGrpSpPr/>
         <p:nvPr/>
       </p:nvGrpSpPr>
@@ -7642,7 +8916,7 @@
       </p:grpSpPr>
       <p:sp>
         <p:nvSpPr>
-          <p:cNvPr id="105" name="Google Shape;105;p5:notes"/>
+          <p:cNvPr id="161" name="Google Shape;161;p11:notes"/>
           <p:cNvSpPr txBox="1">
             <a:spLocks noGrp="1"/>
           </p:cNvSpPr>
@@ -7660,7 +8934,7 @@
           </a:prstGeom>
         </p:spPr>
         <p:txBody>
-          <a:bodyPr spcFirstLastPara="1" wrap="square" lIns="91425" tIns="91425" rIns="91425" bIns="91425" anchor="t" anchorCtr="0">
+          <a:bodyPr spcFirstLastPara="1" wrap="square" lIns="91425" tIns="45700" rIns="91425" bIns="45700" anchor="t" anchorCtr="0">
             <a:noAutofit/>
           </a:bodyPr>
           <a:lstStyle/>
@@ -7680,7 +8954,7 @@
       </p:sp>
       <p:sp>
         <p:nvSpPr>
-          <p:cNvPr id="106" name="Google Shape;106;p5:notes"/>
+          <p:cNvPr id="162" name="Google Shape;162;p11:notes"/>
           <p:cNvSpPr>
             <a:spLocks noGrp="1" noRot="1" noChangeAspect="1"/>
           </p:cNvSpPr>
@@ -7690,8 +8964,8 @@
         </p:nvSpPr>
         <p:spPr>
           <a:xfrm>
-            <a:off x="1714753" y="685800"/>
-            <a:ext cx="3429300" cy="3429000"/>
+            <a:off x="1143000" y="685800"/>
+            <a:ext cx="4572000" cy="3429000"/>
           </a:xfrm>
           <a:custGeom>
             <a:avLst/>
@@ -7785,6 +9059,214 @@
       <p:sp>
         <p:nvSpPr>
           <p:cNvPr id="88" name="Google Shape;88;p2:notes"/>
+          <p:cNvSpPr>
+            <a:spLocks noGrp="1" noRot="1" noChangeAspect="1"/>
+          </p:cNvSpPr>
+          <p:nvPr>
+            <p:ph type="sldImg" idx="2"/>
+          </p:nvPr>
+        </p:nvSpPr>
+        <p:spPr>
+          <a:xfrm>
+            <a:off x="1714753" y="685800"/>
+            <a:ext cx="3429300" cy="3429000"/>
+          </a:xfrm>
+          <a:custGeom>
+            <a:avLst/>
+            <a:gdLst/>
+            <a:ahLst/>
+            <a:cxnLst/>
+            <a:rect l="l" t="t" r="r" b="b"/>
+            <a:pathLst>
+              <a:path w="120000" h="120000" extrusionOk="0">
+                <a:moveTo>
+                  <a:pt x="0" y="0"/>
+                </a:moveTo>
+                <a:lnTo>
+                  <a:pt x="120000" y="0"/>
+                </a:lnTo>
+                <a:lnTo>
+                  <a:pt x="120000" y="120000"/>
+                </a:lnTo>
+                <a:lnTo>
+                  <a:pt x="0" y="120000"/>
+                </a:lnTo>
+                <a:close/>
+              </a:path>
+            </a:pathLst>
+          </a:custGeom>
+        </p:spPr>
+      </p:sp>
+    </p:spTree>
+  </p:cSld>
+  <p:clrMapOvr>
+    <a:masterClrMapping/>
+  </p:clrMapOvr>
+</p:notes>
+</file>
+
+<file path=ppt/notesSlides/notesSlide20.xml><?xml version="1.0" encoding="utf-8"?>
+<p:notes xmlns:a="http://schemas.openxmlformats.org/drawingml/2006/main" xmlns:r="http://schemas.openxmlformats.org/officeDocument/2006/relationships" xmlns:p="http://schemas.openxmlformats.org/presentationml/2006/main" showMasterSp="0" showMasterPhAnim="0">
+  <p:cSld>
+    <p:spTree>
+      <p:nvGrpSpPr>
+        <p:cNvPr id="1" name="Shape 160"/>
+        <p:cNvGrpSpPr/>
+        <p:nvPr/>
+      </p:nvGrpSpPr>
+      <p:grpSpPr>
+        <a:xfrm>
+          <a:off x="0" y="0"/>
+          <a:ext cx="0" cy="0"/>
+          <a:chOff x="0" y="0"/>
+          <a:chExt cx="0" cy="0"/>
+        </a:xfrm>
+      </p:grpSpPr>
+      <p:sp>
+        <p:nvSpPr>
+          <p:cNvPr id="161" name="Google Shape;161;p11:notes"/>
+          <p:cNvSpPr txBox="1">
+            <a:spLocks noGrp="1"/>
+          </p:cNvSpPr>
+          <p:nvPr>
+            <p:ph type="body" idx="1"/>
+          </p:nvPr>
+        </p:nvSpPr>
+        <p:spPr>
+          <a:xfrm>
+            <a:off x="685800" y="4343400"/>
+            <a:ext cx="5486400" cy="4114800"/>
+          </a:xfrm>
+          <a:prstGeom prst="rect">
+            <a:avLst/>
+          </a:prstGeom>
+        </p:spPr>
+        <p:txBody>
+          <a:bodyPr spcFirstLastPara="1" wrap="square" lIns="91425" tIns="45700" rIns="91425" bIns="45700" anchor="t" anchorCtr="0">
+            <a:noAutofit/>
+          </a:bodyPr>
+          <a:lstStyle/>
+          <a:p>
+            <a:pPr marL="0" lvl="0" indent="0" algn="l" rtl="0">
+              <a:spcBef>
+                <a:spcPts val="0"/>
+              </a:spcBef>
+              <a:spcAft>
+                <a:spcPts val="0"/>
+              </a:spcAft>
+              <a:buNone/>
+            </a:pPr>
+            <a:endParaRPr/>
+          </a:p>
+        </p:txBody>
+      </p:sp>
+      <p:sp>
+        <p:nvSpPr>
+          <p:cNvPr id="162" name="Google Shape;162;p11:notes"/>
+          <p:cNvSpPr>
+            <a:spLocks noGrp="1" noRot="1" noChangeAspect="1"/>
+          </p:cNvSpPr>
+          <p:nvPr>
+            <p:ph type="sldImg" idx="2"/>
+          </p:nvPr>
+        </p:nvSpPr>
+        <p:spPr>
+          <a:xfrm>
+            <a:off x="1143000" y="685800"/>
+            <a:ext cx="4572000" cy="3429000"/>
+          </a:xfrm>
+          <a:custGeom>
+            <a:avLst/>
+            <a:gdLst/>
+            <a:ahLst/>
+            <a:cxnLst/>
+            <a:rect l="l" t="t" r="r" b="b"/>
+            <a:pathLst>
+              <a:path w="120000" h="120000" extrusionOk="0">
+                <a:moveTo>
+                  <a:pt x="0" y="0"/>
+                </a:moveTo>
+                <a:lnTo>
+                  <a:pt x="120000" y="0"/>
+                </a:lnTo>
+                <a:lnTo>
+                  <a:pt x="120000" y="120000"/>
+                </a:lnTo>
+                <a:lnTo>
+                  <a:pt x="0" y="120000"/>
+                </a:lnTo>
+                <a:close/>
+              </a:path>
+            </a:pathLst>
+          </a:custGeom>
+        </p:spPr>
+      </p:sp>
+    </p:spTree>
+  </p:cSld>
+  <p:clrMapOvr>
+    <a:masterClrMapping/>
+  </p:clrMapOvr>
+</p:notes>
+</file>
+
+<file path=ppt/notesSlides/notesSlide21.xml><?xml version="1.0" encoding="utf-8"?>
+<p:notes xmlns:a="http://schemas.openxmlformats.org/drawingml/2006/main" xmlns:r="http://schemas.openxmlformats.org/officeDocument/2006/relationships" xmlns:p="http://schemas.openxmlformats.org/presentationml/2006/main" showMasterSp="0" showMasterPhAnim="0">
+  <p:cSld>
+    <p:spTree>
+      <p:nvGrpSpPr>
+        <p:cNvPr id="1" name="Shape 104"/>
+        <p:cNvGrpSpPr/>
+        <p:nvPr/>
+      </p:nvGrpSpPr>
+      <p:grpSpPr>
+        <a:xfrm>
+          <a:off x="0" y="0"/>
+          <a:ext cx="0" cy="0"/>
+          <a:chOff x="0" y="0"/>
+          <a:chExt cx="0" cy="0"/>
+        </a:xfrm>
+      </p:grpSpPr>
+      <p:sp>
+        <p:nvSpPr>
+          <p:cNvPr id="105" name="Google Shape;105;p5:notes"/>
+          <p:cNvSpPr txBox="1">
+            <a:spLocks noGrp="1"/>
+          </p:cNvSpPr>
+          <p:nvPr>
+            <p:ph type="body" idx="1"/>
+          </p:nvPr>
+        </p:nvSpPr>
+        <p:spPr>
+          <a:xfrm>
+            <a:off x="685800" y="4343400"/>
+            <a:ext cx="5486400" cy="4114800"/>
+          </a:xfrm>
+          <a:prstGeom prst="rect">
+            <a:avLst/>
+          </a:prstGeom>
+        </p:spPr>
+        <p:txBody>
+          <a:bodyPr spcFirstLastPara="1" wrap="square" lIns="91425" tIns="91425" rIns="91425" bIns="91425" anchor="t" anchorCtr="0">
+            <a:noAutofit/>
+          </a:bodyPr>
+          <a:lstStyle/>
+          <a:p>
+            <a:pPr marL="0" lvl="0" indent="0" algn="l" rtl="0">
+              <a:spcBef>
+                <a:spcPts val="0"/>
+              </a:spcBef>
+              <a:spcAft>
+                <a:spcPts val="0"/>
+              </a:spcAft>
+              <a:buNone/>
+            </a:pPr>
+            <a:endParaRPr/>
+          </a:p>
+        </p:txBody>
+      </p:sp>
+      <p:sp>
+        <p:nvSpPr>
+          <p:cNvPr id="106" name="Google Shape;106;p5:notes"/>
           <p:cNvSpPr>
             <a:spLocks noGrp="1" noRot="1" noChangeAspect="1"/>
           </p:cNvSpPr>
@@ -19456,6 +20938,211 @@
   <p:cSld>
     <p:spTree>
       <p:nvGrpSpPr>
+        <p:cNvPr id="1" name="Shape 124"/>
+        <p:cNvGrpSpPr/>
+        <p:nvPr/>
+      </p:nvGrpSpPr>
+      <p:grpSpPr>
+        <a:xfrm>
+          <a:off x="0" y="0"/>
+          <a:ext cx="0" cy="0"/>
+          <a:chOff x="0" y="0"/>
+          <a:chExt cx="0" cy="0"/>
+        </a:xfrm>
+      </p:grpSpPr>
+      <p:sp>
+        <p:nvSpPr>
+          <p:cNvPr id="125" name="Google Shape;125;p18"/>
+          <p:cNvSpPr txBox="1">
+            <a:spLocks noGrp="1"/>
+          </p:cNvSpPr>
+          <p:nvPr>
+            <p:ph type="title"/>
+          </p:nvPr>
+        </p:nvSpPr>
+        <p:spPr>
+          <a:xfrm>
+            <a:off x="628650" y="365127"/>
+            <a:ext cx="7886700" cy="1325700"/>
+          </a:xfrm>
+          <a:prstGeom prst="rect">
+            <a:avLst/>
+          </a:prstGeom>
+          <a:noFill/>
+          <a:ln>
+            <a:noFill/>
+          </a:ln>
+        </p:spPr>
+        <p:txBody>
+          <a:bodyPr spcFirstLastPara="1" wrap="square" lIns="91425" tIns="45700" rIns="91425" bIns="45700" anchor="ctr" anchorCtr="0">
+            <a:noAutofit/>
+          </a:bodyPr>
+          <a:lstStyle/>
+          <a:p>
+            <a:pPr marL="0" lvl="0" indent="0" algn="l" rtl="0">
+              <a:lnSpc>
+                <a:spcPct val="90000"/>
+              </a:lnSpc>
+              <a:spcBef>
+                <a:spcPts val="0"/>
+              </a:spcBef>
+              <a:spcAft>
+                <a:spcPts val="0"/>
+              </a:spcAft>
+              <a:buClr>
+                <a:schemeClr val="dk1"/>
+              </a:buClr>
+              <a:buSzPts val="4400"/>
+              <a:buFont typeface="MS PGothic"/>
+              <a:buNone/>
+            </a:pPr>
+            <a:r>
+              <a:rPr lang="ja-JP">
+                <a:latin typeface="MS PGothic"/>
+                <a:ea typeface="MS PGothic"/>
+                <a:cs typeface="MS PGothic"/>
+                <a:sym typeface="MS PGothic"/>
+              </a:rPr>
+              <a:t>実行結果（Prewittのオペレータ）</a:t>
+            </a:r>
+            <a:endParaRPr>
+              <a:latin typeface="MS PGothic"/>
+              <a:ea typeface="MS PGothic"/>
+              <a:cs typeface="MS PGothic"/>
+              <a:sym typeface="MS PGothic"/>
+            </a:endParaRPr>
+          </a:p>
+        </p:txBody>
+      </p:sp>
+      <p:pic>
+        <p:nvPicPr>
+          <p:cNvPr id="126" name="Google Shape;126;p18"/>
+          <p:cNvPicPr preferRelativeResize="0">
+            <a:picLocks noGrp="1" noChangeAspect="1"/>
+          </p:cNvPicPr>
+          <p:nvPr>
+            <p:ph type="body" idx="1"/>
+          </p:nvPr>
+        </p:nvPicPr>
+        <p:blipFill>
+          <a:blip r:embed="rId3"/>
+          <a:stretch>
+            <a:fillRect/>
+          </a:stretch>
+        </p:blipFill>
+        <p:spPr>
+          <a:xfrm>
+            <a:off x="704808" y="2161768"/>
+            <a:ext cx="3600000" cy="3600000"/>
+          </a:xfrm>
+          <a:prstGeom prst="rect">
+            <a:avLst/>
+          </a:prstGeom>
+          <a:noFill/>
+          <a:ln>
+            <a:solidFill>
+              <a:srgbClr val="5B9BD5"/>
+            </a:solidFill>
+          </a:ln>
+        </p:spPr>
+      </p:pic>
+      <p:sp>
+        <p:nvSpPr>
+          <p:cNvPr id="128" name="Google Shape;128;p18"/>
+          <p:cNvSpPr txBox="1">
+            <a:spLocks noGrp="1"/>
+          </p:cNvSpPr>
+          <p:nvPr>
+            <p:ph type="sldNum" idx="12"/>
+          </p:nvPr>
+        </p:nvSpPr>
+        <p:spPr>
+          <a:xfrm>
+            <a:off x="6457951" y="6356352"/>
+            <a:ext cx="2057400" cy="365100"/>
+          </a:xfrm>
+          <a:prstGeom prst="rect">
+            <a:avLst/>
+          </a:prstGeom>
+          <a:noFill/>
+          <a:ln>
+            <a:noFill/>
+          </a:ln>
+        </p:spPr>
+        <p:txBody>
+          <a:bodyPr spcFirstLastPara="1" wrap="square" lIns="91425" tIns="45700" rIns="91425" bIns="45700" anchor="ctr" anchorCtr="0">
+            <a:noAutofit/>
+          </a:bodyPr>
+          <a:lstStyle/>
+          <a:p>
+            <a:pPr marL="0" lvl="0" indent="0" algn="r" rtl="0">
+              <a:spcBef>
+                <a:spcPts val="0"/>
+              </a:spcBef>
+              <a:spcAft>
+                <a:spcPts val="0"/>
+              </a:spcAft>
+              <a:buNone/>
+            </a:pPr>
+            <a:fld id="{00000000-1234-1234-1234-123412341234}" type="slidenum">
+              <a:rPr lang="en-US" altLang="ja-JP"/>
+              <a:pPr marL="0" lvl="0" indent="0" algn="r" rtl="0">
+                <a:spcBef>
+                  <a:spcPts val="0"/>
+                </a:spcBef>
+                <a:spcAft>
+                  <a:spcPts val="0"/>
+                </a:spcAft>
+                <a:buNone/>
+              </a:pPr>
+              <a:t>11</a:t>
+            </a:fld>
+            <a:endParaRPr/>
+          </a:p>
+        </p:txBody>
+      </p:sp>
+      <p:pic>
+        <p:nvPicPr>
+          <p:cNvPr id="6" name="図 5" descr="prewitt.jpg"/>
+          <p:cNvPicPr>
+            <a:picLocks noChangeAspect="1"/>
+          </p:cNvPicPr>
+          <p:nvPr/>
+        </p:nvPicPr>
+        <p:blipFill>
+          <a:blip r:embed="rId4"/>
+          <a:stretch>
+            <a:fillRect/>
+          </a:stretch>
+        </p:blipFill>
+        <p:spPr>
+          <a:xfrm>
+            <a:off x="4619848" y="2157006"/>
+            <a:ext cx="3600000" cy="3600000"/>
+          </a:xfrm>
+          <a:prstGeom prst="rect">
+            <a:avLst/>
+          </a:prstGeom>
+          <a:ln>
+            <a:solidFill>
+              <a:srgbClr val="5B9BD5"/>
+            </a:solidFill>
+          </a:ln>
+        </p:spPr>
+      </p:pic>
+    </p:spTree>
+  </p:cSld>
+  <p:clrMapOvr>
+    <a:masterClrMapping/>
+  </p:clrMapOvr>
+</p:sld>
+</file>
+
+<file path=ppt/slides/slide12.xml><?xml version="1.0" encoding="utf-8"?>
+<p:sld xmlns:a="http://schemas.openxmlformats.org/drawingml/2006/main" xmlns:r="http://schemas.openxmlformats.org/officeDocument/2006/relationships" xmlns:p="http://schemas.openxmlformats.org/presentationml/2006/main">
+  <p:cSld>
+    <p:spTree>
+      <p:nvGrpSpPr>
         <p:cNvPr id="1" name="Shape 132"/>
         <p:cNvGrpSpPr/>
         <p:nvPr/>
@@ -19581,7 +21268,7 @@
                 </a:spcAft>
                 <a:buNone/>
               </a:pPr>
-              <a:t>11</a:t>
+              <a:t>12</a:t>
             </a:fld>
             <a:endParaRPr/>
           </a:p>
@@ -19627,7 +21314,7 @@
 </p:sld>
 </file>
 
-<file path=ppt/slides/slide12.xml><?xml version="1.0" encoding="utf-8"?>
+<file path=ppt/slides/slide13.xml><?xml version="1.0" encoding="utf-8"?>
 <p:sld xmlns:a="http://schemas.openxmlformats.org/drawingml/2006/main" xmlns:r="http://schemas.openxmlformats.org/officeDocument/2006/relationships" xmlns:p="http://schemas.openxmlformats.org/presentationml/2006/main">
   <p:cSld>
     <p:spTree>
@@ -19788,7 +21475,7 @@
                 </a:spcAft>
                 <a:buNone/>
               </a:pPr>
-              <a:t>12</a:t>
+              <a:t>13</a:t>
             </a:fld>
             <a:endParaRPr/>
           </a:p>
@@ -19826,7 +21513,212 @@
 </p:sld>
 </file>
 
-<file path=ppt/slides/slide13.xml><?xml version="1.0" encoding="utf-8"?>
+<file path=ppt/slides/slide14.xml><?xml version="1.0" encoding="utf-8"?>
+<p:sld xmlns:a="http://schemas.openxmlformats.org/drawingml/2006/main" xmlns:r="http://schemas.openxmlformats.org/officeDocument/2006/relationships" xmlns:p="http://schemas.openxmlformats.org/presentationml/2006/main">
+  <p:cSld>
+    <p:spTree>
+      <p:nvGrpSpPr>
+        <p:cNvPr id="1" name="Shape 140"/>
+        <p:cNvGrpSpPr/>
+        <p:nvPr/>
+      </p:nvGrpSpPr>
+      <p:grpSpPr>
+        <a:xfrm>
+          <a:off x="0" y="0"/>
+          <a:ext cx="0" cy="0"/>
+          <a:chOff x="0" y="0"/>
+          <a:chExt cx="0" cy="0"/>
+        </a:xfrm>
+      </p:grpSpPr>
+      <p:sp>
+        <p:nvSpPr>
+          <p:cNvPr id="141" name="Google Shape;141;p20"/>
+          <p:cNvSpPr txBox="1">
+            <a:spLocks noGrp="1"/>
+          </p:cNvSpPr>
+          <p:nvPr>
+            <p:ph type="title"/>
+          </p:nvPr>
+        </p:nvSpPr>
+        <p:spPr>
+          <a:xfrm>
+            <a:off x="628650" y="365127"/>
+            <a:ext cx="7886700" cy="1325700"/>
+          </a:xfrm>
+          <a:prstGeom prst="rect">
+            <a:avLst/>
+          </a:prstGeom>
+          <a:noFill/>
+          <a:ln>
+            <a:noFill/>
+          </a:ln>
+        </p:spPr>
+        <p:txBody>
+          <a:bodyPr spcFirstLastPara="1" wrap="square" lIns="91425" tIns="45700" rIns="91425" bIns="45700" anchor="ctr" anchorCtr="0">
+            <a:noAutofit/>
+          </a:bodyPr>
+          <a:lstStyle/>
+          <a:p>
+            <a:pPr marL="0" lvl="0" indent="0" algn="l" rtl="0">
+              <a:lnSpc>
+                <a:spcPct val="90000"/>
+              </a:lnSpc>
+              <a:spcBef>
+                <a:spcPts val="0"/>
+              </a:spcBef>
+              <a:spcAft>
+                <a:spcPts val="0"/>
+              </a:spcAft>
+              <a:buClr>
+                <a:schemeClr val="dk1"/>
+              </a:buClr>
+              <a:buSzPts val="4400"/>
+              <a:buFont typeface="MS PGothic"/>
+              <a:buNone/>
+            </a:pPr>
+            <a:r>
+              <a:rPr lang="ja-JP">
+                <a:latin typeface="MS PGothic"/>
+                <a:ea typeface="MS PGothic"/>
+                <a:cs typeface="MS PGothic"/>
+                <a:sym typeface="MS PGothic"/>
+              </a:rPr>
+              <a:t>実行結果（ラプラシアンフィルタ）</a:t>
+            </a:r>
+            <a:endParaRPr>
+              <a:latin typeface="MS PGothic"/>
+              <a:ea typeface="MS PGothic"/>
+              <a:cs typeface="MS PGothic"/>
+              <a:sym typeface="MS PGothic"/>
+            </a:endParaRPr>
+          </a:p>
+        </p:txBody>
+      </p:sp>
+      <p:pic>
+        <p:nvPicPr>
+          <p:cNvPr id="142" name="Google Shape;142;p20"/>
+          <p:cNvPicPr preferRelativeResize="0">
+            <a:picLocks noGrp="1" noChangeAspect="1"/>
+          </p:cNvPicPr>
+          <p:nvPr>
+            <p:ph type="body" idx="1"/>
+          </p:nvPr>
+        </p:nvPicPr>
+        <p:blipFill>
+          <a:blip r:embed="rId3"/>
+          <a:stretch>
+            <a:fillRect/>
+          </a:stretch>
+        </p:blipFill>
+        <p:spPr>
+          <a:xfrm>
+            <a:off x="198417" y="1833966"/>
+            <a:ext cx="4303320" cy="4303320"/>
+          </a:xfrm>
+          <a:prstGeom prst="rect">
+            <a:avLst/>
+          </a:prstGeom>
+          <a:noFill/>
+          <a:ln>
+            <a:solidFill>
+              <a:srgbClr val="5B9BD5"/>
+            </a:solidFill>
+          </a:ln>
+        </p:spPr>
+      </p:pic>
+      <p:sp>
+        <p:nvSpPr>
+          <p:cNvPr id="144" name="Google Shape;144;p20"/>
+          <p:cNvSpPr txBox="1">
+            <a:spLocks noGrp="1"/>
+          </p:cNvSpPr>
+          <p:nvPr>
+            <p:ph type="sldNum" idx="12"/>
+          </p:nvPr>
+        </p:nvSpPr>
+        <p:spPr>
+          <a:xfrm>
+            <a:off x="6457951" y="6356352"/>
+            <a:ext cx="2057400" cy="365100"/>
+          </a:xfrm>
+          <a:prstGeom prst="rect">
+            <a:avLst/>
+          </a:prstGeom>
+          <a:noFill/>
+          <a:ln>
+            <a:noFill/>
+          </a:ln>
+        </p:spPr>
+        <p:txBody>
+          <a:bodyPr spcFirstLastPara="1" wrap="square" lIns="91425" tIns="45700" rIns="91425" bIns="45700" anchor="ctr" anchorCtr="0">
+            <a:noAutofit/>
+          </a:bodyPr>
+          <a:lstStyle/>
+          <a:p>
+            <a:pPr marL="0" lvl="0" indent="0" algn="r" rtl="0">
+              <a:spcBef>
+                <a:spcPts val="0"/>
+              </a:spcBef>
+              <a:spcAft>
+                <a:spcPts val="0"/>
+              </a:spcAft>
+              <a:buNone/>
+            </a:pPr>
+            <a:fld id="{00000000-1234-1234-1234-123412341234}" type="slidenum">
+              <a:rPr lang="en-US" altLang="ja-JP"/>
+              <a:pPr marL="0" lvl="0" indent="0" algn="r" rtl="0">
+                <a:spcBef>
+                  <a:spcPts val="0"/>
+                </a:spcBef>
+                <a:spcAft>
+                  <a:spcPts val="0"/>
+                </a:spcAft>
+                <a:buNone/>
+              </a:pPr>
+              <a:t>14</a:t>
+            </a:fld>
+            <a:endParaRPr/>
+          </a:p>
+        </p:txBody>
+      </p:sp>
+      <p:pic>
+        <p:nvPicPr>
+          <p:cNvPr id="6" name="図 5" descr="laplacian.jpg"/>
+          <p:cNvPicPr>
+            <a:picLocks noChangeAspect="1"/>
+          </p:cNvPicPr>
+          <p:nvPr/>
+        </p:nvPicPr>
+        <p:blipFill>
+          <a:blip r:embed="rId4"/>
+          <a:stretch>
+            <a:fillRect/>
+          </a:stretch>
+        </p:blipFill>
+        <p:spPr>
+          <a:xfrm>
+            <a:off x="4634228" y="1837829"/>
+            <a:ext cx="4320000" cy="4320000"/>
+          </a:xfrm>
+          <a:prstGeom prst="rect">
+            <a:avLst/>
+          </a:prstGeom>
+          <a:ln>
+            <a:solidFill>
+              <a:srgbClr val="5B9BD5"/>
+            </a:solidFill>
+          </a:ln>
+        </p:spPr>
+      </p:pic>
+    </p:spTree>
+  </p:cSld>
+  <p:clrMapOvr>
+    <a:masterClrMapping/>
+  </p:clrMapOvr>
+</p:sld>
+</file>
+
+<file path=ppt/slides/slide15.xml><?xml version="1.0" encoding="utf-8"?>
 <p:sld xmlns:a="http://schemas.openxmlformats.org/drawingml/2006/main" xmlns:r="http://schemas.openxmlformats.org/officeDocument/2006/relationships" xmlns:p="http://schemas.openxmlformats.org/presentationml/2006/main">
   <p:cSld>
     <p:spTree>
@@ -19956,7 +21848,7 @@
                 </a:spcAft>
                 <a:buNone/>
               </a:pPr>
-              <a:t>13</a:t>
+              <a:t>15</a:t>
             </a:fld>
             <a:endParaRPr/>
           </a:p>
@@ -20002,7 +21894,7 @@
 </p:sld>
 </file>
 
-<file path=ppt/slides/slide14.xml><?xml version="1.0" encoding="utf-8"?>
+<file path=ppt/slides/slide16.xml><?xml version="1.0" encoding="utf-8"?>
 <p:sld xmlns:a="http://schemas.openxmlformats.org/drawingml/2006/main" xmlns:r="http://schemas.openxmlformats.org/officeDocument/2006/relationships" xmlns:p="http://schemas.openxmlformats.org/presentationml/2006/main">
   <p:cSld>
     <p:spTree>
@@ -20220,7 +22112,7 @@
                 </a:spcAft>
                 <a:buNone/>
               </a:pPr>
-              <a:t>14</a:t>
+              <a:t>16</a:t>
             </a:fld>
             <a:endParaRPr/>
           </a:p>
@@ -20234,7 +22126,7 @@
 </p:sld>
 </file>
 
-<file path=ppt/slides/slide15.xml><?xml version="1.0" encoding="utf-8"?>
+<file path=ppt/slides/slide17.xml><?xml version="1.0" encoding="utf-8"?>
 <p:sld xmlns:a="http://schemas.openxmlformats.org/drawingml/2006/main" xmlns:r="http://schemas.openxmlformats.org/officeDocument/2006/relationships" xmlns:p="http://schemas.openxmlformats.org/presentationml/2006/main">
   <p:cSld>
     <p:spTree>
@@ -20395,7 +22287,7 @@
                 </a:spcAft>
                 <a:buNone/>
               </a:pPr>
-              <a:t>15</a:t>
+              <a:t>17</a:t>
             </a:fld>
             <a:endParaRPr/>
           </a:p>
@@ -20433,7 +22325,7 @@
 </p:sld>
 </file>
 
-<file path=ppt/slides/slide16.xml><?xml version="1.0" encoding="utf-8"?>
+<file path=ppt/slides/slide18.xml><?xml version="1.0" encoding="utf-8"?>
 <p:sld xmlns:a="http://schemas.openxmlformats.org/drawingml/2006/main" xmlns:r="http://schemas.openxmlformats.org/officeDocument/2006/relationships" xmlns:p="http://schemas.openxmlformats.org/presentationml/2006/main">
   <p:cSld>
     <p:spTree>
@@ -20514,6 +22406,36 @@
           </a:p>
         </p:txBody>
       </p:sp>
+      <p:pic>
+        <p:nvPicPr>
+          <p:cNvPr id="165" name="Google Shape;165;p23"/>
+          <p:cNvPicPr preferRelativeResize="0">
+            <a:picLocks noGrp="1" noChangeAspect="1"/>
+          </p:cNvPicPr>
+          <p:nvPr>
+            <p:ph type="body" idx="1"/>
+          </p:nvPr>
+        </p:nvPicPr>
+        <p:blipFill>
+          <a:blip r:embed="rId3"/>
+          <a:stretch>
+            <a:fillRect/>
+          </a:stretch>
+        </p:blipFill>
+        <p:spPr>
+          <a:xfrm>
+            <a:off x="112143" y="1799460"/>
+            <a:ext cx="4303320" cy="4303320"/>
+          </a:xfrm>
+          <a:prstGeom prst="rect">
+            <a:avLst/>
+          </a:prstGeom>
+          <a:noFill/>
+          <a:ln>
+            <a:noFill/>
+          </a:ln>
+        </p:spPr>
+      </p:pic>
       <p:sp>
         <p:nvSpPr>
           <p:cNvPr id="167" name="Google Shape;167;p23"/>
@@ -20563,7 +22485,175 @@
                 </a:spcAft>
                 <a:buNone/>
               </a:pPr>
-              <a:t>16</a:t>
+              <a:t>18</a:t>
+            </a:fld>
+            <a:endParaRPr/>
+          </a:p>
+        </p:txBody>
+      </p:sp>
+      <p:pic>
+        <p:nvPicPr>
+          <p:cNvPr id="9" name="図 8" descr="sharpening.jpg"/>
+          <p:cNvPicPr>
+            <a:picLocks noChangeAspect="1"/>
+          </p:cNvPicPr>
+          <p:nvPr/>
+        </p:nvPicPr>
+        <p:blipFill>
+          <a:blip r:embed="rId4"/>
+          <a:stretch>
+            <a:fillRect/>
+          </a:stretch>
+        </p:blipFill>
+        <p:spPr>
+          <a:xfrm>
+            <a:off x="4524958" y="1786070"/>
+            <a:ext cx="4320000" cy="4320000"/>
+          </a:xfrm>
+          <a:prstGeom prst="rect">
+            <a:avLst/>
+          </a:prstGeom>
+        </p:spPr>
+      </p:pic>
+    </p:spTree>
+  </p:cSld>
+  <p:clrMapOvr>
+    <a:masterClrMapping/>
+  </p:clrMapOvr>
+</p:sld>
+</file>
+
+<file path=ppt/slides/slide19.xml><?xml version="1.0" encoding="utf-8"?>
+<p:sld xmlns:a="http://schemas.openxmlformats.org/drawingml/2006/main" xmlns:r="http://schemas.openxmlformats.org/officeDocument/2006/relationships" xmlns:p="http://schemas.openxmlformats.org/presentationml/2006/main">
+  <p:cSld>
+    <p:spTree>
+      <p:nvGrpSpPr>
+        <p:cNvPr id="1" name="Shape 163"/>
+        <p:cNvGrpSpPr/>
+        <p:nvPr/>
+      </p:nvGrpSpPr>
+      <p:grpSpPr>
+        <a:xfrm>
+          <a:off x="0" y="0"/>
+          <a:ext cx="0" cy="0"/>
+          <a:chOff x="0" y="0"/>
+          <a:chExt cx="0" cy="0"/>
+        </a:xfrm>
+      </p:grpSpPr>
+      <p:sp>
+        <p:nvSpPr>
+          <p:cNvPr id="164" name="Google Shape;164;p23"/>
+          <p:cNvSpPr txBox="1">
+            <a:spLocks noGrp="1"/>
+          </p:cNvSpPr>
+          <p:nvPr>
+            <p:ph type="title"/>
+          </p:nvPr>
+        </p:nvSpPr>
+        <p:spPr>
+          <a:xfrm>
+            <a:off x="628650" y="365127"/>
+            <a:ext cx="7886700" cy="1325700"/>
+          </a:xfrm>
+          <a:prstGeom prst="rect">
+            <a:avLst/>
+          </a:prstGeom>
+          <a:noFill/>
+          <a:ln>
+            <a:noFill/>
+          </a:ln>
+        </p:spPr>
+        <p:txBody>
+          <a:bodyPr spcFirstLastPara="1" wrap="square" lIns="91425" tIns="45700" rIns="91425" bIns="45700" anchor="ctr" anchorCtr="0">
+            <a:noAutofit/>
+          </a:bodyPr>
+          <a:lstStyle/>
+          <a:p>
+            <a:pPr marL="0" lvl="0" indent="0" algn="l" rtl="0">
+              <a:lnSpc>
+                <a:spcPct val="90000"/>
+              </a:lnSpc>
+              <a:spcBef>
+                <a:spcPts val="0"/>
+              </a:spcBef>
+              <a:spcAft>
+                <a:spcPts val="0"/>
+              </a:spcAft>
+              <a:buClr>
+                <a:schemeClr val="dk1"/>
+              </a:buClr>
+              <a:buSzPts val="4400"/>
+              <a:buFont typeface="MS PGothic"/>
+              <a:buNone/>
+            </a:pPr>
+            <a:r>
+              <a:rPr lang="ja-JP">
+                <a:latin typeface="MS PGothic"/>
+                <a:ea typeface="MS PGothic"/>
+                <a:cs typeface="MS PGothic"/>
+                <a:sym typeface="MS PGothic"/>
+              </a:rPr>
+              <a:t>実行結果（鮮鋭化フィルタ）</a:t>
+            </a:r>
+            <a:endParaRPr>
+              <a:latin typeface="MS PGothic"/>
+              <a:ea typeface="MS PGothic"/>
+              <a:cs typeface="MS PGothic"/>
+              <a:sym typeface="MS PGothic"/>
+            </a:endParaRPr>
+          </a:p>
+        </p:txBody>
+      </p:sp>
+      <p:sp>
+        <p:nvSpPr>
+          <p:cNvPr id="167" name="Google Shape;167;p23"/>
+          <p:cNvSpPr txBox="1">
+            <a:spLocks noGrp="1"/>
+          </p:cNvSpPr>
+          <p:nvPr>
+            <p:ph type="sldNum" idx="12"/>
+          </p:nvPr>
+        </p:nvSpPr>
+        <p:spPr>
+          <a:xfrm>
+            <a:off x="6457951" y="6356352"/>
+            <a:ext cx="2057400" cy="365100"/>
+          </a:xfrm>
+          <a:prstGeom prst="rect">
+            <a:avLst/>
+          </a:prstGeom>
+          <a:noFill/>
+          <a:ln>
+            <a:noFill/>
+          </a:ln>
+        </p:spPr>
+        <p:txBody>
+          <a:bodyPr spcFirstLastPara="1" wrap="square" lIns="91425" tIns="45700" rIns="91425" bIns="45700" anchor="ctr" anchorCtr="0">
+            <a:noAutofit/>
+          </a:bodyPr>
+          <a:lstStyle/>
+          <a:p>
+            <a:pPr marL="0" lvl="0" indent="0" algn="r" rtl="0">
+              <a:spcBef>
+                <a:spcPts val="0"/>
+              </a:spcBef>
+              <a:spcAft>
+                <a:spcPts val="0"/>
+              </a:spcAft>
+              <a:buNone/>
+            </a:pPr>
+            <a:fld id="{00000000-1234-1234-1234-123412341234}" type="slidenum">
+              <a:rPr lang="en-US" altLang="ja-JP"/>
+              <a:pPr marL="0" lvl="0" indent="0" algn="r" rtl="0">
+                <a:spcBef>
+                  <a:spcPts val="0"/>
+                </a:spcBef>
+                <a:spcAft>
+                  <a:spcPts val="0"/>
+                </a:spcAft>
+                <a:buNone/>
+              </a:pPr>
+              <a:t>19</a:t>
             </a:fld>
             <a:endParaRPr/>
           </a:p>
@@ -20601,255 +22691,6 @@
           </a:graphicData>
         </a:graphic>
       </p:graphicFrame>
-    </p:spTree>
-  </p:cSld>
-  <p:clrMapOvr>
-    <a:masterClrMapping/>
-  </p:clrMapOvr>
-</p:sld>
-</file>
-
-<file path=ppt/slides/slide17.xml><?xml version="1.0" encoding="utf-8"?>
-<p:sld xmlns:a="http://schemas.openxmlformats.org/drawingml/2006/main" xmlns:r="http://schemas.openxmlformats.org/officeDocument/2006/relationships" xmlns:p="http://schemas.openxmlformats.org/presentationml/2006/main">
-  <p:cSld>
-    <p:spTree>
-      <p:nvGrpSpPr>
-        <p:cNvPr id="1" name=""/>
-        <p:cNvGrpSpPr/>
-        <p:nvPr/>
-      </p:nvGrpSpPr>
-      <p:grpSpPr>
-        <a:xfrm>
-          <a:off x="0" y="0"/>
-          <a:ext cx="0" cy="0"/>
-          <a:chOff x="0" y="0"/>
-          <a:chExt cx="0" cy="0"/>
-        </a:xfrm>
-      </p:grpSpPr>
-      <p:sp>
-        <p:nvSpPr>
-          <p:cNvPr id="2" name="タイトル 1"/>
-          <p:cNvSpPr>
-            <a:spLocks noGrp="1"/>
-          </p:cNvSpPr>
-          <p:nvPr>
-            <p:ph type="title"/>
-          </p:nvPr>
-        </p:nvSpPr>
-        <p:spPr/>
-        <p:txBody>
-          <a:bodyPr/>
-          <a:lstStyle/>
-          <a:p>
-            <a:r>
-              <a:rPr kumimoji="1" lang="ja-JP" altLang="en-US" dirty="0" smtClean="0"/>
-              <a:t>ラプラシアンと先鋭化比較</a:t>
-            </a:r>
-            <a:endParaRPr kumimoji="1" lang="ja-JP" altLang="en-US" dirty="0"/>
-          </a:p>
-        </p:txBody>
-      </p:sp>
-      <p:sp>
-        <p:nvSpPr>
-          <p:cNvPr id="5" name="スライド番号プレースホルダ 4"/>
-          <p:cNvSpPr>
-            <a:spLocks noGrp="1"/>
-          </p:cNvSpPr>
-          <p:nvPr>
-            <p:ph type="sldNum" idx="12"/>
-          </p:nvPr>
-        </p:nvSpPr>
-        <p:spPr/>
-        <p:txBody>
-          <a:bodyPr/>
-          <a:lstStyle/>
-          <a:p>
-            <a:pPr marL="0" lvl="0" indent="0" algn="r" rtl="0">
-              <a:spcBef>
-                <a:spcPts val="0"/>
-              </a:spcBef>
-              <a:spcAft>
-                <a:spcPts val="0"/>
-              </a:spcAft>
-              <a:buNone/>
-            </a:pPr>
-            <a:fld id="{00000000-1234-1234-1234-123412341234}" type="slidenum">
-              <a:rPr lang="en-US" altLang="ja-JP" smtClean="0"/>
-              <a:pPr marL="0" lvl="0" indent="0" algn="r" rtl="0">
-                <a:spcBef>
-                  <a:spcPts val="0"/>
-                </a:spcBef>
-                <a:spcAft>
-                  <a:spcPts val="0"/>
-                </a:spcAft>
-                <a:buNone/>
-              </a:pPr>
-              <a:t>17</a:t>
-            </a:fld>
-            <a:endParaRPr lang="en-US"/>
-          </a:p>
-        </p:txBody>
-      </p:sp>
-      <p:graphicFrame>
-        <p:nvGraphicFramePr>
-          <p:cNvPr id="6" name="グラフ 5"/>
-          <p:cNvGraphicFramePr/>
-          <p:nvPr/>
-        </p:nvGraphicFramePr>
-        <p:xfrm>
-          <a:off x="4595545" y="2131712"/>
-          <a:ext cx="4505325" cy="3810000"/>
-        </p:xfrm>
-        <a:graphic>
-          <a:graphicData uri="http://schemas.openxmlformats.org/drawingml/2006/chart">
-            <c:chart xmlns:c="http://schemas.openxmlformats.org/drawingml/2006/chart" xmlns:r="http://schemas.openxmlformats.org/officeDocument/2006/relationships" r:id="rId2"/>
-          </a:graphicData>
-        </a:graphic>
-      </p:graphicFrame>
-      <p:graphicFrame>
-        <p:nvGraphicFramePr>
-          <p:cNvPr id="7" name="グラフ 6"/>
-          <p:cNvGraphicFramePr/>
-          <p:nvPr/>
-        </p:nvGraphicFramePr>
-        <p:xfrm>
-          <a:off x="75304" y="2132611"/>
-          <a:ext cx="4505325" cy="3810000"/>
-        </p:xfrm>
-        <a:graphic>
-          <a:graphicData uri="http://schemas.openxmlformats.org/drawingml/2006/chart">
-            <c:chart xmlns:c="http://schemas.openxmlformats.org/drawingml/2006/chart" xmlns:r="http://schemas.openxmlformats.org/officeDocument/2006/relationships" r:id="rId3"/>
-          </a:graphicData>
-        </a:graphic>
-      </p:graphicFrame>
-    </p:spTree>
-  </p:cSld>
-  <p:clrMapOvr>
-    <a:masterClrMapping/>
-  </p:clrMapOvr>
-</p:sld>
-</file>
-
-<file path=ppt/slides/slide18.xml><?xml version="1.0" encoding="utf-8"?>
-<p:sld xmlns:a="http://schemas.openxmlformats.org/drawingml/2006/main" xmlns:r="http://schemas.openxmlformats.org/officeDocument/2006/relationships" xmlns:p="http://schemas.openxmlformats.org/presentationml/2006/main">
-  <p:cSld>
-    <p:spTree>
-      <p:nvGrpSpPr>
-        <p:cNvPr id="1" name="Shape 107"/>
-        <p:cNvGrpSpPr/>
-        <p:nvPr/>
-      </p:nvGrpSpPr>
-      <p:grpSpPr>
-        <a:xfrm>
-          <a:off x="0" y="0"/>
-          <a:ext cx="0" cy="0"/>
-          <a:chOff x="0" y="0"/>
-          <a:chExt cx="0" cy="0"/>
-        </a:xfrm>
-      </p:grpSpPr>
-      <p:sp>
-        <p:nvSpPr>
-          <p:cNvPr id="108" name="Google Shape;108;p17"/>
-          <p:cNvSpPr txBox="1">
-            <a:spLocks noGrp="1"/>
-          </p:cNvSpPr>
-          <p:nvPr>
-            <p:ph type="title"/>
-          </p:nvPr>
-        </p:nvSpPr>
-        <p:spPr>
-          <a:xfrm>
-            <a:off x="628650" y="365125"/>
-            <a:ext cx="7886700" cy="1325700"/>
-          </a:xfrm>
-          <a:prstGeom prst="rect">
-            <a:avLst/>
-          </a:prstGeom>
-          <a:noFill/>
-          <a:ln>
-            <a:noFill/>
-          </a:ln>
-        </p:spPr>
-        <p:txBody>
-          <a:bodyPr spcFirstLastPara="1" wrap="square" lIns="91425" tIns="45700" rIns="91425" bIns="45700" anchor="ctr" anchorCtr="0">
-            <a:noAutofit/>
-          </a:bodyPr>
-          <a:lstStyle/>
-          <a:p>
-            <a:pPr marL="0" lvl="0" indent="0" algn="l" rtl="0">
-              <a:lnSpc>
-                <a:spcPct val="90000"/>
-              </a:lnSpc>
-              <a:spcBef>
-                <a:spcPts val="0"/>
-              </a:spcBef>
-              <a:spcAft>
-                <a:spcPts val="0"/>
-              </a:spcAft>
-              <a:buClr>
-                <a:schemeClr val="dk1"/>
-              </a:buClr>
-              <a:buSzPts val="4400"/>
-              <a:buFont typeface="Arial"/>
-              <a:buNone/>
-            </a:pPr>
-            <a:r>
-              <a:rPr lang="ja-JP"/>
-              <a:t>所感</a:t>
-            </a:r>
-            <a:endParaRPr/>
-          </a:p>
-        </p:txBody>
-      </p:sp>
-      <p:sp>
-        <p:nvSpPr>
-          <p:cNvPr id="109" name="Google Shape;109;p17"/>
-          <p:cNvSpPr txBox="1">
-            <a:spLocks noGrp="1"/>
-          </p:cNvSpPr>
-          <p:nvPr>
-            <p:ph type="body" idx="1"/>
-          </p:nvPr>
-        </p:nvSpPr>
-        <p:spPr>
-          <a:xfrm>
-            <a:off x="628650" y="1825625"/>
-            <a:ext cx="7886700" cy="4351200"/>
-          </a:xfrm>
-          <a:prstGeom prst="rect">
-            <a:avLst/>
-          </a:prstGeom>
-          <a:noFill/>
-          <a:ln>
-            <a:noFill/>
-          </a:ln>
-        </p:spPr>
-        <p:txBody>
-          <a:bodyPr spcFirstLastPara="1" wrap="square" lIns="91425" tIns="45700" rIns="91425" bIns="45700" anchor="t" anchorCtr="0">
-            <a:noAutofit/>
-          </a:bodyPr>
-          <a:lstStyle/>
-          <a:p>
-            <a:pPr marL="228600" lvl="0" indent="-50800" algn="l" rtl="0">
-              <a:lnSpc>
-                <a:spcPct val="90000"/>
-              </a:lnSpc>
-              <a:spcBef>
-                <a:spcPts val="0"/>
-              </a:spcBef>
-              <a:spcAft>
-                <a:spcPts val="0"/>
-              </a:spcAft>
-              <a:buClr>
-                <a:schemeClr val="dk1"/>
-              </a:buClr>
-              <a:buSzPts val="2800"/>
-              <a:buNone/>
-            </a:pPr>
-            <a:endParaRPr/>
-          </a:p>
-        </p:txBody>
-      </p:sp>
     </p:spTree>
   </p:cSld>
   <p:clrMapOvr>
@@ -21144,6 +22985,418 @@
               </a:lnSpc>
               <a:spcBef>
                 <a:spcPts val="1000"/>
+              </a:spcBef>
+              <a:spcAft>
+                <a:spcPts val="0"/>
+              </a:spcAft>
+              <a:buClr>
+                <a:schemeClr val="dk1"/>
+              </a:buClr>
+              <a:buSzPts val="2800"/>
+              <a:buNone/>
+            </a:pPr>
+            <a:endParaRPr/>
+          </a:p>
+        </p:txBody>
+      </p:sp>
+    </p:spTree>
+  </p:cSld>
+  <p:clrMapOvr>
+    <a:masterClrMapping/>
+  </p:clrMapOvr>
+</p:sld>
+</file>
+
+<file path=ppt/slides/slide20.xml><?xml version="1.0" encoding="utf-8"?>
+<p:sld xmlns:a="http://schemas.openxmlformats.org/drawingml/2006/main" xmlns:r="http://schemas.openxmlformats.org/officeDocument/2006/relationships" xmlns:p="http://schemas.openxmlformats.org/presentationml/2006/main">
+  <p:cSld>
+    <p:spTree>
+      <p:nvGrpSpPr>
+        <p:cNvPr id="1" name="Shape 163"/>
+        <p:cNvGrpSpPr/>
+        <p:nvPr/>
+      </p:nvGrpSpPr>
+      <p:grpSpPr>
+        <a:xfrm>
+          <a:off x="0" y="0"/>
+          <a:ext cx="0" cy="0"/>
+          <a:chOff x="0" y="0"/>
+          <a:chExt cx="0" cy="0"/>
+        </a:xfrm>
+      </p:grpSpPr>
+      <p:sp>
+        <p:nvSpPr>
+          <p:cNvPr id="164" name="Google Shape;164;p23"/>
+          <p:cNvSpPr txBox="1">
+            <a:spLocks noGrp="1"/>
+          </p:cNvSpPr>
+          <p:nvPr>
+            <p:ph type="title"/>
+          </p:nvPr>
+        </p:nvSpPr>
+        <p:spPr>
+          <a:xfrm>
+            <a:off x="628650" y="365127"/>
+            <a:ext cx="7886700" cy="1325700"/>
+          </a:xfrm>
+          <a:prstGeom prst="rect">
+            <a:avLst/>
+          </a:prstGeom>
+          <a:noFill/>
+          <a:ln>
+            <a:noFill/>
+          </a:ln>
+        </p:spPr>
+        <p:txBody>
+          <a:bodyPr spcFirstLastPara="1" wrap="square" lIns="91425" tIns="45700" rIns="91425" bIns="45700" anchor="ctr" anchorCtr="0">
+            <a:noAutofit/>
+          </a:bodyPr>
+          <a:lstStyle/>
+          <a:p>
+            <a:pPr lvl="0">
+              <a:buSzPts val="4400"/>
+            </a:pPr>
+            <a:r>
+              <a:rPr kumimoji="1" lang="ja-JP" altLang="en-US" dirty="0" smtClean="0"/>
+              <a:t>ラプラシアンと先鋭化</a:t>
+            </a:r>
+            <a:r>
+              <a:rPr kumimoji="1" lang="ja-JP" altLang="en-US" dirty="0" smtClean="0"/>
+              <a:t>比較</a:t>
+            </a:r>
+            <a:endParaRPr dirty="0">
+              <a:latin typeface="MS PGothic"/>
+              <a:ea typeface="MS PGothic"/>
+              <a:cs typeface="MS PGothic"/>
+              <a:sym typeface="MS PGothic"/>
+            </a:endParaRPr>
+          </a:p>
+        </p:txBody>
+      </p:sp>
+      <p:sp>
+        <p:nvSpPr>
+          <p:cNvPr id="167" name="Google Shape;167;p23"/>
+          <p:cNvSpPr txBox="1">
+            <a:spLocks noGrp="1"/>
+          </p:cNvSpPr>
+          <p:nvPr>
+            <p:ph type="sldNum" idx="12"/>
+          </p:nvPr>
+        </p:nvSpPr>
+        <p:spPr>
+          <a:xfrm>
+            <a:off x="6457951" y="6356352"/>
+            <a:ext cx="2057400" cy="365100"/>
+          </a:xfrm>
+          <a:prstGeom prst="rect">
+            <a:avLst/>
+          </a:prstGeom>
+          <a:noFill/>
+          <a:ln>
+            <a:noFill/>
+          </a:ln>
+        </p:spPr>
+        <p:txBody>
+          <a:bodyPr spcFirstLastPara="1" wrap="square" lIns="91425" tIns="45700" rIns="91425" bIns="45700" anchor="ctr" anchorCtr="0">
+            <a:noAutofit/>
+          </a:bodyPr>
+          <a:lstStyle/>
+          <a:p>
+            <a:pPr marL="0" lvl="0" indent="0" algn="r" rtl="0">
+              <a:spcBef>
+                <a:spcPts val="0"/>
+              </a:spcBef>
+              <a:spcAft>
+                <a:spcPts val="0"/>
+              </a:spcAft>
+              <a:buNone/>
+            </a:pPr>
+            <a:fld id="{00000000-1234-1234-1234-123412341234}" type="slidenum">
+              <a:rPr lang="en-US" altLang="ja-JP"/>
+              <a:pPr marL="0" lvl="0" indent="0" algn="r" rtl="0">
+                <a:spcBef>
+                  <a:spcPts val="0"/>
+                </a:spcBef>
+                <a:spcAft>
+                  <a:spcPts val="0"/>
+                </a:spcAft>
+                <a:buNone/>
+              </a:pPr>
+              <a:t>20</a:t>
+            </a:fld>
+            <a:endParaRPr/>
+          </a:p>
+        </p:txBody>
+      </p:sp>
+      <p:graphicFrame>
+        <p:nvGraphicFramePr>
+          <p:cNvPr id="7" name="グラフ 6"/>
+          <p:cNvGraphicFramePr/>
+          <p:nvPr/>
+        </p:nvGraphicFramePr>
+        <p:xfrm>
+          <a:off x="4586919" y="1941931"/>
+          <a:ext cx="4505325" cy="3810000"/>
+        </p:xfrm>
+        <a:graphic>
+          <a:graphicData uri="http://schemas.openxmlformats.org/drawingml/2006/chart">
+            <c:chart xmlns:c="http://schemas.openxmlformats.org/drawingml/2006/chart" xmlns:r="http://schemas.openxmlformats.org/officeDocument/2006/relationships" r:id="rId3"/>
+          </a:graphicData>
+        </a:graphic>
+      </p:graphicFrame>
+      <p:graphicFrame>
+        <p:nvGraphicFramePr>
+          <p:cNvPr id="8" name="グラフ 7"/>
+          <p:cNvGraphicFramePr>
+            <a:graphicFrameLocks/>
+          </p:cNvGraphicFramePr>
+          <p:nvPr/>
+        </p:nvGraphicFramePr>
+        <p:xfrm>
+          <a:off x="60387" y="1946695"/>
+          <a:ext cx="4505325" cy="3810000"/>
+        </p:xfrm>
+        <a:graphic>
+          <a:graphicData uri="http://schemas.openxmlformats.org/drawingml/2006/chart">
+            <c:chart xmlns:c="http://schemas.openxmlformats.org/drawingml/2006/chart" xmlns:r="http://schemas.openxmlformats.org/officeDocument/2006/relationships" r:id="rId4"/>
+          </a:graphicData>
+        </a:graphic>
+      </p:graphicFrame>
+    </p:spTree>
+  </p:cSld>
+  <p:clrMapOvr>
+    <a:masterClrMapping/>
+  </p:clrMapOvr>
+</p:sld>
+</file>
+
+<file path=ppt/slides/slide21.xml><?xml version="1.0" encoding="utf-8"?>
+<p:sld xmlns:a="http://schemas.openxmlformats.org/drawingml/2006/main" xmlns:r="http://schemas.openxmlformats.org/officeDocument/2006/relationships" xmlns:p="http://schemas.openxmlformats.org/presentationml/2006/main">
+  <p:cSld>
+    <p:spTree>
+      <p:nvGrpSpPr>
+        <p:cNvPr id="1" name=""/>
+        <p:cNvGrpSpPr/>
+        <p:nvPr/>
+      </p:nvGrpSpPr>
+      <p:grpSpPr>
+        <a:xfrm>
+          <a:off x="0" y="0"/>
+          <a:ext cx="0" cy="0"/>
+          <a:chOff x="0" y="0"/>
+          <a:chExt cx="0" cy="0"/>
+        </a:xfrm>
+      </p:grpSpPr>
+      <p:sp>
+        <p:nvSpPr>
+          <p:cNvPr id="2" name="タイトル 1"/>
+          <p:cNvSpPr>
+            <a:spLocks noGrp="1"/>
+          </p:cNvSpPr>
+          <p:nvPr>
+            <p:ph type="title"/>
+          </p:nvPr>
+        </p:nvSpPr>
+        <p:spPr/>
+        <p:txBody>
+          <a:bodyPr/>
+          <a:lstStyle/>
+          <a:p>
+            <a:r>
+              <a:rPr kumimoji="1" lang="ja-JP" altLang="en-US" dirty="0" smtClean="0"/>
+              <a:t>ラプラシアンと先鋭化比較</a:t>
+            </a:r>
+            <a:endParaRPr kumimoji="1" lang="ja-JP" altLang="en-US" dirty="0"/>
+          </a:p>
+        </p:txBody>
+      </p:sp>
+      <p:sp>
+        <p:nvSpPr>
+          <p:cNvPr id="5" name="スライド番号プレースホルダ 4"/>
+          <p:cNvSpPr>
+            <a:spLocks noGrp="1"/>
+          </p:cNvSpPr>
+          <p:nvPr>
+            <p:ph type="sldNum" idx="12"/>
+          </p:nvPr>
+        </p:nvSpPr>
+        <p:spPr/>
+        <p:txBody>
+          <a:bodyPr/>
+          <a:lstStyle/>
+          <a:p>
+            <a:pPr marL="0" lvl="0" indent="0" algn="r" rtl="0">
+              <a:spcBef>
+                <a:spcPts val="0"/>
+              </a:spcBef>
+              <a:spcAft>
+                <a:spcPts val="0"/>
+              </a:spcAft>
+              <a:buNone/>
+            </a:pPr>
+            <a:fld id="{00000000-1234-1234-1234-123412341234}" type="slidenum">
+              <a:rPr lang="en-US" altLang="ja-JP" smtClean="0"/>
+              <a:pPr marL="0" lvl="0" indent="0" algn="r" rtl="0">
+                <a:spcBef>
+                  <a:spcPts val="0"/>
+                </a:spcBef>
+                <a:spcAft>
+                  <a:spcPts val="0"/>
+                </a:spcAft>
+                <a:buNone/>
+              </a:pPr>
+              <a:t>21</a:t>
+            </a:fld>
+            <a:endParaRPr lang="en-US"/>
+          </a:p>
+        </p:txBody>
+      </p:sp>
+      <p:graphicFrame>
+        <p:nvGraphicFramePr>
+          <p:cNvPr id="6" name="グラフ 5"/>
+          <p:cNvGraphicFramePr/>
+          <p:nvPr/>
+        </p:nvGraphicFramePr>
+        <p:xfrm>
+          <a:off x="4595545" y="2131712"/>
+          <a:ext cx="4505325" cy="3810000"/>
+        </p:xfrm>
+        <a:graphic>
+          <a:graphicData uri="http://schemas.openxmlformats.org/drawingml/2006/chart">
+            <c:chart xmlns:c="http://schemas.openxmlformats.org/drawingml/2006/chart" xmlns:r="http://schemas.openxmlformats.org/officeDocument/2006/relationships" r:id="rId2"/>
+          </a:graphicData>
+        </a:graphic>
+      </p:graphicFrame>
+      <p:graphicFrame>
+        <p:nvGraphicFramePr>
+          <p:cNvPr id="7" name="グラフ 6"/>
+          <p:cNvGraphicFramePr/>
+          <p:nvPr/>
+        </p:nvGraphicFramePr>
+        <p:xfrm>
+          <a:off x="75304" y="2132611"/>
+          <a:ext cx="4505325" cy="3810000"/>
+        </p:xfrm>
+        <a:graphic>
+          <a:graphicData uri="http://schemas.openxmlformats.org/drawingml/2006/chart">
+            <c:chart xmlns:c="http://schemas.openxmlformats.org/drawingml/2006/chart" xmlns:r="http://schemas.openxmlformats.org/officeDocument/2006/relationships" r:id="rId3"/>
+          </a:graphicData>
+        </a:graphic>
+      </p:graphicFrame>
+    </p:spTree>
+  </p:cSld>
+  <p:clrMapOvr>
+    <a:masterClrMapping/>
+  </p:clrMapOvr>
+</p:sld>
+</file>
+
+<file path=ppt/slides/slide22.xml><?xml version="1.0" encoding="utf-8"?>
+<p:sld xmlns:a="http://schemas.openxmlformats.org/drawingml/2006/main" xmlns:r="http://schemas.openxmlformats.org/officeDocument/2006/relationships" xmlns:p="http://schemas.openxmlformats.org/presentationml/2006/main">
+  <p:cSld>
+    <p:spTree>
+      <p:nvGrpSpPr>
+        <p:cNvPr id="1" name="Shape 107"/>
+        <p:cNvGrpSpPr/>
+        <p:nvPr/>
+      </p:nvGrpSpPr>
+      <p:grpSpPr>
+        <a:xfrm>
+          <a:off x="0" y="0"/>
+          <a:ext cx="0" cy="0"/>
+          <a:chOff x="0" y="0"/>
+          <a:chExt cx="0" cy="0"/>
+        </a:xfrm>
+      </p:grpSpPr>
+      <p:sp>
+        <p:nvSpPr>
+          <p:cNvPr id="108" name="Google Shape;108;p17"/>
+          <p:cNvSpPr txBox="1">
+            <a:spLocks noGrp="1"/>
+          </p:cNvSpPr>
+          <p:nvPr>
+            <p:ph type="title"/>
+          </p:nvPr>
+        </p:nvSpPr>
+        <p:spPr>
+          <a:xfrm>
+            <a:off x="628650" y="365125"/>
+            <a:ext cx="7886700" cy="1325700"/>
+          </a:xfrm>
+          <a:prstGeom prst="rect">
+            <a:avLst/>
+          </a:prstGeom>
+          <a:noFill/>
+          <a:ln>
+            <a:noFill/>
+          </a:ln>
+        </p:spPr>
+        <p:txBody>
+          <a:bodyPr spcFirstLastPara="1" wrap="square" lIns="91425" tIns="45700" rIns="91425" bIns="45700" anchor="ctr" anchorCtr="0">
+            <a:noAutofit/>
+          </a:bodyPr>
+          <a:lstStyle/>
+          <a:p>
+            <a:pPr marL="0" lvl="0" indent="0" algn="l" rtl="0">
+              <a:lnSpc>
+                <a:spcPct val="90000"/>
+              </a:lnSpc>
+              <a:spcBef>
+                <a:spcPts val="0"/>
+              </a:spcBef>
+              <a:spcAft>
+                <a:spcPts val="0"/>
+              </a:spcAft>
+              <a:buClr>
+                <a:schemeClr val="dk1"/>
+              </a:buClr>
+              <a:buSzPts val="4400"/>
+              <a:buFont typeface="Arial"/>
+              <a:buNone/>
+            </a:pPr>
+            <a:r>
+              <a:rPr lang="ja-JP"/>
+              <a:t>所感</a:t>
+            </a:r>
+            <a:endParaRPr/>
+          </a:p>
+        </p:txBody>
+      </p:sp>
+      <p:sp>
+        <p:nvSpPr>
+          <p:cNvPr id="109" name="Google Shape;109;p17"/>
+          <p:cNvSpPr txBox="1">
+            <a:spLocks noGrp="1"/>
+          </p:cNvSpPr>
+          <p:nvPr>
+            <p:ph type="body" idx="1"/>
+          </p:nvPr>
+        </p:nvSpPr>
+        <p:spPr>
+          <a:xfrm>
+            <a:off x="628650" y="1825625"/>
+            <a:ext cx="7886700" cy="4351200"/>
+          </a:xfrm>
+          <a:prstGeom prst="rect">
+            <a:avLst/>
+          </a:prstGeom>
+          <a:noFill/>
+          <a:ln>
+            <a:noFill/>
+          </a:ln>
+        </p:spPr>
+        <p:txBody>
+          <a:bodyPr spcFirstLastPara="1" wrap="square" lIns="91425" tIns="45700" rIns="91425" bIns="45700" anchor="t" anchorCtr="0">
+            <a:noAutofit/>
+          </a:bodyPr>
+          <a:lstStyle/>
+          <a:p>
+            <a:pPr marL="228600" lvl="0" indent="-50800" algn="l" rtl="0">
+              <a:lnSpc>
+                <a:spcPct val="90000"/>
+              </a:lnSpc>
+              <a:spcBef>
+                <a:spcPts val="0"/>
               </a:spcBef>
               <a:spcAft>
                 <a:spcPts val="0"/>
@@ -21668,7 +23921,7 @@
               <a:buChar char="•"/>
             </a:pPr>
             <a:r>
-              <a:rPr lang="ja-JP">
+              <a:rPr lang="ja-JP" dirty="0">
                 <a:latin typeface="MS PGothic"/>
                 <a:ea typeface="MS PGothic"/>
                 <a:cs typeface="MS PGothic"/>
@@ -21677,7 +23930,7 @@
               <a:t>画像から雑音を取り除くためのフィルタ</a:t>
             </a:r>
             <a:br>
-              <a:rPr lang="ja-JP">
+              <a:rPr lang="ja-JP" dirty="0">
                 <a:latin typeface="MS PGothic"/>
                 <a:ea typeface="MS PGothic"/>
                 <a:cs typeface="MS PGothic"/>
@@ -21685,16 +23938,112 @@
               </a:rPr>
             </a:br>
             <a:r>
-              <a:rPr lang="ja-JP">
+              <a:rPr lang="ja-JP" dirty="0" smtClean="0">
                 <a:latin typeface="MS PGothic"/>
                 <a:ea typeface="MS PGothic"/>
                 <a:cs typeface="MS PGothic"/>
                 <a:sym typeface="MS PGothic"/>
               </a:rPr>
-              <a:t>→平均値フィルタ、局所加重平均フィルタ、メディアンフィルタなど</a:t>
+              <a:t>→</a:t>
+            </a:r>
+            <a:r>
+              <a:rPr lang="en-US" altLang="ja-JP" dirty="0" smtClean="0">
+                <a:latin typeface="MS PGothic"/>
+                <a:ea typeface="MS PGothic"/>
+                <a:cs typeface="MS PGothic"/>
+                <a:sym typeface="MS PGothic"/>
+              </a:rPr>
+              <a:t>	</a:t>
+            </a:r>
+            <a:r>
+              <a:rPr lang="ja-JP" dirty="0" smtClean="0">
+                <a:latin typeface="MS PGothic"/>
+                <a:ea typeface="MS PGothic"/>
+                <a:cs typeface="MS PGothic"/>
+                <a:sym typeface="MS PGothic"/>
+              </a:rPr>
+              <a:t>平均値</a:t>
+            </a:r>
+            <a:r>
+              <a:rPr lang="ja-JP" dirty="0">
+                <a:latin typeface="MS PGothic"/>
+                <a:ea typeface="MS PGothic"/>
+                <a:cs typeface="MS PGothic"/>
+                <a:sym typeface="MS PGothic"/>
+              </a:rPr>
+              <a:t>フィルタ、局所加重平均フィルタ</a:t>
+            </a:r>
+            <a:r>
+              <a:rPr lang="ja-JP" dirty="0" smtClean="0">
+                <a:latin typeface="MS PGothic"/>
+                <a:ea typeface="MS PGothic"/>
+                <a:cs typeface="MS PGothic"/>
+                <a:sym typeface="MS PGothic"/>
+              </a:rPr>
+              <a:t>、</a:t>
+            </a:r>
+            <a:endParaRPr lang="en-US" altLang="ja-JP" dirty="0" smtClean="0">
+              <a:latin typeface="MS PGothic"/>
+              <a:ea typeface="MS PGothic"/>
+              <a:cs typeface="MS PGothic"/>
+              <a:sym typeface="MS PGothic"/>
+            </a:endParaRPr>
+          </a:p>
+          <a:p>
+            <a:pPr marL="228600" lvl="0" indent="-228600" algn="l" rtl="0">
+              <a:lnSpc>
+                <a:spcPct val="90000"/>
+              </a:lnSpc>
+              <a:spcBef>
+                <a:spcPts val="0"/>
+              </a:spcBef>
+              <a:spcAft>
+                <a:spcPts val="0"/>
+              </a:spcAft>
+              <a:buClr>
+                <a:schemeClr val="dk1"/>
+              </a:buClr>
+              <a:buSzPts val="2800"/>
+              <a:buNone/>
+            </a:pPr>
+            <a:r>
+              <a:rPr lang="en-US" altLang="ja-JP" dirty="0" smtClean="0">
+                <a:latin typeface="MS PGothic"/>
+                <a:ea typeface="MS PGothic"/>
+                <a:cs typeface="MS PGothic"/>
+                <a:sym typeface="MS PGothic"/>
+              </a:rPr>
+              <a:t>	</a:t>
+            </a:r>
+            <a:r>
+              <a:rPr lang="en-US" altLang="ja-JP" dirty="0" smtClean="0">
+                <a:latin typeface="MS PGothic"/>
+                <a:ea typeface="MS PGothic"/>
+                <a:cs typeface="MS PGothic"/>
+                <a:sym typeface="MS PGothic"/>
+              </a:rPr>
+              <a:t>	</a:t>
+            </a:r>
+            <a:r>
+              <a:rPr lang="ja-JP" dirty="0" smtClean="0">
+                <a:latin typeface="MS PGothic"/>
+                <a:ea typeface="MS PGothic"/>
+                <a:cs typeface="MS PGothic"/>
+                <a:sym typeface="MS PGothic"/>
+              </a:rPr>
+              <a:t>メディアンフィルタ</a:t>
+            </a:r>
+            <a:r>
+              <a:rPr lang="ja-JP" dirty="0">
+                <a:latin typeface="MS PGothic"/>
+                <a:ea typeface="MS PGothic"/>
+                <a:cs typeface="MS PGothic"/>
+                <a:sym typeface="MS PGothic"/>
+              </a:rPr>
+              <a:t>など</a:t>
             </a:r>
             <a:br>
-              <a:rPr lang="ja-JP">
+              <a:rPr lang="ja-JP" dirty="0">
                 <a:latin typeface="MS PGothic"/>
                 <a:ea typeface="MS PGothic"/>
                 <a:cs typeface="MS PGothic"/>
@@ -21702,7 +24051,7 @@
               </a:rPr>
             </a:br>
             <a:r>
-              <a:rPr lang="ja-JP">
+              <a:rPr lang="ja-JP" dirty="0">
                 <a:latin typeface="MS PGothic"/>
                 <a:ea typeface="MS PGothic"/>
                 <a:cs typeface="MS PGothic"/>
@@ -21711,7 +24060,7 @@
               <a:t/>
             </a:r>
             <a:br>
-              <a:rPr lang="ja-JP">
+              <a:rPr lang="ja-JP" dirty="0">
                 <a:latin typeface="MS PGothic"/>
                 <a:ea typeface="MS PGothic"/>
                 <a:cs typeface="MS PGothic"/>
@@ -21719,7 +24068,7 @@
               </a:rPr>
             </a:br>
             <a:r>
-              <a:rPr lang="ja-JP">
+              <a:rPr lang="ja-JP" dirty="0">
                 <a:latin typeface="MS PGothic"/>
                 <a:ea typeface="MS PGothic"/>
                 <a:cs typeface="MS PGothic"/>
@@ -21727,7 +24076,7 @@
               </a:rPr>
               <a:t>今回は平均値フィルタを使用</a:t>
             </a:r>
-            <a:endParaRPr>
+            <a:endParaRPr dirty="0">
               <a:latin typeface="MS PGothic"/>
               <a:ea typeface="MS PGothic"/>
               <a:cs typeface="MS PGothic"/>
@@ -21751,7 +24100,7 @@
               <a:buSzPts val="2800"/>
               <a:buNone/>
             </a:pPr>
-            <a:endParaRPr/>
+            <a:endParaRPr dirty="0"/>
           </a:p>
         </p:txBody>
       </p:sp>

--- a/exp_c/slide/exp_C.pptx
+++ b/exp_c/slide/exp_C.pptx
@@ -264,7 +264,7 @@
   </p:defaultTextStyle>
   <p:extLst>
     <p:ext uri="{EFAFB233-063F-42B5-8137-9DF3F51BA10A}">
-      <p15:sldGuideLst xmlns:p15="http://schemas.microsoft.com/office/powerpoint/2012/main" xmlns:p14="http://schemas.microsoft.com/office/powerpoint/2010/main" xmlns:com="http://schemas.openxmlformats.org/drawingml/2006/compatibility" xmlns:pvml="urn:schemas-microsoft-com:office:powerpoint" xmlns:v="urn:schemas-microsoft-com:vml" xmlns:o="urn:schemas-microsoft-com:office:office" xmlns:dgm="http://schemas.openxmlformats.org/drawingml/2006/diagram" xmlns:c="http://schemas.openxmlformats.org/drawingml/2006/chart" xmlns:mv="urn:schemas-microsoft-com:mac:vml" xmlns:mc="http://schemas.openxmlformats.org/markup-compatibility/2006" xmlns="">
+      <p15:sldGuideLst xmlns="" xmlns:mc="http://schemas.openxmlformats.org/markup-compatibility/2006" xmlns:mv="urn:schemas-microsoft-com:mac:vml" xmlns:c="http://schemas.openxmlformats.org/drawingml/2006/chart" xmlns:dgm="http://schemas.openxmlformats.org/drawingml/2006/diagram" xmlns:o="urn:schemas-microsoft-com:office:office" xmlns:v="urn:schemas-microsoft-com:vml" xmlns:pvml="urn:schemas-microsoft-com:office:powerpoint" xmlns:com="http://schemas.openxmlformats.org/drawingml/2006/compatibility" xmlns:p14="http://schemas.microsoft.com/office/powerpoint/2010/main" xmlns:p15="http://schemas.microsoft.com/office/powerpoint/2012/main">
         <p15:guide id="1" orient="horz" pos="2160">
           <p15:clr>
             <a:srgbClr val="000000"/>
@@ -750,24 +750,24 @@
           </c:val>
         </c:ser>
         <c:marker val="1"/>
-        <c:axId val="200695808"/>
-        <c:axId val="200698880"/>
+        <c:axId val="68443520"/>
+        <c:axId val="68551808"/>
       </c:lineChart>
       <c:catAx>
-        <c:axId val="200695808"/>
+        <c:axId val="68443520"/>
         <c:scaling>
           <c:orientation val="minMax"/>
         </c:scaling>
         <c:axPos val="b"/>
         <c:tickLblPos val="nextTo"/>
-        <c:crossAx val="200698880"/>
+        <c:crossAx val="68551808"/>
         <c:crosses val="autoZero"/>
         <c:auto val="1"/>
         <c:lblAlgn val="ctr"/>
         <c:lblOffset val="100"/>
       </c:catAx>
       <c:valAx>
-        <c:axId val="200698880"/>
+        <c:axId val="68551808"/>
         <c:scaling>
           <c:orientation val="minMax"/>
         </c:scaling>
@@ -775,7 +775,7 @@
         <c:majorGridlines/>
         <c:numFmt formatCode="General" sourceLinked="1"/>
         <c:tickLblPos val="nextTo"/>
-        <c:crossAx val="200695808"/>
+        <c:crossAx val="68443520"/>
         <c:crosses val="autoZero"/>
         <c:crossBetween val="between"/>
       </c:valAx>
@@ -1281,24 +1281,24 @@
           </c:val>
         </c:ser>
         <c:marker val="1"/>
-        <c:axId val="180482432"/>
-        <c:axId val="180483968"/>
+        <c:axId val="69690880"/>
+        <c:axId val="69692416"/>
       </c:lineChart>
       <c:catAx>
-        <c:axId val="180482432"/>
+        <c:axId val="69690880"/>
         <c:scaling>
           <c:orientation val="minMax"/>
         </c:scaling>
         <c:axPos val="b"/>
         <c:tickLblPos val="nextTo"/>
-        <c:crossAx val="180483968"/>
+        <c:crossAx val="69692416"/>
         <c:crosses val="autoZero"/>
         <c:auto val="1"/>
         <c:lblAlgn val="ctr"/>
         <c:lblOffset val="100"/>
       </c:catAx>
       <c:valAx>
-        <c:axId val="180483968"/>
+        <c:axId val="69692416"/>
         <c:scaling>
           <c:orientation val="minMax"/>
         </c:scaling>
@@ -1306,7 +1306,7 @@
         <c:majorGridlines/>
         <c:numFmt formatCode="General" sourceLinked="1"/>
         <c:tickLblPos val="nextTo"/>
-        <c:crossAx val="180482432"/>
+        <c:crossAx val="69690880"/>
         <c:crosses val="autoZero"/>
         <c:crossBetween val="between"/>
       </c:valAx>
@@ -1786,25 +1786,25 @@
           </c:val>
         </c:ser>
         <c:bandFmts/>
-        <c:axId val="145504512"/>
-        <c:axId val="145507840"/>
-        <c:axId val="130020672"/>
+        <c:axId val="69753856"/>
+        <c:axId val="69772032"/>
+        <c:axId val="69763072"/>
       </c:surface3DChart>
       <c:catAx>
-        <c:axId val="145504512"/>
+        <c:axId val="69753856"/>
         <c:scaling>
           <c:orientation val="minMax"/>
         </c:scaling>
         <c:axPos val="b"/>
         <c:tickLblPos val="nextTo"/>
-        <c:crossAx val="145507840"/>
+        <c:crossAx val="69772032"/>
         <c:crosses val="autoZero"/>
         <c:auto val="1"/>
         <c:lblAlgn val="ctr"/>
         <c:lblOffset val="100"/>
       </c:catAx>
       <c:valAx>
-        <c:axId val="145507840"/>
+        <c:axId val="69772032"/>
         <c:scaling>
           <c:orientation val="minMax"/>
         </c:scaling>
@@ -1812,19 +1812,19 @@
         <c:majorGridlines/>
         <c:numFmt formatCode="General" sourceLinked="1"/>
         <c:tickLblPos val="nextTo"/>
-        <c:crossAx val="145504512"/>
+        <c:crossAx val="69753856"/>
         <c:crosses val="autoZero"/>
         <c:crossBetween val="midCat"/>
       </c:valAx>
       <c:serAx>
-        <c:axId val="130020672"/>
+        <c:axId val="69763072"/>
         <c:scaling>
           <c:orientation val="minMax"/>
         </c:scaling>
         <c:delete val="1"/>
         <c:axPos val="b"/>
         <c:tickLblPos val="none"/>
-        <c:crossAx val="145507840"/>
+        <c:crossAx val="69772032"/>
         <c:crosses val="autoZero"/>
       </c:serAx>
     </c:plotArea>
@@ -2317,25 +2317,25 @@
           </c:val>
         </c:ser>
         <c:bandFmts/>
-        <c:axId val="200573696"/>
-        <c:axId val="200624384"/>
-        <c:axId val="189468160"/>
+        <c:axId val="69812992"/>
+        <c:axId val="69814528"/>
+        <c:axId val="69797632"/>
       </c:surface3DChart>
       <c:catAx>
-        <c:axId val="200573696"/>
+        <c:axId val="69812992"/>
         <c:scaling>
           <c:orientation val="minMax"/>
         </c:scaling>
         <c:axPos val="b"/>
         <c:tickLblPos val="nextTo"/>
-        <c:crossAx val="200624384"/>
+        <c:crossAx val="69814528"/>
         <c:crosses val="autoZero"/>
         <c:auto val="1"/>
         <c:lblAlgn val="ctr"/>
         <c:lblOffset val="100"/>
       </c:catAx>
       <c:valAx>
-        <c:axId val="200624384"/>
+        <c:axId val="69814528"/>
         <c:scaling>
           <c:orientation val="minMax"/>
         </c:scaling>
@@ -2343,19 +2343,19 @@
         <c:majorGridlines/>
         <c:numFmt formatCode="General" sourceLinked="1"/>
         <c:tickLblPos val="nextTo"/>
-        <c:crossAx val="200573696"/>
+        <c:crossAx val="69812992"/>
         <c:crosses val="autoZero"/>
         <c:crossBetween val="midCat"/>
       </c:valAx>
       <c:serAx>
-        <c:axId val="189468160"/>
+        <c:axId val="69797632"/>
         <c:scaling>
           <c:orientation val="minMax"/>
         </c:scaling>
         <c:delete val="1"/>
         <c:axPos val="b"/>
         <c:tickLblPos val="none"/>
-        <c:crossAx val="200624384"/>
+        <c:crossAx val="69814528"/>
         <c:crosses val="autoZero"/>
       </c:serAx>
     </c:plotArea>
@@ -2879,24 +2879,24 @@
           </c:val>
         </c:ser>
         <c:marker val="1"/>
-        <c:axId val="155505024"/>
-        <c:axId val="155506944"/>
+        <c:axId val="68586496"/>
+        <c:axId val="68612864"/>
       </c:lineChart>
       <c:catAx>
-        <c:axId val="155505024"/>
+        <c:axId val="68586496"/>
         <c:scaling>
           <c:orientation val="minMax"/>
         </c:scaling>
         <c:axPos val="b"/>
         <c:tickLblPos val="nextTo"/>
-        <c:crossAx val="155506944"/>
+        <c:crossAx val="68612864"/>
         <c:crosses val="autoZero"/>
         <c:auto val="1"/>
         <c:lblAlgn val="ctr"/>
         <c:lblOffset val="100"/>
       </c:catAx>
       <c:valAx>
-        <c:axId val="155506944"/>
+        <c:axId val="68612864"/>
         <c:scaling>
           <c:orientation val="minMax"/>
         </c:scaling>
@@ -2904,7 +2904,7 @@
         <c:majorGridlines/>
         <c:numFmt formatCode="General" sourceLinked="1"/>
         <c:tickLblPos val="nextTo"/>
-        <c:crossAx val="155505024"/>
+        <c:crossAx val="68586496"/>
         <c:crosses val="autoZero"/>
         <c:crossBetween val="between"/>
       </c:valAx>
@@ -2943,6 +2943,7 @@
 
 <file path=ppt/charts/chart3.xml><?xml version="1.0" encoding="utf-8"?>
 <c:chartSpace xmlns:c="http://schemas.openxmlformats.org/drawingml/2006/chart" xmlns:a="http://schemas.openxmlformats.org/drawingml/2006/main" xmlns:r="http://schemas.openxmlformats.org/officeDocument/2006/relationships">
+  <c:date1904 val="1"/>
   <c:lang val="ja-JP"/>
   <c:chart>
     <c:plotArea>
@@ -3415,24 +3416,24 @@
           </c:val>
         </c:ser>
         <c:marker val="1"/>
-        <c:axId val="143402880"/>
-        <c:axId val="143452416"/>
+        <c:axId val="68660224"/>
+        <c:axId val="68485888"/>
       </c:lineChart>
       <c:catAx>
-        <c:axId val="143402880"/>
+        <c:axId val="68660224"/>
         <c:scaling>
           <c:orientation val="minMax"/>
         </c:scaling>
         <c:axPos val="b"/>
         <c:tickLblPos val="nextTo"/>
-        <c:crossAx val="143452416"/>
+        <c:crossAx val="68485888"/>
         <c:crosses val="autoZero"/>
         <c:auto val="1"/>
         <c:lblAlgn val="ctr"/>
         <c:lblOffset val="100"/>
       </c:catAx>
       <c:valAx>
-        <c:axId val="143452416"/>
+        <c:axId val="68485888"/>
         <c:scaling>
           <c:orientation val="minMax"/>
         </c:scaling>
@@ -3440,7 +3441,7 @@
         <c:majorGridlines/>
         <c:numFmt formatCode="General" sourceLinked="1"/>
         <c:tickLblPos val="nextTo"/>
-        <c:crossAx val="143402880"/>
+        <c:crossAx val="68660224"/>
         <c:crosses val="autoZero"/>
         <c:crossBetween val="between"/>
       </c:valAx>
@@ -3946,24 +3947,24 @@
           </c:val>
         </c:ser>
         <c:marker val="1"/>
-        <c:axId val="155504640"/>
-        <c:axId val="155556096"/>
+        <c:axId val="68520576"/>
+        <c:axId val="68534656"/>
       </c:lineChart>
       <c:catAx>
-        <c:axId val="155504640"/>
+        <c:axId val="68520576"/>
         <c:scaling>
           <c:orientation val="minMax"/>
         </c:scaling>
         <c:axPos val="b"/>
         <c:tickLblPos val="nextTo"/>
-        <c:crossAx val="155556096"/>
+        <c:crossAx val="68534656"/>
         <c:crosses val="autoZero"/>
         <c:auto val="1"/>
         <c:lblAlgn val="ctr"/>
         <c:lblOffset val="100"/>
       </c:catAx>
       <c:valAx>
-        <c:axId val="155556096"/>
+        <c:axId val="68534656"/>
         <c:scaling>
           <c:orientation val="minMax"/>
         </c:scaling>
@@ -3971,7 +3972,7 @@
         <c:majorGridlines/>
         <c:numFmt formatCode="General" sourceLinked="1"/>
         <c:tickLblPos val="nextTo"/>
-        <c:crossAx val="155504640"/>
+        <c:crossAx val="68520576"/>
         <c:crosses val="autoZero"/>
         <c:crossBetween val="between"/>
       </c:valAx>
@@ -4477,24 +4478,24 @@
           </c:val>
         </c:ser>
         <c:marker val="1"/>
-        <c:axId val="155562752"/>
-        <c:axId val="155565056"/>
+        <c:axId val="69380736"/>
+        <c:axId val="69394816"/>
       </c:lineChart>
       <c:catAx>
-        <c:axId val="155562752"/>
+        <c:axId val="69380736"/>
         <c:scaling>
           <c:orientation val="minMax"/>
         </c:scaling>
         <c:axPos val="b"/>
         <c:tickLblPos val="nextTo"/>
-        <c:crossAx val="155565056"/>
+        <c:crossAx val="69394816"/>
         <c:crosses val="autoZero"/>
         <c:auto val="1"/>
         <c:lblAlgn val="ctr"/>
         <c:lblOffset val="100"/>
       </c:catAx>
       <c:valAx>
-        <c:axId val="155565056"/>
+        <c:axId val="69394816"/>
         <c:scaling>
           <c:orientation val="minMax"/>
         </c:scaling>
@@ -4502,7 +4503,7 @@
         <c:majorGridlines/>
         <c:numFmt formatCode="General" sourceLinked="1"/>
         <c:tickLblPos val="nextTo"/>
-        <c:crossAx val="155562752"/>
+        <c:crossAx val="69380736"/>
         <c:crosses val="autoZero"/>
         <c:crossBetween val="between"/>
       </c:valAx>
@@ -5008,24 +5009,24 @@
           </c:val>
         </c:ser>
         <c:marker val="1"/>
-        <c:axId val="199510272"/>
-        <c:axId val="199512832"/>
+        <c:axId val="69441792"/>
+        <c:axId val="69451776"/>
       </c:lineChart>
       <c:catAx>
-        <c:axId val="199510272"/>
+        <c:axId val="69441792"/>
         <c:scaling>
           <c:orientation val="minMax"/>
         </c:scaling>
         <c:axPos val="b"/>
         <c:tickLblPos val="nextTo"/>
-        <c:crossAx val="199512832"/>
+        <c:crossAx val="69451776"/>
         <c:crosses val="autoZero"/>
         <c:auto val="1"/>
         <c:lblAlgn val="ctr"/>
         <c:lblOffset val="100"/>
       </c:catAx>
       <c:valAx>
-        <c:axId val="199512832"/>
+        <c:axId val="69451776"/>
         <c:scaling>
           <c:orientation val="minMax"/>
         </c:scaling>
@@ -5033,7 +5034,7 @@
         <c:majorGridlines/>
         <c:numFmt formatCode="General" sourceLinked="1"/>
         <c:tickLblPos val="nextTo"/>
-        <c:crossAx val="199510272"/>
+        <c:crossAx val="69441792"/>
         <c:crosses val="autoZero"/>
         <c:crossBetween val="between"/>
       </c:valAx>
@@ -5539,24 +5540,24 @@
           </c:val>
         </c:ser>
         <c:marker val="1"/>
-        <c:axId val="200426624"/>
-        <c:axId val="200815360"/>
+        <c:axId val="69507328"/>
+        <c:axId val="69529600"/>
       </c:lineChart>
       <c:catAx>
-        <c:axId val="200426624"/>
+        <c:axId val="69507328"/>
         <c:scaling>
           <c:orientation val="minMax"/>
         </c:scaling>
         <c:axPos val="b"/>
         <c:tickLblPos val="nextTo"/>
-        <c:crossAx val="200815360"/>
+        <c:crossAx val="69529600"/>
         <c:crosses val="autoZero"/>
         <c:auto val="1"/>
         <c:lblAlgn val="ctr"/>
         <c:lblOffset val="100"/>
       </c:catAx>
       <c:valAx>
-        <c:axId val="200815360"/>
+        <c:axId val="69529600"/>
         <c:scaling>
           <c:orientation val="minMax"/>
         </c:scaling>
@@ -5564,7 +5565,7 @@
         <c:majorGridlines/>
         <c:numFmt formatCode="General" sourceLinked="1"/>
         <c:tickLblPos val="nextTo"/>
-        <c:crossAx val="200426624"/>
+        <c:crossAx val="69507328"/>
         <c:crosses val="autoZero"/>
         <c:crossBetween val="between"/>
       </c:valAx>
@@ -6070,24 +6071,24 @@
           </c:val>
         </c:ser>
         <c:marker val="1"/>
-        <c:axId val="168145280"/>
-        <c:axId val="168147200"/>
+        <c:axId val="69556096"/>
+        <c:axId val="69557632"/>
       </c:lineChart>
       <c:catAx>
-        <c:axId val="168145280"/>
+        <c:axId val="69556096"/>
         <c:scaling>
           <c:orientation val="minMax"/>
         </c:scaling>
         <c:axPos val="b"/>
         <c:tickLblPos val="nextTo"/>
-        <c:crossAx val="168147200"/>
+        <c:crossAx val="69557632"/>
         <c:crosses val="autoZero"/>
         <c:auto val="1"/>
         <c:lblAlgn val="ctr"/>
         <c:lblOffset val="100"/>
       </c:catAx>
       <c:valAx>
-        <c:axId val="168147200"/>
+        <c:axId val="69557632"/>
         <c:scaling>
           <c:orientation val="minMax"/>
           <c:max val="300"/>
@@ -6096,7 +6097,7 @@
         <c:majorGridlines/>
         <c:numFmt formatCode="General" sourceLinked="1"/>
         <c:tickLblPos val="nextTo"/>
-        <c:crossAx val="168145280"/>
+        <c:crossAx val="69556096"/>
         <c:crosses val="autoZero"/>
         <c:crossBetween val="between"/>
       </c:valAx>
@@ -6601,24 +6602,24 @@
           </c:val>
         </c:ser>
         <c:marker val="1"/>
-        <c:axId val="129663360"/>
-        <c:axId val="129665280"/>
+        <c:axId val="69625728"/>
+        <c:axId val="69627264"/>
       </c:lineChart>
       <c:catAx>
-        <c:axId val="129663360"/>
+        <c:axId val="69625728"/>
         <c:scaling>
           <c:orientation val="minMax"/>
         </c:scaling>
         <c:axPos val="b"/>
         <c:tickLblPos val="nextTo"/>
-        <c:crossAx val="129665280"/>
+        <c:crossAx val="69627264"/>
         <c:crosses val="autoZero"/>
         <c:auto val="1"/>
         <c:lblAlgn val="ctr"/>
         <c:lblOffset val="100"/>
       </c:catAx>
       <c:valAx>
-        <c:axId val="129665280"/>
+        <c:axId val="69627264"/>
         <c:scaling>
           <c:orientation val="minMax"/>
         </c:scaling>
@@ -6626,7 +6627,7 @@
         <c:majorGridlines/>
         <c:numFmt formatCode="General" sourceLinked="1"/>
         <c:tickLblPos val="nextTo"/>
-        <c:crossAx val="129663360"/>
+        <c:crossAx val="69625728"/>
         <c:crosses val="autoZero"/>
         <c:crossBetween val="between"/>
       </c:valAx>
@@ -23058,11 +23059,7 @@
             </a:pPr>
             <a:r>
               <a:rPr kumimoji="1" lang="ja-JP" altLang="en-US" dirty="0" smtClean="0"/>
-              <a:t>ラプラシアンと先鋭化</a:t>
-            </a:r>
-            <a:r>
-              <a:rPr kumimoji="1" lang="ja-JP" altLang="en-US" dirty="0" smtClean="0"/>
-              <a:t>比較</a:t>
+              <a:t>ラプラシアンと先鋭化比較</a:t>
             </a:r>
             <a:endParaRPr dirty="0">
               <a:latin typeface="MS PGothic"/>
@@ -23197,7 +23194,12 @@
             <p:ph type="title"/>
           </p:nvPr>
         </p:nvSpPr>
-        <p:spPr/>
+        <p:spPr>
+          <a:xfrm>
+            <a:off x="628650" y="389191"/>
+            <a:ext cx="7886700" cy="1325700"/>
+          </a:xfrm>
+        </p:spPr>
         <p:txBody>
           <a:bodyPr/>
           <a:lstStyle/>
@@ -24013,16 +24015,7 @@
                 <a:cs typeface="MS PGothic"/>
                 <a:sym typeface="MS PGothic"/>
               </a:rPr>
-              <a:t>	</a:t>
-            </a:r>
-            <a:r>
-              <a:rPr lang="en-US" altLang="ja-JP" dirty="0" smtClean="0">
-                <a:latin typeface="MS PGothic"/>
-                <a:ea typeface="MS PGothic"/>
-                <a:cs typeface="MS PGothic"/>
-                <a:sym typeface="MS PGothic"/>
-              </a:rPr>
-              <a:t>	</a:t>
+              <a:t>		</a:t>
             </a:r>
             <a:r>
               <a:rPr lang="ja-JP" dirty="0" smtClean="0">

--- a/exp_c/slide/exp_C.pptx
+++ b/exp_c/slide/exp_C.pptx
@@ -792,11 +792,11 @@
           <c:showBubbleSize val="0"/>
         </c:dLbls>
         <c:smooth val="0"/>
-        <c:axId val="-786709680"/>
-        <c:axId val="-786705808"/>
+        <c:axId val="-851982416"/>
+        <c:axId val="-851580480"/>
       </c:lineChart>
       <c:catAx>
-        <c:axId val="-786709680"/>
+        <c:axId val="-851982416"/>
         <c:scaling>
           <c:orientation val="minMax"/>
         </c:scaling>
@@ -805,7 +805,7 @@
         <c:majorTickMark val="out"/>
         <c:minorTickMark val="none"/>
         <c:tickLblPos val="nextTo"/>
-        <c:crossAx val="-786705808"/>
+        <c:crossAx val="-851580480"/>
         <c:crosses val="autoZero"/>
         <c:auto val="1"/>
         <c:lblAlgn val="ctr"/>
@@ -813,7 +813,7 @@
         <c:noMultiLvlLbl val="0"/>
       </c:catAx>
       <c:valAx>
-        <c:axId val="-786705808"/>
+        <c:axId val="-851580480"/>
         <c:scaling>
           <c:orientation val="minMax"/>
         </c:scaling>
@@ -824,7 +824,7 @@
         <c:majorTickMark val="out"/>
         <c:minorTickMark val="none"/>
         <c:tickLblPos val="nextTo"/>
-        <c:crossAx val="-786709680"/>
+        <c:crossAx val="-851982416"/>
         <c:crosses val="autoZero"/>
         <c:crossBetween val="between"/>
       </c:valAx>
@@ -1383,11 +1383,11 @@
           <c:showBubbleSize val="0"/>
         </c:dLbls>
         <c:smooth val="0"/>
-        <c:axId val="-833666048"/>
-        <c:axId val="-833678048"/>
+        <c:axId val="-1293542880"/>
+        <c:axId val="-782879904"/>
       </c:lineChart>
       <c:catAx>
-        <c:axId val="-833666048"/>
+        <c:axId val="-1293542880"/>
         <c:scaling>
           <c:orientation val="minMax"/>
         </c:scaling>
@@ -1396,7 +1396,7 @@
         <c:majorTickMark val="out"/>
         <c:minorTickMark val="none"/>
         <c:tickLblPos val="nextTo"/>
-        <c:crossAx val="-833678048"/>
+        <c:crossAx val="-782879904"/>
         <c:crosses val="autoZero"/>
         <c:auto val="1"/>
         <c:lblAlgn val="ctr"/>
@@ -1404,7 +1404,7 @@
         <c:noMultiLvlLbl val="0"/>
       </c:catAx>
       <c:valAx>
-        <c:axId val="-833678048"/>
+        <c:axId val="-782879904"/>
         <c:scaling>
           <c:orientation val="minMax"/>
         </c:scaling>
@@ -1415,7 +1415,7 @@
         <c:majorTickMark val="out"/>
         <c:minorTickMark val="none"/>
         <c:tickLblPos val="nextTo"/>
-        <c:crossAx val="-833666048"/>
+        <c:crossAx val="-1293542880"/>
         <c:crosses val="autoZero"/>
         <c:crossBetween val="between"/>
       </c:valAx>
@@ -1922,12 +1922,12 @@
           </c:val>
         </c:ser>
         <c:bandFmts/>
-        <c:axId val="-833724672"/>
-        <c:axId val="-847570080"/>
-        <c:axId val="-847591808"/>
+        <c:axId val="-1249485872"/>
+        <c:axId val="-826609600"/>
+        <c:axId val="-826607280"/>
       </c:surface3DChart>
       <c:catAx>
-        <c:axId val="-833724672"/>
+        <c:axId val="-1249485872"/>
         <c:scaling>
           <c:orientation val="minMax"/>
         </c:scaling>
@@ -1936,7 +1936,7 @@
         <c:majorTickMark val="out"/>
         <c:minorTickMark val="none"/>
         <c:tickLblPos val="nextTo"/>
-        <c:crossAx val="-847570080"/>
+        <c:crossAx val="-826609600"/>
         <c:crosses val="autoZero"/>
         <c:auto val="1"/>
         <c:lblAlgn val="ctr"/>
@@ -1944,7 +1944,7 @@
         <c:noMultiLvlLbl val="0"/>
       </c:catAx>
       <c:valAx>
-        <c:axId val="-847570080"/>
+        <c:axId val="-826609600"/>
         <c:scaling>
           <c:orientation val="minMax"/>
         </c:scaling>
@@ -1955,12 +1955,12 @@
         <c:majorTickMark val="out"/>
         <c:minorTickMark val="none"/>
         <c:tickLblPos val="nextTo"/>
-        <c:crossAx val="-833724672"/>
+        <c:crossAx val="-1249485872"/>
         <c:crosses val="autoZero"/>
         <c:crossBetween val="midCat"/>
       </c:valAx>
       <c:serAx>
-        <c:axId val="-847591808"/>
+        <c:axId val="-826607280"/>
         <c:scaling>
           <c:orientation val="minMax"/>
         </c:scaling>
@@ -1969,13 +1969,12 @@
         <c:majorTickMark val="out"/>
         <c:minorTickMark val="none"/>
         <c:tickLblPos val="none"/>
-        <c:crossAx val="-847570080"/>
+        <c:crossAx val="-826609600"/>
         <c:crosses val="autoZero"/>
       </c:serAx>
     </c:plotArea>
     <c:legend>
       <c:legendPos val="r"/>
-      <c:layout/>
       <c:overlay val="0"/>
       <c:txPr>
         <a:bodyPr/>
@@ -2488,12 +2487,12 @@
           </c:val>
         </c:ser>
         <c:bandFmts/>
-        <c:axId val="-800045792"/>
-        <c:axId val="-847762944"/>
-        <c:axId val="-847784480"/>
+        <c:axId val="-826873168"/>
+        <c:axId val="-827099136"/>
+        <c:axId val="-827096816"/>
       </c:surface3DChart>
       <c:catAx>
-        <c:axId val="-800045792"/>
+        <c:axId val="-826873168"/>
         <c:scaling>
           <c:orientation val="minMax"/>
         </c:scaling>
@@ -2502,7 +2501,7 @@
         <c:majorTickMark val="out"/>
         <c:minorTickMark val="none"/>
         <c:tickLblPos val="nextTo"/>
-        <c:crossAx val="-847762944"/>
+        <c:crossAx val="-827099136"/>
         <c:crosses val="autoZero"/>
         <c:auto val="1"/>
         <c:lblAlgn val="ctr"/>
@@ -2510,7 +2509,7 @@
         <c:noMultiLvlLbl val="0"/>
       </c:catAx>
       <c:valAx>
-        <c:axId val="-847762944"/>
+        <c:axId val="-827099136"/>
         <c:scaling>
           <c:orientation val="minMax"/>
         </c:scaling>
@@ -2521,12 +2520,12 @@
         <c:majorTickMark val="out"/>
         <c:minorTickMark val="none"/>
         <c:tickLblPos val="nextTo"/>
-        <c:crossAx val="-800045792"/>
+        <c:crossAx val="-826873168"/>
         <c:crosses val="autoZero"/>
         <c:crossBetween val="midCat"/>
       </c:valAx>
       <c:serAx>
-        <c:axId val="-847784480"/>
+        <c:axId val="-827096816"/>
         <c:scaling>
           <c:orientation val="minMax"/>
         </c:scaling>
@@ -2535,13 +2534,12 @@
         <c:majorTickMark val="out"/>
         <c:minorTickMark val="none"/>
         <c:tickLblPos val="none"/>
-        <c:crossAx val="-847762944"/>
+        <c:crossAx val="-827099136"/>
         <c:crosses val="autoZero"/>
       </c:serAx>
     </c:plotArea>
     <c:legend>
       <c:legendPos val="r"/>
-      <c:layout/>
       <c:overlay val="0"/>
       <c:txPr>
         <a:bodyPr/>
@@ -3099,11 +3097,11 @@
           <c:showBubbleSize val="0"/>
         </c:dLbls>
         <c:smooth val="0"/>
-        <c:axId val="-835384832"/>
-        <c:axId val="-835381024"/>
+        <c:axId val="-851891568"/>
+        <c:axId val="-852439680"/>
       </c:lineChart>
       <c:catAx>
-        <c:axId val="-835384832"/>
+        <c:axId val="-851891568"/>
         <c:scaling>
           <c:orientation val="minMax"/>
         </c:scaling>
@@ -3112,7 +3110,7 @@
         <c:majorTickMark val="out"/>
         <c:minorTickMark val="none"/>
         <c:tickLblPos val="nextTo"/>
-        <c:crossAx val="-835381024"/>
+        <c:crossAx val="-852439680"/>
         <c:crosses val="autoZero"/>
         <c:auto val="1"/>
         <c:lblAlgn val="ctr"/>
@@ -3120,7 +3118,7 @@
         <c:noMultiLvlLbl val="0"/>
       </c:catAx>
       <c:valAx>
-        <c:axId val="-835381024"/>
+        <c:axId val="-852439680"/>
         <c:scaling>
           <c:orientation val="minMax"/>
         </c:scaling>
@@ -3131,7 +3129,7 @@
         <c:majorTickMark val="out"/>
         <c:minorTickMark val="none"/>
         <c:tickLblPos val="nextTo"/>
-        <c:crossAx val="-835384832"/>
+        <c:crossAx val="-851891568"/>
         <c:crosses val="autoZero"/>
         <c:crossBetween val="between"/>
       </c:valAx>
@@ -3681,11 +3679,11 @@
           <c:showBubbleSize val="0"/>
         </c:dLbls>
         <c:smooth val="0"/>
-        <c:axId val="-786545712"/>
-        <c:axId val="-786541840"/>
+        <c:axId val="-973564336"/>
+        <c:axId val="-1255318096"/>
       </c:lineChart>
       <c:catAx>
-        <c:axId val="-786545712"/>
+        <c:axId val="-973564336"/>
         <c:scaling>
           <c:orientation val="minMax"/>
         </c:scaling>
@@ -3694,7 +3692,7 @@
         <c:majorTickMark val="out"/>
         <c:minorTickMark val="none"/>
         <c:tickLblPos val="nextTo"/>
-        <c:crossAx val="-786541840"/>
+        <c:crossAx val="-1255318096"/>
         <c:crosses val="autoZero"/>
         <c:auto val="1"/>
         <c:lblAlgn val="ctr"/>
@@ -3702,7 +3700,7 @@
         <c:noMultiLvlLbl val="0"/>
       </c:catAx>
       <c:valAx>
-        <c:axId val="-786541840"/>
+        <c:axId val="-1255318096"/>
         <c:scaling>
           <c:orientation val="minMax"/>
         </c:scaling>
@@ -3713,7 +3711,7 @@
         <c:majorTickMark val="out"/>
         <c:minorTickMark val="none"/>
         <c:tickLblPos val="nextTo"/>
-        <c:crossAx val="-786545712"/>
+        <c:crossAx val="-973564336"/>
         <c:crosses val="autoZero"/>
         <c:crossBetween val="between"/>
       </c:valAx>
@@ -4259,11 +4257,11 @@
           <c:showBubbleSize val="0"/>
         </c:dLbls>
         <c:smooth val="0"/>
-        <c:axId val="-786459008"/>
-        <c:axId val="-786455136"/>
+        <c:axId val="-1295835552"/>
+        <c:axId val="-783389792"/>
       </c:lineChart>
       <c:catAx>
-        <c:axId val="-786459008"/>
+        <c:axId val="-1295835552"/>
         <c:scaling>
           <c:orientation val="minMax"/>
         </c:scaling>
@@ -4272,7 +4270,7 @@
         <c:majorTickMark val="out"/>
         <c:minorTickMark val="none"/>
         <c:tickLblPos val="nextTo"/>
-        <c:crossAx val="-786455136"/>
+        <c:crossAx val="-783389792"/>
         <c:crosses val="autoZero"/>
         <c:auto val="1"/>
         <c:lblAlgn val="ctr"/>
@@ -4280,7 +4278,7 @@
         <c:noMultiLvlLbl val="0"/>
       </c:catAx>
       <c:valAx>
-        <c:axId val="-786455136"/>
+        <c:axId val="-783389792"/>
         <c:scaling>
           <c:orientation val="minMax"/>
         </c:scaling>
@@ -4291,7 +4289,7 @@
         <c:majorTickMark val="out"/>
         <c:minorTickMark val="none"/>
         <c:tickLblPos val="nextTo"/>
-        <c:crossAx val="-786459008"/>
+        <c:crossAx val="-1295835552"/>
         <c:crosses val="autoZero"/>
         <c:crossBetween val="between"/>
       </c:valAx>
@@ -4837,11 +4835,11 @@
           <c:showBubbleSize val="0"/>
         </c:dLbls>
         <c:smooth val="0"/>
-        <c:axId val="-847365344"/>
-        <c:axId val="-847361536"/>
+        <c:axId val="-952763584"/>
+        <c:axId val="-829169392"/>
       </c:lineChart>
       <c:catAx>
-        <c:axId val="-847365344"/>
+        <c:axId val="-952763584"/>
         <c:scaling>
           <c:orientation val="minMax"/>
         </c:scaling>
@@ -4850,7 +4848,7 @@
         <c:majorTickMark val="out"/>
         <c:minorTickMark val="none"/>
         <c:tickLblPos val="nextTo"/>
-        <c:crossAx val="-847361536"/>
+        <c:crossAx val="-829169392"/>
         <c:crosses val="autoZero"/>
         <c:auto val="1"/>
         <c:lblAlgn val="ctr"/>
@@ -4858,7 +4856,7 @@
         <c:noMultiLvlLbl val="0"/>
       </c:catAx>
       <c:valAx>
-        <c:axId val="-847361536"/>
+        <c:axId val="-829169392"/>
         <c:scaling>
           <c:orientation val="minMax"/>
         </c:scaling>
@@ -4869,7 +4867,7 @@
         <c:majorTickMark val="out"/>
         <c:minorTickMark val="none"/>
         <c:tickLblPos val="nextTo"/>
-        <c:crossAx val="-847365344"/>
+        <c:crossAx val="-952763584"/>
         <c:crosses val="autoZero"/>
         <c:crossBetween val="between"/>
       </c:valAx>
@@ -5415,11 +5413,11 @@
           <c:showBubbleSize val="0"/>
         </c:dLbls>
         <c:smooth val="0"/>
-        <c:axId val="-835580528"/>
-        <c:axId val="-835598448"/>
+        <c:axId val="-1247754752"/>
+        <c:axId val="-1247269472"/>
       </c:lineChart>
       <c:catAx>
-        <c:axId val="-835580528"/>
+        <c:axId val="-1247754752"/>
         <c:scaling>
           <c:orientation val="minMax"/>
         </c:scaling>
@@ -5428,7 +5426,7 @@
         <c:majorTickMark val="out"/>
         <c:minorTickMark val="none"/>
         <c:tickLblPos val="nextTo"/>
-        <c:crossAx val="-835598448"/>
+        <c:crossAx val="-1247269472"/>
         <c:crosses val="autoZero"/>
         <c:auto val="1"/>
         <c:lblAlgn val="ctr"/>
@@ -5436,7 +5434,7 @@
         <c:noMultiLvlLbl val="0"/>
       </c:catAx>
       <c:valAx>
-        <c:axId val="-835598448"/>
+        <c:axId val="-1247269472"/>
         <c:scaling>
           <c:orientation val="minMax"/>
         </c:scaling>
@@ -5447,7 +5445,7 @@
         <c:majorTickMark val="out"/>
         <c:minorTickMark val="none"/>
         <c:tickLblPos val="nextTo"/>
-        <c:crossAx val="-835580528"/>
+        <c:crossAx val="-1247754752"/>
         <c:crosses val="autoZero"/>
         <c:crossBetween val="between"/>
       </c:valAx>
@@ -6006,11 +6004,11 @@
           <c:showBubbleSize val="0"/>
         </c:dLbls>
         <c:smooth val="0"/>
-        <c:axId val="-853784512"/>
-        <c:axId val="-853799440"/>
+        <c:axId val="-1247410192"/>
+        <c:axId val="-1247406384"/>
       </c:lineChart>
       <c:catAx>
-        <c:axId val="-853784512"/>
+        <c:axId val="-1247410192"/>
         <c:scaling>
           <c:orientation val="minMax"/>
         </c:scaling>
@@ -6019,7 +6017,7 @@
         <c:majorTickMark val="out"/>
         <c:minorTickMark val="none"/>
         <c:tickLblPos val="nextTo"/>
-        <c:crossAx val="-853799440"/>
+        <c:crossAx val="-1247406384"/>
         <c:crosses val="autoZero"/>
         <c:auto val="1"/>
         <c:lblAlgn val="ctr"/>
@@ -6027,7 +6025,7 @@
         <c:noMultiLvlLbl val="0"/>
       </c:catAx>
       <c:valAx>
-        <c:axId val="-853799440"/>
+        <c:axId val="-1247406384"/>
         <c:scaling>
           <c:orientation val="minMax"/>
         </c:scaling>
@@ -6038,7 +6036,7 @@
         <c:majorTickMark val="out"/>
         <c:minorTickMark val="none"/>
         <c:tickLblPos val="nextTo"/>
-        <c:crossAx val="-853784512"/>
+        <c:crossAx val="-1247410192"/>
         <c:crosses val="autoZero"/>
         <c:crossBetween val="between"/>
       </c:valAx>
@@ -6583,11 +6581,11 @@
           <c:showBubbleSize val="0"/>
         </c:dLbls>
         <c:smooth val="0"/>
-        <c:axId val="-854003520"/>
-        <c:axId val="-854040256"/>
+        <c:axId val="-763068160"/>
+        <c:axId val="-780555824"/>
       </c:lineChart>
       <c:catAx>
-        <c:axId val="-854003520"/>
+        <c:axId val="-763068160"/>
         <c:scaling>
           <c:orientation val="minMax"/>
         </c:scaling>
@@ -6596,7 +6594,7 @@
         <c:majorTickMark val="out"/>
         <c:minorTickMark val="none"/>
         <c:tickLblPos val="nextTo"/>
-        <c:crossAx val="-854040256"/>
+        <c:crossAx val="-780555824"/>
         <c:crosses val="autoZero"/>
         <c:auto val="1"/>
         <c:lblAlgn val="ctr"/>
@@ -6604,7 +6602,7 @@
         <c:noMultiLvlLbl val="0"/>
       </c:catAx>
       <c:valAx>
-        <c:axId val="-854040256"/>
+        <c:axId val="-780555824"/>
         <c:scaling>
           <c:orientation val="minMax"/>
           <c:max val="300.0"/>
@@ -6616,7 +6614,7 @@
         <c:majorTickMark val="out"/>
         <c:minorTickMark val="none"/>
         <c:tickLblPos val="nextTo"/>
-        <c:crossAx val="-854003520"/>
+        <c:crossAx val="-763068160"/>
         <c:crosses val="autoZero"/>
         <c:crossBetween val="between"/>
       </c:valAx>
@@ -7175,11 +7173,11 @@
           <c:showBubbleSize val="0"/>
         </c:dLbls>
         <c:smooth val="0"/>
-        <c:axId val="-834085728"/>
-        <c:axId val="-834650304"/>
+        <c:axId val="-975105296"/>
+        <c:axId val="-1294830000"/>
       </c:lineChart>
       <c:catAx>
-        <c:axId val="-834085728"/>
+        <c:axId val="-975105296"/>
         <c:scaling>
           <c:orientation val="minMax"/>
         </c:scaling>
@@ -7188,7 +7186,7 @@
         <c:majorTickMark val="out"/>
         <c:minorTickMark val="none"/>
         <c:tickLblPos val="nextTo"/>
-        <c:crossAx val="-834650304"/>
+        <c:crossAx val="-1294830000"/>
         <c:crosses val="autoZero"/>
         <c:auto val="1"/>
         <c:lblAlgn val="ctr"/>
@@ -7196,7 +7194,7 @@
         <c:noMultiLvlLbl val="0"/>
       </c:catAx>
       <c:valAx>
-        <c:axId val="-834650304"/>
+        <c:axId val="-1294830000"/>
         <c:scaling>
           <c:orientation val="minMax"/>
         </c:scaling>
@@ -7207,7 +7205,7 @@
         <c:majorTickMark val="out"/>
         <c:minorTickMark val="none"/>
         <c:tickLblPos val="nextTo"/>
-        <c:crossAx val="-834085728"/>
+        <c:crossAx val="-975105296"/>
         <c:crosses val="autoZero"/>
         <c:crossBetween val="between"/>
       </c:valAx>
@@ -23627,14 +23625,14 @@
           <p:nvPr>
             <p:extLst>
               <p:ext uri="{D42A27DB-BD31-4B8C-83A1-F6EECF244321}">
-                <p14:modId xmlns:p14="http://schemas.microsoft.com/office/powerpoint/2010/main" val="574619531"/>
+                <p14:modId xmlns:p14="http://schemas.microsoft.com/office/powerpoint/2010/main" val="373251895"/>
               </p:ext>
             </p:extLst>
           </p:nvPr>
         </p:nvGraphicFramePr>
         <p:xfrm>
           <a:off x="4730750" y="1941931"/>
-          <a:ext cx="4505325" cy="3810000"/>
+          <a:ext cx="4320485" cy="3810000"/>
         </p:xfrm>
         <a:graphic>
           <a:graphicData uri="http://schemas.openxmlformats.org/drawingml/2006/chart">
@@ -24169,14 +24167,14 @@
           <p:nvPr>
             <p:extLst>
               <p:ext uri="{D42A27DB-BD31-4B8C-83A1-F6EECF244321}">
-                <p14:modId xmlns:p14="http://schemas.microsoft.com/office/powerpoint/2010/main" val="1946569141"/>
+                <p14:modId xmlns:p14="http://schemas.microsoft.com/office/powerpoint/2010/main" val="1402203137"/>
               </p:ext>
             </p:extLst>
           </p:nvPr>
         </p:nvGraphicFramePr>
         <p:xfrm>
-          <a:off x="4730750" y="1941931"/>
-          <a:ext cx="4505325" cy="3810000"/>
+          <a:off x="4730751" y="1941931"/>
+          <a:ext cx="4307232" cy="3810000"/>
         </p:xfrm>
         <a:graphic>
           <a:graphicData uri="http://schemas.openxmlformats.org/drawingml/2006/chart">
@@ -26186,7 +26184,95 @@
                 <a:cs typeface="MS PGothic"/>
                 <a:sym typeface="MS PGothic"/>
               </a:rPr>
-              <a:t>するフィルタ</a:t>
+              <a:t>する</a:t>
+            </a:r>
+            <a:r>
+              <a:rPr lang="ja-JP" dirty="0" smtClean="0">
+                <a:latin typeface="MS PGothic"/>
+                <a:ea typeface="MS PGothic"/>
+                <a:cs typeface="MS PGothic"/>
+                <a:sym typeface="MS PGothic"/>
+              </a:rPr>
+              <a:t>フィルタ</a:t>
+            </a:r>
+            <a:r>
+              <a:rPr lang="en-US" altLang="ja-JP" dirty="0" smtClean="0">
+                <a:latin typeface="MS PGothic"/>
+                <a:ea typeface="MS PGothic"/>
+                <a:cs typeface="MS PGothic"/>
+                <a:sym typeface="MS PGothic"/>
+              </a:rPr>
+              <a:t/>
+            </a:r>
+            <a:br>
+              <a:rPr lang="en-US" altLang="ja-JP" dirty="0" smtClean="0">
+                <a:latin typeface="MS PGothic"/>
+                <a:ea typeface="MS PGothic"/>
+                <a:cs typeface="MS PGothic"/>
+                <a:sym typeface="MS PGothic"/>
+              </a:rPr>
+            </a:br>
+            <a:r>
+              <a:rPr lang="en-US" altLang="ja-JP" dirty="0" smtClean="0">
+                <a:latin typeface="MS PGothic"/>
+                <a:ea typeface="MS PGothic"/>
+                <a:cs typeface="MS PGothic"/>
+                <a:sym typeface="MS PGothic"/>
+              </a:rPr>
+              <a:t/>
+            </a:r>
+            <a:br>
+              <a:rPr lang="en-US" altLang="ja-JP" dirty="0" smtClean="0">
+                <a:latin typeface="MS PGothic"/>
+                <a:ea typeface="MS PGothic"/>
+                <a:cs typeface="MS PGothic"/>
+                <a:sym typeface="MS PGothic"/>
+              </a:rPr>
+            </a:br>
+            <a:r>
+              <a:rPr lang="ja-JP" altLang="en-US" dirty="0" smtClean="0">
+                <a:latin typeface="MS PGothic"/>
+                <a:ea typeface="MS PGothic"/>
+                <a:cs typeface="MS PGothic"/>
+                <a:sym typeface="MS PGothic"/>
+              </a:rPr>
+              <a:t>今回はラプラシアンフィルタ、</a:t>
+            </a:r>
+            <a:r>
+              <a:rPr lang="en-US" altLang="ja-JP" dirty="0" smtClean="0">
+                <a:latin typeface="MS PGothic"/>
+                <a:ea typeface="MS PGothic"/>
+                <a:cs typeface="MS PGothic"/>
+                <a:sym typeface="MS PGothic"/>
+              </a:rPr>
+              <a:t>P</a:t>
+            </a:r>
+            <a:r>
+              <a:rPr lang="en-US" altLang="ja-JP" dirty="0" smtClean="0">
+                <a:latin typeface="MS PGothic"/>
+                <a:ea typeface="MS PGothic"/>
+                <a:cs typeface="MS PGothic"/>
+                <a:sym typeface="MS PGothic"/>
+              </a:rPr>
+              <a:t>rewitt</a:t>
+            </a:r>
+            <a:r>
+              <a:rPr lang="ja-JP" altLang="en-US" dirty="0" smtClean="0">
+                <a:latin typeface="MS PGothic"/>
+                <a:ea typeface="MS PGothic"/>
+                <a:cs typeface="MS PGothic"/>
+                <a:sym typeface="MS PGothic"/>
+              </a:rPr>
+              <a:t>のオペレータを使用</a:t>
+            </a:r>
+            <a:r>
+              <a:rPr lang="ja-JP" dirty="0">
+                <a:latin typeface="MS PGothic"/>
+                <a:ea typeface="MS PGothic"/>
+                <a:cs typeface="MS PGothic"/>
+                <a:sym typeface="MS PGothic"/>
+              </a:rPr>
+              <a:t/>
             </a:r>
             <a:br>
               <a:rPr lang="ja-JP" dirty="0">

--- a/exp_c/slide/exp_C.pptx
+++ b/exp_c/slide/exp_C.pptx
@@ -264,7 +264,7 @@
   </p:defaultTextStyle>
   <p:extLst>
     <p:ext uri="{EFAFB233-063F-42B5-8137-9DF3F51BA10A}">
-      <p15:sldGuideLst xmlns:p15="http://schemas.microsoft.com/office/powerpoint/2012/main">
+      <p15:sldGuideLst xmlns:p15="http://schemas.microsoft.com/office/powerpoint/2012/main" xmlns="">
         <p15:guide id="1" orient="horz" pos="2160">
           <p15:clr>
             <a:srgbClr val="000000"/>
@@ -288,24 +288,12 @@
 
 <file path=ppt/charts/chart1.xml><?xml version="1.0" encoding="utf-8"?>
 <c:chartSpace xmlns:c="http://schemas.openxmlformats.org/drawingml/2006/chart" xmlns:a="http://schemas.openxmlformats.org/drawingml/2006/main" xmlns:r="http://schemas.openxmlformats.org/officeDocument/2006/relationships">
-  <c:date1904 val="0"/>
   <c:lang val="ja-JP"/>
-  <c:roundedCorners val="0"/>
-  <mc:AlternateContent xmlns:mc="http://schemas.openxmlformats.org/markup-compatibility/2006">
-    <mc:Choice xmlns:c14="http://schemas.microsoft.com/office/drawing/2007/8/2/chart" Requires="c14">
-      <c14:style val="102"/>
-    </mc:Choice>
-    <mc:Fallback>
-      <c:style val="2"/>
-    </mc:Fallback>
-  </mc:AlternateContent>
   <c:chart>
-    <c:autoTitleDeleted val="0"/>
     <c:plotArea>
       <c:layout/>
       <c:lineChart>
         <c:grouping val="standard"/>
-        <c:varyColors val="0"/>
         <c:ser>
           <c:idx val="0"/>
           <c:order val="0"/>
@@ -319,39 +307,38 @@
                 <c:formatCode>General</c:formatCode>
                 <c:ptCount val="10"/>
                 <c:pt idx="0">
-                  <c:v>0.0</c:v>
+                  <c:v>0</c:v>
                 </c:pt>
                 <c:pt idx="1">
-                  <c:v>0.0</c:v>
+                  <c:v>0</c:v>
                 </c:pt>
                 <c:pt idx="2">
-                  <c:v>0.0</c:v>
+                  <c:v>0</c:v>
                 </c:pt>
                 <c:pt idx="3">
-                  <c:v>0.0</c:v>
+                  <c:v>0</c:v>
                 </c:pt>
                 <c:pt idx="4">
-                  <c:v>0.0</c:v>
+                  <c:v>0</c:v>
                 </c:pt>
                 <c:pt idx="5">
-                  <c:v>255.0</c:v>
+                  <c:v>255</c:v>
                 </c:pt>
                 <c:pt idx="6">
-                  <c:v>255.0</c:v>
+                  <c:v>255</c:v>
                 </c:pt>
                 <c:pt idx="7">
-                  <c:v>255.0</c:v>
+                  <c:v>255</c:v>
                 </c:pt>
                 <c:pt idx="8">
-                  <c:v>255.0</c:v>
+                  <c:v>255</c:v>
                 </c:pt>
                 <c:pt idx="9">
-                  <c:v>255.0</c:v>
+                  <c:v>255</c:v>
                 </c:pt>
               </c:numCache>
             </c:numRef>
           </c:val>
-          <c:smooth val="0"/>
         </c:ser>
         <c:ser>
           <c:idx val="1"/>
@@ -366,39 +353,38 @@
                 <c:formatCode>General</c:formatCode>
                 <c:ptCount val="10"/>
                 <c:pt idx="0">
-                  <c:v>0.0</c:v>
+                  <c:v>0</c:v>
                 </c:pt>
                 <c:pt idx="1">
-                  <c:v>0.0</c:v>
+                  <c:v>0</c:v>
                 </c:pt>
                 <c:pt idx="2">
-                  <c:v>0.0</c:v>
+                  <c:v>0</c:v>
                 </c:pt>
                 <c:pt idx="3">
-                  <c:v>0.0</c:v>
+                  <c:v>0</c:v>
                 </c:pt>
                 <c:pt idx="4">
-                  <c:v>0.0</c:v>
+                  <c:v>0</c:v>
                 </c:pt>
                 <c:pt idx="5">
-                  <c:v>255.0</c:v>
+                  <c:v>255</c:v>
                 </c:pt>
                 <c:pt idx="6">
-                  <c:v>255.0</c:v>
+                  <c:v>255</c:v>
                 </c:pt>
                 <c:pt idx="7">
-                  <c:v>255.0</c:v>
+                  <c:v>255</c:v>
                 </c:pt>
                 <c:pt idx="8">
-                  <c:v>255.0</c:v>
+                  <c:v>255</c:v>
                 </c:pt>
                 <c:pt idx="9">
-                  <c:v>255.0</c:v>
+                  <c:v>255</c:v>
                 </c:pt>
               </c:numCache>
             </c:numRef>
           </c:val>
-          <c:smooth val="0"/>
         </c:ser>
         <c:ser>
           <c:idx val="2"/>
@@ -413,39 +399,38 @@
                 <c:formatCode>General</c:formatCode>
                 <c:ptCount val="10"/>
                 <c:pt idx="0">
-                  <c:v>0.0</c:v>
+                  <c:v>0</c:v>
                 </c:pt>
                 <c:pt idx="1">
-                  <c:v>0.0</c:v>
+                  <c:v>0</c:v>
                 </c:pt>
                 <c:pt idx="2">
-                  <c:v>0.0</c:v>
+                  <c:v>0</c:v>
                 </c:pt>
                 <c:pt idx="3">
-                  <c:v>0.0</c:v>
+                  <c:v>0</c:v>
                 </c:pt>
                 <c:pt idx="4">
-                  <c:v>0.0</c:v>
+                  <c:v>0</c:v>
                 </c:pt>
                 <c:pt idx="5">
-                  <c:v>255.0</c:v>
+                  <c:v>255</c:v>
                 </c:pt>
                 <c:pt idx="6">
-                  <c:v>255.0</c:v>
+                  <c:v>255</c:v>
                 </c:pt>
                 <c:pt idx="7">
-                  <c:v>255.0</c:v>
+                  <c:v>255</c:v>
                 </c:pt>
                 <c:pt idx="8">
-                  <c:v>255.0</c:v>
+                  <c:v>255</c:v>
                 </c:pt>
                 <c:pt idx="9">
-                  <c:v>255.0</c:v>
+                  <c:v>255</c:v>
                 </c:pt>
               </c:numCache>
             </c:numRef>
           </c:val>
-          <c:smooth val="0"/>
         </c:ser>
         <c:ser>
           <c:idx val="3"/>
@@ -460,39 +445,38 @@
                 <c:formatCode>General</c:formatCode>
                 <c:ptCount val="10"/>
                 <c:pt idx="0">
-                  <c:v>0.0</c:v>
+                  <c:v>0</c:v>
                 </c:pt>
                 <c:pt idx="1">
-                  <c:v>0.0</c:v>
+                  <c:v>0</c:v>
                 </c:pt>
                 <c:pt idx="2">
-                  <c:v>0.0</c:v>
+                  <c:v>0</c:v>
                 </c:pt>
                 <c:pt idx="3">
-                  <c:v>0.0</c:v>
+                  <c:v>0</c:v>
                 </c:pt>
                 <c:pt idx="4">
-                  <c:v>0.0</c:v>
+                  <c:v>0</c:v>
                 </c:pt>
                 <c:pt idx="5">
-                  <c:v>255.0</c:v>
+                  <c:v>255</c:v>
                 </c:pt>
                 <c:pt idx="6">
-                  <c:v>255.0</c:v>
+                  <c:v>255</c:v>
                 </c:pt>
                 <c:pt idx="7">
-                  <c:v>255.0</c:v>
+                  <c:v>255</c:v>
                 </c:pt>
                 <c:pt idx="8">
-                  <c:v>255.0</c:v>
+                  <c:v>255</c:v>
                 </c:pt>
                 <c:pt idx="9">
-                  <c:v>255.0</c:v>
+                  <c:v>255</c:v>
                 </c:pt>
               </c:numCache>
             </c:numRef>
           </c:val>
-          <c:smooth val="0"/>
         </c:ser>
         <c:ser>
           <c:idx val="4"/>
@@ -507,39 +491,38 @@
                 <c:formatCode>General</c:formatCode>
                 <c:ptCount val="10"/>
                 <c:pt idx="0">
-                  <c:v>0.0</c:v>
+                  <c:v>0</c:v>
                 </c:pt>
                 <c:pt idx="1">
-                  <c:v>0.0</c:v>
+                  <c:v>0</c:v>
                 </c:pt>
                 <c:pt idx="2">
-                  <c:v>0.0</c:v>
+                  <c:v>0</c:v>
                 </c:pt>
                 <c:pt idx="3">
-                  <c:v>0.0</c:v>
+                  <c:v>0</c:v>
                 </c:pt>
                 <c:pt idx="4">
-                  <c:v>0.0</c:v>
+                  <c:v>0</c:v>
                 </c:pt>
                 <c:pt idx="5">
-                  <c:v>255.0</c:v>
+                  <c:v>255</c:v>
                 </c:pt>
                 <c:pt idx="6">
-                  <c:v>255.0</c:v>
+                  <c:v>255</c:v>
                 </c:pt>
                 <c:pt idx="7">
-                  <c:v>255.0</c:v>
+                  <c:v>255</c:v>
                 </c:pt>
                 <c:pt idx="8">
-                  <c:v>255.0</c:v>
+                  <c:v>255</c:v>
                 </c:pt>
                 <c:pt idx="9">
-                  <c:v>255.0</c:v>
+                  <c:v>255</c:v>
                 </c:pt>
               </c:numCache>
             </c:numRef>
           </c:val>
-          <c:smooth val="0"/>
         </c:ser>
         <c:ser>
           <c:idx val="5"/>
@@ -554,39 +537,38 @@
                 <c:formatCode>General</c:formatCode>
                 <c:ptCount val="10"/>
                 <c:pt idx="0">
-                  <c:v>0.0</c:v>
+                  <c:v>0</c:v>
                 </c:pt>
                 <c:pt idx="1">
-                  <c:v>0.0</c:v>
+                  <c:v>0</c:v>
                 </c:pt>
                 <c:pt idx="2">
-                  <c:v>0.0</c:v>
+                  <c:v>0</c:v>
                 </c:pt>
                 <c:pt idx="3">
-                  <c:v>0.0</c:v>
+                  <c:v>0</c:v>
                 </c:pt>
                 <c:pt idx="4">
-                  <c:v>0.0</c:v>
+                  <c:v>0</c:v>
                 </c:pt>
                 <c:pt idx="5">
-                  <c:v>255.0</c:v>
+                  <c:v>255</c:v>
                 </c:pt>
                 <c:pt idx="6">
-                  <c:v>255.0</c:v>
+                  <c:v>255</c:v>
                 </c:pt>
                 <c:pt idx="7">
-                  <c:v>255.0</c:v>
+                  <c:v>255</c:v>
                 </c:pt>
                 <c:pt idx="8">
-                  <c:v>255.0</c:v>
+                  <c:v>255</c:v>
                 </c:pt>
                 <c:pt idx="9">
-                  <c:v>255.0</c:v>
+                  <c:v>255</c:v>
                 </c:pt>
               </c:numCache>
             </c:numRef>
           </c:val>
-          <c:smooth val="0"/>
         </c:ser>
         <c:ser>
           <c:idx val="6"/>
@@ -601,39 +583,38 @@
                 <c:formatCode>General</c:formatCode>
                 <c:ptCount val="10"/>
                 <c:pt idx="0">
-                  <c:v>0.0</c:v>
+                  <c:v>0</c:v>
                 </c:pt>
                 <c:pt idx="1">
-                  <c:v>0.0</c:v>
+                  <c:v>0</c:v>
                 </c:pt>
                 <c:pt idx="2">
-                  <c:v>0.0</c:v>
+                  <c:v>0</c:v>
                 </c:pt>
                 <c:pt idx="3">
-                  <c:v>0.0</c:v>
+                  <c:v>0</c:v>
                 </c:pt>
                 <c:pt idx="4">
-                  <c:v>0.0</c:v>
+                  <c:v>0</c:v>
                 </c:pt>
                 <c:pt idx="5">
-                  <c:v>255.0</c:v>
+                  <c:v>255</c:v>
                 </c:pt>
                 <c:pt idx="6">
-                  <c:v>255.0</c:v>
+                  <c:v>255</c:v>
                 </c:pt>
                 <c:pt idx="7">
-                  <c:v>255.0</c:v>
+                  <c:v>255</c:v>
                 </c:pt>
                 <c:pt idx="8">
-                  <c:v>255.0</c:v>
+                  <c:v>255</c:v>
                 </c:pt>
                 <c:pt idx="9">
-                  <c:v>255.0</c:v>
+                  <c:v>255</c:v>
                 </c:pt>
               </c:numCache>
             </c:numRef>
           </c:val>
-          <c:smooth val="0"/>
         </c:ser>
         <c:ser>
           <c:idx val="7"/>
@@ -648,39 +629,38 @@
                 <c:formatCode>General</c:formatCode>
                 <c:ptCount val="10"/>
                 <c:pt idx="0">
-                  <c:v>0.0</c:v>
+                  <c:v>0</c:v>
                 </c:pt>
                 <c:pt idx="1">
-                  <c:v>0.0</c:v>
+                  <c:v>0</c:v>
                 </c:pt>
                 <c:pt idx="2">
-                  <c:v>0.0</c:v>
+                  <c:v>0</c:v>
                 </c:pt>
                 <c:pt idx="3">
-                  <c:v>0.0</c:v>
+                  <c:v>0</c:v>
                 </c:pt>
                 <c:pt idx="4">
-                  <c:v>0.0</c:v>
+                  <c:v>0</c:v>
                 </c:pt>
                 <c:pt idx="5">
-                  <c:v>255.0</c:v>
+                  <c:v>255</c:v>
                 </c:pt>
                 <c:pt idx="6">
-                  <c:v>255.0</c:v>
+                  <c:v>255</c:v>
                 </c:pt>
                 <c:pt idx="7">
-                  <c:v>255.0</c:v>
+                  <c:v>255</c:v>
                 </c:pt>
                 <c:pt idx="8">
-                  <c:v>255.0</c:v>
+                  <c:v>255</c:v>
                 </c:pt>
                 <c:pt idx="9">
-                  <c:v>255.0</c:v>
+                  <c:v>255</c:v>
                 </c:pt>
               </c:numCache>
             </c:numRef>
           </c:val>
-          <c:smooth val="0"/>
         </c:ser>
         <c:ser>
           <c:idx val="8"/>
@@ -695,39 +675,38 @@
                 <c:formatCode>General</c:formatCode>
                 <c:ptCount val="10"/>
                 <c:pt idx="0">
-                  <c:v>0.0</c:v>
+                  <c:v>0</c:v>
                 </c:pt>
                 <c:pt idx="1">
-                  <c:v>0.0</c:v>
+                  <c:v>0</c:v>
                 </c:pt>
                 <c:pt idx="2">
-                  <c:v>0.0</c:v>
+                  <c:v>0</c:v>
                 </c:pt>
                 <c:pt idx="3">
-                  <c:v>0.0</c:v>
+                  <c:v>0</c:v>
                 </c:pt>
                 <c:pt idx="4">
-                  <c:v>0.0</c:v>
+                  <c:v>0</c:v>
                 </c:pt>
                 <c:pt idx="5">
-                  <c:v>255.0</c:v>
+                  <c:v>255</c:v>
                 </c:pt>
                 <c:pt idx="6">
-                  <c:v>255.0</c:v>
+                  <c:v>255</c:v>
                 </c:pt>
                 <c:pt idx="7">
-                  <c:v>255.0</c:v>
+                  <c:v>255</c:v>
                 </c:pt>
                 <c:pt idx="8">
-                  <c:v>255.0</c:v>
+                  <c:v>255</c:v>
                 </c:pt>
                 <c:pt idx="9">
-                  <c:v>255.0</c:v>
+                  <c:v>255</c:v>
                 </c:pt>
               </c:numCache>
             </c:numRef>
           </c:val>
-          <c:smooth val="0"/>
         </c:ser>
         <c:ser>
           <c:idx val="9"/>
@@ -749,89 +728,73 @@
                 <c:formatCode>General</c:formatCode>
                 <c:ptCount val="10"/>
                 <c:pt idx="0">
-                  <c:v>0.0</c:v>
+                  <c:v>0</c:v>
                 </c:pt>
                 <c:pt idx="1">
-                  <c:v>0.0</c:v>
+                  <c:v>0</c:v>
                 </c:pt>
                 <c:pt idx="2">
-                  <c:v>0.0</c:v>
+                  <c:v>0</c:v>
                 </c:pt>
                 <c:pt idx="3">
-                  <c:v>0.0</c:v>
+                  <c:v>0</c:v>
                 </c:pt>
                 <c:pt idx="4">
-                  <c:v>0.0</c:v>
+                  <c:v>0</c:v>
                 </c:pt>
                 <c:pt idx="5">
-                  <c:v>255.0</c:v>
+                  <c:v>255</c:v>
                 </c:pt>
                 <c:pt idx="6">
-                  <c:v>255.0</c:v>
+                  <c:v>255</c:v>
                 </c:pt>
                 <c:pt idx="7">
-                  <c:v>255.0</c:v>
+                  <c:v>255</c:v>
                 </c:pt>
                 <c:pt idx="8">
-                  <c:v>255.0</c:v>
+                  <c:v>255</c:v>
                 </c:pt>
                 <c:pt idx="9">
-                  <c:v>255.0</c:v>
+                  <c:v>255</c:v>
                 </c:pt>
               </c:numCache>
             </c:numRef>
           </c:val>
-          <c:smooth val="0"/>
         </c:ser>
-        <c:dLbls>
-          <c:showLegendKey val="0"/>
-          <c:showVal val="0"/>
-          <c:showCatName val="0"/>
-          <c:showSerName val="0"/>
-          <c:showPercent val="0"/>
-          <c:showBubbleSize val="0"/>
-        </c:dLbls>
-        <c:smooth val="0"/>
-        <c:axId val="-851982416"/>
-        <c:axId val="-851580480"/>
+        <c:dLbls/>
+        <c:marker val="1"/>
+        <c:axId val="60648832"/>
+        <c:axId val="60667008"/>
       </c:lineChart>
       <c:catAx>
-        <c:axId val="-851982416"/>
+        <c:axId val="60648832"/>
         <c:scaling>
           <c:orientation val="minMax"/>
         </c:scaling>
-        <c:delete val="0"/>
         <c:axPos val="b"/>
-        <c:majorTickMark val="out"/>
-        <c:minorTickMark val="none"/>
         <c:tickLblPos val="nextTo"/>
-        <c:crossAx val="-851580480"/>
+        <c:crossAx val="60667008"/>
         <c:crosses val="autoZero"/>
         <c:auto val="1"/>
         <c:lblAlgn val="ctr"/>
         <c:lblOffset val="100"/>
-        <c:noMultiLvlLbl val="0"/>
       </c:catAx>
       <c:valAx>
-        <c:axId val="-851580480"/>
+        <c:axId val="60667008"/>
         <c:scaling>
           <c:orientation val="minMax"/>
         </c:scaling>
-        <c:delete val="0"/>
         <c:axPos val="l"/>
         <c:majorGridlines/>
         <c:numFmt formatCode="General" sourceLinked="1"/>
-        <c:majorTickMark val="out"/>
-        <c:minorTickMark val="none"/>
         <c:tickLblPos val="nextTo"/>
-        <c:crossAx val="-851982416"/>
+        <c:crossAx val="60648832"/>
         <c:crosses val="autoZero"/>
         <c:crossBetween val="between"/>
       </c:valAx>
     </c:plotArea>
     <c:plotVisOnly val="1"/>
     <c:dispBlanksAs val="gap"/>
-    <c:showDLblsOverMax val="0"/>
   </c:chart>
   <c:spPr>
     <a:gradFill>
@@ -858,32 +821,18 @@
       <a:lin ang="5400000" scaled="0"/>
     </a:gradFill>
   </c:spPr>
-  <c:externalData r:id="rId1">
-    <c:autoUpdate val="0"/>
-  </c:externalData>
+  <c:externalData r:id="rId1"/>
 </c:chartSpace>
 </file>
 
 <file path=ppt/charts/chart10.xml><?xml version="1.0" encoding="utf-8"?>
 <c:chartSpace xmlns:c="http://schemas.openxmlformats.org/drawingml/2006/chart" xmlns:a="http://schemas.openxmlformats.org/drawingml/2006/main" xmlns:r="http://schemas.openxmlformats.org/officeDocument/2006/relationships">
-  <c:date1904 val="0"/>
   <c:lang val="ja-JP"/>
-  <c:roundedCorners val="0"/>
-  <mc:AlternateContent xmlns:mc="http://schemas.openxmlformats.org/markup-compatibility/2006">
-    <mc:Choice xmlns:c14="http://schemas.microsoft.com/office/drawing/2007/8/2/chart" Requires="c14">
-      <c14:style val="102"/>
-    </mc:Choice>
-    <mc:Fallback>
-      <c:style val="2"/>
-    </mc:Fallback>
-  </mc:AlternateContent>
   <c:chart>
-    <c:autoTitleDeleted val="0"/>
     <c:plotArea>
       <c:layout/>
       <c:lineChart>
         <c:grouping val="standard"/>
-        <c:varyColors val="0"/>
         <c:ser>
           <c:idx val="0"/>
           <c:order val="0"/>
@@ -897,39 +846,38 @@
                 <c:formatCode>General</c:formatCode>
                 <c:ptCount val="10"/>
                 <c:pt idx="0">
-                  <c:v>0.0</c:v>
+                  <c:v>0</c:v>
                 </c:pt>
                 <c:pt idx="1">
-                  <c:v>0.0</c:v>
+                  <c:v>0</c:v>
                 </c:pt>
                 <c:pt idx="2">
-                  <c:v>0.0</c:v>
+                  <c:v>0</c:v>
                 </c:pt>
                 <c:pt idx="3">
-                  <c:v>0.0</c:v>
+                  <c:v>0</c:v>
                 </c:pt>
                 <c:pt idx="4">
-                  <c:v>0.0</c:v>
+                  <c:v>0</c:v>
                 </c:pt>
                 <c:pt idx="5">
-                  <c:v>0.0</c:v>
+                  <c:v>0</c:v>
                 </c:pt>
                 <c:pt idx="6">
-                  <c:v>0.0</c:v>
+                  <c:v>0</c:v>
                 </c:pt>
                 <c:pt idx="7">
-                  <c:v>0.0</c:v>
+                  <c:v>0</c:v>
                 </c:pt>
                 <c:pt idx="8">
-                  <c:v>0.0</c:v>
+                  <c:v>0</c:v>
                 </c:pt>
                 <c:pt idx="9">
-                  <c:v>0.0</c:v>
+                  <c:v>0</c:v>
                 </c:pt>
               </c:numCache>
             </c:numRef>
           </c:val>
-          <c:smooth val="0"/>
         </c:ser>
         <c:ser>
           <c:idx val="1"/>
@@ -944,39 +892,38 @@
                 <c:formatCode>General</c:formatCode>
                 <c:ptCount val="10"/>
                 <c:pt idx="0">
-                  <c:v>0.0</c:v>
+                  <c:v>0</c:v>
                 </c:pt>
                 <c:pt idx="1">
-                  <c:v>170.0</c:v>
+                  <c:v>170</c:v>
                 </c:pt>
                 <c:pt idx="2">
-                  <c:v>170.0</c:v>
+                  <c:v>170</c:v>
                 </c:pt>
                 <c:pt idx="3">
-                  <c:v>170.0</c:v>
+                  <c:v>170</c:v>
                 </c:pt>
                 <c:pt idx="4">
-                  <c:v>170.0</c:v>
+                  <c:v>170</c:v>
                 </c:pt>
                 <c:pt idx="5">
-                  <c:v>170.0</c:v>
+                  <c:v>170</c:v>
                 </c:pt>
                 <c:pt idx="6">
-                  <c:v>170.0</c:v>
+                  <c:v>170</c:v>
                 </c:pt>
                 <c:pt idx="7">
-                  <c:v>170.0</c:v>
+                  <c:v>170</c:v>
                 </c:pt>
                 <c:pt idx="8">
-                  <c:v>170.0</c:v>
+                  <c:v>170</c:v>
                 </c:pt>
                 <c:pt idx="9">
-                  <c:v>0.0</c:v>
+                  <c:v>0</c:v>
                 </c:pt>
               </c:numCache>
             </c:numRef>
           </c:val>
-          <c:smooth val="0"/>
         </c:ser>
         <c:ser>
           <c:idx val="2"/>
@@ -991,39 +938,38 @@
                 <c:formatCode>General</c:formatCode>
                 <c:ptCount val="10"/>
                 <c:pt idx="0">
-                  <c:v>0.0</c:v>
+                  <c:v>0</c:v>
                 </c:pt>
                 <c:pt idx="1">
-                  <c:v>170.0</c:v>
+                  <c:v>170</c:v>
                 </c:pt>
                 <c:pt idx="2">
-                  <c:v>170.0</c:v>
+                  <c:v>170</c:v>
                 </c:pt>
                 <c:pt idx="3">
-                  <c:v>170.0</c:v>
+                  <c:v>170</c:v>
                 </c:pt>
                 <c:pt idx="4">
-                  <c:v>170.0</c:v>
+                  <c:v>170</c:v>
                 </c:pt>
                 <c:pt idx="5">
-                  <c:v>170.0</c:v>
+                  <c:v>170</c:v>
                 </c:pt>
                 <c:pt idx="6">
-                  <c:v>170.0</c:v>
+                  <c:v>170</c:v>
                 </c:pt>
                 <c:pt idx="7">
-                  <c:v>170.0</c:v>
+                  <c:v>170</c:v>
                 </c:pt>
                 <c:pt idx="8">
-                  <c:v>170.0</c:v>
+                  <c:v>170</c:v>
                 </c:pt>
                 <c:pt idx="9">
-                  <c:v>0.0</c:v>
+                  <c:v>0</c:v>
                 </c:pt>
               </c:numCache>
             </c:numRef>
           </c:val>
-          <c:smooth val="0"/>
         </c:ser>
         <c:ser>
           <c:idx val="3"/>
@@ -1038,39 +984,38 @@
                 <c:formatCode>General</c:formatCode>
                 <c:ptCount val="10"/>
                 <c:pt idx="0">
-                  <c:v>0.0</c:v>
+                  <c:v>0</c:v>
                 </c:pt>
                 <c:pt idx="1">
-                  <c:v>170.0</c:v>
+                  <c:v>170</c:v>
                 </c:pt>
                 <c:pt idx="2">
-                  <c:v>170.0</c:v>
+                  <c:v>170</c:v>
                 </c:pt>
                 <c:pt idx="3">
-                  <c:v>170.0</c:v>
+                  <c:v>170</c:v>
                 </c:pt>
                 <c:pt idx="4">
-                  <c:v>255.0</c:v>
+                  <c:v>255</c:v>
                 </c:pt>
                 <c:pt idx="5">
-                  <c:v>255.0</c:v>
+                  <c:v>255</c:v>
                 </c:pt>
                 <c:pt idx="6">
-                  <c:v>170.0</c:v>
+                  <c:v>170</c:v>
                 </c:pt>
                 <c:pt idx="7">
-                  <c:v>170.0</c:v>
+                  <c:v>170</c:v>
                 </c:pt>
                 <c:pt idx="8">
-                  <c:v>170.0</c:v>
+                  <c:v>170</c:v>
                 </c:pt>
                 <c:pt idx="9">
-                  <c:v>0.0</c:v>
+                  <c:v>0</c:v>
                 </c:pt>
               </c:numCache>
             </c:numRef>
           </c:val>
-          <c:smooth val="0"/>
         </c:ser>
         <c:ser>
           <c:idx val="4"/>
@@ -1085,39 +1030,38 @@
                 <c:formatCode>General</c:formatCode>
                 <c:ptCount val="10"/>
                 <c:pt idx="0">
-                  <c:v>0.0</c:v>
+                  <c:v>0</c:v>
                 </c:pt>
                 <c:pt idx="1">
-                  <c:v>170.0</c:v>
+                  <c:v>170</c:v>
                 </c:pt>
                 <c:pt idx="2">
-                  <c:v>170.0</c:v>
+                  <c:v>170</c:v>
                 </c:pt>
                 <c:pt idx="3">
-                  <c:v>255.0</c:v>
+                  <c:v>255</c:v>
                 </c:pt>
                 <c:pt idx="4">
-                  <c:v>0.0</c:v>
+                  <c:v>0</c:v>
                 </c:pt>
                 <c:pt idx="5">
-                  <c:v>0.0</c:v>
+                  <c:v>0</c:v>
                 </c:pt>
                 <c:pt idx="6">
-                  <c:v>255.0</c:v>
+                  <c:v>255</c:v>
                 </c:pt>
                 <c:pt idx="7">
-                  <c:v>170.0</c:v>
+                  <c:v>170</c:v>
                 </c:pt>
                 <c:pt idx="8">
-                  <c:v>170.0</c:v>
+                  <c:v>170</c:v>
                 </c:pt>
                 <c:pt idx="9">
-                  <c:v>0.0</c:v>
+                  <c:v>0</c:v>
                 </c:pt>
               </c:numCache>
             </c:numRef>
           </c:val>
-          <c:smooth val="0"/>
         </c:ser>
         <c:ser>
           <c:idx val="5"/>
@@ -1135,39 +1079,38 @@
                 <c:formatCode>General</c:formatCode>
                 <c:ptCount val="10"/>
                 <c:pt idx="0">
-                  <c:v>0.0</c:v>
+                  <c:v>0</c:v>
                 </c:pt>
                 <c:pt idx="1">
-                  <c:v>170.0</c:v>
+                  <c:v>170</c:v>
                 </c:pt>
                 <c:pt idx="2">
-                  <c:v>170.0</c:v>
+                  <c:v>170</c:v>
                 </c:pt>
                 <c:pt idx="3">
-                  <c:v>255.0</c:v>
+                  <c:v>255</c:v>
                 </c:pt>
                 <c:pt idx="4">
-                  <c:v>0.0</c:v>
+                  <c:v>0</c:v>
                 </c:pt>
                 <c:pt idx="5">
-                  <c:v>0.0</c:v>
+                  <c:v>0</c:v>
                 </c:pt>
                 <c:pt idx="6">
-                  <c:v>255.0</c:v>
+                  <c:v>255</c:v>
                 </c:pt>
                 <c:pt idx="7">
-                  <c:v>170.0</c:v>
+                  <c:v>170</c:v>
                 </c:pt>
                 <c:pt idx="8">
-                  <c:v>170.0</c:v>
+                  <c:v>170</c:v>
                 </c:pt>
                 <c:pt idx="9">
-                  <c:v>0.0</c:v>
+                  <c:v>0</c:v>
                 </c:pt>
               </c:numCache>
             </c:numRef>
           </c:val>
-          <c:smooth val="0"/>
         </c:ser>
         <c:ser>
           <c:idx val="6"/>
@@ -1189,39 +1132,38 @@
                 <c:formatCode>General</c:formatCode>
                 <c:ptCount val="10"/>
                 <c:pt idx="0">
-                  <c:v>0.0</c:v>
+                  <c:v>0</c:v>
                 </c:pt>
                 <c:pt idx="1">
-                  <c:v>170.0</c:v>
+                  <c:v>170</c:v>
                 </c:pt>
                 <c:pt idx="2">
-                  <c:v>170.0</c:v>
+                  <c:v>170</c:v>
                 </c:pt>
                 <c:pt idx="3">
-                  <c:v>170.0</c:v>
+                  <c:v>170</c:v>
                 </c:pt>
                 <c:pt idx="4">
-                  <c:v>255.0</c:v>
+                  <c:v>255</c:v>
                 </c:pt>
                 <c:pt idx="5">
-                  <c:v>255.0</c:v>
+                  <c:v>255</c:v>
                 </c:pt>
                 <c:pt idx="6">
-                  <c:v>170.0</c:v>
+                  <c:v>170</c:v>
                 </c:pt>
                 <c:pt idx="7">
-                  <c:v>170.0</c:v>
+                  <c:v>170</c:v>
                 </c:pt>
                 <c:pt idx="8">
-                  <c:v>170.0</c:v>
+                  <c:v>170</c:v>
                 </c:pt>
                 <c:pt idx="9">
-                  <c:v>0.0</c:v>
+                  <c:v>0</c:v>
                 </c:pt>
               </c:numCache>
             </c:numRef>
           </c:val>
-          <c:smooth val="0"/>
         </c:ser>
         <c:ser>
           <c:idx val="7"/>
@@ -1236,39 +1178,38 @@
                 <c:formatCode>General</c:formatCode>
                 <c:ptCount val="10"/>
                 <c:pt idx="0">
-                  <c:v>0.0</c:v>
+                  <c:v>0</c:v>
                 </c:pt>
                 <c:pt idx="1">
-                  <c:v>170.0</c:v>
+                  <c:v>170</c:v>
                 </c:pt>
                 <c:pt idx="2">
-                  <c:v>170.0</c:v>
+                  <c:v>170</c:v>
                 </c:pt>
                 <c:pt idx="3">
-                  <c:v>170.0</c:v>
+                  <c:v>170</c:v>
                 </c:pt>
                 <c:pt idx="4">
-                  <c:v>170.0</c:v>
+                  <c:v>170</c:v>
                 </c:pt>
                 <c:pt idx="5">
-                  <c:v>170.0</c:v>
+                  <c:v>170</c:v>
                 </c:pt>
                 <c:pt idx="6">
-                  <c:v>170.0</c:v>
+                  <c:v>170</c:v>
                 </c:pt>
                 <c:pt idx="7">
-                  <c:v>170.0</c:v>
+                  <c:v>170</c:v>
                 </c:pt>
                 <c:pt idx="8">
-                  <c:v>170.0</c:v>
+                  <c:v>170</c:v>
                 </c:pt>
                 <c:pt idx="9">
-                  <c:v>0.0</c:v>
+                  <c:v>0</c:v>
                 </c:pt>
               </c:numCache>
             </c:numRef>
           </c:val>
-          <c:smooth val="0"/>
         </c:ser>
         <c:ser>
           <c:idx val="8"/>
@@ -1290,39 +1231,38 @@
                 <c:formatCode>General</c:formatCode>
                 <c:ptCount val="10"/>
                 <c:pt idx="0">
-                  <c:v>0.0</c:v>
+                  <c:v>0</c:v>
                 </c:pt>
                 <c:pt idx="1">
-                  <c:v>170.0</c:v>
+                  <c:v>170</c:v>
                 </c:pt>
                 <c:pt idx="2">
-                  <c:v>170.0</c:v>
+                  <c:v>170</c:v>
                 </c:pt>
                 <c:pt idx="3">
-                  <c:v>170.0</c:v>
+                  <c:v>170</c:v>
                 </c:pt>
                 <c:pt idx="4">
-                  <c:v>170.0</c:v>
+                  <c:v>170</c:v>
                 </c:pt>
                 <c:pt idx="5">
-                  <c:v>170.0</c:v>
+                  <c:v>170</c:v>
                 </c:pt>
                 <c:pt idx="6">
-                  <c:v>170.0</c:v>
+                  <c:v>170</c:v>
                 </c:pt>
                 <c:pt idx="7">
-                  <c:v>170.0</c:v>
+                  <c:v>170</c:v>
                 </c:pt>
                 <c:pt idx="8">
-                  <c:v>170.0</c:v>
+                  <c:v>170</c:v>
                 </c:pt>
                 <c:pt idx="9">
-                  <c:v>0.0</c:v>
+                  <c:v>0</c:v>
                 </c:pt>
               </c:numCache>
             </c:numRef>
           </c:val>
-          <c:smooth val="0"/>
         </c:ser>
         <c:ser>
           <c:idx val="9"/>
@@ -1340,82 +1280,67 @@
                 <c:formatCode>General</c:formatCode>
                 <c:ptCount val="10"/>
                 <c:pt idx="0">
-                  <c:v>0.0</c:v>
+                  <c:v>0</c:v>
                 </c:pt>
                 <c:pt idx="1">
-                  <c:v>0.0</c:v>
+                  <c:v>0</c:v>
                 </c:pt>
                 <c:pt idx="2">
-                  <c:v>0.0</c:v>
+                  <c:v>0</c:v>
                 </c:pt>
                 <c:pt idx="3">
-                  <c:v>0.0</c:v>
+                  <c:v>0</c:v>
                 </c:pt>
                 <c:pt idx="4">
-                  <c:v>0.0</c:v>
+                  <c:v>0</c:v>
                 </c:pt>
                 <c:pt idx="5">
-                  <c:v>0.0</c:v>
+                  <c:v>0</c:v>
                 </c:pt>
                 <c:pt idx="6">
-                  <c:v>0.0</c:v>
+                  <c:v>0</c:v>
                 </c:pt>
                 <c:pt idx="7">
-                  <c:v>0.0</c:v>
+                  <c:v>0</c:v>
                 </c:pt>
                 <c:pt idx="8">
-                  <c:v>0.0</c:v>
+                  <c:v>0</c:v>
                 </c:pt>
                 <c:pt idx="9">
-                  <c:v>0.0</c:v>
+                  <c:v>0</c:v>
                 </c:pt>
               </c:numCache>
             </c:numRef>
           </c:val>
-          <c:smooth val="0"/>
         </c:ser>
-        <c:dLbls>
-          <c:showLegendKey val="0"/>
-          <c:showVal val="0"/>
-          <c:showCatName val="0"/>
-          <c:showSerName val="0"/>
-          <c:showPercent val="0"/>
-          <c:showBubbleSize val="0"/>
-        </c:dLbls>
-        <c:smooth val="0"/>
-        <c:axId val="-1293542880"/>
-        <c:axId val="-782879904"/>
+        <c:dLbls/>
+        <c:marker val="1"/>
+        <c:axId val="82232832"/>
+        <c:axId val="82234368"/>
       </c:lineChart>
       <c:catAx>
-        <c:axId val="-1293542880"/>
+        <c:axId val="82232832"/>
         <c:scaling>
           <c:orientation val="minMax"/>
         </c:scaling>
-        <c:delete val="0"/>
         <c:axPos val="b"/>
-        <c:majorTickMark val="out"/>
-        <c:minorTickMark val="none"/>
         <c:tickLblPos val="nextTo"/>
-        <c:crossAx val="-782879904"/>
+        <c:crossAx val="82234368"/>
         <c:crosses val="autoZero"/>
         <c:auto val="1"/>
         <c:lblAlgn val="ctr"/>
         <c:lblOffset val="100"/>
-        <c:noMultiLvlLbl val="0"/>
       </c:catAx>
       <c:valAx>
-        <c:axId val="-782879904"/>
+        <c:axId val="82234368"/>
         <c:scaling>
           <c:orientation val="minMax"/>
         </c:scaling>
-        <c:delete val="0"/>
         <c:axPos val="l"/>
         <c:majorGridlines/>
         <c:numFmt formatCode="General" sourceLinked="1"/>
-        <c:majorTickMark val="out"/>
-        <c:minorTickMark val="none"/>
         <c:tickLblPos val="nextTo"/>
-        <c:crossAx val="-1293542880"/>
+        <c:crossAx val="82232832"/>
         <c:crosses val="autoZero"/>
         <c:crossBetween val="between"/>
       </c:valAx>
@@ -1425,7 +1350,6 @@
     </c:plotArea>
     <c:plotVisOnly val="1"/>
     <c:dispBlanksAs val="zero"/>
-    <c:showDLblsOverMax val="0"/>
   </c:chart>
   <c:spPr>
     <a:gradFill>
@@ -1452,45 +1376,22 @@
       <a:lin ang="5400000" scaled="0"/>
     </a:gradFill>
   </c:spPr>
-  <c:externalData r:id="rId1">
-    <c:autoUpdate val="0"/>
-  </c:externalData>
+  <c:externalData r:id="rId1"/>
 </c:chartSpace>
 </file>
 
 <file path=ppt/charts/chart11.xml><?xml version="1.0" encoding="utf-8"?>
 <c:chartSpace xmlns:c="http://schemas.openxmlformats.org/drawingml/2006/chart" xmlns:a="http://schemas.openxmlformats.org/drawingml/2006/main" xmlns:r="http://schemas.openxmlformats.org/officeDocument/2006/relationships">
-  <c:date1904 val="0"/>
   <c:lang val="ja-JP"/>
-  <c:roundedCorners val="0"/>
-  <mc:AlternateContent xmlns:mc="http://schemas.openxmlformats.org/markup-compatibility/2006">
-    <mc:Choice xmlns:c14="http://schemas.microsoft.com/office/drawing/2007/8/2/chart" Requires="c14">
-      <c14:style val="102"/>
-    </mc:Choice>
-    <mc:Fallback>
-      <c:style val="2"/>
-    </mc:Fallback>
-  </mc:AlternateContent>
   <c:chart>
-    <c:autoTitleDeleted val="0"/>
     <c:view3D>
       <c:rotX val="50"/>
       <c:rotY val="0"/>
-      <c:rAngAx val="0"/>
+      <c:perspective val="30"/>
     </c:view3D>
-    <c:floor>
-      <c:thickness val="0"/>
-    </c:floor>
-    <c:sideWall>
-      <c:thickness val="0"/>
-    </c:sideWall>
-    <c:backWall>
-      <c:thickness val="0"/>
-    </c:backWall>
     <c:plotArea>
       <c:layout/>
       <c:surface3DChart>
-        <c:wireframe val="0"/>
         <c:ser>
           <c:idx val="0"/>
           <c:order val="0"/>
@@ -1501,34 +1402,34 @@
                 <c:formatCode>General</c:formatCode>
                 <c:ptCount val="10"/>
                 <c:pt idx="0">
-                  <c:v>0.0</c:v>
+                  <c:v>0</c:v>
                 </c:pt>
                 <c:pt idx="1">
-                  <c:v>0.0</c:v>
+                  <c:v>0</c:v>
                 </c:pt>
                 <c:pt idx="2">
-                  <c:v>0.0</c:v>
+                  <c:v>0</c:v>
                 </c:pt>
                 <c:pt idx="3">
-                  <c:v>0.0</c:v>
+                  <c:v>0</c:v>
                 </c:pt>
                 <c:pt idx="4">
-                  <c:v>0.0</c:v>
+                  <c:v>0</c:v>
                 </c:pt>
                 <c:pt idx="5">
-                  <c:v>0.0</c:v>
+                  <c:v>0</c:v>
                 </c:pt>
                 <c:pt idx="6">
-                  <c:v>0.0</c:v>
+                  <c:v>0</c:v>
                 </c:pt>
                 <c:pt idx="7">
-                  <c:v>0.0</c:v>
+                  <c:v>0</c:v>
                 </c:pt>
                 <c:pt idx="8">
-                  <c:v>0.0</c:v>
+                  <c:v>0</c:v>
                 </c:pt>
                 <c:pt idx="9">
-                  <c:v>0.0</c:v>
+                  <c:v>0</c:v>
                 </c:pt>
               </c:numCache>
             </c:numRef>
@@ -1544,34 +1445,34 @@
                 <c:formatCode>General</c:formatCode>
                 <c:ptCount val="10"/>
                 <c:pt idx="0">
-                  <c:v>0.0</c:v>
+                  <c:v>0</c:v>
                 </c:pt>
                 <c:pt idx="1">
-                  <c:v>100.0</c:v>
+                  <c:v>100</c:v>
                 </c:pt>
                 <c:pt idx="2">
-                  <c:v>100.0</c:v>
+                  <c:v>100</c:v>
                 </c:pt>
                 <c:pt idx="3">
-                  <c:v>100.0</c:v>
+                  <c:v>100</c:v>
                 </c:pt>
                 <c:pt idx="4">
-                  <c:v>100.0</c:v>
+                  <c:v>100</c:v>
                 </c:pt>
                 <c:pt idx="5">
-                  <c:v>100.0</c:v>
+                  <c:v>100</c:v>
                 </c:pt>
                 <c:pt idx="6">
-                  <c:v>100.0</c:v>
+                  <c:v>100</c:v>
                 </c:pt>
                 <c:pt idx="7">
-                  <c:v>100.0</c:v>
+                  <c:v>100</c:v>
                 </c:pt>
                 <c:pt idx="8">
-                  <c:v>100.0</c:v>
+                  <c:v>100</c:v>
                 </c:pt>
                 <c:pt idx="9">
-                  <c:v>0.0</c:v>
+                  <c:v>0</c:v>
                 </c:pt>
               </c:numCache>
             </c:numRef>
@@ -1587,34 +1488,34 @@
                 <c:formatCode>General</c:formatCode>
                 <c:ptCount val="10"/>
                 <c:pt idx="0">
-                  <c:v>0.0</c:v>
+                  <c:v>0</c:v>
                 </c:pt>
                 <c:pt idx="1">
-                  <c:v>100.0</c:v>
+                  <c:v>100</c:v>
                 </c:pt>
                 <c:pt idx="2">
-                  <c:v>100.0</c:v>
+                  <c:v>100</c:v>
                 </c:pt>
                 <c:pt idx="3">
-                  <c:v>100.0</c:v>
+                  <c:v>100</c:v>
                 </c:pt>
                 <c:pt idx="4">
-                  <c:v>100.0</c:v>
+                  <c:v>100</c:v>
                 </c:pt>
                 <c:pt idx="5">
-                  <c:v>100.0</c:v>
+                  <c:v>100</c:v>
                 </c:pt>
                 <c:pt idx="6">
-                  <c:v>100.0</c:v>
+                  <c:v>100</c:v>
                 </c:pt>
                 <c:pt idx="7">
-                  <c:v>100.0</c:v>
+                  <c:v>100</c:v>
                 </c:pt>
                 <c:pt idx="8">
-                  <c:v>100.0</c:v>
+                  <c:v>100</c:v>
                 </c:pt>
                 <c:pt idx="9">
-                  <c:v>0.0</c:v>
+                  <c:v>0</c:v>
                 </c:pt>
               </c:numCache>
             </c:numRef>
@@ -1630,34 +1531,34 @@
                 <c:formatCode>General</c:formatCode>
                 <c:ptCount val="10"/>
                 <c:pt idx="0">
-                  <c:v>0.0</c:v>
+                  <c:v>0</c:v>
                 </c:pt>
                 <c:pt idx="1">
-                  <c:v>100.0</c:v>
+                  <c:v>100</c:v>
                 </c:pt>
                 <c:pt idx="2">
-                  <c:v>100.0</c:v>
+                  <c:v>100</c:v>
                 </c:pt>
                 <c:pt idx="3">
-                  <c:v>100.0</c:v>
+                  <c:v>100</c:v>
                 </c:pt>
                 <c:pt idx="4">
-                  <c:v>0.0</c:v>
+                  <c:v>0</c:v>
                 </c:pt>
                 <c:pt idx="5">
-                  <c:v>0.0</c:v>
+                  <c:v>0</c:v>
                 </c:pt>
                 <c:pt idx="6">
-                  <c:v>100.0</c:v>
+                  <c:v>100</c:v>
                 </c:pt>
                 <c:pt idx="7">
-                  <c:v>100.0</c:v>
+                  <c:v>100</c:v>
                 </c:pt>
                 <c:pt idx="8">
-                  <c:v>100.0</c:v>
+                  <c:v>100</c:v>
                 </c:pt>
                 <c:pt idx="9">
-                  <c:v>0.0</c:v>
+                  <c:v>0</c:v>
                 </c:pt>
               </c:numCache>
             </c:numRef>
@@ -1673,34 +1574,34 @@
                 <c:formatCode>General</c:formatCode>
                 <c:ptCount val="10"/>
                 <c:pt idx="0">
-                  <c:v>0.0</c:v>
+                  <c:v>0</c:v>
                 </c:pt>
                 <c:pt idx="1">
-                  <c:v>100.0</c:v>
+                  <c:v>100</c:v>
                 </c:pt>
                 <c:pt idx="2">
-                  <c:v>100.0</c:v>
+                  <c:v>100</c:v>
                 </c:pt>
                 <c:pt idx="3">
-                  <c:v>0.0</c:v>
+                  <c:v>0</c:v>
                 </c:pt>
                 <c:pt idx="4">
-                  <c:v>255.0</c:v>
+                  <c:v>255</c:v>
                 </c:pt>
                 <c:pt idx="5">
-                  <c:v>255.0</c:v>
+                  <c:v>255</c:v>
                 </c:pt>
                 <c:pt idx="6">
-                  <c:v>0.0</c:v>
+                  <c:v>0</c:v>
                 </c:pt>
                 <c:pt idx="7">
-                  <c:v>100.0</c:v>
+                  <c:v>100</c:v>
                 </c:pt>
                 <c:pt idx="8">
-                  <c:v>100.0</c:v>
+                  <c:v>100</c:v>
                 </c:pt>
                 <c:pt idx="9">
-                  <c:v>0.0</c:v>
+                  <c:v>0</c:v>
                 </c:pt>
               </c:numCache>
             </c:numRef>
@@ -1716,34 +1617,34 @@
                 <c:formatCode>General</c:formatCode>
                 <c:ptCount val="10"/>
                 <c:pt idx="0">
-                  <c:v>0.0</c:v>
+                  <c:v>0</c:v>
                 </c:pt>
                 <c:pt idx="1">
-                  <c:v>100.0</c:v>
+                  <c:v>100</c:v>
                 </c:pt>
                 <c:pt idx="2">
-                  <c:v>100.0</c:v>
+                  <c:v>100</c:v>
                 </c:pt>
                 <c:pt idx="3">
-                  <c:v>0.0</c:v>
+                  <c:v>0</c:v>
                 </c:pt>
                 <c:pt idx="4">
-                  <c:v>255.0</c:v>
+                  <c:v>255</c:v>
                 </c:pt>
                 <c:pt idx="5">
-                  <c:v>255.0</c:v>
+                  <c:v>255</c:v>
                 </c:pt>
                 <c:pt idx="6">
-                  <c:v>0.0</c:v>
+                  <c:v>0</c:v>
                 </c:pt>
                 <c:pt idx="7">
-                  <c:v>100.0</c:v>
+                  <c:v>100</c:v>
                 </c:pt>
                 <c:pt idx="8">
-                  <c:v>100.0</c:v>
+                  <c:v>100</c:v>
                 </c:pt>
                 <c:pt idx="9">
-                  <c:v>0.0</c:v>
+                  <c:v>0</c:v>
                 </c:pt>
               </c:numCache>
             </c:numRef>
@@ -1759,34 +1660,34 @@
                 <c:formatCode>General</c:formatCode>
                 <c:ptCount val="10"/>
                 <c:pt idx="0">
-                  <c:v>0.0</c:v>
+                  <c:v>0</c:v>
                 </c:pt>
                 <c:pt idx="1">
-                  <c:v>100.0</c:v>
+                  <c:v>100</c:v>
                 </c:pt>
                 <c:pt idx="2">
-                  <c:v>100.0</c:v>
+                  <c:v>100</c:v>
                 </c:pt>
                 <c:pt idx="3">
-                  <c:v>100.0</c:v>
+                  <c:v>100</c:v>
                 </c:pt>
                 <c:pt idx="4">
-                  <c:v>0.0</c:v>
+                  <c:v>0</c:v>
                 </c:pt>
                 <c:pt idx="5">
-                  <c:v>0.0</c:v>
+                  <c:v>0</c:v>
                 </c:pt>
                 <c:pt idx="6">
-                  <c:v>100.0</c:v>
+                  <c:v>100</c:v>
                 </c:pt>
                 <c:pt idx="7">
-                  <c:v>100.0</c:v>
+                  <c:v>100</c:v>
                 </c:pt>
                 <c:pt idx="8">
-                  <c:v>100.0</c:v>
+                  <c:v>100</c:v>
                 </c:pt>
                 <c:pt idx="9">
-                  <c:v>0.0</c:v>
+                  <c:v>0</c:v>
                 </c:pt>
               </c:numCache>
             </c:numRef>
@@ -1802,34 +1703,34 @@
                 <c:formatCode>General</c:formatCode>
                 <c:ptCount val="10"/>
                 <c:pt idx="0">
-                  <c:v>0.0</c:v>
+                  <c:v>0</c:v>
                 </c:pt>
                 <c:pt idx="1">
-                  <c:v>100.0</c:v>
+                  <c:v>100</c:v>
                 </c:pt>
                 <c:pt idx="2">
-                  <c:v>100.0</c:v>
+                  <c:v>100</c:v>
                 </c:pt>
                 <c:pt idx="3">
-                  <c:v>100.0</c:v>
+                  <c:v>100</c:v>
                 </c:pt>
                 <c:pt idx="4">
-                  <c:v>100.0</c:v>
+                  <c:v>100</c:v>
                 </c:pt>
                 <c:pt idx="5">
-                  <c:v>100.0</c:v>
+                  <c:v>100</c:v>
                 </c:pt>
                 <c:pt idx="6">
-                  <c:v>100.0</c:v>
+                  <c:v>100</c:v>
                 </c:pt>
                 <c:pt idx="7">
-                  <c:v>100.0</c:v>
+                  <c:v>100</c:v>
                 </c:pt>
                 <c:pt idx="8">
-                  <c:v>100.0</c:v>
+                  <c:v>100</c:v>
                 </c:pt>
                 <c:pt idx="9">
-                  <c:v>0.0</c:v>
+                  <c:v>0</c:v>
                 </c:pt>
               </c:numCache>
             </c:numRef>
@@ -1845,34 +1746,34 @@
                 <c:formatCode>General</c:formatCode>
                 <c:ptCount val="10"/>
                 <c:pt idx="0">
-                  <c:v>0.0</c:v>
+                  <c:v>0</c:v>
                 </c:pt>
                 <c:pt idx="1">
-                  <c:v>100.0</c:v>
+                  <c:v>100</c:v>
                 </c:pt>
                 <c:pt idx="2">
-                  <c:v>100.0</c:v>
+                  <c:v>100</c:v>
                 </c:pt>
                 <c:pt idx="3">
-                  <c:v>100.0</c:v>
+                  <c:v>100</c:v>
                 </c:pt>
                 <c:pt idx="4">
-                  <c:v>100.0</c:v>
+                  <c:v>100</c:v>
                 </c:pt>
                 <c:pt idx="5">
-                  <c:v>100.0</c:v>
+                  <c:v>100</c:v>
                 </c:pt>
                 <c:pt idx="6">
-                  <c:v>100.0</c:v>
+                  <c:v>100</c:v>
                 </c:pt>
                 <c:pt idx="7">
-                  <c:v>100.0</c:v>
+                  <c:v>100</c:v>
                 </c:pt>
                 <c:pt idx="8">
-                  <c:v>100.0</c:v>
+                  <c:v>100</c:v>
                 </c:pt>
                 <c:pt idx="9">
-                  <c:v>0.0</c:v>
+                  <c:v>0</c:v>
                 </c:pt>
               </c:numCache>
             </c:numRef>
@@ -1888,94 +1789,85 @@
                 <c:formatCode>General</c:formatCode>
                 <c:ptCount val="10"/>
                 <c:pt idx="0">
-                  <c:v>0.0</c:v>
+                  <c:v>0</c:v>
                 </c:pt>
                 <c:pt idx="1">
-                  <c:v>0.0</c:v>
+                  <c:v>0</c:v>
                 </c:pt>
                 <c:pt idx="2">
-                  <c:v>0.0</c:v>
+                  <c:v>0</c:v>
                 </c:pt>
                 <c:pt idx="3">
-                  <c:v>0.0</c:v>
+                  <c:v>0</c:v>
                 </c:pt>
                 <c:pt idx="4">
-                  <c:v>0.0</c:v>
+                  <c:v>0</c:v>
                 </c:pt>
                 <c:pt idx="5">
-                  <c:v>0.0</c:v>
+                  <c:v>0</c:v>
                 </c:pt>
                 <c:pt idx="6">
-                  <c:v>0.0</c:v>
+                  <c:v>0</c:v>
                 </c:pt>
                 <c:pt idx="7">
-                  <c:v>0.0</c:v>
+                  <c:v>0</c:v>
                 </c:pt>
                 <c:pt idx="8">
-                  <c:v>0.0</c:v>
+                  <c:v>0</c:v>
                 </c:pt>
                 <c:pt idx="9">
-                  <c:v>0.0</c:v>
+                  <c:v>0</c:v>
                 </c:pt>
               </c:numCache>
             </c:numRef>
           </c:val>
         </c:ser>
         <c:bandFmts/>
-        <c:axId val="-1249485872"/>
-        <c:axId val="-826609600"/>
-        <c:axId val="-826607280"/>
+        <c:axId val="82299904"/>
+        <c:axId val="82322176"/>
+        <c:axId val="82259456"/>
       </c:surface3DChart>
       <c:catAx>
-        <c:axId val="-1249485872"/>
+        <c:axId val="82299904"/>
         <c:scaling>
           <c:orientation val="minMax"/>
         </c:scaling>
-        <c:delete val="0"/>
         <c:axPos val="b"/>
-        <c:majorTickMark val="out"/>
-        <c:minorTickMark val="none"/>
         <c:tickLblPos val="nextTo"/>
-        <c:crossAx val="-826609600"/>
+        <c:crossAx val="82322176"/>
         <c:crosses val="autoZero"/>
         <c:auto val="1"/>
         <c:lblAlgn val="ctr"/>
         <c:lblOffset val="100"/>
-        <c:noMultiLvlLbl val="0"/>
       </c:catAx>
       <c:valAx>
-        <c:axId val="-826609600"/>
+        <c:axId val="82322176"/>
         <c:scaling>
           <c:orientation val="minMax"/>
         </c:scaling>
-        <c:delete val="0"/>
         <c:axPos val="l"/>
         <c:majorGridlines/>
         <c:numFmt formatCode="General" sourceLinked="1"/>
-        <c:majorTickMark val="out"/>
-        <c:minorTickMark val="none"/>
         <c:tickLblPos val="nextTo"/>
-        <c:crossAx val="-1249485872"/>
+        <c:crossAx val="82299904"/>
         <c:crosses val="autoZero"/>
         <c:crossBetween val="midCat"/>
       </c:valAx>
       <c:serAx>
-        <c:axId val="-826607280"/>
+        <c:axId val="82259456"/>
         <c:scaling>
           <c:orientation val="minMax"/>
         </c:scaling>
         <c:delete val="1"/>
         <c:axPos val="b"/>
-        <c:majorTickMark val="out"/>
-        <c:minorTickMark val="none"/>
         <c:tickLblPos val="none"/>
-        <c:crossAx val="-826609600"/>
+        <c:crossAx val="82322176"/>
         <c:crosses val="autoZero"/>
       </c:serAx>
     </c:plotArea>
     <c:legend>
       <c:legendPos val="r"/>
-      <c:overlay val="0"/>
+      <c:layout/>
       <c:txPr>
         <a:bodyPr/>
         <a:lstStyle/>
@@ -1989,7 +1881,6 @@
     </c:legend>
     <c:plotVisOnly val="1"/>
     <c:dispBlanksAs val="zero"/>
-    <c:showDLblsOverMax val="0"/>
   </c:chart>
   <c:spPr>
     <a:gradFill>
@@ -2016,46 +1907,22 @@
       <a:lin ang="5400000" scaled="0"/>
     </a:gradFill>
   </c:spPr>
-  <c:externalData r:id="rId1">
-    <c:autoUpdate val="0"/>
-  </c:externalData>
+  <c:externalData r:id="rId1"/>
 </c:chartSpace>
 </file>
 
 <file path=ppt/charts/chart12.xml><?xml version="1.0" encoding="utf-8"?>
 <c:chartSpace xmlns:c="http://schemas.openxmlformats.org/drawingml/2006/chart" xmlns:a="http://schemas.openxmlformats.org/drawingml/2006/main" xmlns:r="http://schemas.openxmlformats.org/officeDocument/2006/relationships">
-  <c:date1904 val="0"/>
   <c:lang val="ja-JP"/>
-  <c:roundedCorners val="0"/>
-  <mc:AlternateContent xmlns:mc="http://schemas.openxmlformats.org/markup-compatibility/2006">
-    <mc:Choice xmlns:c14="http://schemas.microsoft.com/office/drawing/2007/8/2/chart" Requires="c14">
-      <c14:style val="102"/>
-    </mc:Choice>
-    <mc:Fallback>
-      <c:style val="2"/>
-    </mc:Fallback>
-  </mc:AlternateContent>
   <c:chart>
-    <c:autoTitleDeleted val="0"/>
     <c:view3D>
       <c:rotX val="50"/>
       <c:rotY val="0"/>
-      <c:rAngAx val="0"/>
       <c:perspective val="20"/>
     </c:view3D>
-    <c:floor>
-      <c:thickness val="0"/>
-    </c:floor>
-    <c:sideWall>
-      <c:thickness val="0"/>
-    </c:sideWall>
-    <c:backWall>
-      <c:thickness val="0"/>
-    </c:backWall>
     <c:plotArea>
       <c:layout/>
       <c:surface3DChart>
-        <c:wireframe val="0"/>
         <c:ser>
           <c:idx val="0"/>
           <c:order val="0"/>
@@ -2066,34 +1933,34 @@
                 <c:formatCode>General</c:formatCode>
                 <c:ptCount val="10"/>
                 <c:pt idx="0">
-                  <c:v>0.0</c:v>
+                  <c:v>0</c:v>
                 </c:pt>
                 <c:pt idx="1">
-                  <c:v>0.0</c:v>
+                  <c:v>0</c:v>
                 </c:pt>
                 <c:pt idx="2">
-                  <c:v>0.0</c:v>
+                  <c:v>0</c:v>
                 </c:pt>
                 <c:pt idx="3">
-                  <c:v>0.0</c:v>
+                  <c:v>0</c:v>
                 </c:pt>
                 <c:pt idx="4">
-                  <c:v>0.0</c:v>
+                  <c:v>0</c:v>
                 </c:pt>
                 <c:pt idx="5">
-                  <c:v>0.0</c:v>
+                  <c:v>0</c:v>
                 </c:pt>
                 <c:pt idx="6">
-                  <c:v>0.0</c:v>
+                  <c:v>0</c:v>
                 </c:pt>
                 <c:pt idx="7">
-                  <c:v>0.0</c:v>
+                  <c:v>0</c:v>
                 </c:pt>
                 <c:pt idx="8">
-                  <c:v>0.0</c:v>
+                  <c:v>0</c:v>
                 </c:pt>
                 <c:pt idx="9">
-                  <c:v>0.0</c:v>
+                  <c:v>0</c:v>
                 </c:pt>
               </c:numCache>
             </c:numRef>
@@ -2109,34 +1976,34 @@
                 <c:formatCode>General</c:formatCode>
                 <c:ptCount val="10"/>
                 <c:pt idx="0">
-                  <c:v>0.0</c:v>
+                  <c:v>0</c:v>
                 </c:pt>
                 <c:pt idx="1">
-                  <c:v>170.0</c:v>
+                  <c:v>170</c:v>
                 </c:pt>
                 <c:pt idx="2">
-                  <c:v>170.0</c:v>
+                  <c:v>170</c:v>
                 </c:pt>
                 <c:pt idx="3">
-                  <c:v>170.0</c:v>
+                  <c:v>170</c:v>
                 </c:pt>
                 <c:pt idx="4">
-                  <c:v>170.0</c:v>
+                  <c:v>170</c:v>
                 </c:pt>
                 <c:pt idx="5">
-                  <c:v>170.0</c:v>
+                  <c:v>170</c:v>
                 </c:pt>
                 <c:pt idx="6">
-                  <c:v>170.0</c:v>
+                  <c:v>170</c:v>
                 </c:pt>
                 <c:pt idx="7">
-                  <c:v>170.0</c:v>
+                  <c:v>170</c:v>
                 </c:pt>
                 <c:pt idx="8">
-                  <c:v>170.0</c:v>
+                  <c:v>170</c:v>
                 </c:pt>
                 <c:pt idx="9">
-                  <c:v>0.0</c:v>
+                  <c:v>0</c:v>
                 </c:pt>
               </c:numCache>
             </c:numRef>
@@ -2152,34 +2019,34 @@
                 <c:formatCode>General</c:formatCode>
                 <c:ptCount val="10"/>
                 <c:pt idx="0">
-                  <c:v>0.0</c:v>
+                  <c:v>0</c:v>
                 </c:pt>
                 <c:pt idx="1">
-                  <c:v>170.0</c:v>
+                  <c:v>170</c:v>
                 </c:pt>
                 <c:pt idx="2">
-                  <c:v>170.0</c:v>
+                  <c:v>170</c:v>
                 </c:pt>
                 <c:pt idx="3">
-                  <c:v>170.0</c:v>
+                  <c:v>170</c:v>
                 </c:pt>
                 <c:pt idx="4">
-                  <c:v>170.0</c:v>
+                  <c:v>170</c:v>
                 </c:pt>
                 <c:pt idx="5">
-                  <c:v>170.0</c:v>
+                  <c:v>170</c:v>
                 </c:pt>
                 <c:pt idx="6">
-                  <c:v>170.0</c:v>
+                  <c:v>170</c:v>
                 </c:pt>
                 <c:pt idx="7">
-                  <c:v>170.0</c:v>
+                  <c:v>170</c:v>
                 </c:pt>
                 <c:pt idx="8">
-                  <c:v>170.0</c:v>
+                  <c:v>170</c:v>
                 </c:pt>
                 <c:pt idx="9">
-                  <c:v>0.0</c:v>
+                  <c:v>0</c:v>
                 </c:pt>
               </c:numCache>
             </c:numRef>
@@ -2195,34 +2062,34 @@
                 <c:formatCode>General</c:formatCode>
                 <c:ptCount val="10"/>
                 <c:pt idx="0">
-                  <c:v>0.0</c:v>
+                  <c:v>0</c:v>
                 </c:pt>
                 <c:pt idx="1">
-                  <c:v>170.0</c:v>
+                  <c:v>170</c:v>
                 </c:pt>
                 <c:pt idx="2">
-                  <c:v>170.0</c:v>
+                  <c:v>170</c:v>
                 </c:pt>
                 <c:pt idx="3">
-                  <c:v>170.0</c:v>
+                  <c:v>170</c:v>
                 </c:pt>
                 <c:pt idx="4">
-                  <c:v>255.0</c:v>
+                  <c:v>255</c:v>
                 </c:pt>
                 <c:pt idx="5">
-                  <c:v>255.0</c:v>
+                  <c:v>255</c:v>
                 </c:pt>
                 <c:pt idx="6">
-                  <c:v>170.0</c:v>
+                  <c:v>170</c:v>
                 </c:pt>
                 <c:pt idx="7">
-                  <c:v>170.0</c:v>
+                  <c:v>170</c:v>
                 </c:pt>
                 <c:pt idx="8">
-                  <c:v>170.0</c:v>
+                  <c:v>170</c:v>
                 </c:pt>
                 <c:pt idx="9">
-                  <c:v>0.0</c:v>
+                  <c:v>0</c:v>
                 </c:pt>
               </c:numCache>
             </c:numRef>
@@ -2238,34 +2105,34 @@
                 <c:formatCode>General</c:formatCode>
                 <c:ptCount val="10"/>
                 <c:pt idx="0">
-                  <c:v>0.0</c:v>
+                  <c:v>0</c:v>
                 </c:pt>
                 <c:pt idx="1">
-                  <c:v>170.0</c:v>
+                  <c:v>170</c:v>
                 </c:pt>
                 <c:pt idx="2">
-                  <c:v>170.0</c:v>
+                  <c:v>170</c:v>
                 </c:pt>
                 <c:pt idx="3">
-                  <c:v>255.0</c:v>
+                  <c:v>255</c:v>
                 </c:pt>
                 <c:pt idx="4">
-                  <c:v>0.0</c:v>
+                  <c:v>0</c:v>
                 </c:pt>
                 <c:pt idx="5">
-                  <c:v>0.0</c:v>
+                  <c:v>0</c:v>
                 </c:pt>
                 <c:pt idx="6">
-                  <c:v>255.0</c:v>
+                  <c:v>255</c:v>
                 </c:pt>
                 <c:pt idx="7">
-                  <c:v>170.0</c:v>
+                  <c:v>170</c:v>
                 </c:pt>
                 <c:pt idx="8">
-                  <c:v>170.0</c:v>
+                  <c:v>170</c:v>
                 </c:pt>
                 <c:pt idx="9">
-                  <c:v>0.0</c:v>
+                  <c:v>0</c:v>
                 </c:pt>
               </c:numCache>
             </c:numRef>
@@ -2281,34 +2148,34 @@
                 <c:formatCode>General</c:formatCode>
                 <c:ptCount val="10"/>
                 <c:pt idx="0">
-                  <c:v>0.0</c:v>
+                  <c:v>0</c:v>
                 </c:pt>
                 <c:pt idx="1">
-                  <c:v>170.0</c:v>
+                  <c:v>170</c:v>
                 </c:pt>
                 <c:pt idx="2">
-                  <c:v>170.0</c:v>
+                  <c:v>170</c:v>
                 </c:pt>
                 <c:pt idx="3">
-                  <c:v>255.0</c:v>
+                  <c:v>255</c:v>
                 </c:pt>
                 <c:pt idx="4">
-                  <c:v>0.0</c:v>
+                  <c:v>0</c:v>
                 </c:pt>
                 <c:pt idx="5">
-                  <c:v>0.0</c:v>
+                  <c:v>0</c:v>
                 </c:pt>
                 <c:pt idx="6">
-                  <c:v>255.0</c:v>
+                  <c:v>255</c:v>
                 </c:pt>
                 <c:pt idx="7">
-                  <c:v>170.0</c:v>
+                  <c:v>170</c:v>
                 </c:pt>
                 <c:pt idx="8">
-                  <c:v>170.0</c:v>
+                  <c:v>170</c:v>
                 </c:pt>
                 <c:pt idx="9">
-                  <c:v>0.0</c:v>
+                  <c:v>0</c:v>
                 </c:pt>
               </c:numCache>
             </c:numRef>
@@ -2324,34 +2191,34 @@
                 <c:formatCode>General</c:formatCode>
                 <c:ptCount val="10"/>
                 <c:pt idx="0">
-                  <c:v>0.0</c:v>
+                  <c:v>0</c:v>
                 </c:pt>
                 <c:pt idx="1">
-                  <c:v>170.0</c:v>
+                  <c:v>170</c:v>
                 </c:pt>
                 <c:pt idx="2">
-                  <c:v>170.0</c:v>
+                  <c:v>170</c:v>
                 </c:pt>
                 <c:pt idx="3">
-                  <c:v>170.0</c:v>
+                  <c:v>170</c:v>
                 </c:pt>
                 <c:pt idx="4">
-                  <c:v>255.0</c:v>
+                  <c:v>255</c:v>
                 </c:pt>
                 <c:pt idx="5">
-                  <c:v>255.0</c:v>
+                  <c:v>255</c:v>
                 </c:pt>
                 <c:pt idx="6">
-                  <c:v>170.0</c:v>
+                  <c:v>170</c:v>
                 </c:pt>
                 <c:pt idx="7">
-                  <c:v>170.0</c:v>
+                  <c:v>170</c:v>
                 </c:pt>
                 <c:pt idx="8">
-                  <c:v>170.0</c:v>
+                  <c:v>170</c:v>
                 </c:pt>
                 <c:pt idx="9">
-                  <c:v>0.0</c:v>
+                  <c:v>0</c:v>
                 </c:pt>
               </c:numCache>
             </c:numRef>
@@ -2367,34 +2234,34 @@
                 <c:formatCode>General</c:formatCode>
                 <c:ptCount val="10"/>
                 <c:pt idx="0">
-                  <c:v>0.0</c:v>
+                  <c:v>0</c:v>
                 </c:pt>
                 <c:pt idx="1">
-                  <c:v>170.0</c:v>
+                  <c:v>170</c:v>
                 </c:pt>
                 <c:pt idx="2">
-                  <c:v>170.0</c:v>
+                  <c:v>170</c:v>
                 </c:pt>
                 <c:pt idx="3">
-                  <c:v>170.0</c:v>
+                  <c:v>170</c:v>
                 </c:pt>
                 <c:pt idx="4">
-                  <c:v>170.0</c:v>
+                  <c:v>170</c:v>
                 </c:pt>
                 <c:pt idx="5">
-                  <c:v>170.0</c:v>
+                  <c:v>170</c:v>
                 </c:pt>
                 <c:pt idx="6">
-                  <c:v>170.0</c:v>
+                  <c:v>170</c:v>
                 </c:pt>
                 <c:pt idx="7">
-                  <c:v>170.0</c:v>
+                  <c:v>170</c:v>
                 </c:pt>
                 <c:pt idx="8">
-                  <c:v>170.0</c:v>
+                  <c:v>170</c:v>
                 </c:pt>
                 <c:pt idx="9">
-                  <c:v>0.0</c:v>
+                  <c:v>0</c:v>
                 </c:pt>
               </c:numCache>
             </c:numRef>
@@ -2410,34 +2277,34 @@
                 <c:formatCode>General</c:formatCode>
                 <c:ptCount val="10"/>
                 <c:pt idx="0">
-                  <c:v>0.0</c:v>
+                  <c:v>0</c:v>
                 </c:pt>
                 <c:pt idx="1">
-                  <c:v>170.0</c:v>
+                  <c:v>170</c:v>
                 </c:pt>
                 <c:pt idx="2">
-                  <c:v>170.0</c:v>
+                  <c:v>170</c:v>
                 </c:pt>
                 <c:pt idx="3">
-                  <c:v>170.0</c:v>
+                  <c:v>170</c:v>
                 </c:pt>
                 <c:pt idx="4">
-                  <c:v>170.0</c:v>
+                  <c:v>170</c:v>
                 </c:pt>
                 <c:pt idx="5">
-                  <c:v>170.0</c:v>
+                  <c:v>170</c:v>
                 </c:pt>
                 <c:pt idx="6">
-                  <c:v>170.0</c:v>
+                  <c:v>170</c:v>
                 </c:pt>
                 <c:pt idx="7">
-                  <c:v>170.0</c:v>
+                  <c:v>170</c:v>
                 </c:pt>
                 <c:pt idx="8">
-                  <c:v>170.0</c:v>
+                  <c:v>170</c:v>
                 </c:pt>
                 <c:pt idx="9">
-                  <c:v>0.0</c:v>
+                  <c:v>0</c:v>
                 </c:pt>
               </c:numCache>
             </c:numRef>
@@ -2453,94 +2320,85 @@
                 <c:formatCode>General</c:formatCode>
                 <c:ptCount val="10"/>
                 <c:pt idx="0">
-                  <c:v>0.0</c:v>
+                  <c:v>0</c:v>
                 </c:pt>
                 <c:pt idx="1">
-                  <c:v>0.0</c:v>
+                  <c:v>0</c:v>
                 </c:pt>
                 <c:pt idx="2">
-                  <c:v>0.0</c:v>
+                  <c:v>0</c:v>
                 </c:pt>
                 <c:pt idx="3">
-                  <c:v>0.0</c:v>
+                  <c:v>0</c:v>
                 </c:pt>
                 <c:pt idx="4">
-                  <c:v>0.0</c:v>
+                  <c:v>0</c:v>
                 </c:pt>
                 <c:pt idx="5">
-                  <c:v>0.0</c:v>
+                  <c:v>0</c:v>
                 </c:pt>
                 <c:pt idx="6">
-                  <c:v>0.0</c:v>
+                  <c:v>0</c:v>
                 </c:pt>
                 <c:pt idx="7">
-                  <c:v>0.0</c:v>
+                  <c:v>0</c:v>
                 </c:pt>
                 <c:pt idx="8">
-                  <c:v>0.0</c:v>
+                  <c:v>0</c:v>
                 </c:pt>
                 <c:pt idx="9">
-                  <c:v>0.0</c:v>
+                  <c:v>0</c:v>
                 </c:pt>
               </c:numCache>
             </c:numRef>
           </c:val>
         </c:ser>
         <c:bandFmts/>
-        <c:axId val="-826873168"/>
-        <c:axId val="-827099136"/>
-        <c:axId val="-827096816"/>
+        <c:axId val="82371328"/>
+        <c:axId val="82372864"/>
+        <c:axId val="82355520"/>
       </c:surface3DChart>
       <c:catAx>
-        <c:axId val="-826873168"/>
+        <c:axId val="82371328"/>
         <c:scaling>
           <c:orientation val="minMax"/>
         </c:scaling>
-        <c:delete val="0"/>
         <c:axPos val="b"/>
-        <c:majorTickMark val="out"/>
-        <c:minorTickMark val="none"/>
         <c:tickLblPos val="nextTo"/>
-        <c:crossAx val="-827099136"/>
+        <c:crossAx val="82372864"/>
         <c:crosses val="autoZero"/>
         <c:auto val="1"/>
         <c:lblAlgn val="ctr"/>
         <c:lblOffset val="100"/>
-        <c:noMultiLvlLbl val="0"/>
       </c:catAx>
       <c:valAx>
-        <c:axId val="-827099136"/>
+        <c:axId val="82372864"/>
         <c:scaling>
           <c:orientation val="minMax"/>
         </c:scaling>
-        <c:delete val="0"/>
         <c:axPos val="l"/>
         <c:majorGridlines/>
         <c:numFmt formatCode="General" sourceLinked="1"/>
-        <c:majorTickMark val="out"/>
-        <c:minorTickMark val="none"/>
         <c:tickLblPos val="nextTo"/>
-        <c:crossAx val="-826873168"/>
+        <c:crossAx val="82371328"/>
         <c:crosses val="autoZero"/>
         <c:crossBetween val="midCat"/>
       </c:valAx>
       <c:serAx>
-        <c:axId val="-827096816"/>
+        <c:axId val="82355520"/>
         <c:scaling>
           <c:orientation val="minMax"/>
         </c:scaling>
         <c:delete val="1"/>
         <c:axPos val="b"/>
-        <c:majorTickMark val="out"/>
-        <c:minorTickMark val="none"/>
         <c:tickLblPos val="none"/>
-        <c:crossAx val="-827099136"/>
+        <c:crossAx val="82372864"/>
         <c:crosses val="autoZero"/>
       </c:serAx>
     </c:plotArea>
     <c:legend>
       <c:legendPos val="r"/>
-      <c:overlay val="0"/>
+      <c:layout/>
       <c:txPr>
         <a:bodyPr/>
         <a:lstStyle/>
@@ -2554,7 +2412,6 @@
     </c:legend>
     <c:plotVisOnly val="1"/>
     <c:dispBlanksAs val="zero"/>
-    <c:showDLblsOverMax val="0"/>
   </c:chart>
   <c:spPr>
     <a:gradFill>
@@ -2581,32 +2438,18 @@
       <a:lin ang="5400000" scaled="0"/>
     </a:gradFill>
   </c:spPr>
-  <c:externalData r:id="rId1">
-    <c:autoUpdate val="0"/>
-  </c:externalData>
+  <c:externalData r:id="rId1"/>
 </c:chartSpace>
 </file>
 
 <file path=ppt/charts/chart2.xml><?xml version="1.0" encoding="utf-8"?>
 <c:chartSpace xmlns:c="http://schemas.openxmlformats.org/drawingml/2006/chart" xmlns:a="http://schemas.openxmlformats.org/drawingml/2006/main" xmlns:r="http://schemas.openxmlformats.org/officeDocument/2006/relationships">
-  <c:date1904 val="0"/>
   <c:lang val="ja-JP"/>
-  <c:roundedCorners val="0"/>
-  <mc:AlternateContent xmlns:mc="http://schemas.openxmlformats.org/markup-compatibility/2006">
-    <mc:Choice xmlns:c14="http://schemas.microsoft.com/office/drawing/2007/8/2/chart" Requires="c14">
-      <c14:style val="102"/>
-    </mc:Choice>
-    <mc:Fallback>
-      <c:style val="2"/>
-    </mc:Fallback>
-  </mc:AlternateContent>
   <c:chart>
-    <c:autoTitleDeleted val="0"/>
     <c:plotArea>
       <c:layout/>
       <c:lineChart>
         <c:grouping val="standard"/>
-        <c:varyColors val="0"/>
         <c:ser>
           <c:idx val="0"/>
           <c:order val="0"/>
@@ -2620,39 +2463,38 @@
                 <c:formatCode>General</c:formatCode>
                 <c:ptCount val="10"/>
                 <c:pt idx="0">
-                  <c:v>0.0</c:v>
+                  <c:v>0</c:v>
                 </c:pt>
                 <c:pt idx="1">
-                  <c:v>0.0</c:v>
+                  <c:v>0</c:v>
                 </c:pt>
                 <c:pt idx="2">
-                  <c:v>0.0</c:v>
+                  <c:v>0</c:v>
                 </c:pt>
                 <c:pt idx="3">
-                  <c:v>0.0</c:v>
+                  <c:v>0</c:v>
                 </c:pt>
                 <c:pt idx="4">
-                  <c:v>0.0</c:v>
+                  <c:v>0</c:v>
                 </c:pt>
                 <c:pt idx="5">
-                  <c:v>0.0</c:v>
+                  <c:v>0</c:v>
                 </c:pt>
                 <c:pt idx="6">
-                  <c:v>0.0</c:v>
+                  <c:v>0</c:v>
                 </c:pt>
                 <c:pt idx="7">
-                  <c:v>0.0</c:v>
+                  <c:v>0</c:v>
                 </c:pt>
                 <c:pt idx="8">
-                  <c:v>0.0</c:v>
+                  <c:v>0</c:v>
                 </c:pt>
                 <c:pt idx="9">
-                  <c:v>0.0</c:v>
+                  <c:v>0</c:v>
                 </c:pt>
               </c:numCache>
             </c:numRef>
           </c:val>
-          <c:smooth val="0"/>
         </c:ser>
         <c:ser>
           <c:idx val="1"/>
@@ -2667,39 +2509,38 @@
                 <c:formatCode>General</c:formatCode>
                 <c:ptCount val="10"/>
                 <c:pt idx="0">
-                  <c:v>0.0</c:v>
+                  <c:v>0</c:v>
                 </c:pt>
                 <c:pt idx="1">
-                  <c:v>0.0</c:v>
+                  <c:v>0</c:v>
                 </c:pt>
                 <c:pt idx="2">
-                  <c:v>0.0</c:v>
+                  <c:v>0</c:v>
                 </c:pt>
                 <c:pt idx="3">
-                  <c:v>0.0</c:v>
+                  <c:v>0</c:v>
                 </c:pt>
                 <c:pt idx="4">
-                  <c:v>85.0</c:v>
+                  <c:v>85</c:v>
                 </c:pt>
                 <c:pt idx="5">
-                  <c:v>170.0</c:v>
+                  <c:v>170</c:v>
                 </c:pt>
                 <c:pt idx="6">
-                  <c:v>255.0</c:v>
+                  <c:v>255</c:v>
                 </c:pt>
                 <c:pt idx="7">
-                  <c:v>255.0</c:v>
+                  <c:v>255</c:v>
                 </c:pt>
                 <c:pt idx="8">
-                  <c:v>255.0</c:v>
+                  <c:v>255</c:v>
                 </c:pt>
                 <c:pt idx="9">
-                  <c:v>0.0</c:v>
+                  <c:v>0</c:v>
                 </c:pt>
               </c:numCache>
             </c:numRef>
           </c:val>
-          <c:smooth val="0"/>
         </c:ser>
         <c:ser>
           <c:idx val="2"/>
@@ -2714,39 +2555,38 @@
                 <c:formatCode>General</c:formatCode>
                 <c:ptCount val="10"/>
                 <c:pt idx="0">
-                  <c:v>0.0</c:v>
+                  <c:v>0</c:v>
                 </c:pt>
                 <c:pt idx="1">
-                  <c:v>0.0</c:v>
+                  <c:v>0</c:v>
                 </c:pt>
                 <c:pt idx="2">
-                  <c:v>0.0</c:v>
+                  <c:v>0</c:v>
                 </c:pt>
                 <c:pt idx="3">
-                  <c:v>0.0</c:v>
+                  <c:v>0</c:v>
                 </c:pt>
                 <c:pt idx="4">
-                  <c:v>85.0</c:v>
+                  <c:v>85</c:v>
                 </c:pt>
                 <c:pt idx="5">
-                  <c:v>170.0</c:v>
+                  <c:v>170</c:v>
                 </c:pt>
                 <c:pt idx="6">
-                  <c:v>255.0</c:v>
+                  <c:v>255</c:v>
                 </c:pt>
                 <c:pt idx="7">
-                  <c:v>255.0</c:v>
+                  <c:v>255</c:v>
                 </c:pt>
                 <c:pt idx="8">
-                  <c:v>255.0</c:v>
+                  <c:v>255</c:v>
                 </c:pt>
                 <c:pt idx="9">
-                  <c:v>0.0</c:v>
+                  <c:v>0</c:v>
                 </c:pt>
               </c:numCache>
             </c:numRef>
           </c:val>
-          <c:smooth val="0"/>
         </c:ser>
         <c:ser>
           <c:idx val="3"/>
@@ -2761,39 +2601,38 @@
                 <c:formatCode>General</c:formatCode>
                 <c:ptCount val="10"/>
                 <c:pt idx="0">
-                  <c:v>0.0</c:v>
+                  <c:v>0</c:v>
                 </c:pt>
                 <c:pt idx="1">
-                  <c:v>0.0</c:v>
+                  <c:v>0</c:v>
                 </c:pt>
                 <c:pt idx="2">
-                  <c:v>0.0</c:v>
+                  <c:v>0</c:v>
                 </c:pt>
                 <c:pt idx="3">
-                  <c:v>0.0</c:v>
+                  <c:v>0</c:v>
                 </c:pt>
                 <c:pt idx="4">
-                  <c:v>85.0</c:v>
+                  <c:v>85</c:v>
                 </c:pt>
                 <c:pt idx="5">
-                  <c:v>170.0</c:v>
+                  <c:v>170</c:v>
                 </c:pt>
                 <c:pt idx="6">
-                  <c:v>255.0</c:v>
+                  <c:v>255</c:v>
                 </c:pt>
                 <c:pt idx="7">
-                  <c:v>255.0</c:v>
+                  <c:v>255</c:v>
                 </c:pt>
                 <c:pt idx="8">
-                  <c:v>255.0</c:v>
+                  <c:v>255</c:v>
                 </c:pt>
                 <c:pt idx="9">
-                  <c:v>0.0</c:v>
+                  <c:v>0</c:v>
                 </c:pt>
               </c:numCache>
             </c:numRef>
           </c:val>
-          <c:smooth val="0"/>
         </c:ser>
         <c:ser>
           <c:idx val="4"/>
@@ -2808,39 +2647,38 @@
                 <c:formatCode>General</c:formatCode>
                 <c:ptCount val="10"/>
                 <c:pt idx="0">
-                  <c:v>0.0</c:v>
+                  <c:v>0</c:v>
                 </c:pt>
                 <c:pt idx="1">
-                  <c:v>0.0</c:v>
+                  <c:v>0</c:v>
                 </c:pt>
                 <c:pt idx="2">
-                  <c:v>0.0</c:v>
+                  <c:v>0</c:v>
                 </c:pt>
                 <c:pt idx="3">
-                  <c:v>0.0</c:v>
+                  <c:v>0</c:v>
                 </c:pt>
                 <c:pt idx="4">
-                  <c:v>85.0</c:v>
+                  <c:v>85</c:v>
                 </c:pt>
                 <c:pt idx="5">
-                  <c:v>170.0</c:v>
+                  <c:v>170</c:v>
                 </c:pt>
                 <c:pt idx="6">
-                  <c:v>255.0</c:v>
+                  <c:v>255</c:v>
                 </c:pt>
                 <c:pt idx="7">
-                  <c:v>255.0</c:v>
+                  <c:v>255</c:v>
                 </c:pt>
                 <c:pt idx="8">
-                  <c:v>255.0</c:v>
+                  <c:v>255</c:v>
                 </c:pt>
                 <c:pt idx="9">
-                  <c:v>0.0</c:v>
+                  <c:v>0</c:v>
                 </c:pt>
               </c:numCache>
             </c:numRef>
           </c:val>
-          <c:smooth val="0"/>
         </c:ser>
         <c:ser>
           <c:idx val="5"/>
@@ -2855,39 +2693,38 @@
                 <c:formatCode>General</c:formatCode>
                 <c:ptCount val="10"/>
                 <c:pt idx="0">
-                  <c:v>0.0</c:v>
+                  <c:v>0</c:v>
                 </c:pt>
                 <c:pt idx="1">
-                  <c:v>0.0</c:v>
+                  <c:v>0</c:v>
                 </c:pt>
                 <c:pt idx="2">
-                  <c:v>0.0</c:v>
+                  <c:v>0</c:v>
                 </c:pt>
                 <c:pt idx="3">
-                  <c:v>0.0</c:v>
+                  <c:v>0</c:v>
                 </c:pt>
                 <c:pt idx="4">
-                  <c:v>85.0</c:v>
+                  <c:v>85</c:v>
                 </c:pt>
                 <c:pt idx="5">
-                  <c:v>170.0</c:v>
+                  <c:v>170</c:v>
                 </c:pt>
                 <c:pt idx="6">
-                  <c:v>255.0</c:v>
+                  <c:v>255</c:v>
                 </c:pt>
                 <c:pt idx="7">
-                  <c:v>255.0</c:v>
+                  <c:v>255</c:v>
                 </c:pt>
                 <c:pt idx="8">
-                  <c:v>255.0</c:v>
+                  <c:v>255</c:v>
                 </c:pt>
                 <c:pt idx="9">
-                  <c:v>0.0</c:v>
+                  <c:v>0</c:v>
                 </c:pt>
               </c:numCache>
             </c:numRef>
           </c:val>
-          <c:smooth val="0"/>
         </c:ser>
         <c:ser>
           <c:idx val="6"/>
@@ -2902,39 +2739,38 @@
                 <c:formatCode>General</c:formatCode>
                 <c:ptCount val="10"/>
                 <c:pt idx="0">
-                  <c:v>0.0</c:v>
+                  <c:v>0</c:v>
                 </c:pt>
                 <c:pt idx="1">
-                  <c:v>0.0</c:v>
+                  <c:v>0</c:v>
                 </c:pt>
                 <c:pt idx="2">
-                  <c:v>0.0</c:v>
+                  <c:v>0</c:v>
                 </c:pt>
                 <c:pt idx="3">
-                  <c:v>0.0</c:v>
+                  <c:v>0</c:v>
                 </c:pt>
                 <c:pt idx="4">
-                  <c:v>85.0</c:v>
+                  <c:v>85</c:v>
                 </c:pt>
                 <c:pt idx="5">
-                  <c:v>170.0</c:v>
+                  <c:v>170</c:v>
                 </c:pt>
                 <c:pt idx="6">
-                  <c:v>255.0</c:v>
+                  <c:v>255</c:v>
                 </c:pt>
                 <c:pt idx="7">
-                  <c:v>255.0</c:v>
+                  <c:v>255</c:v>
                 </c:pt>
                 <c:pt idx="8">
-                  <c:v>255.0</c:v>
+                  <c:v>255</c:v>
                 </c:pt>
                 <c:pt idx="9">
-                  <c:v>0.0</c:v>
+                  <c:v>0</c:v>
                 </c:pt>
               </c:numCache>
             </c:numRef>
           </c:val>
-          <c:smooth val="0"/>
         </c:ser>
         <c:ser>
           <c:idx val="7"/>
@@ -2952,39 +2788,38 @@
                 <c:formatCode>General</c:formatCode>
                 <c:ptCount val="10"/>
                 <c:pt idx="0">
-                  <c:v>0.0</c:v>
+                  <c:v>0</c:v>
                 </c:pt>
                 <c:pt idx="1">
-                  <c:v>0.0</c:v>
+                  <c:v>0</c:v>
                 </c:pt>
                 <c:pt idx="2">
-                  <c:v>0.0</c:v>
+                  <c:v>0</c:v>
                 </c:pt>
                 <c:pt idx="3">
-                  <c:v>0.0</c:v>
+                  <c:v>0</c:v>
                 </c:pt>
                 <c:pt idx="4">
-                  <c:v>85.0</c:v>
+                  <c:v>85</c:v>
                 </c:pt>
                 <c:pt idx="5">
-                  <c:v>170.0</c:v>
+                  <c:v>170</c:v>
                 </c:pt>
                 <c:pt idx="6">
-                  <c:v>255.0</c:v>
+                  <c:v>255</c:v>
                 </c:pt>
                 <c:pt idx="7">
-                  <c:v>255.0</c:v>
+                  <c:v>255</c:v>
                 </c:pt>
                 <c:pt idx="8">
-                  <c:v>255.0</c:v>
+                  <c:v>255</c:v>
                 </c:pt>
                 <c:pt idx="9">
-                  <c:v>0.0</c:v>
+                  <c:v>0</c:v>
                 </c:pt>
               </c:numCache>
             </c:numRef>
           </c:val>
-          <c:smooth val="0"/>
         </c:ser>
         <c:ser>
           <c:idx val="8"/>
@@ -3004,39 +2839,38 @@
                 <c:formatCode>General</c:formatCode>
                 <c:ptCount val="10"/>
                 <c:pt idx="0">
-                  <c:v>0.0</c:v>
+                  <c:v>0</c:v>
                 </c:pt>
                 <c:pt idx="1">
-                  <c:v>0.0</c:v>
+                  <c:v>0</c:v>
                 </c:pt>
                 <c:pt idx="2">
-                  <c:v>0.0</c:v>
+                  <c:v>0</c:v>
                 </c:pt>
                 <c:pt idx="3">
-                  <c:v>0.0</c:v>
+                  <c:v>0</c:v>
                 </c:pt>
                 <c:pt idx="4">
-                  <c:v>85.0</c:v>
+                  <c:v>85</c:v>
                 </c:pt>
                 <c:pt idx="5">
-                  <c:v>170.0</c:v>
+                  <c:v>170</c:v>
                 </c:pt>
                 <c:pt idx="6">
-                  <c:v>255.0</c:v>
+                  <c:v>255</c:v>
                 </c:pt>
                 <c:pt idx="7">
-                  <c:v>255.0</c:v>
+                  <c:v>255</c:v>
                 </c:pt>
                 <c:pt idx="8">
-                  <c:v>255.0</c:v>
+                  <c:v>255</c:v>
                 </c:pt>
                 <c:pt idx="9">
-                  <c:v>0.0</c:v>
+                  <c:v>0</c:v>
                 </c:pt>
               </c:numCache>
             </c:numRef>
           </c:val>
-          <c:smooth val="0"/>
         </c:ser>
         <c:ser>
           <c:idx val="9"/>
@@ -3054,89 +2888,73 @@
                 <c:formatCode>General</c:formatCode>
                 <c:ptCount val="10"/>
                 <c:pt idx="0">
-                  <c:v>0.0</c:v>
+                  <c:v>0</c:v>
                 </c:pt>
                 <c:pt idx="1">
-                  <c:v>0.0</c:v>
+                  <c:v>0</c:v>
                 </c:pt>
                 <c:pt idx="2">
-                  <c:v>0.0</c:v>
+                  <c:v>0</c:v>
                 </c:pt>
                 <c:pt idx="3">
-                  <c:v>0.0</c:v>
+                  <c:v>0</c:v>
                 </c:pt>
                 <c:pt idx="4">
-                  <c:v>0.0</c:v>
+                  <c:v>0</c:v>
                 </c:pt>
                 <c:pt idx="5">
-                  <c:v>0.0</c:v>
+                  <c:v>0</c:v>
                 </c:pt>
                 <c:pt idx="6">
-                  <c:v>0.0</c:v>
+                  <c:v>0</c:v>
                 </c:pt>
                 <c:pt idx="7">
-                  <c:v>0.0</c:v>
+                  <c:v>0</c:v>
                 </c:pt>
                 <c:pt idx="8">
-                  <c:v>0.0</c:v>
+                  <c:v>0</c:v>
                 </c:pt>
                 <c:pt idx="9">
-                  <c:v>0.0</c:v>
+                  <c:v>0</c:v>
                 </c:pt>
               </c:numCache>
             </c:numRef>
           </c:val>
-          <c:smooth val="0"/>
         </c:ser>
-        <c:dLbls>
-          <c:showLegendKey val="0"/>
-          <c:showVal val="0"/>
-          <c:showCatName val="0"/>
-          <c:showSerName val="0"/>
-          <c:showPercent val="0"/>
-          <c:showBubbleSize val="0"/>
-        </c:dLbls>
-        <c:smooth val="0"/>
-        <c:axId val="-851891568"/>
-        <c:axId val="-852439680"/>
+        <c:dLbls/>
+        <c:marker val="1"/>
+        <c:axId val="60812288"/>
+        <c:axId val="60699392"/>
       </c:lineChart>
       <c:catAx>
-        <c:axId val="-851891568"/>
+        <c:axId val="60812288"/>
         <c:scaling>
           <c:orientation val="minMax"/>
         </c:scaling>
-        <c:delete val="0"/>
         <c:axPos val="b"/>
-        <c:majorTickMark val="out"/>
-        <c:minorTickMark val="none"/>
         <c:tickLblPos val="nextTo"/>
-        <c:crossAx val="-852439680"/>
+        <c:crossAx val="60699392"/>
         <c:crosses val="autoZero"/>
         <c:auto val="1"/>
         <c:lblAlgn val="ctr"/>
         <c:lblOffset val="100"/>
-        <c:noMultiLvlLbl val="0"/>
       </c:catAx>
       <c:valAx>
-        <c:axId val="-852439680"/>
+        <c:axId val="60699392"/>
         <c:scaling>
           <c:orientation val="minMax"/>
         </c:scaling>
-        <c:delete val="0"/>
         <c:axPos val="l"/>
         <c:majorGridlines/>
         <c:numFmt formatCode="General" sourceLinked="1"/>
-        <c:majorTickMark val="out"/>
-        <c:minorTickMark val="none"/>
         <c:tickLblPos val="nextTo"/>
-        <c:crossAx val="-851891568"/>
+        <c:crossAx val="60812288"/>
         <c:crosses val="autoZero"/>
         <c:crossBetween val="between"/>
       </c:valAx>
     </c:plotArea>
     <c:plotVisOnly val="1"/>
     <c:dispBlanksAs val="gap"/>
-    <c:showDLblsOverMax val="0"/>
   </c:chart>
   <c:spPr>
     <a:gradFill>
@@ -3163,32 +2981,18 @@
       <a:lin ang="5400000" scaled="0"/>
     </a:gradFill>
   </c:spPr>
-  <c:externalData r:id="rId1">
-    <c:autoUpdate val="0"/>
-  </c:externalData>
+  <c:externalData r:id="rId1"/>
 </c:chartSpace>
 </file>
 
 <file path=ppt/charts/chart3.xml><?xml version="1.0" encoding="utf-8"?>
 <c:chartSpace xmlns:c="http://schemas.openxmlformats.org/drawingml/2006/chart" xmlns:a="http://schemas.openxmlformats.org/drawingml/2006/main" xmlns:r="http://schemas.openxmlformats.org/officeDocument/2006/relationships">
-  <c:date1904 val="0"/>
   <c:lang val="ja-JP"/>
-  <c:roundedCorners val="0"/>
-  <mc:AlternateContent xmlns:mc="http://schemas.openxmlformats.org/markup-compatibility/2006">
-    <mc:Choice xmlns:c14="http://schemas.microsoft.com/office/drawing/2007/8/2/chart" Requires="c14">
-      <c14:style val="102"/>
-    </mc:Choice>
-    <mc:Fallback>
-      <c:style val="2"/>
-    </mc:Fallback>
-  </mc:AlternateContent>
   <c:chart>
-    <c:autoTitleDeleted val="0"/>
     <c:plotArea>
       <c:layout/>
       <c:lineChart>
         <c:grouping val="standard"/>
-        <c:varyColors val="0"/>
         <c:ser>
           <c:idx val="0"/>
           <c:order val="0"/>
@@ -3202,39 +3006,38 @@
                 <c:formatCode>General</c:formatCode>
                 <c:ptCount val="10"/>
                 <c:pt idx="0">
-                  <c:v>0.0</c:v>
+                  <c:v>0</c:v>
                 </c:pt>
                 <c:pt idx="1">
-                  <c:v>0.0</c:v>
+                  <c:v>0</c:v>
                 </c:pt>
                 <c:pt idx="2">
-                  <c:v>0.0</c:v>
+                  <c:v>0</c:v>
                 </c:pt>
                 <c:pt idx="3">
-                  <c:v>0.0</c:v>
+                  <c:v>0</c:v>
                 </c:pt>
                 <c:pt idx="4">
-                  <c:v>0.0</c:v>
+                  <c:v>0</c:v>
                 </c:pt>
                 <c:pt idx="5">
-                  <c:v>0.0</c:v>
+                  <c:v>0</c:v>
                 </c:pt>
                 <c:pt idx="6">
-                  <c:v>0.0</c:v>
+                  <c:v>0</c:v>
                 </c:pt>
                 <c:pt idx="7">
-                  <c:v>0.0</c:v>
+                  <c:v>0</c:v>
                 </c:pt>
                 <c:pt idx="8">
-                  <c:v>0.0</c:v>
+                  <c:v>0</c:v>
                 </c:pt>
                 <c:pt idx="9">
-                  <c:v>0.0</c:v>
+                  <c:v>0</c:v>
                 </c:pt>
               </c:numCache>
             </c:numRef>
           </c:val>
-          <c:smooth val="0"/>
         </c:ser>
         <c:ser>
           <c:idx val="1"/>
@@ -3249,39 +3052,38 @@
                 <c:formatCode>General</c:formatCode>
                 <c:ptCount val="10"/>
                 <c:pt idx="0">
-                  <c:v>0.0</c:v>
+                  <c:v>0</c:v>
                 </c:pt>
                 <c:pt idx="1">
-                  <c:v>0.0</c:v>
+                  <c:v>0</c:v>
                 </c:pt>
                 <c:pt idx="2">
-                  <c:v>0.0</c:v>
+                  <c:v>0</c:v>
                 </c:pt>
                 <c:pt idx="3">
-                  <c:v>0.0</c:v>
+                  <c:v>0</c:v>
                 </c:pt>
                 <c:pt idx="4">
-                  <c:v>255.0</c:v>
+                  <c:v>255</c:v>
                 </c:pt>
                 <c:pt idx="5">
-                  <c:v>255.0</c:v>
+                  <c:v>255</c:v>
                 </c:pt>
                 <c:pt idx="6">
-                  <c:v>0.0</c:v>
+                  <c:v>0</c:v>
                 </c:pt>
                 <c:pt idx="7">
-                  <c:v>0.0</c:v>
+                  <c:v>0</c:v>
                 </c:pt>
                 <c:pt idx="8">
-                  <c:v>0.0</c:v>
+                  <c:v>0</c:v>
                 </c:pt>
                 <c:pt idx="9">
-                  <c:v>0.0</c:v>
+                  <c:v>0</c:v>
                 </c:pt>
               </c:numCache>
             </c:numRef>
           </c:val>
-          <c:smooth val="0"/>
         </c:ser>
         <c:ser>
           <c:idx val="2"/>
@@ -3296,39 +3098,38 @@
                 <c:formatCode>General</c:formatCode>
                 <c:ptCount val="10"/>
                 <c:pt idx="0">
-                  <c:v>0.0</c:v>
+                  <c:v>0</c:v>
                 </c:pt>
                 <c:pt idx="1">
-                  <c:v>0.0</c:v>
+                  <c:v>0</c:v>
                 </c:pt>
                 <c:pt idx="2">
-                  <c:v>0.0</c:v>
+                  <c:v>0</c:v>
                 </c:pt>
                 <c:pt idx="3">
-                  <c:v>0.0</c:v>
+                  <c:v>0</c:v>
                 </c:pt>
                 <c:pt idx="4">
-                  <c:v>255.0</c:v>
+                  <c:v>255</c:v>
                 </c:pt>
                 <c:pt idx="5">
-                  <c:v>255.0</c:v>
+                  <c:v>255</c:v>
                 </c:pt>
                 <c:pt idx="6">
-                  <c:v>0.0</c:v>
+                  <c:v>0</c:v>
                 </c:pt>
                 <c:pt idx="7">
-                  <c:v>0.0</c:v>
+                  <c:v>0</c:v>
                 </c:pt>
                 <c:pt idx="8">
-                  <c:v>0.0</c:v>
+                  <c:v>0</c:v>
                 </c:pt>
                 <c:pt idx="9">
-                  <c:v>0.0</c:v>
+                  <c:v>0</c:v>
                 </c:pt>
               </c:numCache>
             </c:numRef>
           </c:val>
-          <c:smooth val="0"/>
         </c:ser>
         <c:ser>
           <c:idx val="3"/>
@@ -3343,39 +3144,38 @@
                 <c:formatCode>General</c:formatCode>
                 <c:ptCount val="10"/>
                 <c:pt idx="0">
-                  <c:v>0.0</c:v>
+                  <c:v>0</c:v>
                 </c:pt>
                 <c:pt idx="1">
-                  <c:v>0.0</c:v>
+                  <c:v>0</c:v>
                 </c:pt>
                 <c:pt idx="2">
-                  <c:v>0.0</c:v>
+                  <c:v>0</c:v>
                 </c:pt>
                 <c:pt idx="3">
-                  <c:v>0.0</c:v>
+                  <c:v>0</c:v>
                 </c:pt>
                 <c:pt idx="4">
-                  <c:v>255.0</c:v>
+                  <c:v>255</c:v>
                 </c:pt>
                 <c:pt idx="5">
-                  <c:v>255.0</c:v>
+                  <c:v>255</c:v>
                 </c:pt>
                 <c:pt idx="6">
-                  <c:v>0.0</c:v>
+                  <c:v>0</c:v>
                 </c:pt>
                 <c:pt idx="7">
-                  <c:v>0.0</c:v>
+                  <c:v>0</c:v>
                 </c:pt>
                 <c:pt idx="8">
-                  <c:v>0.0</c:v>
+                  <c:v>0</c:v>
                 </c:pt>
                 <c:pt idx="9">
-                  <c:v>0.0</c:v>
+                  <c:v>0</c:v>
                 </c:pt>
               </c:numCache>
             </c:numRef>
           </c:val>
-          <c:smooth val="0"/>
         </c:ser>
         <c:ser>
           <c:idx val="4"/>
@@ -3390,39 +3190,38 @@
                 <c:formatCode>General</c:formatCode>
                 <c:ptCount val="10"/>
                 <c:pt idx="0">
-                  <c:v>0.0</c:v>
+                  <c:v>0</c:v>
                 </c:pt>
                 <c:pt idx="1">
-                  <c:v>0.0</c:v>
+                  <c:v>0</c:v>
                 </c:pt>
                 <c:pt idx="2">
-                  <c:v>0.0</c:v>
+                  <c:v>0</c:v>
                 </c:pt>
                 <c:pt idx="3">
-                  <c:v>0.0</c:v>
+                  <c:v>0</c:v>
                 </c:pt>
                 <c:pt idx="4">
-                  <c:v>255.0</c:v>
+                  <c:v>255</c:v>
                 </c:pt>
                 <c:pt idx="5">
-                  <c:v>255.0</c:v>
+                  <c:v>255</c:v>
                 </c:pt>
                 <c:pt idx="6">
-                  <c:v>0.0</c:v>
+                  <c:v>0</c:v>
                 </c:pt>
                 <c:pt idx="7">
-                  <c:v>0.0</c:v>
+                  <c:v>0</c:v>
                 </c:pt>
                 <c:pt idx="8">
-                  <c:v>0.0</c:v>
+                  <c:v>0</c:v>
                 </c:pt>
                 <c:pt idx="9">
-                  <c:v>0.0</c:v>
+                  <c:v>0</c:v>
                 </c:pt>
               </c:numCache>
             </c:numRef>
           </c:val>
-          <c:smooth val="0"/>
         </c:ser>
         <c:ser>
           <c:idx val="5"/>
@@ -3437,39 +3236,38 @@
                 <c:formatCode>General</c:formatCode>
                 <c:ptCount val="10"/>
                 <c:pt idx="0">
-                  <c:v>0.0</c:v>
+                  <c:v>0</c:v>
                 </c:pt>
                 <c:pt idx="1">
-                  <c:v>0.0</c:v>
+                  <c:v>0</c:v>
                 </c:pt>
                 <c:pt idx="2">
-                  <c:v>0.0</c:v>
+                  <c:v>0</c:v>
                 </c:pt>
                 <c:pt idx="3">
-                  <c:v>0.0</c:v>
+                  <c:v>0</c:v>
                 </c:pt>
                 <c:pt idx="4">
-                  <c:v>255.0</c:v>
+                  <c:v>255</c:v>
                 </c:pt>
                 <c:pt idx="5">
-                  <c:v>255.0</c:v>
+                  <c:v>255</c:v>
                 </c:pt>
                 <c:pt idx="6">
-                  <c:v>0.0</c:v>
+                  <c:v>0</c:v>
                 </c:pt>
                 <c:pt idx="7">
-                  <c:v>0.0</c:v>
+                  <c:v>0</c:v>
                 </c:pt>
                 <c:pt idx="8">
-                  <c:v>0.0</c:v>
+                  <c:v>0</c:v>
                 </c:pt>
                 <c:pt idx="9">
-                  <c:v>0.0</c:v>
+                  <c:v>0</c:v>
                 </c:pt>
               </c:numCache>
             </c:numRef>
           </c:val>
-          <c:smooth val="0"/>
         </c:ser>
         <c:ser>
           <c:idx val="6"/>
@@ -3484,39 +3282,38 @@
                 <c:formatCode>General</c:formatCode>
                 <c:ptCount val="10"/>
                 <c:pt idx="0">
-                  <c:v>0.0</c:v>
+                  <c:v>0</c:v>
                 </c:pt>
                 <c:pt idx="1">
-                  <c:v>0.0</c:v>
+                  <c:v>0</c:v>
                 </c:pt>
                 <c:pt idx="2">
-                  <c:v>0.0</c:v>
+                  <c:v>0</c:v>
                 </c:pt>
                 <c:pt idx="3">
-                  <c:v>0.0</c:v>
+                  <c:v>0</c:v>
                 </c:pt>
                 <c:pt idx="4">
-                  <c:v>255.0</c:v>
+                  <c:v>255</c:v>
                 </c:pt>
                 <c:pt idx="5">
-                  <c:v>255.0</c:v>
+                  <c:v>255</c:v>
                 </c:pt>
                 <c:pt idx="6">
-                  <c:v>0.0</c:v>
+                  <c:v>0</c:v>
                 </c:pt>
                 <c:pt idx="7">
-                  <c:v>0.0</c:v>
+                  <c:v>0</c:v>
                 </c:pt>
                 <c:pt idx="8">
-                  <c:v>0.0</c:v>
+                  <c:v>0</c:v>
                 </c:pt>
                 <c:pt idx="9">
-                  <c:v>0.0</c:v>
+                  <c:v>0</c:v>
                 </c:pt>
               </c:numCache>
             </c:numRef>
           </c:val>
-          <c:smooth val="0"/>
         </c:ser>
         <c:ser>
           <c:idx val="7"/>
@@ -3534,39 +3331,38 @@
                 <c:formatCode>General</c:formatCode>
                 <c:ptCount val="10"/>
                 <c:pt idx="0">
-                  <c:v>0.0</c:v>
+                  <c:v>0</c:v>
                 </c:pt>
                 <c:pt idx="1">
-                  <c:v>0.0</c:v>
+                  <c:v>0</c:v>
                 </c:pt>
                 <c:pt idx="2">
-                  <c:v>0.0</c:v>
+                  <c:v>0</c:v>
                 </c:pt>
                 <c:pt idx="3">
-                  <c:v>0.0</c:v>
+                  <c:v>0</c:v>
                 </c:pt>
                 <c:pt idx="4">
-                  <c:v>255.0</c:v>
+                  <c:v>255</c:v>
                 </c:pt>
                 <c:pt idx="5">
-                  <c:v>255.0</c:v>
+                  <c:v>255</c:v>
                 </c:pt>
                 <c:pt idx="6">
-                  <c:v>0.0</c:v>
+                  <c:v>0</c:v>
                 </c:pt>
                 <c:pt idx="7">
-                  <c:v>0.0</c:v>
+                  <c:v>0</c:v>
                 </c:pt>
                 <c:pt idx="8">
-                  <c:v>0.0</c:v>
+                  <c:v>0</c:v>
                 </c:pt>
                 <c:pt idx="9">
-                  <c:v>0.0</c:v>
+                  <c:v>0</c:v>
                 </c:pt>
               </c:numCache>
             </c:numRef>
           </c:val>
-          <c:smooth val="0"/>
         </c:ser>
         <c:ser>
           <c:idx val="8"/>
@@ -3586,39 +3382,38 @@
                 <c:formatCode>General</c:formatCode>
                 <c:ptCount val="10"/>
                 <c:pt idx="0">
-                  <c:v>0.0</c:v>
+                  <c:v>0</c:v>
                 </c:pt>
                 <c:pt idx="1">
-                  <c:v>0.0</c:v>
+                  <c:v>0</c:v>
                 </c:pt>
                 <c:pt idx="2">
-                  <c:v>0.0</c:v>
+                  <c:v>0</c:v>
                 </c:pt>
                 <c:pt idx="3">
-                  <c:v>0.0</c:v>
+                  <c:v>0</c:v>
                 </c:pt>
                 <c:pt idx="4">
-                  <c:v>255.0</c:v>
+                  <c:v>255</c:v>
                 </c:pt>
                 <c:pt idx="5">
-                  <c:v>255.0</c:v>
+                  <c:v>255</c:v>
                 </c:pt>
                 <c:pt idx="6">
-                  <c:v>0.0</c:v>
+                  <c:v>0</c:v>
                 </c:pt>
                 <c:pt idx="7">
-                  <c:v>0.0</c:v>
+                  <c:v>0</c:v>
                 </c:pt>
                 <c:pt idx="8">
-                  <c:v>0.0</c:v>
+                  <c:v>0</c:v>
                 </c:pt>
                 <c:pt idx="9">
-                  <c:v>0.0</c:v>
+                  <c:v>0</c:v>
                 </c:pt>
               </c:numCache>
             </c:numRef>
           </c:val>
-          <c:smooth val="0"/>
         </c:ser>
         <c:ser>
           <c:idx val="9"/>
@@ -3636,89 +3431,73 @@
                 <c:formatCode>General</c:formatCode>
                 <c:ptCount val="10"/>
                 <c:pt idx="0">
-                  <c:v>0.0</c:v>
+                  <c:v>0</c:v>
                 </c:pt>
                 <c:pt idx="1">
-                  <c:v>0.0</c:v>
+                  <c:v>0</c:v>
                 </c:pt>
                 <c:pt idx="2">
-                  <c:v>0.0</c:v>
+                  <c:v>0</c:v>
                 </c:pt>
                 <c:pt idx="3">
-                  <c:v>0.0</c:v>
+                  <c:v>0</c:v>
                 </c:pt>
                 <c:pt idx="4">
-                  <c:v>0.0</c:v>
+                  <c:v>0</c:v>
                 </c:pt>
                 <c:pt idx="5">
-                  <c:v>0.0</c:v>
+                  <c:v>0</c:v>
                 </c:pt>
                 <c:pt idx="6">
-                  <c:v>0.0</c:v>
+                  <c:v>0</c:v>
                 </c:pt>
                 <c:pt idx="7">
-                  <c:v>0.0</c:v>
+                  <c:v>0</c:v>
                 </c:pt>
                 <c:pt idx="8">
-                  <c:v>0.0</c:v>
+                  <c:v>0</c:v>
                 </c:pt>
                 <c:pt idx="9">
-                  <c:v>0.0</c:v>
+                  <c:v>0</c:v>
                 </c:pt>
               </c:numCache>
             </c:numRef>
           </c:val>
-          <c:smooth val="0"/>
         </c:ser>
-        <c:dLbls>
-          <c:showLegendKey val="0"/>
-          <c:showVal val="0"/>
-          <c:showCatName val="0"/>
-          <c:showSerName val="0"/>
-          <c:showPercent val="0"/>
-          <c:showBubbleSize val="0"/>
-        </c:dLbls>
-        <c:smooth val="0"/>
-        <c:axId val="-973564336"/>
-        <c:axId val="-1255318096"/>
+        <c:dLbls/>
+        <c:marker val="1"/>
+        <c:axId val="81554432"/>
+        <c:axId val="81572608"/>
       </c:lineChart>
       <c:catAx>
-        <c:axId val="-973564336"/>
+        <c:axId val="81554432"/>
         <c:scaling>
           <c:orientation val="minMax"/>
         </c:scaling>
-        <c:delete val="0"/>
         <c:axPos val="b"/>
-        <c:majorTickMark val="out"/>
-        <c:minorTickMark val="none"/>
         <c:tickLblPos val="nextTo"/>
-        <c:crossAx val="-1255318096"/>
+        <c:crossAx val="81572608"/>
         <c:crosses val="autoZero"/>
         <c:auto val="1"/>
         <c:lblAlgn val="ctr"/>
         <c:lblOffset val="100"/>
-        <c:noMultiLvlLbl val="0"/>
       </c:catAx>
       <c:valAx>
-        <c:axId val="-1255318096"/>
+        <c:axId val="81572608"/>
         <c:scaling>
           <c:orientation val="minMax"/>
         </c:scaling>
-        <c:delete val="0"/>
         <c:axPos val="l"/>
         <c:majorGridlines/>
         <c:numFmt formatCode="General" sourceLinked="1"/>
-        <c:majorTickMark val="out"/>
-        <c:minorTickMark val="none"/>
         <c:tickLblPos val="nextTo"/>
-        <c:crossAx val="-973564336"/>
+        <c:crossAx val="81554432"/>
         <c:crosses val="autoZero"/>
         <c:crossBetween val="between"/>
       </c:valAx>
     </c:plotArea>
     <c:plotVisOnly val="1"/>
     <c:dispBlanksAs val="gap"/>
-    <c:showDLblsOverMax val="0"/>
   </c:chart>
   <c:spPr>
     <a:gradFill>
@@ -3745,32 +3524,18 @@
       <a:lin ang="5400000" scaled="0"/>
     </a:gradFill>
   </c:spPr>
-  <c:externalData r:id="rId1">
-    <c:autoUpdate val="0"/>
-  </c:externalData>
+  <c:externalData r:id="rId1"/>
 </c:chartSpace>
 </file>
 
 <file path=ppt/charts/chart4.xml><?xml version="1.0" encoding="utf-8"?>
 <c:chartSpace xmlns:c="http://schemas.openxmlformats.org/drawingml/2006/chart" xmlns:a="http://schemas.openxmlformats.org/drawingml/2006/main" xmlns:r="http://schemas.openxmlformats.org/officeDocument/2006/relationships">
-  <c:date1904 val="0"/>
   <c:lang val="ja-JP"/>
-  <c:roundedCorners val="0"/>
-  <mc:AlternateContent xmlns:mc="http://schemas.openxmlformats.org/markup-compatibility/2006">
-    <mc:Choice xmlns:c14="http://schemas.microsoft.com/office/drawing/2007/8/2/chart" Requires="c14">
-      <c14:style val="102"/>
-    </mc:Choice>
-    <mc:Fallback>
-      <c:style val="2"/>
-    </mc:Fallback>
-  </mc:AlternateContent>
   <c:chart>
-    <c:autoTitleDeleted val="0"/>
     <c:plotArea>
       <c:layout/>
       <c:lineChart>
         <c:grouping val="standard"/>
-        <c:varyColors val="0"/>
         <c:ser>
           <c:idx val="0"/>
           <c:order val="0"/>
@@ -3784,39 +3549,38 @@
                 <c:formatCode>General</c:formatCode>
                 <c:ptCount val="10"/>
                 <c:pt idx="0">
-                  <c:v>0.0</c:v>
+                  <c:v>0</c:v>
                 </c:pt>
                 <c:pt idx="1">
-                  <c:v>0.0</c:v>
+                  <c:v>0</c:v>
                 </c:pt>
                 <c:pt idx="2">
-                  <c:v>0.0</c:v>
+                  <c:v>0</c:v>
                 </c:pt>
                 <c:pt idx="3">
-                  <c:v>0.0</c:v>
+                  <c:v>0</c:v>
                 </c:pt>
                 <c:pt idx="4">
-                  <c:v>0.0</c:v>
+                  <c:v>0</c:v>
                 </c:pt>
                 <c:pt idx="5">
-                  <c:v>255.0</c:v>
+                  <c:v>255</c:v>
                 </c:pt>
                 <c:pt idx="6">
-                  <c:v>255.0</c:v>
+                  <c:v>255</c:v>
                 </c:pt>
                 <c:pt idx="7">
-                  <c:v>255.0</c:v>
+                  <c:v>255</c:v>
                 </c:pt>
                 <c:pt idx="8">
-                  <c:v>255.0</c:v>
+                  <c:v>255</c:v>
                 </c:pt>
                 <c:pt idx="9">
-                  <c:v>255.0</c:v>
+                  <c:v>255</c:v>
                 </c:pt>
               </c:numCache>
             </c:numRef>
           </c:val>
-          <c:smooth val="0"/>
         </c:ser>
         <c:ser>
           <c:idx val="1"/>
@@ -3831,39 +3595,38 @@
                 <c:formatCode>General</c:formatCode>
                 <c:ptCount val="10"/>
                 <c:pt idx="0">
-                  <c:v>0.0</c:v>
+                  <c:v>0</c:v>
                 </c:pt>
                 <c:pt idx="1">
-                  <c:v>0.0</c:v>
+                  <c:v>0</c:v>
                 </c:pt>
                 <c:pt idx="2">
-                  <c:v>0.0</c:v>
+                  <c:v>0</c:v>
                 </c:pt>
                 <c:pt idx="3">
-                  <c:v>0.0</c:v>
+                  <c:v>0</c:v>
                 </c:pt>
                 <c:pt idx="4">
-                  <c:v>0.0</c:v>
+                  <c:v>0</c:v>
                 </c:pt>
                 <c:pt idx="5">
-                  <c:v>255.0</c:v>
+                  <c:v>255</c:v>
                 </c:pt>
                 <c:pt idx="6">
-                  <c:v>255.0</c:v>
+                  <c:v>255</c:v>
                 </c:pt>
                 <c:pt idx="7">
-                  <c:v>255.0</c:v>
+                  <c:v>255</c:v>
                 </c:pt>
                 <c:pt idx="8">
-                  <c:v>255.0</c:v>
+                  <c:v>255</c:v>
                 </c:pt>
                 <c:pt idx="9">
-                  <c:v>255.0</c:v>
+                  <c:v>255</c:v>
                 </c:pt>
               </c:numCache>
             </c:numRef>
           </c:val>
-          <c:smooth val="0"/>
         </c:ser>
         <c:ser>
           <c:idx val="2"/>
@@ -3878,39 +3641,38 @@
                 <c:formatCode>General</c:formatCode>
                 <c:ptCount val="10"/>
                 <c:pt idx="0">
-                  <c:v>0.0</c:v>
+                  <c:v>0</c:v>
                 </c:pt>
                 <c:pt idx="1">
-                  <c:v>0.0</c:v>
+                  <c:v>0</c:v>
                 </c:pt>
                 <c:pt idx="2">
-                  <c:v>0.0</c:v>
+                  <c:v>0</c:v>
                 </c:pt>
                 <c:pt idx="3">
-                  <c:v>0.0</c:v>
+                  <c:v>0</c:v>
                 </c:pt>
                 <c:pt idx="4">
-                  <c:v>0.0</c:v>
+                  <c:v>0</c:v>
                 </c:pt>
                 <c:pt idx="5">
-                  <c:v>255.0</c:v>
+                  <c:v>255</c:v>
                 </c:pt>
                 <c:pt idx="6">
-                  <c:v>255.0</c:v>
+                  <c:v>255</c:v>
                 </c:pt>
                 <c:pt idx="7">
-                  <c:v>255.0</c:v>
+                  <c:v>255</c:v>
                 </c:pt>
                 <c:pt idx="8">
-                  <c:v>255.0</c:v>
+                  <c:v>255</c:v>
                 </c:pt>
                 <c:pt idx="9">
-                  <c:v>255.0</c:v>
+                  <c:v>255</c:v>
                 </c:pt>
               </c:numCache>
             </c:numRef>
           </c:val>
-          <c:smooth val="0"/>
         </c:ser>
         <c:ser>
           <c:idx val="3"/>
@@ -3925,39 +3687,38 @@
                 <c:formatCode>General</c:formatCode>
                 <c:ptCount val="10"/>
                 <c:pt idx="0">
-                  <c:v>0.0</c:v>
+                  <c:v>0</c:v>
                 </c:pt>
                 <c:pt idx="1">
-                  <c:v>0.0</c:v>
+                  <c:v>0</c:v>
                 </c:pt>
                 <c:pt idx="2">
-                  <c:v>0.0</c:v>
+                  <c:v>0</c:v>
                 </c:pt>
                 <c:pt idx="3">
-                  <c:v>0.0</c:v>
+                  <c:v>0</c:v>
                 </c:pt>
                 <c:pt idx="4">
-                  <c:v>0.0</c:v>
+                  <c:v>0</c:v>
                 </c:pt>
                 <c:pt idx="5">
-                  <c:v>255.0</c:v>
+                  <c:v>255</c:v>
                 </c:pt>
                 <c:pt idx="6">
-                  <c:v>255.0</c:v>
+                  <c:v>255</c:v>
                 </c:pt>
                 <c:pt idx="7">
-                  <c:v>255.0</c:v>
+                  <c:v>255</c:v>
                 </c:pt>
                 <c:pt idx="8">
-                  <c:v>255.0</c:v>
+                  <c:v>255</c:v>
                 </c:pt>
                 <c:pt idx="9">
-                  <c:v>255.0</c:v>
+                  <c:v>255</c:v>
                 </c:pt>
               </c:numCache>
             </c:numRef>
           </c:val>
-          <c:smooth val="0"/>
         </c:ser>
         <c:ser>
           <c:idx val="4"/>
@@ -3972,39 +3733,38 @@
                 <c:formatCode>General</c:formatCode>
                 <c:ptCount val="10"/>
                 <c:pt idx="0">
-                  <c:v>0.0</c:v>
+                  <c:v>0</c:v>
                 </c:pt>
                 <c:pt idx="1">
-                  <c:v>0.0</c:v>
+                  <c:v>0</c:v>
                 </c:pt>
                 <c:pt idx="2">
-                  <c:v>0.0</c:v>
+                  <c:v>0</c:v>
                 </c:pt>
                 <c:pt idx="3">
-                  <c:v>0.0</c:v>
+                  <c:v>0</c:v>
                 </c:pt>
                 <c:pt idx="4">
-                  <c:v>0.0</c:v>
+                  <c:v>0</c:v>
                 </c:pt>
                 <c:pt idx="5">
-                  <c:v>255.0</c:v>
+                  <c:v>255</c:v>
                 </c:pt>
                 <c:pt idx="6">
-                  <c:v>255.0</c:v>
+                  <c:v>255</c:v>
                 </c:pt>
                 <c:pt idx="7">
-                  <c:v>255.0</c:v>
+                  <c:v>255</c:v>
                 </c:pt>
                 <c:pt idx="8">
-                  <c:v>255.0</c:v>
+                  <c:v>255</c:v>
                 </c:pt>
                 <c:pt idx="9">
-                  <c:v>255.0</c:v>
+                  <c:v>255</c:v>
                 </c:pt>
               </c:numCache>
             </c:numRef>
           </c:val>
-          <c:smooth val="0"/>
         </c:ser>
         <c:ser>
           <c:idx val="5"/>
@@ -4019,39 +3779,38 @@
                 <c:formatCode>General</c:formatCode>
                 <c:ptCount val="10"/>
                 <c:pt idx="0">
-                  <c:v>0.0</c:v>
+                  <c:v>0</c:v>
                 </c:pt>
                 <c:pt idx="1">
-                  <c:v>0.0</c:v>
+                  <c:v>0</c:v>
                 </c:pt>
                 <c:pt idx="2">
-                  <c:v>0.0</c:v>
+                  <c:v>0</c:v>
                 </c:pt>
                 <c:pt idx="3">
-                  <c:v>0.0</c:v>
+                  <c:v>0</c:v>
                 </c:pt>
                 <c:pt idx="4">
-                  <c:v>0.0</c:v>
+                  <c:v>0</c:v>
                 </c:pt>
                 <c:pt idx="5">
-                  <c:v>255.0</c:v>
+                  <c:v>255</c:v>
                 </c:pt>
                 <c:pt idx="6">
-                  <c:v>255.0</c:v>
+                  <c:v>255</c:v>
                 </c:pt>
                 <c:pt idx="7">
-                  <c:v>255.0</c:v>
+                  <c:v>255</c:v>
                 </c:pt>
                 <c:pt idx="8">
-                  <c:v>255.0</c:v>
+                  <c:v>255</c:v>
                 </c:pt>
                 <c:pt idx="9">
-                  <c:v>255.0</c:v>
+                  <c:v>255</c:v>
                 </c:pt>
               </c:numCache>
             </c:numRef>
           </c:val>
-          <c:smooth val="0"/>
         </c:ser>
         <c:ser>
           <c:idx val="6"/>
@@ -4066,39 +3825,38 @@
                 <c:formatCode>General</c:formatCode>
                 <c:ptCount val="10"/>
                 <c:pt idx="0">
-                  <c:v>0.0</c:v>
+                  <c:v>0</c:v>
                 </c:pt>
                 <c:pt idx="1">
-                  <c:v>0.0</c:v>
+                  <c:v>0</c:v>
                 </c:pt>
                 <c:pt idx="2">
-                  <c:v>0.0</c:v>
+                  <c:v>0</c:v>
                 </c:pt>
                 <c:pt idx="3">
-                  <c:v>0.0</c:v>
+                  <c:v>0</c:v>
                 </c:pt>
                 <c:pt idx="4">
-                  <c:v>0.0</c:v>
+                  <c:v>0</c:v>
                 </c:pt>
                 <c:pt idx="5">
-                  <c:v>255.0</c:v>
+                  <c:v>255</c:v>
                 </c:pt>
                 <c:pt idx="6">
-                  <c:v>255.0</c:v>
+                  <c:v>255</c:v>
                 </c:pt>
                 <c:pt idx="7">
-                  <c:v>255.0</c:v>
+                  <c:v>255</c:v>
                 </c:pt>
                 <c:pt idx="8">
-                  <c:v>255.0</c:v>
+                  <c:v>255</c:v>
                 </c:pt>
                 <c:pt idx="9">
-                  <c:v>255.0</c:v>
+                  <c:v>255</c:v>
                 </c:pt>
               </c:numCache>
             </c:numRef>
           </c:val>
-          <c:smooth val="0"/>
         </c:ser>
         <c:ser>
           <c:idx val="7"/>
@@ -4113,39 +3871,38 @@
                 <c:formatCode>General</c:formatCode>
                 <c:ptCount val="10"/>
                 <c:pt idx="0">
-                  <c:v>0.0</c:v>
+                  <c:v>0</c:v>
                 </c:pt>
                 <c:pt idx="1">
-                  <c:v>0.0</c:v>
+                  <c:v>0</c:v>
                 </c:pt>
                 <c:pt idx="2">
-                  <c:v>0.0</c:v>
+                  <c:v>0</c:v>
                 </c:pt>
                 <c:pt idx="3">
-                  <c:v>0.0</c:v>
+                  <c:v>0</c:v>
                 </c:pt>
                 <c:pt idx="4">
-                  <c:v>0.0</c:v>
+                  <c:v>0</c:v>
                 </c:pt>
                 <c:pt idx="5">
-                  <c:v>255.0</c:v>
+                  <c:v>255</c:v>
                 </c:pt>
                 <c:pt idx="6">
-                  <c:v>255.0</c:v>
+                  <c:v>255</c:v>
                 </c:pt>
                 <c:pt idx="7">
-                  <c:v>255.0</c:v>
+                  <c:v>255</c:v>
                 </c:pt>
                 <c:pt idx="8">
-                  <c:v>255.0</c:v>
+                  <c:v>255</c:v>
                 </c:pt>
                 <c:pt idx="9">
-                  <c:v>255.0</c:v>
+                  <c:v>255</c:v>
                 </c:pt>
               </c:numCache>
             </c:numRef>
           </c:val>
-          <c:smooth val="0"/>
         </c:ser>
         <c:ser>
           <c:idx val="8"/>
@@ -4160,39 +3917,38 @@
                 <c:formatCode>General</c:formatCode>
                 <c:ptCount val="10"/>
                 <c:pt idx="0">
-                  <c:v>0.0</c:v>
+                  <c:v>0</c:v>
                 </c:pt>
                 <c:pt idx="1">
-                  <c:v>0.0</c:v>
+                  <c:v>0</c:v>
                 </c:pt>
                 <c:pt idx="2">
-                  <c:v>0.0</c:v>
+                  <c:v>0</c:v>
                 </c:pt>
                 <c:pt idx="3">
-                  <c:v>0.0</c:v>
+                  <c:v>0</c:v>
                 </c:pt>
                 <c:pt idx="4">
-                  <c:v>0.0</c:v>
+                  <c:v>0</c:v>
                 </c:pt>
                 <c:pt idx="5">
-                  <c:v>255.0</c:v>
+                  <c:v>255</c:v>
                 </c:pt>
                 <c:pt idx="6">
-                  <c:v>255.0</c:v>
+                  <c:v>255</c:v>
                 </c:pt>
                 <c:pt idx="7">
-                  <c:v>255.0</c:v>
+                  <c:v>255</c:v>
                 </c:pt>
                 <c:pt idx="8">
-                  <c:v>255.0</c:v>
+                  <c:v>255</c:v>
                 </c:pt>
                 <c:pt idx="9">
-                  <c:v>255.0</c:v>
+                  <c:v>255</c:v>
                 </c:pt>
               </c:numCache>
             </c:numRef>
           </c:val>
-          <c:smooth val="0"/>
         </c:ser>
         <c:ser>
           <c:idx val="9"/>
@@ -4214,89 +3970,73 @@
                 <c:formatCode>General</c:formatCode>
                 <c:ptCount val="10"/>
                 <c:pt idx="0">
-                  <c:v>0.0</c:v>
+                  <c:v>0</c:v>
                 </c:pt>
                 <c:pt idx="1">
-                  <c:v>0.0</c:v>
+                  <c:v>0</c:v>
                 </c:pt>
                 <c:pt idx="2">
-                  <c:v>0.0</c:v>
+                  <c:v>0</c:v>
                 </c:pt>
                 <c:pt idx="3">
-                  <c:v>0.0</c:v>
+                  <c:v>0</c:v>
                 </c:pt>
                 <c:pt idx="4">
-                  <c:v>0.0</c:v>
+                  <c:v>0</c:v>
                 </c:pt>
                 <c:pt idx="5">
-                  <c:v>255.0</c:v>
+                  <c:v>255</c:v>
                 </c:pt>
                 <c:pt idx="6">
-                  <c:v>255.0</c:v>
+                  <c:v>255</c:v>
                 </c:pt>
                 <c:pt idx="7">
-                  <c:v>255.0</c:v>
+                  <c:v>255</c:v>
                 </c:pt>
                 <c:pt idx="8">
-                  <c:v>255.0</c:v>
+                  <c:v>255</c:v>
                 </c:pt>
                 <c:pt idx="9">
-                  <c:v>255.0</c:v>
+                  <c:v>255</c:v>
                 </c:pt>
               </c:numCache>
             </c:numRef>
           </c:val>
-          <c:smooth val="0"/>
         </c:ser>
-        <c:dLbls>
-          <c:showLegendKey val="0"/>
-          <c:showVal val="0"/>
-          <c:showCatName val="0"/>
-          <c:showSerName val="0"/>
-          <c:showPercent val="0"/>
-          <c:showBubbleSize val="0"/>
-        </c:dLbls>
-        <c:smooth val="0"/>
-        <c:axId val="-1295835552"/>
-        <c:axId val="-783389792"/>
+        <c:dLbls/>
+        <c:marker val="1"/>
+        <c:axId val="81627776"/>
+        <c:axId val="81645952"/>
       </c:lineChart>
       <c:catAx>
-        <c:axId val="-1295835552"/>
+        <c:axId val="81627776"/>
         <c:scaling>
           <c:orientation val="minMax"/>
         </c:scaling>
-        <c:delete val="0"/>
         <c:axPos val="b"/>
-        <c:majorTickMark val="out"/>
-        <c:minorTickMark val="none"/>
         <c:tickLblPos val="nextTo"/>
-        <c:crossAx val="-783389792"/>
+        <c:crossAx val="81645952"/>
         <c:crosses val="autoZero"/>
         <c:auto val="1"/>
         <c:lblAlgn val="ctr"/>
         <c:lblOffset val="100"/>
-        <c:noMultiLvlLbl val="0"/>
       </c:catAx>
       <c:valAx>
-        <c:axId val="-783389792"/>
+        <c:axId val="81645952"/>
         <c:scaling>
           <c:orientation val="minMax"/>
         </c:scaling>
-        <c:delete val="0"/>
         <c:axPos val="l"/>
         <c:majorGridlines/>
         <c:numFmt formatCode="General" sourceLinked="1"/>
-        <c:majorTickMark val="out"/>
-        <c:minorTickMark val="none"/>
         <c:tickLblPos val="nextTo"/>
-        <c:crossAx val="-1295835552"/>
+        <c:crossAx val="81627776"/>
         <c:crosses val="autoZero"/>
         <c:crossBetween val="between"/>
       </c:valAx>
     </c:plotArea>
     <c:plotVisOnly val="1"/>
     <c:dispBlanksAs val="gap"/>
-    <c:showDLblsOverMax val="0"/>
   </c:chart>
   <c:spPr>
     <a:gradFill>
@@ -4323,32 +4063,18 @@
       <a:lin ang="5400000" scaled="0"/>
     </a:gradFill>
   </c:spPr>
-  <c:externalData r:id="rId1">
-    <c:autoUpdate val="0"/>
-  </c:externalData>
+  <c:externalData r:id="rId1"/>
 </c:chartSpace>
 </file>
 
 <file path=ppt/charts/chart5.xml><?xml version="1.0" encoding="utf-8"?>
 <c:chartSpace xmlns:c="http://schemas.openxmlformats.org/drawingml/2006/chart" xmlns:a="http://schemas.openxmlformats.org/drawingml/2006/main" xmlns:r="http://schemas.openxmlformats.org/officeDocument/2006/relationships">
-  <c:date1904 val="0"/>
   <c:lang val="ja-JP"/>
-  <c:roundedCorners val="0"/>
-  <mc:AlternateContent xmlns:mc="http://schemas.openxmlformats.org/markup-compatibility/2006">
-    <mc:Choice xmlns:c14="http://schemas.microsoft.com/office/drawing/2007/8/2/chart" Requires="c14">
-      <c14:style val="102"/>
-    </mc:Choice>
-    <mc:Fallback>
-      <c:style val="2"/>
-    </mc:Fallback>
-  </mc:AlternateContent>
   <c:chart>
-    <c:autoTitleDeleted val="0"/>
     <c:plotArea>
       <c:layout/>
       <c:lineChart>
         <c:grouping val="standard"/>
-        <c:varyColors val="0"/>
         <c:ser>
           <c:idx val="0"/>
           <c:order val="0"/>
@@ -4362,39 +4088,38 @@
                 <c:formatCode>General</c:formatCode>
                 <c:ptCount val="10"/>
                 <c:pt idx="0">
-                  <c:v>0.0</c:v>
+                  <c:v>0</c:v>
                 </c:pt>
                 <c:pt idx="1">
-                  <c:v>0.0</c:v>
+                  <c:v>0</c:v>
                 </c:pt>
                 <c:pt idx="2">
-                  <c:v>0.0</c:v>
+                  <c:v>0</c:v>
                 </c:pt>
                 <c:pt idx="3">
-                  <c:v>0.0</c:v>
+                  <c:v>0</c:v>
                 </c:pt>
                 <c:pt idx="4">
-                  <c:v>0.0</c:v>
+                  <c:v>0</c:v>
                 </c:pt>
                 <c:pt idx="5">
-                  <c:v>0.0</c:v>
+                  <c:v>0</c:v>
                 </c:pt>
                 <c:pt idx="6">
-                  <c:v>0.0</c:v>
+                  <c:v>0</c:v>
                 </c:pt>
                 <c:pt idx="7">
-                  <c:v>0.0</c:v>
+                  <c:v>0</c:v>
                 </c:pt>
                 <c:pt idx="8">
-                  <c:v>0.0</c:v>
+                  <c:v>0</c:v>
                 </c:pt>
                 <c:pt idx="9">
-                  <c:v>0.0</c:v>
+                  <c:v>0</c:v>
                 </c:pt>
               </c:numCache>
             </c:numRef>
           </c:val>
-          <c:smooth val="0"/>
         </c:ser>
         <c:ser>
           <c:idx val="1"/>
@@ -4409,39 +4134,38 @@
                 <c:formatCode>General</c:formatCode>
                 <c:ptCount val="10"/>
                 <c:pt idx="0">
-                  <c:v>0.0</c:v>
+                  <c:v>0</c:v>
                 </c:pt>
                 <c:pt idx="1">
-                  <c:v>127.0</c:v>
+                  <c:v>127</c:v>
                 </c:pt>
                 <c:pt idx="2">
-                  <c:v>127.0</c:v>
+                  <c:v>127</c:v>
                 </c:pt>
                 <c:pt idx="3">
-                  <c:v>127.0</c:v>
+                  <c:v>127</c:v>
                 </c:pt>
                 <c:pt idx="4">
-                  <c:v>255.0</c:v>
+                  <c:v>255</c:v>
                 </c:pt>
                 <c:pt idx="5">
-                  <c:v>0.0</c:v>
+                  <c:v>0</c:v>
                 </c:pt>
                 <c:pt idx="6">
-                  <c:v>127.0</c:v>
+                  <c:v>127</c:v>
                 </c:pt>
                 <c:pt idx="7">
-                  <c:v>127.0</c:v>
+                  <c:v>127</c:v>
                 </c:pt>
                 <c:pt idx="8">
-                  <c:v>127.0</c:v>
+                  <c:v>127</c:v>
                 </c:pt>
                 <c:pt idx="9">
-                  <c:v>0.0</c:v>
+                  <c:v>0</c:v>
                 </c:pt>
               </c:numCache>
             </c:numRef>
           </c:val>
-          <c:smooth val="0"/>
         </c:ser>
         <c:ser>
           <c:idx val="2"/>
@@ -4456,39 +4180,38 @@
                 <c:formatCode>General</c:formatCode>
                 <c:ptCount val="10"/>
                 <c:pt idx="0">
-                  <c:v>0.0</c:v>
+                  <c:v>0</c:v>
                 </c:pt>
                 <c:pt idx="1">
-                  <c:v>127.0</c:v>
+                  <c:v>127</c:v>
                 </c:pt>
                 <c:pt idx="2">
-                  <c:v>127.0</c:v>
+                  <c:v>127</c:v>
                 </c:pt>
                 <c:pt idx="3">
-                  <c:v>127.0</c:v>
+                  <c:v>127</c:v>
                 </c:pt>
                 <c:pt idx="4">
-                  <c:v>255.0</c:v>
+                  <c:v>255</c:v>
                 </c:pt>
                 <c:pt idx="5">
-                  <c:v>0.0</c:v>
+                  <c:v>0</c:v>
                 </c:pt>
                 <c:pt idx="6">
-                  <c:v>127.0</c:v>
+                  <c:v>127</c:v>
                 </c:pt>
                 <c:pt idx="7">
-                  <c:v>127.0</c:v>
+                  <c:v>127</c:v>
                 </c:pt>
                 <c:pt idx="8">
-                  <c:v>127.0</c:v>
+                  <c:v>127</c:v>
                 </c:pt>
                 <c:pt idx="9">
-                  <c:v>0.0</c:v>
+                  <c:v>0</c:v>
                 </c:pt>
               </c:numCache>
             </c:numRef>
           </c:val>
-          <c:smooth val="0"/>
         </c:ser>
         <c:ser>
           <c:idx val="3"/>
@@ -4503,39 +4226,38 @@
                 <c:formatCode>General</c:formatCode>
                 <c:ptCount val="10"/>
                 <c:pt idx="0">
-                  <c:v>0.0</c:v>
+                  <c:v>0</c:v>
                 </c:pt>
                 <c:pt idx="1">
-                  <c:v>127.0</c:v>
+                  <c:v>127</c:v>
                 </c:pt>
                 <c:pt idx="2">
-                  <c:v>127.0</c:v>
+                  <c:v>127</c:v>
                 </c:pt>
                 <c:pt idx="3">
-                  <c:v>127.0</c:v>
+                  <c:v>127</c:v>
                 </c:pt>
                 <c:pt idx="4">
-                  <c:v>255.0</c:v>
+                  <c:v>255</c:v>
                 </c:pt>
                 <c:pt idx="5">
-                  <c:v>0.0</c:v>
+                  <c:v>0</c:v>
                 </c:pt>
                 <c:pt idx="6">
-                  <c:v>127.0</c:v>
+                  <c:v>127</c:v>
                 </c:pt>
                 <c:pt idx="7">
-                  <c:v>127.0</c:v>
+                  <c:v>127</c:v>
                 </c:pt>
                 <c:pt idx="8">
-                  <c:v>127.0</c:v>
+                  <c:v>127</c:v>
                 </c:pt>
                 <c:pt idx="9">
-                  <c:v>0.0</c:v>
+                  <c:v>0</c:v>
                 </c:pt>
               </c:numCache>
             </c:numRef>
           </c:val>
-          <c:smooth val="0"/>
         </c:ser>
         <c:ser>
           <c:idx val="4"/>
@@ -4550,39 +4272,38 @@
                 <c:formatCode>General</c:formatCode>
                 <c:ptCount val="10"/>
                 <c:pt idx="0">
-                  <c:v>0.0</c:v>
+                  <c:v>0</c:v>
                 </c:pt>
                 <c:pt idx="1">
-                  <c:v>127.0</c:v>
+                  <c:v>127</c:v>
                 </c:pt>
                 <c:pt idx="2">
-                  <c:v>127.0</c:v>
+                  <c:v>127</c:v>
                 </c:pt>
                 <c:pt idx="3">
-                  <c:v>127.0</c:v>
+                  <c:v>127</c:v>
                 </c:pt>
                 <c:pt idx="4">
-                  <c:v>255.0</c:v>
+                  <c:v>255</c:v>
                 </c:pt>
                 <c:pt idx="5">
-                  <c:v>0.0</c:v>
+                  <c:v>0</c:v>
                 </c:pt>
                 <c:pt idx="6">
-                  <c:v>127.0</c:v>
+                  <c:v>127</c:v>
                 </c:pt>
                 <c:pt idx="7">
-                  <c:v>127.0</c:v>
+                  <c:v>127</c:v>
                 </c:pt>
                 <c:pt idx="8">
-                  <c:v>127.0</c:v>
+                  <c:v>127</c:v>
                 </c:pt>
                 <c:pt idx="9">
-                  <c:v>0.0</c:v>
+                  <c:v>0</c:v>
                 </c:pt>
               </c:numCache>
             </c:numRef>
           </c:val>
-          <c:smooth val="0"/>
         </c:ser>
         <c:ser>
           <c:idx val="5"/>
@@ -4597,39 +4318,38 @@
                 <c:formatCode>General</c:formatCode>
                 <c:ptCount val="10"/>
                 <c:pt idx="0">
-                  <c:v>0.0</c:v>
+                  <c:v>0</c:v>
                 </c:pt>
                 <c:pt idx="1">
-                  <c:v>127.0</c:v>
+                  <c:v>127</c:v>
                 </c:pt>
                 <c:pt idx="2">
-                  <c:v>127.0</c:v>
+                  <c:v>127</c:v>
                 </c:pt>
                 <c:pt idx="3">
-                  <c:v>127.0</c:v>
+                  <c:v>127</c:v>
                 </c:pt>
                 <c:pt idx="4">
-                  <c:v>255.0</c:v>
+                  <c:v>255</c:v>
                 </c:pt>
                 <c:pt idx="5">
-                  <c:v>0.0</c:v>
+                  <c:v>0</c:v>
                 </c:pt>
                 <c:pt idx="6">
-                  <c:v>127.0</c:v>
+                  <c:v>127</c:v>
                 </c:pt>
                 <c:pt idx="7">
-                  <c:v>127.0</c:v>
+                  <c:v>127</c:v>
                 </c:pt>
                 <c:pt idx="8">
-                  <c:v>127.0</c:v>
+                  <c:v>127</c:v>
                 </c:pt>
                 <c:pt idx="9">
-                  <c:v>0.0</c:v>
+                  <c:v>0</c:v>
                 </c:pt>
               </c:numCache>
             </c:numRef>
           </c:val>
-          <c:smooth val="0"/>
         </c:ser>
         <c:ser>
           <c:idx val="6"/>
@@ -4644,39 +4364,38 @@
                 <c:formatCode>General</c:formatCode>
                 <c:ptCount val="10"/>
                 <c:pt idx="0">
-                  <c:v>0.0</c:v>
+                  <c:v>0</c:v>
                 </c:pt>
                 <c:pt idx="1">
-                  <c:v>127.0</c:v>
+                  <c:v>127</c:v>
                 </c:pt>
                 <c:pt idx="2">
-                  <c:v>127.0</c:v>
+                  <c:v>127</c:v>
                 </c:pt>
                 <c:pt idx="3">
-                  <c:v>127.0</c:v>
+                  <c:v>127</c:v>
                 </c:pt>
                 <c:pt idx="4">
-                  <c:v>255.0</c:v>
+                  <c:v>255</c:v>
                 </c:pt>
                 <c:pt idx="5">
-                  <c:v>0.0</c:v>
+                  <c:v>0</c:v>
                 </c:pt>
                 <c:pt idx="6">
-                  <c:v>127.0</c:v>
+                  <c:v>127</c:v>
                 </c:pt>
                 <c:pt idx="7">
-                  <c:v>127.0</c:v>
+                  <c:v>127</c:v>
                 </c:pt>
                 <c:pt idx="8">
-                  <c:v>127.0</c:v>
+                  <c:v>127</c:v>
                 </c:pt>
                 <c:pt idx="9">
-                  <c:v>0.0</c:v>
+                  <c:v>0</c:v>
                 </c:pt>
               </c:numCache>
             </c:numRef>
           </c:val>
-          <c:smooth val="0"/>
         </c:ser>
         <c:ser>
           <c:idx val="7"/>
@@ -4691,39 +4410,38 @@
                 <c:formatCode>General</c:formatCode>
                 <c:ptCount val="10"/>
                 <c:pt idx="0">
-                  <c:v>0.0</c:v>
+                  <c:v>0</c:v>
                 </c:pt>
                 <c:pt idx="1">
-                  <c:v>127.0</c:v>
+                  <c:v>127</c:v>
                 </c:pt>
                 <c:pt idx="2">
-                  <c:v>127.0</c:v>
+                  <c:v>127</c:v>
                 </c:pt>
                 <c:pt idx="3">
-                  <c:v>127.0</c:v>
+                  <c:v>127</c:v>
                 </c:pt>
                 <c:pt idx="4">
-                  <c:v>255.0</c:v>
+                  <c:v>255</c:v>
                 </c:pt>
                 <c:pt idx="5">
-                  <c:v>0.0</c:v>
+                  <c:v>0</c:v>
                 </c:pt>
                 <c:pt idx="6">
-                  <c:v>127.0</c:v>
+                  <c:v>127</c:v>
                 </c:pt>
                 <c:pt idx="7">
-                  <c:v>127.0</c:v>
+                  <c:v>127</c:v>
                 </c:pt>
                 <c:pt idx="8">
-                  <c:v>127.0</c:v>
+                  <c:v>127</c:v>
                 </c:pt>
                 <c:pt idx="9">
-                  <c:v>0.0</c:v>
+                  <c:v>0</c:v>
                 </c:pt>
               </c:numCache>
             </c:numRef>
           </c:val>
-          <c:smooth val="0"/>
         </c:ser>
         <c:ser>
           <c:idx val="8"/>
@@ -4745,39 +4463,38 @@
                 <c:formatCode>General</c:formatCode>
                 <c:ptCount val="10"/>
                 <c:pt idx="0">
-                  <c:v>0.0</c:v>
+                  <c:v>0</c:v>
                 </c:pt>
                 <c:pt idx="1">
-                  <c:v>127.0</c:v>
+                  <c:v>127</c:v>
                 </c:pt>
                 <c:pt idx="2">
-                  <c:v>127.0</c:v>
+                  <c:v>127</c:v>
                 </c:pt>
                 <c:pt idx="3">
-                  <c:v>127.0</c:v>
+                  <c:v>127</c:v>
                 </c:pt>
                 <c:pt idx="4">
-                  <c:v>255.0</c:v>
+                  <c:v>255</c:v>
                 </c:pt>
                 <c:pt idx="5">
-                  <c:v>0.0</c:v>
+                  <c:v>0</c:v>
                 </c:pt>
                 <c:pt idx="6">
-                  <c:v>127.0</c:v>
+                  <c:v>127</c:v>
                 </c:pt>
                 <c:pt idx="7">
-                  <c:v>127.0</c:v>
+                  <c:v>127</c:v>
                 </c:pt>
                 <c:pt idx="8">
-                  <c:v>127.0</c:v>
+                  <c:v>127</c:v>
                 </c:pt>
                 <c:pt idx="9">
-                  <c:v>0.0</c:v>
+                  <c:v>0</c:v>
                 </c:pt>
               </c:numCache>
             </c:numRef>
           </c:val>
-          <c:smooth val="0"/>
         </c:ser>
         <c:ser>
           <c:idx val="9"/>
@@ -4792,89 +4509,73 @@
                 <c:formatCode>General</c:formatCode>
                 <c:ptCount val="10"/>
                 <c:pt idx="0">
-                  <c:v>0.0</c:v>
+                  <c:v>0</c:v>
                 </c:pt>
                 <c:pt idx="1">
-                  <c:v>0.0</c:v>
+                  <c:v>0</c:v>
                 </c:pt>
                 <c:pt idx="2">
-                  <c:v>0.0</c:v>
+                  <c:v>0</c:v>
                 </c:pt>
                 <c:pt idx="3">
-                  <c:v>0.0</c:v>
+                  <c:v>0</c:v>
                 </c:pt>
                 <c:pt idx="4">
-                  <c:v>0.0</c:v>
+                  <c:v>0</c:v>
                 </c:pt>
                 <c:pt idx="5">
-                  <c:v>0.0</c:v>
+                  <c:v>0</c:v>
                 </c:pt>
                 <c:pt idx="6">
-                  <c:v>0.0</c:v>
+                  <c:v>0</c:v>
                 </c:pt>
                 <c:pt idx="7">
-                  <c:v>0.0</c:v>
+                  <c:v>0</c:v>
                 </c:pt>
                 <c:pt idx="8">
-                  <c:v>0.0</c:v>
+                  <c:v>0</c:v>
                 </c:pt>
                 <c:pt idx="9">
-                  <c:v>0.0</c:v>
+                  <c:v>0</c:v>
                 </c:pt>
               </c:numCache>
             </c:numRef>
           </c:val>
-          <c:smooth val="0"/>
         </c:ser>
-        <c:dLbls>
-          <c:showLegendKey val="0"/>
-          <c:showVal val="0"/>
-          <c:showCatName val="0"/>
-          <c:showSerName val="0"/>
-          <c:showPercent val="0"/>
-          <c:showBubbleSize val="0"/>
-        </c:dLbls>
-        <c:smooth val="0"/>
-        <c:axId val="-952763584"/>
-        <c:axId val="-829169392"/>
+        <c:dLbls/>
+        <c:marker val="1"/>
+        <c:axId val="81742464"/>
+        <c:axId val="81756544"/>
       </c:lineChart>
       <c:catAx>
-        <c:axId val="-952763584"/>
+        <c:axId val="81742464"/>
         <c:scaling>
           <c:orientation val="minMax"/>
         </c:scaling>
-        <c:delete val="0"/>
         <c:axPos val="b"/>
-        <c:majorTickMark val="out"/>
-        <c:minorTickMark val="none"/>
         <c:tickLblPos val="nextTo"/>
-        <c:crossAx val="-829169392"/>
+        <c:crossAx val="81756544"/>
         <c:crosses val="autoZero"/>
         <c:auto val="1"/>
         <c:lblAlgn val="ctr"/>
         <c:lblOffset val="100"/>
-        <c:noMultiLvlLbl val="0"/>
       </c:catAx>
       <c:valAx>
-        <c:axId val="-829169392"/>
+        <c:axId val="81756544"/>
         <c:scaling>
           <c:orientation val="minMax"/>
         </c:scaling>
-        <c:delete val="0"/>
         <c:axPos val="l"/>
         <c:majorGridlines/>
         <c:numFmt formatCode="General" sourceLinked="1"/>
-        <c:majorTickMark val="out"/>
-        <c:minorTickMark val="none"/>
         <c:tickLblPos val="nextTo"/>
-        <c:crossAx val="-952763584"/>
+        <c:crossAx val="81742464"/>
         <c:crosses val="autoZero"/>
         <c:crossBetween val="between"/>
       </c:valAx>
     </c:plotArea>
     <c:plotVisOnly val="1"/>
     <c:dispBlanksAs val="gap"/>
-    <c:showDLblsOverMax val="0"/>
   </c:chart>
   <c:spPr>
     <a:gradFill>
@@ -4901,32 +4602,18 @@
       <a:lin ang="5400000" scaled="0"/>
     </a:gradFill>
   </c:spPr>
-  <c:externalData r:id="rId1">
-    <c:autoUpdate val="0"/>
-  </c:externalData>
+  <c:externalData r:id="rId1"/>
 </c:chartSpace>
 </file>
 
 <file path=ppt/charts/chart6.xml><?xml version="1.0" encoding="utf-8"?>
 <c:chartSpace xmlns:c="http://schemas.openxmlformats.org/drawingml/2006/chart" xmlns:a="http://schemas.openxmlformats.org/drawingml/2006/main" xmlns:r="http://schemas.openxmlformats.org/officeDocument/2006/relationships">
-  <c:date1904 val="0"/>
   <c:lang val="ja-JP"/>
-  <c:roundedCorners val="0"/>
-  <mc:AlternateContent xmlns:mc="http://schemas.openxmlformats.org/markup-compatibility/2006">
-    <mc:Choice xmlns:c14="http://schemas.microsoft.com/office/drawing/2007/8/2/chart" Requires="c14">
-      <c14:style val="102"/>
-    </mc:Choice>
-    <mc:Fallback>
-      <c:style val="2"/>
-    </mc:Fallback>
-  </mc:AlternateContent>
   <c:chart>
-    <c:autoTitleDeleted val="0"/>
     <c:plotArea>
       <c:layout/>
       <c:lineChart>
         <c:grouping val="standard"/>
-        <c:varyColors val="0"/>
         <c:ser>
           <c:idx val="0"/>
           <c:order val="0"/>
@@ -4940,39 +4627,38 @@
                 <c:formatCode>General</c:formatCode>
                 <c:ptCount val="10"/>
                 <c:pt idx="0">
-                  <c:v>0.0</c:v>
+                  <c:v>0</c:v>
                 </c:pt>
                 <c:pt idx="1">
-                  <c:v>0.0</c:v>
+                  <c:v>0</c:v>
                 </c:pt>
                 <c:pt idx="2">
-                  <c:v>0.0</c:v>
+                  <c:v>0</c:v>
                 </c:pt>
                 <c:pt idx="3">
-                  <c:v>0.0</c:v>
+                  <c:v>0</c:v>
                 </c:pt>
                 <c:pt idx="4">
-                  <c:v>0.0</c:v>
+                  <c:v>0</c:v>
                 </c:pt>
                 <c:pt idx="5">
-                  <c:v>255.0</c:v>
+                  <c:v>255</c:v>
                 </c:pt>
                 <c:pt idx="6">
-                  <c:v>255.0</c:v>
+                  <c:v>255</c:v>
                 </c:pt>
                 <c:pt idx="7">
-                  <c:v>255.0</c:v>
+                  <c:v>255</c:v>
                 </c:pt>
                 <c:pt idx="8">
-                  <c:v>255.0</c:v>
+                  <c:v>255</c:v>
                 </c:pt>
                 <c:pt idx="9">
-                  <c:v>255.0</c:v>
+                  <c:v>255</c:v>
                 </c:pt>
               </c:numCache>
             </c:numRef>
           </c:val>
-          <c:smooth val="0"/>
         </c:ser>
         <c:ser>
           <c:idx val="1"/>
@@ -4987,39 +4673,38 @@
                 <c:formatCode>General</c:formatCode>
                 <c:ptCount val="10"/>
                 <c:pt idx="0">
-                  <c:v>0.0</c:v>
+                  <c:v>0</c:v>
                 </c:pt>
                 <c:pt idx="1">
-                  <c:v>0.0</c:v>
+                  <c:v>0</c:v>
                 </c:pt>
                 <c:pt idx="2">
-                  <c:v>0.0</c:v>
+                  <c:v>0</c:v>
                 </c:pt>
                 <c:pt idx="3">
-                  <c:v>0.0</c:v>
+                  <c:v>0</c:v>
                 </c:pt>
                 <c:pt idx="4">
-                  <c:v>0.0</c:v>
+                  <c:v>0</c:v>
                 </c:pt>
                 <c:pt idx="5">
-                  <c:v>255.0</c:v>
+                  <c:v>255</c:v>
                 </c:pt>
                 <c:pt idx="6">
-                  <c:v>255.0</c:v>
+                  <c:v>255</c:v>
                 </c:pt>
                 <c:pt idx="7">
-                  <c:v>255.0</c:v>
+                  <c:v>255</c:v>
                 </c:pt>
                 <c:pt idx="8">
-                  <c:v>255.0</c:v>
+                  <c:v>255</c:v>
                 </c:pt>
                 <c:pt idx="9">
-                  <c:v>255.0</c:v>
+                  <c:v>255</c:v>
                 </c:pt>
               </c:numCache>
             </c:numRef>
           </c:val>
-          <c:smooth val="0"/>
         </c:ser>
         <c:ser>
           <c:idx val="2"/>
@@ -5034,39 +4719,38 @@
                 <c:formatCode>General</c:formatCode>
                 <c:ptCount val="10"/>
                 <c:pt idx="0">
-                  <c:v>0.0</c:v>
+                  <c:v>0</c:v>
                 </c:pt>
                 <c:pt idx="1">
-                  <c:v>0.0</c:v>
+                  <c:v>0</c:v>
                 </c:pt>
                 <c:pt idx="2">
-                  <c:v>0.0</c:v>
+                  <c:v>0</c:v>
                 </c:pt>
                 <c:pt idx="3">
-                  <c:v>0.0</c:v>
+                  <c:v>0</c:v>
                 </c:pt>
                 <c:pt idx="4">
-                  <c:v>0.0</c:v>
+                  <c:v>0</c:v>
                 </c:pt>
                 <c:pt idx="5">
-                  <c:v>255.0</c:v>
+                  <c:v>255</c:v>
                 </c:pt>
                 <c:pt idx="6">
-                  <c:v>255.0</c:v>
+                  <c:v>255</c:v>
                 </c:pt>
                 <c:pt idx="7">
-                  <c:v>255.0</c:v>
+                  <c:v>255</c:v>
                 </c:pt>
                 <c:pt idx="8">
-                  <c:v>255.0</c:v>
+                  <c:v>255</c:v>
                 </c:pt>
                 <c:pt idx="9">
-                  <c:v>255.0</c:v>
+                  <c:v>255</c:v>
                 </c:pt>
               </c:numCache>
             </c:numRef>
           </c:val>
-          <c:smooth val="0"/>
         </c:ser>
         <c:ser>
           <c:idx val="3"/>
@@ -5081,39 +4765,38 @@
                 <c:formatCode>General</c:formatCode>
                 <c:ptCount val="10"/>
                 <c:pt idx="0">
-                  <c:v>0.0</c:v>
+                  <c:v>0</c:v>
                 </c:pt>
                 <c:pt idx="1">
-                  <c:v>0.0</c:v>
+                  <c:v>0</c:v>
                 </c:pt>
                 <c:pt idx="2">
-                  <c:v>0.0</c:v>
+                  <c:v>0</c:v>
                 </c:pt>
                 <c:pt idx="3">
-                  <c:v>0.0</c:v>
+                  <c:v>0</c:v>
                 </c:pt>
                 <c:pt idx="4">
-                  <c:v>0.0</c:v>
+                  <c:v>0</c:v>
                 </c:pt>
                 <c:pt idx="5">
-                  <c:v>255.0</c:v>
+                  <c:v>255</c:v>
                 </c:pt>
                 <c:pt idx="6">
-                  <c:v>255.0</c:v>
+                  <c:v>255</c:v>
                 </c:pt>
                 <c:pt idx="7">
-                  <c:v>255.0</c:v>
+                  <c:v>255</c:v>
                 </c:pt>
                 <c:pt idx="8">
-                  <c:v>255.0</c:v>
+                  <c:v>255</c:v>
                 </c:pt>
                 <c:pt idx="9">
-                  <c:v>255.0</c:v>
+                  <c:v>255</c:v>
                 </c:pt>
               </c:numCache>
             </c:numRef>
           </c:val>
-          <c:smooth val="0"/>
         </c:ser>
         <c:ser>
           <c:idx val="4"/>
@@ -5128,39 +4811,38 @@
                 <c:formatCode>General</c:formatCode>
                 <c:ptCount val="10"/>
                 <c:pt idx="0">
-                  <c:v>0.0</c:v>
+                  <c:v>0</c:v>
                 </c:pt>
                 <c:pt idx="1">
-                  <c:v>0.0</c:v>
+                  <c:v>0</c:v>
                 </c:pt>
                 <c:pt idx="2">
-                  <c:v>0.0</c:v>
+                  <c:v>0</c:v>
                 </c:pt>
                 <c:pt idx="3">
-                  <c:v>0.0</c:v>
+                  <c:v>0</c:v>
                 </c:pt>
                 <c:pt idx="4">
-                  <c:v>0.0</c:v>
+                  <c:v>0</c:v>
                 </c:pt>
                 <c:pt idx="5">
-                  <c:v>255.0</c:v>
+                  <c:v>255</c:v>
                 </c:pt>
                 <c:pt idx="6">
-                  <c:v>255.0</c:v>
+                  <c:v>255</c:v>
                 </c:pt>
                 <c:pt idx="7">
-                  <c:v>255.0</c:v>
+                  <c:v>255</c:v>
                 </c:pt>
                 <c:pt idx="8">
-                  <c:v>255.0</c:v>
+                  <c:v>255</c:v>
                 </c:pt>
                 <c:pt idx="9">
-                  <c:v>255.0</c:v>
+                  <c:v>255</c:v>
                 </c:pt>
               </c:numCache>
             </c:numRef>
           </c:val>
-          <c:smooth val="0"/>
         </c:ser>
         <c:ser>
           <c:idx val="5"/>
@@ -5175,39 +4857,38 @@
                 <c:formatCode>General</c:formatCode>
                 <c:ptCount val="10"/>
                 <c:pt idx="0">
-                  <c:v>0.0</c:v>
+                  <c:v>0</c:v>
                 </c:pt>
                 <c:pt idx="1">
-                  <c:v>0.0</c:v>
+                  <c:v>0</c:v>
                 </c:pt>
                 <c:pt idx="2">
-                  <c:v>0.0</c:v>
+                  <c:v>0</c:v>
                 </c:pt>
                 <c:pt idx="3">
-                  <c:v>0.0</c:v>
+                  <c:v>0</c:v>
                 </c:pt>
                 <c:pt idx="4">
-                  <c:v>0.0</c:v>
+                  <c:v>0</c:v>
                 </c:pt>
                 <c:pt idx="5">
-                  <c:v>255.0</c:v>
+                  <c:v>255</c:v>
                 </c:pt>
                 <c:pt idx="6">
-                  <c:v>255.0</c:v>
+                  <c:v>255</c:v>
                 </c:pt>
                 <c:pt idx="7">
-                  <c:v>255.0</c:v>
+                  <c:v>255</c:v>
                 </c:pt>
                 <c:pt idx="8">
-                  <c:v>255.0</c:v>
+                  <c:v>255</c:v>
                 </c:pt>
                 <c:pt idx="9">
-                  <c:v>255.0</c:v>
+                  <c:v>255</c:v>
                 </c:pt>
               </c:numCache>
             </c:numRef>
           </c:val>
-          <c:smooth val="0"/>
         </c:ser>
         <c:ser>
           <c:idx val="6"/>
@@ -5222,39 +4903,38 @@
                 <c:formatCode>General</c:formatCode>
                 <c:ptCount val="10"/>
                 <c:pt idx="0">
-                  <c:v>0.0</c:v>
+                  <c:v>0</c:v>
                 </c:pt>
                 <c:pt idx="1">
-                  <c:v>0.0</c:v>
+                  <c:v>0</c:v>
                 </c:pt>
                 <c:pt idx="2">
-                  <c:v>0.0</c:v>
+                  <c:v>0</c:v>
                 </c:pt>
                 <c:pt idx="3">
-                  <c:v>0.0</c:v>
+                  <c:v>0</c:v>
                 </c:pt>
                 <c:pt idx="4">
-                  <c:v>0.0</c:v>
+                  <c:v>0</c:v>
                 </c:pt>
                 <c:pt idx="5">
-                  <c:v>255.0</c:v>
+                  <c:v>255</c:v>
                 </c:pt>
                 <c:pt idx="6">
-                  <c:v>255.0</c:v>
+                  <c:v>255</c:v>
                 </c:pt>
                 <c:pt idx="7">
-                  <c:v>255.0</c:v>
+                  <c:v>255</c:v>
                 </c:pt>
                 <c:pt idx="8">
-                  <c:v>255.0</c:v>
+                  <c:v>255</c:v>
                 </c:pt>
                 <c:pt idx="9">
-                  <c:v>255.0</c:v>
+                  <c:v>255</c:v>
                 </c:pt>
               </c:numCache>
             </c:numRef>
           </c:val>
-          <c:smooth val="0"/>
         </c:ser>
         <c:ser>
           <c:idx val="7"/>
@@ -5269,39 +4949,38 @@
                 <c:formatCode>General</c:formatCode>
                 <c:ptCount val="10"/>
                 <c:pt idx="0">
-                  <c:v>0.0</c:v>
+                  <c:v>0</c:v>
                 </c:pt>
                 <c:pt idx="1">
-                  <c:v>0.0</c:v>
+                  <c:v>0</c:v>
                 </c:pt>
                 <c:pt idx="2">
-                  <c:v>0.0</c:v>
+                  <c:v>0</c:v>
                 </c:pt>
                 <c:pt idx="3">
-                  <c:v>0.0</c:v>
+                  <c:v>0</c:v>
                 </c:pt>
                 <c:pt idx="4">
-                  <c:v>0.0</c:v>
+                  <c:v>0</c:v>
                 </c:pt>
                 <c:pt idx="5">
-                  <c:v>255.0</c:v>
+                  <c:v>255</c:v>
                 </c:pt>
                 <c:pt idx="6">
-                  <c:v>255.0</c:v>
+                  <c:v>255</c:v>
                 </c:pt>
                 <c:pt idx="7">
-                  <c:v>255.0</c:v>
+                  <c:v>255</c:v>
                 </c:pt>
                 <c:pt idx="8">
-                  <c:v>255.0</c:v>
+                  <c:v>255</c:v>
                 </c:pt>
                 <c:pt idx="9">
-                  <c:v>255.0</c:v>
+                  <c:v>255</c:v>
                 </c:pt>
               </c:numCache>
             </c:numRef>
           </c:val>
-          <c:smooth val="0"/>
         </c:ser>
         <c:ser>
           <c:idx val="8"/>
@@ -5316,39 +4995,38 @@
                 <c:formatCode>General</c:formatCode>
                 <c:ptCount val="10"/>
                 <c:pt idx="0">
-                  <c:v>0.0</c:v>
+                  <c:v>0</c:v>
                 </c:pt>
                 <c:pt idx="1">
-                  <c:v>0.0</c:v>
+                  <c:v>0</c:v>
                 </c:pt>
                 <c:pt idx="2">
-                  <c:v>0.0</c:v>
+                  <c:v>0</c:v>
                 </c:pt>
                 <c:pt idx="3">
-                  <c:v>0.0</c:v>
+                  <c:v>0</c:v>
                 </c:pt>
                 <c:pt idx="4">
-                  <c:v>0.0</c:v>
+                  <c:v>0</c:v>
                 </c:pt>
                 <c:pt idx="5">
-                  <c:v>255.0</c:v>
+                  <c:v>255</c:v>
                 </c:pt>
                 <c:pt idx="6">
-                  <c:v>255.0</c:v>
+                  <c:v>255</c:v>
                 </c:pt>
                 <c:pt idx="7">
-                  <c:v>255.0</c:v>
+                  <c:v>255</c:v>
                 </c:pt>
                 <c:pt idx="8">
-                  <c:v>255.0</c:v>
+                  <c:v>255</c:v>
                 </c:pt>
                 <c:pt idx="9">
-                  <c:v>255.0</c:v>
+                  <c:v>255</c:v>
                 </c:pt>
               </c:numCache>
             </c:numRef>
           </c:val>
-          <c:smooth val="0"/>
         </c:ser>
         <c:ser>
           <c:idx val="9"/>
@@ -5370,89 +5048,73 @@
                 <c:formatCode>General</c:formatCode>
                 <c:ptCount val="10"/>
                 <c:pt idx="0">
-                  <c:v>0.0</c:v>
+                  <c:v>0</c:v>
                 </c:pt>
                 <c:pt idx="1">
-                  <c:v>0.0</c:v>
+                  <c:v>0</c:v>
                 </c:pt>
                 <c:pt idx="2">
-                  <c:v>0.0</c:v>
+                  <c:v>0</c:v>
                 </c:pt>
                 <c:pt idx="3">
-                  <c:v>0.0</c:v>
+                  <c:v>0</c:v>
                 </c:pt>
                 <c:pt idx="4">
-                  <c:v>0.0</c:v>
+                  <c:v>0</c:v>
                 </c:pt>
                 <c:pt idx="5">
-                  <c:v>255.0</c:v>
+                  <c:v>255</c:v>
                 </c:pt>
                 <c:pt idx="6">
-                  <c:v>255.0</c:v>
+                  <c:v>255</c:v>
                 </c:pt>
                 <c:pt idx="7">
-                  <c:v>255.0</c:v>
+                  <c:v>255</c:v>
                 </c:pt>
                 <c:pt idx="8">
-                  <c:v>255.0</c:v>
+                  <c:v>255</c:v>
                 </c:pt>
                 <c:pt idx="9">
-                  <c:v>255.0</c:v>
+                  <c:v>255</c:v>
                 </c:pt>
               </c:numCache>
             </c:numRef>
           </c:val>
-          <c:smooth val="0"/>
         </c:ser>
-        <c:dLbls>
-          <c:showLegendKey val="0"/>
-          <c:showVal val="0"/>
-          <c:showCatName val="0"/>
-          <c:showSerName val="0"/>
-          <c:showPercent val="0"/>
-          <c:showBubbleSize val="0"/>
-        </c:dLbls>
-        <c:smooth val="0"/>
-        <c:axId val="-1247754752"/>
-        <c:axId val="-1247269472"/>
+        <c:dLbls/>
+        <c:marker val="1"/>
+        <c:axId val="81844480"/>
+        <c:axId val="81854464"/>
       </c:lineChart>
       <c:catAx>
-        <c:axId val="-1247754752"/>
+        <c:axId val="81844480"/>
         <c:scaling>
           <c:orientation val="minMax"/>
         </c:scaling>
-        <c:delete val="0"/>
         <c:axPos val="b"/>
-        <c:majorTickMark val="out"/>
-        <c:minorTickMark val="none"/>
         <c:tickLblPos val="nextTo"/>
-        <c:crossAx val="-1247269472"/>
+        <c:crossAx val="81854464"/>
         <c:crosses val="autoZero"/>
         <c:auto val="1"/>
         <c:lblAlgn val="ctr"/>
         <c:lblOffset val="100"/>
-        <c:noMultiLvlLbl val="0"/>
       </c:catAx>
       <c:valAx>
-        <c:axId val="-1247269472"/>
+        <c:axId val="81854464"/>
         <c:scaling>
           <c:orientation val="minMax"/>
         </c:scaling>
-        <c:delete val="0"/>
         <c:axPos val="l"/>
         <c:majorGridlines/>
         <c:numFmt formatCode="General" sourceLinked="1"/>
-        <c:majorTickMark val="out"/>
-        <c:minorTickMark val="none"/>
         <c:tickLblPos val="nextTo"/>
-        <c:crossAx val="-1247754752"/>
+        <c:crossAx val="81844480"/>
         <c:crosses val="autoZero"/>
         <c:crossBetween val="between"/>
       </c:valAx>
     </c:plotArea>
     <c:plotVisOnly val="1"/>
     <c:dispBlanksAs val="gap"/>
-    <c:showDLblsOverMax val="0"/>
   </c:chart>
   <c:spPr>
     <a:gradFill>
@@ -5479,32 +5141,18 @@
       <a:lin ang="5400000" scaled="0"/>
     </a:gradFill>
   </c:spPr>
-  <c:externalData r:id="rId1">
-    <c:autoUpdate val="0"/>
-  </c:externalData>
+  <c:externalData r:id="rId1"/>
 </c:chartSpace>
 </file>
 
 <file path=ppt/charts/chart7.xml><?xml version="1.0" encoding="utf-8"?>
 <c:chartSpace xmlns:c="http://schemas.openxmlformats.org/drawingml/2006/chart" xmlns:a="http://schemas.openxmlformats.org/drawingml/2006/main" xmlns:r="http://schemas.openxmlformats.org/officeDocument/2006/relationships">
-  <c:date1904 val="0"/>
   <c:lang val="ja-JP"/>
-  <c:roundedCorners val="0"/>
-  <mc:AlternateContent xmlns:mc="http://schemas.openxmlformats.org/markup-compatibility/2006">
-    <mc:Choice xmlns:c14="http://schemas.microsoft.com/office/drawing/2007/8/2/chart" Requires="c14">
-      <c14:style val="102"/>
-    </mc:Choice>
-    <mc:Fallback>
-      <c:style val="2"/>
-    </mc:Fallback>
-  </mc:AlternateContent>
   <c:chart>
-    <c:autoTitleDeleted val="0"/>
     <c:plotArea>
       <c:layout/>
       <c:lineChart>
         <c:grouping val="standard"/>
-        <c:varyColors val="0"/>
         <c:ser>
           <c:idx val="0"/>
           <c:order val="0"/>
@@ -5518,39 +5166,38 @@
                 <c:formatCode>General</c:formatCode>
                 <c:ptCount val="10"/>
                 <c:pt idx="0">
-                  <c:v>0.0</c:v>
+                  <c:v>0</c:v>
                 </c:pt>
                 <c:pt idx="1">
-                  <c:v>0.0</c:v>
+                  <c:v>0</c:v>
                 </c:pt>
                 <c:pt idx="2">
-                  <c:v>0.0</c:v>
+                  <c:v>0</c:v>
                 </c:pt>
                 <c:pt idx="3">
-                  <c:v>0.0</c:v>
+                  <c:v>0</c:v>
                 </c:pt>
                 <c:pt idx="4">
-                  <c:v>0.0</c:v>
+                  <c:v>0</c:v>
                 </c:pt>
                 <c:pt idx="5">
-                  <c:v>0.0</c:v>
+                  <c:v>0</c:v>
                 </c:pt>
                 <c:pt idx="6">
-                  <c:v>0.0</c:v>
+                  <c:v>0</c:v>
                 </c:pt>
                 <c:pt idx="7">
-                  <c:v>0.0</c:v>
+                  <c:v>0</c:v>
                 </c:pt>
                 <c:pt idx="8">
-                  <c:v>0.0</c:v>
+                  <c:v>0</c:v>
                 </c:pt>
                 <c:pt idx="9">
-                  <c:v>0.0</c:v>
+                  <c:v>0</c:v>
                 </c:pt>
               </c:numCache>
             </c:numRef>
           </c:val>
-          <c:smooth val="0"/>
         </c:ser>
         <c:ser>
           <c:idx val="1"/>
@@ -5565,39 +5212,38 @@
                 <c:formatCode>General</c:formatCode>
                 <c:ptCount val="10"/>
                 <c:pt idx="0">
-                  <c:v>0.0</c:v>
+                  <c:v>0</c:v>
                 </c:pt>
                 <c:pt idx="1">
-                  <c:v>100.0</c:v>
+                  <c:v>100</c:v>
                 </c:pt>
                 <c:pt idx="2">
-                  <c:v>100.0</c:v>
+                  <c:v>100</c:v>
                 </c:pt>
                 <c:pt idx="3">
-                  <c:v>100.0</c:v>
+                  <c:v>100</c:v>
                 </c:pt>
                 <c:pt idx="4">
-                  <c:v>100.0</c:v>
+                  <c:v>100</c:v>
                 </c:pt>
                 <c:pt idx="5">
-                  <c:v>100.0</c:v>
+                  <c:v>100</c:v>
                 </c:pt>
                 <c:pt idx="6">
-                  <c:v>100.0</c:v>
+                  <c:v>100</c:v>
                 </c:pt>
                 <c:pt idx="7">
-                  <c:v>100.0</c:v>
+                  <c:v>100</c:v>
                 </c:pt>
                 <c:pt idx="8">
-                  <c:v>100.0</c:v>
+                  <c:v>100</c:v>
                 </c:pt>
                 <c:pt idx="9">
-                  <c:v>0.0</c:v>
+                  <c:v>0</c:v>
                 </c:pt>
               </c:numCache>
             </c:numRef>
           </c:val>
-          <c:smooth val="0"/>
         </c:ser>
         <c:ser>
           <c:idx val="2"/>
@@ -5612,39 +5258,38 @@
                 <c:formatCode>General</c:formatCode>
                 <c:ptCount val="10"/>
                 <c:pt idx="0">
-                  <c:v>0.0</c:v>
+                  <c:v>0</c:v>
                 </c:pt>
                 <c:pt idx="1">
-                  <c:v>100.0</c:v>
+                  <c:v>100</c:v>
                 </c:pt>
                 <c:pt idx="2">
-                  <c:v>100.0</c:v>
+                  <c:v>100</c:v>
                 </c:pt>
                 <c:pt idx="3">
-                  <c:v>100.0</c:v>
+                  <c:v>100</c:v>
                 </c:pt>
                 <c:pt idx="4">
-                  <c:v>100.0</c:v>
+                  <c:v>100</c:v>
                 </c:pt>
                 <c:pt idx="5">
-                  <c:v>100.0</c:v>
+                  <c:v>100</c:v>
                 </c:pt>
                 <c:pt idx="6">
-                  <c:v>100.0</c:v>
+                  <c:v>100</c:v>
                 </c:pt>
                 <c:pt idx="7">
-                  <c:v>100.0</c:v>
+                  <c:v>100</c:v>
                 </c:pt>
                 <c:pt idx="8">
-                  <c:v>100.0</c:v>
+                  <c:v>100</c:v>
                 </c:pt>
                 <c:pt idx="9">
-                  <c:v>0.0</c:v>
+                  <c:v>0</c:v>
                 </c:pt>
               </c:numCache>
             </c:numRef>
           </c:val>
-          <c:smooth val="0"/>
         </c:ser>
         <c:ser>
           <c:idx val="3"/>
@@ -5659,39 +5304,38 @@
                 <c:formatCode>General</c:formatCode>
                 <c:ptCount val="10"/>
                 <c:pt idx="0">
-                  <c:v>0.0</c:v>
+                  <c:v>0</c:v>
                 </c:pt>
                 <c:pt idx="1">
-                  <c:v>100.0</c:v>
+                  <c:v>100</c:v>
                 </c:pt>
                 <c:pt idx="2">
-                  <c:v>100.0</c:v>
+                  <c:v>100</c:v>
                 </c:pt>
                 <c:pt idx="3">
-                  <c:v>100.0</c:v>
+                  <c:v>100</c:v>
                 </c:pt>
                 <c:pt idx="4">
-                  <c:v>0.0</c:v>
+                  <c:v>0</c:v>
                 </c:pt>
                 <c:pt idx="5">
-                  <c:v>0.0</c:v>
+                  <c:v>0</c:v>
                 </c:pt>
                 <c:pt idx="6">
-                  <c:v>100.0</c:v>
+                  <c:v>100</c:v>
                 </c:pt>
                 <c:pt idx="7">
-                  <c:v>100.0</c:v>
+                  <c:v>100</c:v>
                 </c:pt>
                 <c:pt idx="8">
-                  <c:v>100.0</c:v>
+                  <c:v>100</c:v>
                 </c:pt>
                 <c:pt idx="9">
-                  <c:v>0.0</c:v>
+                  <c:v>0</c:v>
                 </c:pt>
               </c:numCache>
             </c:numRef>
           </c:val>
-          <c:smooth val="0"/>
         </c:ser>
         <c:ser>
           <c:idx val="4"/>
@@ -5706,39 +5350,38 @@
                 <c:formatCode>General</c:formatCode>
                 <c:ptCount val="10"/>
                 <c:pt idx="0">
-                  <c:v>0.0</c:v>
+                  <c:v>0</c:v>
                 </c:pt>
                 <c:pt idx="1">
-                  <c:v>100.0</c:v>
+                  <c:v>100</c:v>
                 </c:pt>
                 <c:pt idx="2">
-                  <c:v>100.0</c:v>
+                  <c:v>100</c:v>
                 </c:pt>
                 <c:pt idx="3">
-                  <c:v>0.0</c:v>
+                  <c:v>0</c:v>
                 </c:pt>
                 <c:pt idx="4">
-                  <c:v>255.0</c:v>
+                  <c:v>255</c:v>
                 </c:pt>
                 <c:pt idx="5">
-                  <c:v>255.0</c:v>
+                  <c:v>255</c:v>
                 </c:pt>
                 <c:pt idx="6">
-                  <c:v>0.0</c:v>
+                  <c:v>0</c:v>
                 </c:pt>
                 <c:pt idx="7">
-                  <c:v>100.0</c:v>
+                  <c:v>100</c:v>
                 </c:pt>
                 <c:pt idx="8">
-                  <c:v>100.0</c:v>
+                  <c:v>100</c:v>
                 </c:pt>
                 <c:pt idx="9">
-                  <c:v>0.0</c:v>
+                  <c:v>0</c:v>
                 </c:pt>
               </c:numCache>
             </c:numRef>
           </c:val>
-          <c:smooth val="0"/>
         </c:ser>
         <c:ser>
           <c:idx val="5"/>
@@ -5756,39 +5399,38 @@
                 <c:formatCode>General</c:formatCode>
                 <c:ptCount val="10"/>
                 <c:pt idx="0">
-                  <c:v>0.0</c:v>
+                  <c:v>0</c:v>
                 </c:pt>
                 <c:pt idx="1">
-                  <c:v>100.0</c:v>
+                  <c:v>100</c:v>
                 </c:pt>
                 <c:pt idx="2">
-                  <c:v>100.0</c:v>
+                  <c:v>100</c:v>
                 </c:pt>
                 <c:pt idx="3">
-                  <c:v>0.0</c:v>
+                  <c:v>0</c:v>
                 </c:pt>
                 <c:pt idx="4">
-                  <c:v>255.0</c:v>
+                  <c:v>255</c:v>
                 </c:pt>
                 <c:pt idx="5">
-                  <c:v>255.0</c:v>
+                  <c:v>255</c:v>
                 </c:pt>
                 <c:pt idx="6">
-                  <c:v>0.0</c:v>
+                  <c:v>0</c:v>
                 </c:pt>
                 <c:pt idx="7">
-                  <c:v>100.0</c:v>
+                  <c:v>100</c:v>
                 </c:pt>
                 <c:pt idx="8">
-                  <c:v>100.0</c:v>
+                  <c:v>100</c:v>
                 </c:pt>
                 <c:pt idx="9">
-                  <c:v>0.0</c:v>
+                  <c:v>0</c:v>
                 </c:pt>
               </c:numCache>
             </c:numRef>
           </c:val>
-          <c:smooth val="0"/>
         </c:ser>
         <c:ser>
           <c:idx val="6"/>
@@ -5810,39 +5452,38 @@
                 <c:formatCode>General</c:formatCode>
                 <c:ptCount val="10"/>
                 <c:pt idx="0">
-                  <c:v>0.0</c:v>
+                  <c:v>0</c:v>
                 </c:pt>
                 <c:pt idx="1">
-                  <c:v>100.0</c:v>
+                  <c:v>100</c:v>
                 </c:pt>
                 <c:pt idx="2">
-                  <c:v>100.0</c:v>
+                  <c:v>100</c:v>
                 </c:pt>
                 <c:pt idx="3">
-                  <c:v>100.0</c:v>
+                  <c:v>100</c:v>
                 </c:pt>
                 <c:pt idx="4">
-                  <c:v>0.0</c:v>
+                  <c:v>0</c:v>
                 </c:pt>
                 <c:pt idx="5">
-                  <c:v>0.0</c:v>
+                  <c:v>0</c:v>
                 </c:pt>
                 <c:pt idx="6">
-                  <c:v>100.0</c:v>
+                  <c:v>100</c:v>
                 </c:pt>
                 <c:pt idx="7">
-                  <c:v>100.0</c:v>
+                  <c:v>100</c:v>
                 </c:pt>
                 <c:pt idx="8">
-                  <c:v>100.0</c:v>
+                  <c:v>100</c:v>
                 </c:pt>
                 <c:pt idx="9">
-                  <c:v>0.0</c:v>
+                  <c:v>0</c:v>
                 </c:pt>
               </c:numCache>
             </c:numRef>
           </c:val>
-          <c:smooth val="0"/>
         </c:ser>
         <c:ser>
           <c:idx val="7"/>
@@ -5857,39 +5498,38 @@
                 <c:formatCode>General</c:formatCode>
                 <c:ptCount val="10"/>
                 <c:pt idx="0">
-                  <c:v>0.0</c:v>
+                  <c:v>0</c:v>
                 </c:pt>
                 <c:pt idx="1">
-                  <c:v>100.0</c:v>
+                  <c:v>100</c:v>
                 </c:pt>
                 <c:pt idx="2">
-                  <c:v>100.0</c:v>
+                  <c:v>100</c:v>
                 </c:pt>
                 <c:pt idx="3">
-                  <c:v>100.0</c:v>
+                  <c:v>100</c:v>
                 </c:pt>
                 <c:pt idx="4">
-                  <c:v>100.0</c:v>
+                  <c:v>100</c:v>
                 </c:pt>
                 <c:pt idx="5">
-                  <c:v>100.0</c:v>
+                  <c:v>100</c:v>
                 </c:pt>
                 <c:pt idx="6">
-                  <c:v>100.0</c:v>
+                  <c:v>100</c:v>
                 </c:pt>
                 <c:pt idx="7">
-                  <c:v>100.0</c:v>
+                  <c:v>100</c:v>
                 </c:pt>
                 <c:pt idx="8">
-                  <c:v>100.0</c:v>
+                  <c:v>100</c:v>
                 </c:pt>
                 <c:pt idx="9">
-                  <c:v>0.0</c:v>
+                  <c:v>0</c:v>
                 </c:pt>
               </c:numCache>
             </c:numRef>
           </c:val>
-          <c:smooth val="0"/>
         </c:ser>
         <c:ser>
           <c:idx val="8"/>
@@ -5911,39 +5551,38 @@
                 <c:formatCode>General</c:formatCode>
                 <c:ptCount val="10"/>
                 <c:pt idx="0">
-                  <c:v>0.0</c:v>
+                  <c:v>0</c:v>
                 </c:pt>
                 <c:pt idx="1">
-                  <c:v>100.0</c:v>
+                  <c:v>100</c:v>
                 </c:pt>
                 <c:pt idx="2">
-                  <c:v>100.0</c:v>
+                  <c:v>100</c:v>
                 </c:pt>
                 <c:pt idx="3">
-                  <c:v>100.0</c:v>
+                  <c:v>100</c:v>
                 </c:pt>
                 <c:pt idx="4">
-                  <c:v>100.0</c:v>
+                  <c:v>100</c:v>
                 </c:pt>
                 <c:pt idx="5">
-                  <c:v>100.0</c:v>
+                  <c:v>100</c:v>
                 </c:pt>
                 <c:pt idx="6">
-                  <c:v>100.0</c:v>
+                  <c:v>100</c:v>
                 </c:pt>
                 <c:pt idx="7">
-                  <c:v>100.0</c:v>
+                  <c:v>100</c:v>
                 </c:pt>
                 <c:pt idx="8">
-                  <c:v>100.0</c:v>
+                  <c:v>100</c:v>
                 </c:pt>
                 <c:pt idx="9">
-                  <c:v>0.0</c:v>
+                  <c:v>0</c:v>
                 </c:pt>
               </c:numCache>
             </c:numRef>
           </c:val>
-          <c:smooth val="0"/>
         </c:ser>
         <c:ser>
           <c:idx val="9"/>
@@ -5961,89 +5600,73 @@
                 <c:formatCode>General</c:formatCode>
                 <c:ptCount val="10"/>
                 <c:pt idx="0">
-                  <c:v>0.0</c:v>
+                  <c:v>0</c:v>
                 </c:pt>
                 <c:pt idx="1">
-                  <c:v>0.0</c:v>
+                  <c:v>0</c:v>
                 </c:pt>
                 <c:pt idx="2">
-                  <c:v>0.0</c:v>
+                  <c:v>0</c:v>
                 </c:pt>
                 <c:pt idx="3">
-                  <c:v>0.0</c:v>
+                  <c:v>0</c:v>
                 </c:pt>
                 <c:pt idx="4">
-                  <c:v>0.0</c:v>
+                  <c:v>0</c:v>
                 </c:pt>
                 <c:pt idx="5">
-                  <c:v>0.0</c:v>
+                  <c:v>0</c:v>
                 </c:pt>
                 <c:pt idx="6">
-                  <c:v>0.0</c:v>
+                  <c:v>0</c:v>
                 </c:pt>
                 <c:pt idx="7">
-                  <c:v>0.0</c:v>
+                  <c:v>0</c:v>
                 </c:pt>
                 <c:pt idx="8">
-                  <c:v>0.0</c:v>
+                  <c:v>0</c:v>
                 </c:pt>
                 <c:pt idx="9">
-                  <c:v>0.0</c:v>
+                  <c:v>0</c:v>
                 </c:pt>
               </c:numCache>
             </c:numRef>
           </c:val>
-          <c:smooth val="0"/>
         </c:ser>
-        <c:dLbls>
-          <c:showLegendKey val="0"/>
-          <c:showVal val="0"/>
-          <c:showCatName val="0"/>
-          <c:showSerName val="0"/>
-          <c:showPercent val="0"/>
-          <c:showBubbleSize val="0"/>
-        </c:dLbls>
-        <c:smooth val="0"/>
-        <c:axId val="-1247410192"/>
-        <c:axId val="-1247406384"/>
+        <c:dLbls/>
+        <c:marker val="1"/>
+        <c:axId val="81942784"/>
+        <c:axId val="81956864"/>
       </c:lineChart>
       <c:catAx>
-        <c:axId val="-1247410192"/>
+        <c:axId val="81942784"/>
         <c:scaling>
           <c:orientation val="minMax"/>
         </c:scaling>
-        <c:delete val="0"/>
         <c:axPos val="b"/>
-        <c:majorTickMark val="out"/>
-        <c:minorTickMark val="none"/>
         <c:tickLblPos val="nextTo"/>
-        <c:crossAx val="-1247406384"/>
+        <c:crossAx val="81956864"/>
         <c:crosses val="autoZero"/>
         <c:auto val="1"/>
         <c:lblAlgn val="ctr"/>
         <c:lblOffset val="100"/>
-        <c:noMultiLvlLbl val="0"/>
       </c:catAx>
       <c:valAx>
-        <c:axId val="-1247406384"/>
+        <c:axId val="81956864"/>
         <c:scaling>
           <c:orientation val="minMax"/>
         </c:scaling>
-        <c:delete val="0"/>
         <c:axPos val="l"/>
         <c:majorGridlines/>
         <c:numFmt formatCode="General" sourceLinked="1"/>
-        <c:majorTickMark val="out"/>
-        <c:minorTickMark val="none"/>
         <c:tickLblPos val="nextTo"/>
-        <c:crossAx val="-1247410192"/>
+        <c:crossAx val="81942784"/>
         <c:crosses val="autoZero"/>
         <c:crossBetween val="between"/>
       </c:valAx>
     </c:plotArea>
     <c:plotVisOnly val="1"/>
     <c:dispBlanksAs val="zero"/>
-    <c:showDLblsOverMax val="0"/>
   </c:chart>
   <c:spPr>
     <a:gradFill>
@@ -6070,32 +5693,18 @@
       <a:lin ang="5400000" scaled="0"/>
     </a:gradFill>
   </c:spPr>
-  <c:externalData r:id="rId1">
-    <c:autoUpdate val="0"/>
-  </c:externalData>
+  <c:externalData r:id="rId1"/>
 </c:chartSpace>
 </file>
 
 <file path=ppt/charts/chart8.xml><?xml version="1.0" encoding="utf-8"?>
 <c:chartSpace xmlns:c="http://schemas.openxmlformats.org/drawingml/2006/chart" xmlns:a="http://schemas.openxmlformats.org/drawingml/2006/main" xmlns:r="http://schemas.openxmlformats.org/officeDocument/2006/relationships">
-  <c:date1904 val="0"/>
   <c:lang val="ja-JP"/>
-  <c:roundedCorners val="0"/>
-  <mc:AlternateContent xmlns:mc="http://schemas.openxmlformats.org/markup-compatibility/2006">
-    <mc:Choice xmlns:c14="http://schemas.microsoft.com/office/drawing/2007/8/2/chart" Requires="c14">
-      <c14:style val="102"/>
-    </mc:Choice>
-    <mc:Fallback>
-      <c:style val="2"/>
-    </mc:Fallback>
-  </mc:AlternateContent>
   <c:chart>
-    <c:autoTitleDeleted val="0"/>
     <c:plotArea>
       <c:layout/>
       <c:lineChart>
         <c:grouping val="standard"/>
-        <c:varyColors val="0"/>
         <c:ser>
           <c:idx val="0"/>
           <c:order val="0"/>
@@ -6109,39 +5718,38 @@
                 <c:formatCode>General</c:formatCode>
                 <c:ptCount val="10"/>
                 <c:pt idx="0">
-                  <c:v>100.0</c:v>
+                  <c:v>100</c:v>
                 </c:pt>
                 <c:pt idx="1">
-                  <c:v>100.0</c:v>
+                  <c:v>100</c:v>
                 </c:pt>
                 <c:pt idx="2">
-                  <c:v>100.0</c:v>
+                  <c:v>100</c:v>
                 </c:pt>
                 <c:pt idx="3">
-                  <c:v>100.0</c:v>
+                  <c:v>100</c:v>
                 </c:pt>
                 <c:pt idx="4">
-                  <c:v>100.0</c:v>
+                  <c:v>100</c:v>
                 </c:pt>
                 <c:pt idx="5">
-                  <c:v>100.0</c:v>
+                  <c:v>100</c:v>
                 </c:pt>
                 <c:pt idx="6">
-                  <c:v>100.0</c:v>
+                  <c:v>100</c:v>
                 </c:pt>
                 <c:pt idx="7">
-                  <c:v>100.0</c:v>
+                  <c:v>100</c:v>
                 </c:pt>
                 <c:pt idx="8">
-                  <c:v>100.0</c:v>
+                  <c:v>100</c:v>
                 </c:pt>
                 <c:pt idx="9">
-                  <c:v>100.0</c:v>
+                  <c:v>100</c:v>
                 </c:pt>
               </c:numCache>
             </c:numRef>
           </c:val>
-          <c:smooth val="0"/>
         </c:ser>
         <c:ser>
           <c:idx val="1"/>
@@ -6156,39 +5764,38 @@
                 <c:formatCode>General</c:formatCode>
                 <c:ptCount val="10"/>
                 <c:pt idx="0">
-                  <c:v>100.0</c:v>
+                  <c:v>100</c:v>
                 </c:pt>
                 <c:pt idx="1">
-                  <c:v>100.0</c:v>
+                  <c:v>100</c:v>
                 </c:pt>
                 <c:pt idx="2">
-                  <c:v>100.0</c:v>
+                  <c:v>100</c:v>
                 </c:pt>
                 <c:pt idx="3">
-                  <c:v>100.0</c:v>
+                  <c:v>100</c:v>
                 </c:pt>
                 <c:pt idx="4">
-                  <c:v>100.0</c:v>
+                  <c:v>100</c:v>
                 </c:pt>
                 <c:pt idx="5">
-                  <c:v>100.0</c:v>
+                  <c:v>100</c:v>
                 </c:pt>
                 <c:pt idx="6">
-                  <c:v>100.0</c:v>
+                  <c:v>100</c:v>
                 </c:pt>
                 <c:pt idx="7">
-                  <c:v>100.0</c:v>
+                  <c:v>100</c:v>
                 </c:pt>
                 <c:pt idx="8">
-                  <c:v>100.0</c:v>
+                  <c:v>100</c:v>
                 </c:pt>
                 <c:pt idx="9">
-                  <c:v>100.0</c:v>
+                  <c:v>100</c:v>
                 </c:pt>
               </c:numCache>
             </c:numRef>
           </c:val>
-          <c:smooth val="0"/>
         </c:ser>
         <c:ser>
           <c:idx val="2"/>
@@ -6203,39 +5810,38 @@
                 <c:formatCode>General</c:formatCode>
                 <c:ptCount val="10"/>
                 <c:pt idx="0">
-                  <c:v>100.0</c:v>
+                  <c:v>100</c:v>
                 </c:pt>
                 <c:pt idx="1">
-                  <c:v>100.0</c:v>
+                  <c:v>100</c:v>
                 </c:pt>
                 <c:pt idx="2">
-                  <c:v>100.0</c:v>
+                  <c:v>100</c:v>
                 </c:pt>
                 <c:pt idx="3">
-                  <c:v>100.0</c:v>
+                  <c:v>100</c:v>
                 </c:pt>
                 <c:pt idx="4">
-                  <c:v>100.0</c:v>
+                  <c:v>100</c:v>
                 </c:pt>
                 <c:pt idx="5">
-                  <c:v>100.0</c:v>
+                  <c:v>100</c:v>
                 </c:pt>
                 <c:pt idx="6">
-                  <c:v>100.0</c:v>
+                  <c:v>100</c:v>
                 </c:pt>
                 <c:pt idx="7">
-                  <c:v>100.0</c:v>
+                  <c:v>100</c:v>
                 </c:pt>
                 <c:pt idx="8">
-                  <c:v>100.0</c:v>
+                  <c:v>100</c:v>
                 </c:pt>
                 <c:pt idx="9">
-                  <c:v>100.0</c:v>
+                  <c:v>100</c:v>
                 </c:pt>
               </c:numCache>
             </c:numRef>
           </c:val>
-          <c:smooth val="0"/>
         </c:ser>
         <c:ser>
           <c:idx val="3"/>
@@ -6250,39 +5856,38 @@
                 <c:formatCode>General</c:formatCode>
                 <c:ptCount val="10"/>
                 <c:pt idx="0">
-                  <c:v>100.0</c:v>
+                  <c:v>100</c:v>
                 </c:pt>
                 <c:pt idx="1">
-                  <c:v>100.0</c:v>
+                  <c:v>100</c:v>
                 </c:pt>
                 <c:pt idx="2">
-                  <c:v>100.0</c:v>
+                  <c:v>100</c:v>
                 </c:pt>
                 <c:pt idx="3">
-                  <c:v>100.0</c:v>
+                  <c:v>100</c:v>
                 </c:pt>
                 <c:pt idx="4">
-                  <c:v>100.0</c:v>
+                  <c:v>100</c:v>
                 </c:pt>
                 <c:pt idx="5">
-                  <c:v>100.0</c:v>
+                  <c:v>100</c:v>
                 </c:pt>
                 <c:pt idx="6">
-                  <c:v>100.0</c:v>
+                  <c:v>100</c:v>
                 </c:pt>
                 <c:pt idx="7">
-                  <c:v>100.0</c:v>
+                  <c:v>100</c:v>
                 </c:pt>
                 <c:pt idx="8">
-                  <c:v>100.0</c:v>
+                  <c:v>100</c:v>
                 </c:pt>
                 <c:pt idx="9">
-                  <c:v>100.0</c:v>
+                  <c:v>100</c:v>
                 </c:pt>
               </c:numCache>
             </c:numRef>
           </c:val>
-          <c:smooth val="0"/>
         </c:ser>
         <c:ser>
           <c:idx val="4"/>
@@ -6297,39 +5902,38 @@
                 <c:formatCode>General</c:formatCode>
                 <c:ptCount val="10"/>
                 <c:pt idx="0">
-                  <c:v>100.0</c:v>
+                  <c:v>100</c:v>
                 </c:pt>
                 <c:pt idx="1">
-                  <c:v>100.0</c:v>
+                  <c:v>100</c:v>
                 </c:pt>
                 <c:pt idx="2">
-                  <c:v>100.0</c:v>
+                  <c:v>100</c:v>
                 </c:pt>
                 <c:pt idx="3">
-                  <c:v>100.0</c:v>
+                  <c:v>100</c:v>
                 </c:pt>
                 <c:pt idx="4">
-                  <c:v>200.0</c:v>
+                  <c:v>200</c:v>
                 </c:pt>
                 <c:pt idx="5">
-                  <c:v>200.0</c:v>
+                  <c:v>200</c:v>
                 </c:pt>
                 <c:pt idx="6">
-                  <c:v>100.0</c:v>
+                  <c:v>100</c:v>
                 </c:pt>
                 <c:pt idx="7">
-                  <c:v>100.0</c:v>
+                  <c:v>100</c:v>
                 </c:pt>
                 <c:pt idx="8">
-                  <c:v>100.0</c:v>
+                  <c:v>100</c:v>
                 </c:pt>
                 <c:pt idx="9">
-                  <c:v>100.0</c:v>
+                  <c:v>100</c:v>
                 </c:pt>
               </c:numCache>
             </c:numRef>
           </c:val>
-          <c:smooth val="0"/>
         </c:ser>
         <c:ser>
           <c:idx val="5"/>
@@ -6347,39 +5951,38 @@
                 <c:formatCode>General</c:formatCode>
                 <c:ptCount val="10"/>
                 <c:pt idx="0">
-                  <c:v>100.0</c:v>
+                  <c:v>100</c:v>
                 </c:pt>
                 <c:pt idx="1">
-                  <c:v>100.0</c:v>
+                  <c:v>100</c:v>
                 </c:pt>
                 <c:pt idx="2">
-                  <c:v>100.0</c:v>
+                  <c:v>100</c:v>
                 </c:pt>
                 <c:pt idx="3">
-                  <c:v>100.0</c:v>
+                  <c:v>100</c:v>
                 </c:pt>
                 <c:pt idx="4">
-                  <c:v>200.0</c:v>
+                  <c:v>200</c:v>
                 </c:pt>
                 <c:pt idx="5">
-                  <c:v>200.0</c:v>
+                  <c:v>200</c:v>
                 </c:pt>
                 <c:pt idx="6">
-                  <c:v>100.0</c:v>
+                  <c:v>100</c:v>
                 </c:pt>
                 <c:pt idx="7">
-                  <c:v>100.0</c:v>
+                  <c:v>100</c:v>
                 </c:pt>
                 <c:pt idx="8">
-                  <c:v>100.0</c:v>
+                  <c:v>100</c:v>
                 </c:pt>
                 <c:pt idx="9">
-                  <c:v>100.0</c:v>
+                  <c:v>100</c:v>
                 </c:pt>
               </c:numCache>
             </c:numRef>
           </c:val>
-          <c:smooth val="0"/>
         </c:ser>
         <c:ser>
           <c:idx val="6"/>
@@ -6394,39 +5997,38 @@
                 <c:formatCode>General</c:formatCode>
                 <c:ptCount val="10"/>
                 <c:pt idx="0">
-                  <c:v>100.0</c:v>
+                  <c:v>100</c:v>
                 </c:pt>
                 <c:pt idx="1">
-                  <c:v>100.0</c:v>
+                  <c:v>100</c:v>
                 </c:pt>
                 <c:pt idx="2">
-                  <c:v>100.0</c:v>
+                  <c:v>100</c:v>
                 </c:pt>
                 <c:pt idx="3">
-                  <c:v>100.0</c:v>
+                  <c:v>100</c:v>
                 </c:pt>
                 <c:pt idx="4">
-                  <c:v>100.0</c:v>
+                  <c:v>100</c:v>
                 </c:pt>
                 <c:pt idx="5">
-                  <c:v>100.0</c:v>
+                  <c:v>100</c:v>
                 </c:pt>
                 <c:pt idx="6">
-                  <c:v>100.0</c:v>
+                  <c:v>100</c:v>
                 </c:pt>
                 <c:pt idx="7">
-                  <c:v>100.0</c:v>
+                  <c:v>100</c:v>
                 </c:pt>
                 <c:pt idx="8">
-                  <c:v>100.0</c:v>
+                  <c:v>100</c:v>
                 </c:pt>
                 <c:pt idx="9">
-                  <c:v>100.0</c:v>
+                  <c:v>100</c:v>
                 </c:pt>
               </c:numCache>
             </c:numRef>
           </c:val>
-          <c:smooth val="0"/>
         </c:ser>
         <c:ser>
           <c:idx val="7"/>
@@ -6441,39 +6043,38 @@
                 <c:formatCode>General</c:formatCode>
                 <c:ptCount val="10"/>
                 <c:pt idx="0">
-                  <c:v>100.0</c:v>
+                  <c:v>100</c:v>
                 </c:pt>
                 <c:pt idx="1">
-                  <c:v>100.0</c:v>
+                  <c:v>100</c:v>
                 </c:pt>
                 <c:pt idx="2">
-                  <c:v>100.0</c:v>
+                  <c:v>100</c:v>
                 </c:pt>
                 <c:pt idx="3">
-                  <c:v>100.0</c:v>
+                  <c:v>100</c:v>
                 </c:pt>
                 <c:pt idx="4">
-                  <c:v>100.0</c:v>
+                  <c:v>100</c:v>
                 </c:pt>
                 <c:pt idx="5">
-                  <c:v>100.0</c:v>
+                  <c:v>100</c:v>
                 </c:pt>
                 <c:pt idx="6">
-                  <c:v>100.0</c:v>
+                  <c:v>100</c:v>
                 </c:pt>
                 <c:pt idx="7">
-                  <c:v>100.0</c:v>
+                  <c:v>100</c:v>
                 </c:pt>
                 <c:pt idx="8">
-                  <c:v>100.0</c:v>
+                  <c:v>100</c:v>
                 </c:pt>
                 <c:pt idx="9">
-                  <c:v>100.0</c:v>
+                  <c:v>100</c:v>
                 </c:pt>
               </c:numCache>
             </c:numRef>
           </c:val>
-          <c:smooth val="0"/>
         </c:ser>
         <c:ser>
           <c:idx val="8"/>
@@ -6488,39 +6089,38 @@
                 <c:formatCode>General</c:formatCode>
                 <c:ptCount val="10"/>
                 <c:pt idx="0">
-                  <c:v>100.0</c:v>
+                  <c:v>100</c:v>
                 </c:pt>
                 <c:pt idx="1">
-                  <c:v>100.0</c:v>
+                  <c:v>100</c:v>
                 </c:pt>
                 <c:pt idx="2">
-                  <c:v>100.0</c:v>
+                  <c:v>100</c:v>
                 </c:pt>
                 <c:pt idx="3">
-                  <c:v>100.0</c:v>
+                  <c:v>100</c:v>
                 </c:pt>
                 <c:pt idx="4">
-                  <c:v>100.0</c:v>
+                  <c:v>100</c:v>
                 </c:pt>
                 <c:pt idx="5">
-                  <c:v>100.0</c:v>
+                  <c:v>100</c:v>
                 </c:pt>
                 <c:pt idx="6">
-                  <c:v>100.0</c:v>
+                  <c:v>100</c:v>
                 </c:pt>
                 <c:pt idx="7">
-                  <c:v>100.0</c:v>
+                  <c:v>100</c:v>
                 </c:pt>
                 <c:pt idx="8">
-                  <c:v>100.0</c:v>
+                  <c:v>100</c:v>
                 </c:pt>
                 <c:pt idx="9">
-                  <c:v>100.0</c:v>
+                  <c:v>100</c:v>
                 </c:pt>
               </c:numCache>
             </c:numRef>
           </c:val>
-          <c:smooth val="0"/>
         </c:ser>
         <c:ser>
           <c:idx val="9"/>
@@ -6538,90 +6138,74 @@
                 <c:formatCode>General</c:formatCode>
                 <c:ptCount val="10"/>
                 <c:pt idx="0">
-                  <c:v>100.0</c:v>
+                  <c:v>100</c:v>
                 </c:pt>
                 <c:pt idx="1">
-                  <c:v>100.0</c:v>
+                  <c:v>100</c:v>
                 </c:pt>
                 <c:pt idx="2">
-                  <c:v>100.0</c:v>
+                  <c:v>100</c:v>
                 </c:pt>
                 <c:pt idx="3">
-                  <c:v>100.0</c:v>
+                  <c:v>100</c:v>
                 </c:pt>
                 <c:pt idx="4">
-                  <c:v>100.0</c:v>
+                  <c:v>100</c:v>
                 </c:pt>
                 <c:pt idx="5">
-                  <c:v>100.0</c:v>
+                  <c:v>100</c:v>
                 </c:pt>
                 <c:pt idx="6">
-                  <c:v>100.0</c:v>
+                  <c:v>100</c:v>
                 </c:pt>
                 <c:pt idx="7">
-                  <c:v>100.0</c:v>
+                  <c:v>100</c:v>
                 </c:pt>
                 <c:pt idx="8">
-                  <c:v>100.0</c:v>
+                  <c:v>100</c:v>
                 </c:pt>
                 <c:pt idx="9">
-                  <c:v>100.0</c:v>
+                  <c:v>100</c:v>
                 </c:pt>
               </c:numCache>
             </c:numRef>
           </c:val>
-          <c:smooth val="0"/>
         </c:ser>
-        <c:dLbls>
-          <c:showLegendKey val="0"/>
-          <c:showVal val="0"/>
-          <c:showCatName val="0"/>
-          <c:showSerName val="0"/>
-          <c:showPercent val="0"/>
-          <c:showBubbleSize val="0"/>
-        </c:dLbls>
-        <c:smooth val="0"/>
-        <c:axId val="-763068160"/>
-        <c:axId val="-780555824"/>
+        <c:dLbls/>
+        <c:marker val="1"/>
+        <c:axId val="82085760"/>
+        <c:axId val="82087296"/>
       </c:lineChart>
       <c:catAx>
-        <c:axId val="-763068160"/>
+        <c:axId val="82085760"/>
         <c:scaling>
           <c:orientation val="minMax"/>
         </c:scaling>
-        <c:delete val="0"/>
         <c:axPos val="b"/>
-        <c:majorTickMark val="out"/>
-        <c:minorTickMark val="none"/>
         <c:tickLblPos val="nextTo"/>
-        <c:crossAx val="-780555824"/>
+        <c:crossAx val="82087296"/>
         <c:crosses val="autoZero"/>
         <c:auto val="1"/>
         <c:lblAlgn val="ctr"/>
         <c:lblOffset val="100"/>
-        <c:noMultiLvlLbl val="0"/>
       </c:catAx>
       <c:valAx>
-        <c:axId val="-780555824"/>
+        <c:axId val="82087296"/>
         <c:scaling>
           <c:orientation val="minMax"/>
-          <c:max val="300.0"/>
+          <c:max val="300"/>
         </c:scaling>
-        <c:delete val="0"/>
         <c:axPos val="l"/>
         <c:majorGridlines/>
         <c:numFmt formatCode="General" sourceLinked="1"/>
-        <c:majorTickMark val="out"/>
-        <c:minorTickMark val="none"/>
         <c:tickLblPos val="nextTo"/>
-        <c:crossAx val="-763068160"/>
+        <c:crossAx val="82085760"/>
         <c:crosses val="autoZero"/>
         <c:crossBetween val="between"/>
       </c:valAx>
     </c:plotArea>
     <c:plotVisOnly val="1"/>
     <c:dispBlanksAs val="gap"/>
-    <c:showDLblsOverMax val="0"/>
   </c:chart>
   <c:spPr>
     <a:gradFill>
@@ -6648,32 +6232,18 @@
       <a:lin ang="5400000" scaled="0"/>
     </a:gradFill>
   </c:spPr>
-  <c:externalData r:id="rId1">
-    <c:autoUpdate val="0"/>
-  </c:externalData>
+  <c:externalData r:id="rId1"/>
 </c:chartSpace>
 </file>
 
 <file path=ppt/charts/chart9.xml><?xml version="1.0" encoding="utf-8"?>
 <c:chartSpace xmlns:c="http://schemas.openxmlformats.org/drawingml/2006/chart" xmlns:a="http://schemas.openxmlformats.org/drawingml/2006/main" xmlns:r="http://schemas.openxmlformats.org/officeDocument/2006/relationships">
-  <c:date1904 val="0"/>
   <c:lang val="ja-JP"/>
-  <c:roundedCorners val="0"/>
-  <mc:AlternateContent xmlns:mc="http://schemas.openxmlformats.org/markup-compatibility/2006">
-    <mc:Choice xmlns:c14="http://schemas.microsoft.com/office/drawing/2007/8/2/chart" Requires="c14">
-      <c14:style val="102"/>
-    </mc:Choice>
-    <mc:Fallback>
-      <c:style val="2"/>
-    </mc:Fallback>
-  </mc:AlternateContent>
   <c:chart>
-    <c:autoTitleDeleted val="0"/>
     <c:plotArea>
       <c:layout/>
       <c:lineChart>
         <c:grouping val="standard"/>
-        <c:varyColors val="0"/>
         <c:ser>
           <c:idx val="0"/>
           <c:order val="0"/>
@@ -6687,39 +6257,38 @@
                 <c:formatCode>General</c:formatCode>
                 <c:ptCount val="10"/>
                 <c:pt idx="0">
-                  <c:v>0.0</c:v>
+                  <c:v>0</c:v>
                 </c:pt>
                 <c:pt idx="1">
-                  <c:v>0.0</c:v>
+                  <c:v>0</c:v>
                 </c:pt>
                 <c:pt idx="2">
-                  <c:v>0.0</c:v>
+                  <c:v>0</c:v>
                 </c:pt>
                 <c:pt idx="3">
-                  <c:v>0.0</c:v>
+                  <c:v>0</c:v>
                 </c:pt>
                 <c:pt idx="4">
-                  <c:v>0.0</c:v>
+                  <c:v>0</c:v>
                 </c:pt>
                 <c:pt idx="5">
-                  <c:v>0.0</c:v>
+                  <c:v>0</c:v>
                 </c:pt>
                 <c:pt idx="6">
-                  <c:v>0.0</c:v>
+                  <c:v>0</c:v>
                 </c:pt>
                 <c:pt idx="7">
-                  <c:v>0.0</c:v>
+                  <c:v>0</c:v>
                 </c:pt>
                 <c:pt idx="8">
-                  <c:v>0.0</c:v>
+                  <c:v>0</c:v>
                 </c:pt>
                 <c:pt idx="9">
-                  <c:v>0.0</c:v>
+                  <c:v>0</c:v>
                 </c:pt>
               </c:numCache>
             </c:numRef>
           </c:val>
-          <c:smooth val="0"/>
         </c:ser>
         <c:ser>
           <c:idx val="1"/>
@@ -6734,39 +6303,38 @@
                 <c:formatCode>General</c:formatCode>
                 <c:ptCount val="10"/>
                 <c:pt idx="0">
-                  <c:v>0.0</c:v>
+                  <c:v>0</c:v>
                 </c:pt>
                 <c:pt idx="1">
-                  <c:v>100.0</c:v>
+                  <c:v>100</c:v>
                 </c:pt>
                 <c:pt idx="2">
-                  <c:v>100.0</c:v>
+                  <c:v>100</c:v>
                 </c:pt>
                 <c:pt idx="3">
-                  <c:v>100.0</c:v>
+                  <c:v>100</c:v>
                 </c:pt>
                 <c:pt idx="4">
-                  <c:v>100.0</c:v>
+                  <c:v>100</c:v>
                 </c:pt>
                 <c:pt idx="5">
-                  <c:v>100.0</c:v>
+                  <c:v>100</c:v>
                 </c:pt>
                 <c:pt idx="6">
-                  <c:v>100.0</c:v>
+                  <c:v>100</c:v>
                 </c:pt>
                 <c:pt idx="7">
-                  <c:v>100.0</c:v>
+                  <c:v>100</c:v>
                 </c:pt>
                 <c:pt idx="8">
-                  <c:v>100.0</c:v>
+                  <c:v>100</c:v>
                 </c:pt>
                 <c:pt idx="9">
-                  <c:v>0.0</c:v>
+                  <c:v>0</c:v>
                 </c:pt>
               </c:numCache>
             </c:numRef>
           </c:val>
-          <c:smooth val="0"/>
         </c:ser>
         <c:ser>
           <c:idx val="2"/>
@@ -6781,39 +6349,38 @@
                 <c:formatCode>General</c:formatCode>
                 <c:ptCount val="10"/>
                 <c:pt idx="0">
-                  <c:v>0.0</c:v>
+                  <c:v>0</c:v>
                 </c:pt>
                 <c:pt idx="1">
-                  <c:v>100.0</c:v>
+                  <c:v>100</c:v>
                 </c:pt>
                 <c:pt idx="2">
-                  <c:v>100.0</c:v>
+                  <c:v>100</c:v>
                 </c:pt>
                 <c:pt idx="3">
-                  <c:v>100.0</c:v>
+                  <c:v>100</c:v>
                 </c:pt>
                 <c:pt idx="4">
-                  <c:v>100.0</c:v>
+                  <c:v>100</c:v>
                 </c:pt>
                 <c:pt idx="5">
-                  <c:v>100.0</c:v>
+                  <c:v>100</c:v>
                 </c:pt>
                 <c:pt idx="6">
-                  <c:v>100.0</c:v>
+                  <c:v>100</c:v>
                 </c:pt>
                 <c:pt idx="7">
-                  <c:v>100.0</c:v>
+                  <c:v>100</c:v>
                 </c:pt>
                 <c:pt idx="8">
-                  <c:v>100.0</c:v>
+                  <c:v>100</c:v>
                 </c:pt>
                 <c:pt idx="9">
-                  <c:v>0.0</c:v>
+                  <c:v>0</c:v>
                 </c:pt>
               </c:numCache>
             </c:numRef>
           </c:val>
-          <c:smooth val="0"/>
         </c:ser>
         <c:ser>
           <c:idx val="3"/>
@@ -6828,39 +6395,38 @@
                 <c:formatCode>General</c:formatCode>
                 <c:ptCount val="10"/>
                 <c:pt idx="0">
-                  <c:v>0.0</c:v>
+                  <c:v>0</c:v>
                 </c:pt>
                 <c:pt idx="1">
-                  <c:v>100.0</c:v>
+                  <c:v>100</c:v>
                 </c:pt>
                 <c:pt idx="2">
-                  <c:v>100.0</c:v>
+                  <c:v>100</c:v>
                 </c:pt>
                 <c:pt idx="3">
-                  <c:v>100.0</c:v>
+                  <c:v>100</c:v>
                 </c:pt>
                 <c:pt idx="4">
-                  <c:v>0.0</c:v>
+                  <c:v>0</c:v>
                 </c:pt>
                 <c:pt idx="5">
-                  <c:v>0.0</c:v>
+                  <c:v>0</c:v>
                 </c:pt>
                 <c:pt idx="6">
-                  <c:v>100.0</c:v>
+                  <c:v>100</c:v>
                 </c:pt>
                 <c:pt idx="7">
-                  <c:v>100.0</c:v>
+                  <c:v>100</c:v>
                 </c:pt>
                 <c:pt idx="8">
-                  <c:v>100.0</c:v>
+                  <c:v>100</c:v>
                 </c:pt>
                 <c:pt idx="9">
-                  <c:v>0.0</c:v>
+                  <c:v>0</c:v>
                 </c:pt>
               </c:numCache>
             </c:numRef>
           </c:val>
-          <c:smooth val="0"/>
         </c:ser>
         <c:ser>
           <c:idx val="4"/>
@@ -6875,39 +6441,38 @@
                 <c:formatCode>General</c:formatCode>
                 <c:ptCount val="10"/>
                 <c:pt idx="0">
-                  <c:v>0.0</c:v>
+                  <c:v>0</c:v>
                 </c:pt>
                 <c:pt idx="1">
-                  <c:v>100.0</c:v>
+                  <c:v>100</c:v>
                 </c:pt>
                 <c:pt idx="2">
-                  <c:v>100.0</c:v>
+                  <c:v>100</c:v>
                 </c:pt>
                 <c:pt idx="3">
-                  <c:v>0.0</c:v>
+                  <c:v>0</c:v>
                 </c:pt>
                 <c:pt idx="4">
-                  <c:v>255.0</c:v>
+                  <c:v>255</c:v>
                 </c:pt>
                 <c:pt idx="5">
-                  <c:v>255.0</c:v>
+                  <c:v>255</c:v>
                 </c:pt>
                 <c:pt idx="6">
-                  <c:v>0.0</c:v>
+                  <c:v>0</c:v>
                 </c:pt>
                 <c:pt idx="7">
-                  <c:v>100.0</c:v>
+                  <c:v>100</c:v>
                 </c:pt>
                 <c:pt idx="8">
-                  <c:v>100.0</c:v>
+                  <c:v>100</c:v>
                 </c:pt>
                 <c:pt idx="9">
-                  <c:v>0.0</c:v>
+                  <c:v>0</c:v>
                 </c:pt>
               </c:numCache>
             </c:numRef>
           </c:val>
-          <c:smooth val="0"/>
         </c:ser>
         <c:ser>
           <c:idx val="5"/>
@@ -6925,39 +6490,38 @@
                 <c:formatCode>General</c:formatCode>
                 <c:ptCount val="10"/>
                 <c:pt idx="0">
-                  <c:v>0.0</c:v>
+                  <c:v>0</c:v>
                 </c:pt>
                 <c:pt idx="1">
-                  <c:v>100.0</c:v>
+                  <c:v>100</c:v>
                 </c:pt>
                 <c:pt idx="2">
-                  <c:v>100.0</c:v>
+                  <c:v>100</c:v>
                 </c:pt>
                 <c:pt idx="3">
-                  <c:v>0.0</c:v>
+                  <c:v>0</c:v>
                 </c:pt>
                 <c:pt idx="4">
-                  <c:v>255.0</c:v>
+                  <c:v>255</c:v>
                 </c:pt>
                 <c:pt idx="5">
-                  <c:v>255.0</c:v>
+                  <c:v>255</c:v>
                 </c:pt>
                 <c:pt idx="6">
-                  <c:v>0.0</c:v>
+                  <c:v>0</c:v>
                 </c:pt>
                 <c:pt idx="7">
-                  <c:v>100.0</c:v>
+                  <c:v>100</c:v>
                 </c:pt>
                 <c:pt idx="8">
-                  <c:v>100.0</c:v>
+                  <c:v>100</c:v>
                 </c:pt>
                 <c:pt idx="9">
-                  <c:v>0.0</c:v>
+                  <c:v>0</c:v>
                 </c:pt>
               </c:numCache>
             </c:numRef>
           </c:val>
-          <c:smooth val="0"/>
         </c:ser>
         <c:ser>
           <c:idx val="6"/>
@@ -6979,39 +6543,38 @@
                 <c:formatCode>General</c:formatCode>
                 <c:ptCount val="10"/>
                 <c:pt idx="0">
-                  <c:v>0.0</c:v>
+                  <c:v>0</c:v>
                 </c:pt>
                 <c:pt idx="1">
-                  <c:v>100.0</c:v>
+                  <c:v>100</c:v>
                 </c:pt>
                 <c:pt idx="2">
-                  <c:v>100.0</c:v>
+                  <c:v>100</c:v>
                 </c:pt>
                 <c:pt idx="3">
-                  <c:v>100.0</c:v>
+                  <c:v>100</c:v>
                 </c:pt>
                 <c:pt idx="4">
-                  <c:v>0.0</c:v>
+                  <c:v>0</c:v>
                 </c:pt>
                 <c:pt idx="5">
-                  <c:v>0.0</c:v>
+                  <c:v>0</c:v>
                 </c:pt>
                 <c:pt idx="6">
-                  <c:v>100.0</c:v>
+                  <c:v>100</c:v>
                 </c:pt>
                 <c:pt idx="7">
-                  <c:v>100.0</c:v>
+                  <c:v>100</c:v>
                 </c:pt>
                 <c:pt idx="8">
-                  <c:v>100.0</c:v>
+                  <c:v>100</c:v>
                 </c:pt>
                 <c:pt idx="9">
-                  <c:v>0.0</c:v>
+                  <c:v>0</c:v>
                 </c:pt>
               </c:numCache>
             </c:numRef>
           </c:val>
-          <c:smooth val="0"/>
         </c:ser>
         <c:ser>
           <c:idx val="7"/>
@@ -7026,39 +6589,38 @@
                 <c:formatCode>General</c:formatCode>
                 <c:ptCount val="10"/>
                 <c:pt idx="0">
-                  <c:v>0.0</c:v>
+                  <c:v>0</c:v>
                 </c:pt>
                 <c:pt idx="1">
-                  <c:v>100.0</c:v>
+                  <c:v>100</c:v>
                 </c:pt>
                 <c:pt idx="2">
-                  <c:v>100.0</c:v>
+                  <c:v>100</c:v>
                 </c:pt>
                 <c:pt idx="3">
-                  <c:v>100.0</c:v>
+                  <c:v>100</c:v>
                 </c:pt>
                 <c:pt idx="4">
-                  <c:v>100.0</c:v>
+                  <c:v>100</c:v>
                 </c:pt>
                 <c:pt idx="5">
-                  <c:v>100.0</c:v>
+                  <c:v>100</c:v>
                 </c:pt>
                 <c:pt idx="6">
-                  <c:v>100.0</c:v>
+                  <c:v>100</c:v>
                 </c:pt>
                 <c:pt idx="7">
-                  <c:v>100.0</c:v>
+                  <c:v>100</c:v>
                 </c:pt>
                 <c:pt idx="8">
-                  <c:v>100.0</c:v>
+                  <c:v>100</c:v>
                 </c:pt>
                 <c:pt idx="9">
-                  <c:v>0.0</c:v>
+                  <c:v>0</c:v>
                 </c:pt>
               </c:numCache>
             </c:numRef>
           </c:val>
-          <c:smooth val="0"/>
         </c:ser>
         <c:ser>
           <c:idx val="8"/>
@@ -7080,39 +6642,38 @@
                 <c:formatCode>General</c:formatCode>
                 <c:ptCount val="10"/>
                 <c:pt idx="0">
-                  <c:v>0.0</c:v>
+                  <c:v>0</c:v>
                 </c:pt>
                 <c:pt idx="1">
-                  <c:v>100.0</c:v>
+                  <c:v>100</c:v>
                 </c:pt>
                 <c:pt idx="2">
-                  <c:v>100.0</c:v>
+                  <c:v>100</c:v>
                 </c:pt>
                 <c:pt idx="3">
-                  <c:v>100.0</c:v>
+                  <c:v>100</c:v>
                 </c:pt>
                 <c:pt idx="4">
-                  <c:v>100.0</c:v>
+                  <c:v>100</c:v>
                 </c:pt>
                 <c:pt idx="5">
-                  <c:v>100.0</c:v>
+                  <c:v>100</c:v>
                 </c:pt>
                 <c:pt idx="6">
-                  <c:v>100.0</c:v>
+                  <c:v>100</c:v>
                 </c:pt>
                 <c:pt idx="7">
-                  <c:v>100.0</c:v>
+                  <c:v>100</c:v>
                 </c:pt>
                 <c:pt idx="8">
-                  <c:v>100.0</c:v>
+                  <c:v>100</c:v>
                 </c:pt>
                 <c:pt idx="9">
-                  <c:v>0.0</c:v>
+                  <c:v>0</c:v>
                 </c:pt>
               </c:numCache>
             </c:numRef>
           </c:val>
-          <c:smooth val="0"/>
         </c:ser>
         <c:ser>
           <c:idx val="9"/>
@@ -7130,89 +6691,73 @@
                 <c:formatCode>General</c:formatCode>
                 <c:ptCount val="10"/>
                 <c:pt idx="0">
-                  <c:v>0.0</c:v>
+                  <c:v>0</c:v>
                 </c:pt>
                 <c:pt idx="1">
-                  <c:v>0.0</c:v>
+                  <c:v>0</c:v>
                 </c:pt>
                 <c:pt idx="2">
-                  <c:v>0.0</c:v>
+                  <c:v>0</c:v>
                 </c:pt>
                 <c:pt idx="3">
-                  <c:v>0.0</c:v>
+                  <c:v>0</c:v>
                 </c:pt>
                 <c:pt idx="4">
-                  <c:v>0.0</c:v>
+                  <c:v>0</c:v>
                 </c:pt>
                 <c:pt idx="5">
-                  <c:v>0.0</c:v>
+                  <c:v>0</c:v>
                 </c:pt>
                 <c:pt idx="6">
-                  <c:v>0.0</c:v>
+                  <c:v>0</c:v>
                 </c:pt>
                 <c:pt idx="7">
-                  <c:v>0.0</c:v>
+                  <c:v>0</c:v>
                 </c:pt>
                 <c:pt idx="8">
-                  <c:v>0.0</c:v>
+                  <c:v>0</c:v>
                 </c:pt>
                 <c:pt idx="9">
-                  <c:v>0.0</c:v>
+                  <c:v>0</c:v>
                 </c:pt>
               </c:numCache>
             </c:numRef>
           </c:val>
-          <c:smooth val="0"/>
         </c:ser>
-        <c:dLbls>
-          <c:showLegendKey val="0"/>
-          <c:showVal val="0"/>
-          <c:showCatName val="0"/>
-          <c:showSerName val="0"/>
-          <c:showPercent val="0"/>
-          <c:showBubbleSize val="0"/>
-        </c:dLbls>
-        <c:smooth val="0"/>
-        <c:axId val="-975105296"/>
-        <c:axId val="-1294830000"/>
+        <c:dLbls/>
+        <c:marker val="1"/>
+        <c:axId val="82151296"/>
+        <c:axId val="82152832"/>
       </c:lineChart>
       <c:catAx>
-        <c:axId val="-975105296"/>
+        <c:axId val="82151296"/>
         <c:scaling>
           <c:orientation val="minMax"/>
         </c:scaling>
-        <c:delete val="0"/>
         <c:axPos val="b"/>
-        <c:majorTickMark val="out"/>
-        <c:minorTickMark val="none"/>
         <c:tickLblPos val="nextTo"/>
-        <c:crossAx val="-1294830000"/>
+        <c:crossAx val="82152832"/>
         <c:crosses val="autoZero"/>
         <c:auto val="1"/>
         <c:lblAlgn val="ctr"/>
         <c:lblOffset val="100"/>
-        <c:noMultiLvlLbl val="0"/>
       </c:catAx>
       <c:valAx>
-        <c:axId val="-1294830000"/>
+        <c:axId val="82152832"/>
         <c:scaling>
           <c:orientation val="minMax"/>
         </c:scaling>
-        <c:delete val="0"/>
         <c:axPos val="l"/>
         <c:majorGridlines/>
         <c:numFmt formatCode="General" sourceLinked="1"/>
-        <c:majorTickMark val="out"/>
-        <c:minorTickMark val="none"/>
         <c:tickLblPos val="nextTo"/>
-        <c:crossAx val="-975105296"/>
+        <c:crossAx val="82151296"/>
         <c:crosses val="autoZero"/>
         <c:crossBetween val="between"/>
       </c:valAx>
     </c:plotArea>
     <c:plotVisOnly val="1"/>
     <c:dispBlanksAs val="zero"/>
-    <c:showDLblsOverMax val="0"/>
   </c:chart>
   <c:spPr>
     <a:gradFill>
@@ -7239,9 +6784,7 @@
       <a:lin ang="5400000" scaled="0"/>
     </a:gradFill>
   </c:spPr>
-  <c:externalData r:id="rId1">
-    <c:autoUpdate val="0"/>
-  </c:externalData>
+  <c:externalData r:id="rId1"/>
 </c:chartSpace>
 </file>
 
@@ -8190,7 +7733,7 @@
                 </a:spcAft>
                 <a:buNone/>
               </a:pPr>
-              <a:t>‹#›</a:t>
+              <a:t>&lt;#&gt;</a:t>
             </a:fld>
             <a:endParaRPr sz="1200" b="0" i="0" u="none" strike="noStrike" cap="none">
               <a:solidFill>
@@ -8207,7 +7750,7 @@
     </p:spTree>
     <p:extLst>
       <p:ext uri="{BB962C8B-B14F-4D97-AF65-F5344CB8AC3E}">
-        <p14:creationId xmlns:p14="http://schemas.microsoft.com/office/powerpoint/2010/main" val="2147378307"/>
+        <p14:creationId xmlns:p14="http://schemas.microsoft.com/office/powerpoint/2010/main" xmlns="" val="2147378307"/>
       </p:ext>
     </p:extLst>
   </p:cSld>
@@ -8543,7 +8086,7 @@
     </p:spTree>
     <p:extLst>
       <p:ext uri="{BB962C8B-B14F-4D97-AF65-F5344CB8AC3E}">
-        <p14:creationId xmlns:p14="http://schemas.microsoft.com/office/powerpoint/2010/main" val="377034267"/>
+        <p14:creationId xmlns:p14="http://schemas.microsoft.com/office/powerpoint/2010/main" xmlns="" val="377034267"/>
       </p:ext>
     </p:extLst>
   </p:cSld>
@@ -8652,7 +8195,7 @@
     </p:spTree>
     <p:extLst>
       <p:ext uri="{BB962C8B-B14F-4D97-AF65-F5344CB8AC3E}">
-        <p14:creationId xmlns:p14="http://schemas.microsoft.com/office/powerpoint/2010/main" val="1913745553"/>
+        <p14:creationId xmlns:p14="http://schemas.microsoft.com/office/powerpoint/2010/main" xmlns="" val="1913745553"/>
       </p:ext>
     </p:extLst>
   </p:cSld>
@@ -8761,7 +8304,7 @@
     </p:spTree>
     <p:extLst>
       <p:ext uri="{BB962C8B-B14F-4D97-AF65-F5344CB8AC3E}">
-        <p14:creationId xmlns:p14="http://schemas.microsoft.com/office/powerpoint/2010/main" val="1458928152"/>
+        <p14:creationId xmlns:p14="http://schemas.microsoft.com/office/powerpoint/2010/main" xmlns="" val="1458928152"/>
       </p:ext>
     </p:extLst>
   </p:cSld>
@@ -8870,7 +8413,7 @@
     </p:spTree>
     <p:extLst>
       <p:ext uri="{BB962C8B-B14F-4D97-AF65-F5344CB8AC3E}">
-        <p14:creationId xmlns:p14="http://schemas.microsoft.com/office/powerpoint/2010/main" val="237169218"/>
+        <p14:creationId xmlns:p14="http://schemas.microsoft.com/office/powerpoint/2010/main" xmlns="" val="237169218"/>
       </p:ext>
     </p:extLst>
   </p:cSld>
@@ -8979,7 +8522,7 @@
     </p:spTree>
     <p:extLst>
       <p:ext uri="{BB962C8B-B14F-4D97-AF65-F5344CB8AC3E}">
-        <p14:creationId xmlns:p14="http://schemas.microsoft.com/office/powerpoint/2010/main" val="373398094"/>
+        <p14:creationId xmlns:p14="http://schemas.microsoft.com/office/powerpoint/2010/main" xmlns="" val="373398094"/>
       </p:ext>
     </p:extLst>
   </p:cSld>
@@ -9088,7 +8631,7 @@
     </p:spTree>
     <p:extLst>
       <p:ext uri="{BB962C8B-B14F-4D97-AF65-F5344CB8AC3E}">
-        <p14:creationId xmlns:p14="http://schemas.microsoft.com/office/powerpoint/2010/main" val="754549324"/>
+        <p14:creationId xmlns:p14="http://schemas.microsoft.com/office/powerpoint/2010/main" xmlns="" val="754549324"/>
       </p:ext>
     </p:extLst>
   </p:cSld>
@@ -9197,7 +8740,7 @@
     </p:spTree>
     <p:extLst>
       <p:ext uri="{BB962C8B-B14F-4D97-AF65-F5344CB8AC3E}">
-        <p14:creationId xmlns:p14="http://schemas.microsoft.com/office/powerpoint/2010/main" val="819552933"/>
+        <p14:creationId xmlns:p14="http://schemas.microsoft.com/office/powerpoint/2010/main" xmlns="" val="819552933"/>
       </p:ext>
     </p:extLst>
   </p:cSld>
@@ -9306,7 +8849,7 @@
     </p:spTree>
     <p:extLst>
       <p:ext uri="{BB962C8B-B14F-4D97-AF65-F5344CB8AC3E}">
-        <p14:creationId xmlns:p14="http://schemas.microsoft.com/office/powerpoint/2010/main" val="266033073"/>
+        <p14:creationId xmlns:p14="http://schemas.microsoft.com/office/powerpoint/2010/main" xmlns="" val="266033073"/>
       </p:ext>
     </p:extLst>
   </p:cSld>
@@ -9415,7 +8958,7 @@
     </p:spTree>
     <p:extLst>
       <p:ext uri="{BB962C8B-B14F-4D97-AF65-F5344CB8AC3E}">
-        <p14:creationId xmlns:p14="http://schemas.microsoft.com/office/powerpoint/2010/main" val="156904857"/>
+        <p14:creationId xmlns:p14="http://schemas.microsoft.com/office/powerpoint/2010/main" xmlns="" val="156904857"/>
       </p:ext>
     </p:extLst>
   </p:cSld>
@@ -9524,7 +9067,7 @@
     </p:spTree>
     <p:extLst>
       <p:ext uri="{BB962C8B-B14F-4D97-AF65-F5344CB8AC3E}">
-        <p14:creationId xmlns:p14="http://schemas.microsoft.com/office/powerpoint/2010/main" val="2137496730"/>
+        <p14:creationId xmlns:p14="http://schemas.microsoft.com/office/powerpoint/2010/main" xmlns="" val="2137496730"/>
       </p:ext>
     </p:extLst>
   </p:cSld>
@@ -9633,7 +9176,7 @@
     </p:spTree>
     <p:extLst>
       <p:ext uri="{BB962C8B-B14F-4D97-AF65-F5344CB8AC3E}">
-        <p14:creationId xmlns:p14="http://schemas.microsoft.com/office/powerpoint/2010/main" val="1801094094"/>
+        <p14:creationId xmlns:p14="http://schemas.microsoft.com/office/powerpoint/2010/main" xmlns="" val="1801094094"/>
       </p:ext>
     </p:extLst>
   </p:cSld>
@@ -9742,7 +9285,7 @@
     </p:spTree>
     <p:extLst>
       <p:ext uri="{BB962C8B-B14F-4D97-AF65-F5344CB8AC3E}">
-        <p14:creationId xmlns:p14="http://schemas.microsoft.com/office/powerpoint/2010/main" val="1738166819"/>
+        <p14:creationId xmlns:p14="http://schemas.microsoft.com/office/powerpoint/2010/main" xmlns="" val="1738166819"/>
       </p:ext>
     </p:extLst>
   </p:cSld>
@@ -9851,7 +9394,7 @@
     </p:spTree>
     <p:extLst>
       <p:ext uri="{BB962C8B-B14F-4D97-AF65-F5344CB8AC3E}">
-        <p14:creationId xmlns:p14="http://schemas.microsoft.com/office/powerpoint/2010/main" val="58949746"/>
+        <p14:creationId xmlns:p14="http://schemas.microsoft.com/office/powerpoint/2010/main" xmlns="" val="58949746"/>
       </p:ext>
     </p:extLst>
   </p:cSld>
@@ -9960,7 +9503,7 @@
     </p:spTree>
     <p:extLst>
       <p:ext uri="{BB962C8B-B14F-4D97-AF65-F5344CB8AC3E}">
-        <p14:creationId xmlns:p14="http://schemas.microsoft.com/office/powerpoint/2010/main" val="1760175031"/>
+        <p14:creationId xmlns:p14="http://schemas.microsoft.com/office/powerpoint/2010/main" xmlns="" val="1760175031"/>
       </p:ext>
     </p:extLst>
   </p:cSld>
@@ -10069,7 +9612,7 @@
     </p:spTree>
     <p:extLst>
       <p:ext uri="{BB962C8B-B14F-4D97-AF65-F5344CB8AC3E}">
-        <p14:creationId xmlns:p14="http://schemas.microsoft.com/office/powerpoint/2010/main" val="1149676792"/>
+        <p14:creationId xmlns:p14="http://schemas.microsoft.com/office/powerpoint/2010/main" xmlns="" val="1149676792"/>
       </p:ext>
     </p:extLst>
   </p:cSld>
@@ -10178,7 +9721,7 @@
     </p:spTree>
     <p:extLst>
       <p:ext uri="{BB962C8B-B14F-4D97-AF65-F5344CB8AC3E}">
-        <p14:creationId xmlns:p14="http://schemas.microsoft.com/office/powerpoint/2010/main" val="1707471085"/>
+        <p14:creationId xmlns:p14="http://schemas.microsoft.com/office/powerpoint/2010/main" xmlns="" val="1707471085"/>
       </p:ext>
     </p:extLst>
   </p:cSld>
@@ -10287,7 +9830,7 @@
     </p:spTree>
     <p:extLst>
       <p:ext uri="{BB962C8B-B14F-4D97-AF65-F5344CB8AC3E}">
-        <p14:creationId xmlns:p14="http://schemas.microsoft.com/office/powerpoint/2010/main" val="642550734"/>
+        <p14:creationId xmlns:p14="http://schemas.microsoft.com/office/powerpoint/2010/main" xmlns="" val="642550734"/>
       </p:ext>
     </p:extLst>
   </p:cSld>
@@ -10396,7 +9939,7 @@
     </p:spTree>
     <p:extLst>
       <p:ext uri="{BB962C8B-B14F-4D97-AF65-F5344CB8AC3E}">
-        <p14:creationId xmlns:p14="http://schemas.microsoft.com/office/powerpoint/2010/main" val="1802409222"/>
+        <p14:creationId xmlns:p14="http://schemas.microsoft.com/office/powerpoint/2010/main" xmlns="" val="1802409222"/>
       </p:ext>
     </p:extLst>
   </p:cSld>
@@ -10505,7 +10048,7 @@
     </p:spTree>
     <p:extLst>
       <p:ext uri="{BB962C8B-B14F-4D97-AF65-F5344CB8AC3E}">
-        <p14:creationId xmlns:p14="http://schemas.microsoft.com/office/powerpoint/2010/main" val="839075744"/>
+        <p14:creationId xmlns:p14="http://schemas.microsoft.com/office/powerpoint/2010/main" xmlns="" val="839075744"/>
       </p:ext>
     </p:extLst>
   </p:cSld>
@@ -10614,7 +10157,7 @@
     </p:spTree>
     <p:extLst>
       <p:ext uri="{BB962C8B-B14F-4D97-AF65-F5344CB8AC3E}">
-        <p14:creationId xmlns:p14="http://schemas.microsoft.com/office/powerpoint/2010/main" val="1968403206"/>
+        <p14:creationId xmlns:p14="http://schemas.microsoft.com/office/powerpoint/2010/main" xmlns="" val="1968403206"/>
       </p:ext>
     </p:extLst>
   </p:cSld>
@@ -10723,7 +10266,7 @@
     </p:spTree>
     <p:extLst>
       <p:ext uri="{BB962C8B-B14F-4D97-AF65-F5344CB8AC3E}">
-        <p14:creationId xmlns:p14="http://schemas.microsoft.com/office/powerpoint/2010/main" val="967101207"/>
+        <p14:creationId xmlns:p14="http://schemas.microsoft.com/office/powerpoint/2010/main" xmlns="" val="967101207"/>
       </p:ext>
     </p:extLst>
   </p:cSld>
@@ -11448,7 +10991,7 @@
                 </a:spcAft>
                 <a:buNone/>
               </a:pPr>
-              <a:t>‹#›</a:t>
+              <a:t>&lt;#&gt;</a:t>
             </a:fld>
             <a:endParaRPr/>
           </a:p>
@@ -12183,7 +11726,7 @@
                 </a:spcAft>
                 <a:buNone/>
               </a:pPr>
-              <a:t>‹#›</a:t>
+              <a:t>&lt;#&gt;</a:t>
             </a:fld>
             <a:endParaRPr/>
           </a:p>
@@ -12911,7 +12454,7 @@
                 </a:spcAft>
                 <a:buNone/>
               </a:pPr>
-              <a:t>‹#›</a:t>
+              <a:t>&lt;#&gt;</a:t>
             </a:fld>
             <a:endParaRPr/>
           </a:p>
@@ -13639,7 +13182,7 @@
                 </a:spcAft>
                 <a:buNone/>
               </a:pPr>
-              <a:t>‹#›</a:t>
+              <a:t>&lt;#&gt;</a:t>
             </a:fld>
             <a:endParaRPr/>
           </a:p>
@@ -14559,7 +14102,7 @@
                 </a:spcAft>
                 <a:buNone/>
               </a:pPr>
-              <a:t>‹#›</a:t>
+              <a:t>&lt;#&gt;</a:t>
             </a:fld>
             <a:endParaRPr/>
           </a:p>
@@ -15324,7 +14867,7 @@
                 </a:spcAft>
                 <a:buNone/>
               </a:pPr>
-              <a:t>‹#›</a:t>
+              <a:t>&lt;#&gt;</a:t>
             </a:fld>
             <a:endParaRPr/>
           </a:p>
@@ -16607,7 +16150,7 @@
                 </a:spcAft>
                 <a:buNone/>
               </a:pPr>
-              <a:t>‹#›</a:t>
+              <a:t>&lt;#&gt;</a:t>
             </a:fld>
             <a:endParaRPr/>
           </a:p>
@@ -17150,7 +16693,7 @@
                 </a:spcAft>
                 <a:buNone/>
               </a:pPr>
-              <a:t>‹#›</a:t>
+              <a:t>&lt;#&gt;</a:t>
             </a:fld>
             <a:endParaRPr/>
           </a:p>
@@ -17556,7 +17099,7 @@
                 </a:spcAft>
                 <a:buNone/>
               </a:pPr>
-              <a:t>‹#›</a:t>
+              <a:t>&lt;#&gt;</a:t>
             </a:fld>
             <a:endParaRPr/>
           </a:p>
@@ -18470,7 +18013,7 @@
                 </a:spcAft>
                 <a:buNone/>
               </a:pPr>
-              <a:t>‹#›</a:t>
+              <a:t>&lt;#&gt;</a:t>
             </a:fld>
             <a:endParaRPr/>
           </a:p>
@@ -19465,7 +19008,7 @@
                 </a:spcAft>
                 <a:buNone/>
               </a:pPr>
-              <a:t>‹#›</a:t>
+              <a:t>&lt;#&gt;</a:t>
             </a:fld>
             <a:endParaRPr/>
           </a:p>
@@ -20507,7 +20050,7 @@
                 </a:spcAft>
                 <a:buNone/>
               </a:pPr>
-              <a:t>‹#›</a:t>
+              <a:t>&lt;#&gt;</a:t>
             </a:fld>
             <a:endParaRPr/>
           </a:p>
@@ -22115,13 +21658,13 @@
           <p:nvPr>
             <p:extLst>
               <p:ext uri="{D42A27DB-BD31-4B8C-83A1-F6EECF244321}">
-                <p14:modId xmlns:p14="http://schemas.microsoft.com/office/powerpoint/2010/main" val="160719230"/>
+                <p14:modId xmlns:p14="http://schemas.microsoft.com/office/powerpoint/2010/main" xmlns="" val="160719230"/>
               </p:ext>
             </p:extLst>
           </p:nvPr>
         </p:nvGraphicFramePr>
         <p:xfrm>
-          <a:off x="4730750" y="2179608"/>
+          <a:off x="4604171" y="2179608"/>
           <a:ext cx="4505325" cy="3810000"/>
         </p:xfrm>
         <a:graphic>
@@ -22137,13 +21680,13 @@
           <p:nvPr>
             <p:extLst>
               <p:ext uri="{D42A27DB-BD31-4B8C-83A1-F6EECF244321}">
-                <p14:modId xmlns:p14="http://schemas.microsoft.com/office/powerpoint/2010/main" val="592282748"/>
+                <p14:modId xmlns:p14="http://schemas.microsoft.com/office/powerpoint/2010/main" xmlns="" val="592282748"/>
               </p:ext>
             </p:extLst>
           </p:nvPr>
         </p:nvGraphicFramePr>
         <p:xfrm>
-          <a:off x="66675" y="2179608"/>
+          <a:off x="32171" y="2179608"/>
           <a:ext cx="4505325" cy="3810000"/>
         </p:xfrm>
         <a:graphic>
@@ -22728,7 +22271,7 @@
           <p:nvPr>
             <p:extLst>
               <p:ext uri="{D42A27DB-BD31-4B8C-83A1-F6EECF244321}">
-                <p14:modId xmlns:p14="http://schemas.microsoft.com/office/powerpoint/2010/main" val="1657351773"/>
+                <p14:modId xmlns:p14="http://schemas.microsoft.com/office/powerpoint/2010/main" xmlns="" val="1657351773"/>
               </p:ext>
             </p:extLst>
           </p:nvPr>
@@ -22750,7 +22293,7 @@
           <p:nvPr>
             <p:extLst>
               <p:ext uri="{D42A27DB-BD31-4B8C-83A1-F6EECF244321}">
-                <p14:modId xmlns:p14="http://schemas.microsoft.com/office/powerpoint/2010/main" val="890856753"/>
+                <p14:modId xmlns:p14="http://schemas.microsoft.com/office/powerpoint/2010/main" xmlns="" val="890856753"/>
               </p:ext>
             </p:extLst>
           </p:nvPr>
@@ -23625,7 +23168,7 @@
           <p:nvPr>
             <p:extLst>
               <p:ext uri="{D42A27DB-BD31-4B8C-83A1-F6EECF244321}">
-                <p14:modId xmlns:p14="http://schemas.microsoft.com/office/powerpoint/2010/main" val="373251895"/>
+                <p14:modId xmlns:p14="http://schemas.microsoft.com/office/powerpoint/2010/main" xmlns="" val="373251895"/>
               </p:ext>
             </p:extLst>
           </p:nvPr>
@@ -23647,7 +23190,7 @@
           <p:nvPr>
             <p:extLst>
               <p:ext uri="{D42A27DB-BD31-4B8C-83A1-F6EECF244321}">
-                <p14:modId xmlns:p14="http://schemas.microsoft.com/office/powerpoint/2010/main" val="1681444403"/>
+                <p14:modId xmlns:p14="http://schemas.microsoft.com/office/powerpoint/2010/main" xmlns="" val="1681444403"/>
               </p:ext>
             </p:extLst>
           </p:nvPr>
@@ -24167,7 +23710,7 @@
           <p:nvPr>
             <p:extLst>
               <p:ext uri="{D42A27DB-BD31-4B8C-83A1-F6EECF244321}">
-                <p14:modId xmlns:p14="http://schemas.microsoft.com/office/powerpoint/2010/main" val="1402203137"/>
+                <p14:modId xmlns:p14="http://schemas.microsoft.com/office/powerpoint/2010/main" xmlns="" val="1402203137"/>
               </p:ext>
             </p:extLst>
           </p:nvPr>
@@ -24191,7 +23734,7 @@
           <p:nvPr>
             <p:extLst>
               <p:ext uri="{D42A27DB-BD31-4B8C-83A1-F6EECF244321}">
-                <p14:modId xmlns:p14="http://schemas.microsoft.com/office/powerpoint/2010/main" val="556686192"/>
+                <p14:modId xmlns:p14="http://schemas.microsoft.com/office/powerpoint/2010/main" xmlns="" val="556686192"/>
               </p:ext>
             </p:extLst>
           </p:nvPr>
@@ -24320,13 +23863,13 @@
           <p:nvPr>
             <p:extLst>
               <p:ext uri="{D42A27DB-BD31-4B8C-83A1-F6EECF244321}">
-                <p14:modId xmlns:p14="http://schemas.microsoft.com/office/powerpoint/2010/main" val="1428061558"/>
+                <p14:modId xmlns:p14="http://schemas.microsoft.com/office/powerpoint/2010/main" xmlns="" val="1428061558"/>
               </p:ext>
             </p:extLst>
           </p:nvPr>
         </p:nvGraphicFramePr>
         <p:xfrm>
-          <a:off x="4730750" y="2001077"/>
+          <a:off x="4612797" y="1957946"/>
           <a:ext cx="4505325" cy="3847870"/>
         </p:xfrm>
         <a:graphic>
@@ -24342,13 +23885,13 @@
           <p:nvPr>
             <p:extLst>
               <p:ext uri="{D42A27DB-BD31-4B8C-83A1-F6EECF244321}">
-                <p14:modId xmlns:p14="http://schemas.microsoft.com/office/powerpoint/2010/main" val="1035266957"/>
+                <p14:modId xmlns:p14="http://schemas.microsoft.com/office/powerpoint/2010/main" xmlns="" val="1035266957"/>
               </p:ext>
             </p:extLst>
           </p:nvPr>
         </p:nvGraphicFramePr>
         <p:xfrm>
-          <a:off x="79513" y="2001077"/>
+          <a:off x="53635" y="1957947"/>
           <a:ext cx="4492487" cy="3847869"/>
         </p:xfrm>
         <a:graphic>
@@ -25955,7 +25498,7 @@
           <p:nvPr>
             <p:extLst>
               <p:ext uri="{D42A27DB-BD31-4B8C-83A1-F6EECF244321}">
-                <p14:modId xmlns:p14="http://schemas.microsoft.com/office/powerpoint/2010/main" val="922535448"/>
+                <p14:modId xmlns:p14="http://schemas.microsoft.com/office/powerpoint/2010/main" xmlns="" val="922535448"/>
               </p:ext>
             </p:extLst>
           </p:nvPr>
@@ -25977,7 +25520,7 @@
           <p:nvPr>
             <p:extLst>
               <p:ext uri="{D42A27DB-BD31-4B8C-83A1-F6EECF244321}">
-                <p14:modId xmlns:p14="http://schemas.microsoft.com/office/powerpoint/2010/main" val="1829283508"/>
+                <p14:modId xmlns:p14="http://schemas.microsoft.com/office/powerpoint/2010/main" xmlns="" val="1829283508"/>
               </p:ext>
             </p:extLst>
           </p:nvPr>
@@ -26245,16 +25788,7 @@
                 <a:cs typeface="MS PGothic"/>
                 <a:sym typeface="MS PGothic"/>
               </a:rPr>
-              <a:t>P</a:t>
-            </a:r>
-            <a:r>
-              <a:rPr lang="en-US" altLang="ja-JP" dirty="0" smtClean="0">
-                <a:latin typeface="MS PGothic"/>
-                <a:ea typeface="MS PGothic"/>
-                <a:cs typeface="MS PGothic"/>
-                <a:sym typeface="MS PGothic"/>
-              </a:rPr>
-              <a:t>rewitt</a:t>
+              <a:t>Prewitt</a:t>
             </a:r>
             <a:r>
               <a:rPr lang="ja-JP" altLang="en-US" dirty="0" smtClean="0">
